--- a/presentation/Missing_Dataframe_Short.pptx
+++ b/presentation/Missing_Dataframe_Short.pptx
@@ -5,7 +5,7 @@
     <p:sldMasterId id="2147483648" r:id="rId1"/>
   </p:sldMasterIdLst>
   <p:notesMasterIdLst>
-    <p:notesMasterId r:id="rId31"/>
+    <p:notesMasterId r:id="rId32"/>
   </p:notesMasterIdLst>
   <p:sldIdLst>
     <p:sldId id="256" r:id="rId2"/>
@@ -25,18 +25,19 @@
     <p:sldId id="277" r:id="rId16"/>
     <p:sldId id="275" r:id="rId17"/>
     <p:sldId id="276" r:id="rId18"/>
-    <p:sldId id="278" r:id="rId19"/>
-    <p:sldId id="279" r:id="rId20"/>
-    <p:sldId id="281" r:id="rId21"/>
-    <p:sldId id="283" r:id="rId22"/>
-    <p:sldId id="280" r:id="rId23"/>
-    <p:sldId id="287" r:id="rId24"/>
-    <p:sldId id="284" r:id="rId25"/>
-    <p:sldId id="282" r:id="rId26"/>
-    <p:sldId id="285" r:id="rId27"/>
-    <p:sldId id="262" r:id="rId28"/>
-    <p:sldId id="261" r:id="rId29"/>
-    <p:sldId id="264" r:id="rId30"/>
+    <p:sldId id="288" r:id="rId19"/>
+    <p:sldId id="278" r:id="rId20"/>
+    <p:sldId id="279" r:id="rId21"/>
+    <p:sldId id="281" r:id="rId22"/>
+    <p:sldId id="283" r:id="rId23"/>
+    <p:sldId id="280" r:id="rId24"/>
+    <p:sldId id="287" r:id="rId25"/>
+    <p:sldId id="284" r:id="rId26"/>
+    <p:sldId id="282" r:id="rId27"/>
+    <p:sldId id="285" r:id="rId28"/>
+    <p:sldId id="262" r:id="rId29"/>
+    <p:sldId id="261" r:id="rId30"/>
+    <p:sldId id="264" r:id="rId31"/>
   </p:sldIdLst>
   <p:sldSz cx="12192000" cy="6858000"/>
   <p:notesSz cx="6858000" cy="9144000"/>
@@ -135,6 +136,11 @@
       </a:defRPr>
     </a:lvl9pPr>
   </p:defaultTextStyle>
+  <p:extLst>
+    <p:ext uri="{EFAFB233-063F-42B5-8137-9DF3F51BA10A}">
+      <p15:sldGuideLst xmlns:p15="http://schemas.microsoft.com/office/powerpoint/2012/main"/>
+    </p:ext>
+  </p:extLst>
 </p:presentation>
 </file>
 
@@ -220,7 +226,7 @@
           <a:p>
             <a:fld id="{59D1E3E3-F7E5-4D26-BCE5-1E8DBAC4B1AA}" type="datetimeFigureOut">
               <a:rPr lang="en-US" smtClean="0"/>
-              <a:t>5/20/2024</a:t>
+              <a:t>5/22/2024</a:t>
             </a:fld>
             <a:endParaRPr lang="en-US"/>
           </a:p>
@@ -745,7 +751,7 @@
           <a:p>
             <a:fld id="{77D6352B-BA5B-4A1D-AB49-5E743908BE91}" type="datetime1">
               <a:rPr lang="en-US" smtClean="0"/>
-              <a:t>5/20/2024</a:t>
+              <a:t>5/22/2024</a:t>
             </a:fld>
             <a:endParaRPr lang="en-US"/>
           </a:p>
@@ -943,7 +949,7 @@
           <a:p>
             <a:fld id="{7D1B32DB-E79B-4763-868D-383441D6F614}" type="datetime1">
               <a:rPr lang="en-US" smtClean="0"/>
-              <a:t>5/20/2024</a:t>
+              <a:t>5/22/2024</a:t>
             </a:fld>
             <a:endParaRPr lang="en-US"/>
           </a:p>
@@ -1151,7 +1157,7 @@
           <a:p>
             <a:fld id="{E23E7544-3EB1-47BD-A462-F9BF7255A2BF}" type="datetime1">
               <a:rPr lang="en-US" smtClean="0"/>
-              <a:t>5/20/2024</a:t>
+              <a:t>5/22/2024</a:t>
             </a:fld>
             <a:endParaRPr lang="en-US"/>
           </a:p>
@@ -1349,7 +1355,7 @@
           <a:p>
             <a:fld id="{4A0F25C9-3C83-41D4-A617-4432F1E1E972}" type="datetime1">
               <a:rPr lang="en-US" smtClean="0"/>
-              <a:t>5/20/2024</a:t>
+              <a:t>5/22/2024</a:t>
             </a:fld>
             <a:endParaRPr lang="en-US"/>
           </a:p>
@@ -1624,7 +1630,7 @@
           <a:p>
             <a:fld id="{6247C305-8E6B-457E-A3B0-A4C40E8A9C4F}" type="datetime1">
               <a:rPr lang="en-US" smtClean="0"/>
-              <a:t>5/20/2024</a:t>
+              <a:t>5/22/2024</a:t>
             </a:fld>
             <a:endParaRPr lang="en-US"/>
           </a:p>
@@ -1889,7 +1895,7 @@
           <a:p>
             <a:fld id="{DB34D47D-A168-4B92-9A98-D5AA5A6A1FDF}" type="datetime1">
               <a:rPr lang="en-US" smtClean="0"/>
-              <a:t>5/20/2024</a:t>
+              <a:t>5/22/2024</a:t>
             </a:fld>
             <a:endParaRPr lang="en-US"/>
           </a:p>
@@ -2301,7 +2307,7 @@
           <a:p>
             <a:fld id="{BCFBD965-401A-4C58-98FA-D36449B4F26B}" type="datetime1">
               <a:rPr lang="en-US" smtClean="0"/>
-              <a:t>5/20/2024</a:t>
+              <a:t>5/22/2024</a:t>
             </a:fld>
             <a:endParaRPr lang="en-US"/>
           </a:p>
@@ -2442,7 +2448,7 @@
           <a:p>
             <a:fld id="{518F2452-2226-43C0-A947-ED475BAE0B81}" type="datetime1">
               <a:rPr lang="en-US" smtClean="0"/>
-              <a:t>5/20/2024</a:t>
+              <a:t>5/22/2024</a:t>
             </a:fld>
             <a:endParaRPr lang="en-US"/>
           </a:p>
@@ -2555,7 +2561,7 @@
           <a:p>
             <a:fld id="{F5E85072-08C0-4B11-AF33-6811142FA32C}" type="datetime1">
               <a:rPr lang="en-US" smtClean="0"/>
-              <a:t>5/20/2024</a:t>
+              <a:t>5/22/2024</a:t>
             </a:fld>
             <a:endParaRPr lang="en-US"/>
           </a:p>
@@ -2866,7 +2872,7 @@
           <a:p>
             <a:fld id="{E58D1819-0C4A-4005-98BB-7C8D0306AE63}" type="datetime1">
               <a:rPr lang="en-US" smtClean="0"/>
-              <a:t>5/20/2024</a:t>
+              <a:t>5/22/2024</a:t>
             </a:fld>
             <a:endParaRPr lang="en-US"/>
           </a:p>
@@ -3154,7 +3160,7 @@
           <a:p>
             <a:fld id="{3CD9F770-7774-4F2F-BBCC-30A1B7F6EBC3}" type="datetime1">
               <a:rPr lang="en-US" smtClean="0"/>
-              <a:t>5/20/2024</a:t>
+              <a:t>5/22/2024</a:t>
             </a:fld>
             <a:endParaRPr lang="en-US"/>
           </a:p>
@@ -3426,7 +3432,7 @@
           <a:p>
             <a:fld id="{629F136A-9756-4F3B-9689-7316B3691752}" type="datetime1">
               <a:rPr lang="en-US" smtClean="0"/>
-              <a:t>5/20/2024</a:t>
+              <a:t>5/22/2024</a:t>
             </a:fld>
             <a:endParaRPr lang="en-US"/>
           </a:p>
@@ -8740,7 +8746,23 @@
                 <a:latin typeface="JetBrains Mono" panose="02000009000000000000" pitchFamily="49" charset="0"/>
                 <a:cs typeface="JetBrains Mono" panose="02000009000000000000" pitchFamily="49" charset="0"/>
               </a:rPr>
-              <a:t>                    min</a:t>
+              <a:t>                    </a:t>
+            </a:r>
+            <a:r>
+              <a:rPr kumimoji="0" lang="en-US" altLang="en-US" sz="1600" b="0" i="1" u="none" strike="noStrike" cap="none" normalizeH="0" baseline="0" dirty="0">
+                <a:ln>
+                  <a:noFill/>
+                </a:ln>
+                <a:solidFill>
+                  <a:schemeClr val="accent5">
+                    <a:lumMod val="75000"/>
+                  </a:schemeClr>
+                </a:solidFill>
+                <a:effectLst/>
+                <a:latin typeface="JetBrains Mono" panose="02000009000000000000" pitchFamily="49" charset="0"/>
+                <a:cs typeface="JetBrains Mono" panose="02000009000000000000" pitchFamily="49" charset="0"/>
+              </a:rPr>
+              <a:t>min</a:t>
             </a:r>
             <a:r>
               <a:rPr kumimoji="0" lang="en-US" altLang="en-US" sz="1600" b="0" i="0" u="none" strike="noStrike" cap="none" normalizeH="0" baseline="0" dirty="0">
@@ -8849,7 +8871,9 @@
                   <a:noFill/>
                 </a:ln>
                 <a:solidFill>
-                  <a:srgbClr val="080808"/>
+                  <a:schemeClr val="accent5">
+                    <a:lumMod val="75000"/>
+                  </a:schemeClr>
                 </a:solidFill>
                 <a:effectLst/>
                 <a:latin typeface="JetBrains Mono" panose="02000009000000000000" pitchFamily="49" charset="0"/>
@@ -8950,7 +8974,9 @@
                   <a:noFill/>
                 </a:ln>
                 <a:solidFill>
-                  <a:srgbClr val="080808"/>
+                  <a:schemeClr val="accent5">
+                    <a:lumMod val="75000"/>
+                  </a:schemeClr>
                 </a:solidFill>
                 <a:effectLst/>
                 <a:latin typeface="JetBrains Mono" panose="02000009000000000000" pitchFamily="49" charset="0"/>
@@ -11961,6 +11987,186 @@
           </a:p>
         </p:txBody>
       </p:sp>
+      <p:cxnSp>
+        <p:nvCxnSpPr>
+          <p:cNvPr id="8" name="Straight Arrow Connector 7">
+            <a:extLst>
+              <a:ext uri="{FF2B5EF4-FFF2-40B4-BE49-F238E27FC236}">
+                <a16:creationId xmlns:a16="http://schemas.microsoft.com/office/drawing/2014/main" id="{5A16DD7F-53DC-D833-EEC1-2300072377BF}"/>
+              </a:ext>
+            </a:extLst>
+          </p:cNvPr>
+          <p:cNvCxnSpPr>
+            <a:cxnSpLocks/>
+            <a:stCxn id="12" idx="1"/>
+          </p:cNvCxnSpPr>
+          <p:nvPr/>
+        </p:nvCxnSpPr>
+        <p:spPr>
+          <a:xfrm>
+            <a:off x="314534" y="3872340"/>
+            <a:ext cx="2247901" cy="145652"/>
+          </a:xfrm>
+          <a:prstGeom prst="straightConnector1">
+            <a:avLst/>
+          </a:prstGeom>
+          <a:ln>
+            <a:prstDash val="dash"/>
+            <a:tailEnd type="triangle"/>
+          </a:ln>
+        </p:spPr>
+        <p:style>
+          <a:lnRef idx="2">
+            <a:schemeClr val="accent1"/>
+          </a:lnRef>
+          <a:fillRef idx="0">
+            <a:schemeClr val="accent1"/>
+          </a:fillRef>
+          <a:effectRef idx="1">
+            <a:schemeClr val="accent1"/>
+          </a:effectRef>
+          <a:fontRef idx="minor">
+            <a:schemeClr val="tx1"/>
+          </a:fontRef>
+        </p:style>
+      </p:cxnSp>
+      <p:cxnSp>
+        <p:nvCxnSpPr>
+          <p:cNvPr id="10" name="Straight Arrow Connector 9">
+            <a:extLst>
+              <a:ext uri="{FF2B5EF4-FFF2-40B4-BE49-F238E27FC236}">
+                <a16:creationId xmlns:a16="http://schemas.microsoft.com/office/drawing/2014/main" id="{0047D993-4D39-45DD-74D5-1521532E4C1B}"/>
+              </a:ext>
+            </a:extLst>
+          </p:cNvPr>
+          <p:cNvCxnSpPr>
+            <a:cxnSpLocks/>
+            <a:stCxn id="12" idx="1"/>
+          </p:cNvCxnSpPr>
+          <p:nvPr/>
+        </p:nvCxnSpPr>
+        <p:spPr>
+          <a:xfrm flipV="1">
+            <a:off x="314534" y="3783583"/>
+            <a:ext cx="2247901" cy="88757"/>
+          </a:xfrm>
+          <a:prstGeom prst="straightConnector1">
+            <a:avLst/>
+          </a:prstGeom>
+          <a:ln>
+            <a:prstDash val="dash"/>
+            <a:tailEnd type="triangle"/>
+          </a:ln>
+        </p:spPr>
+        <p:style>
+          <a:lnRef idx="2">
+            <a:schemeClr val="accent1"/>
+          </a:lnRef>
+          <a:fillRef idx="0">
+            <a:schemeClr val="accent1"/>
+          </a:fillRef>
+          <a:effectRef idx="1">
+            <a:schemeClr val="accent1"/>
+          </a:effectRef>
+          <a:fontRef idx="minor">
+            <a:schemeClr val="tx1"/>
+          </a:fontRef>
+        </p:style>
+      </p:cxnSp>
+      <p:cxnSp>
+        <p:nvCxnSpPr>
+          <p:cNvPr id="11" name="Straight Arrow Connector 10">
+            <a:extLst>
+              <a:ext uri="{FF2B5EF4-FFF2-40B4-BE49-F238E27FC236}">
+                <a16:creationId xmlns:a16="http://schemas.microsoft.com/office/drawing/2014/main" id="{C81C4F64-6B59-E8E5-8577-30B3A149AE2A}"/>
+              </a:ext>
+            </a:extLst>
+          </p:cNvPr>
+          <p:cNvCxnSpPr>
+            <a:cxnSpLocks/>
+            <a:stCxn id="12" idx="1"/>
+          </p:cNvCxnSpPr>
+          <p:nvPr/>
+        </p:nvCxnSpPr>
+        <p:spPr>
+          <a:xfrm flipV="1">
+            <a:off x="314534" y="3549174"/>
+            <a:ext cx="2247901" cy="323166"/>
+          </a:xfrm>
+          <a:prstGeom prst="straightConnector1">
+            <a:avLst/>
+          </a:prstGeom>
+          <a:ln>
+            <a:prstDash val="dash"/>
+            <a:tailEnd type="triangle"/>
+          </a:ln>
+        </p:spPr>
+        <p:style>
+          <a:lnRef idx="2">
+            <a:schemeClr val="accent1"/>
+          </a:lnRef>
+          <a:fillRef idx="0">
+            <a:schemeClr val="accent1"/>
+          </a:fillRef>
+          <a:effectRef idx="1">
+            <a:schemeClr val="accent1"/>
+          </a:effectRef>
+          <a:fontRef idx="minor">
+            <a:schemeClr val="tx1"/>
+          </a:fontRef>
+        </p:style>
+      </p:cxnSp>
+      <p:sp>
+        <p:nvSpPr>
+          <p:cNvPr id="12" name="TextBox 11">
+            <a:extLst>
+              <a:ext uri="{FF2B5EF4-FFF2-40B4-BE49-F238E27FC236}">
+                <a16:creationId xmlns:a16="http://schemas.microsoft.com/office/drawing/2014/main" id="{644E5EF0-E97D-DBF9-8BDA-A88DA694D009}"/>
+              </a:ext>
+            </a:extLst>
+          </p:cNvPr>
+          <p:cNvSpPr txBox="1"/>
+          <p:nvPr/>
+        </p:nvSpPr>
+        <p:spPr>
+          <a:xfrm>
+            <a:off x="314534" y="3549174"/>
+            <a:ext cx="1047331" cy="646331"/>
+          </a:xfrm>
+          <a:prstGeom prst="rect">
+            <a:avLst/>
+          </a:prstGeom>
+          <a:solidFill>
+            <a:schemeClr val="bg1"/>
+          </a:solidFill>
+        </p:spPr>
+        <p:txBody>
+          <a:bodyPr wrap="square" rtlCol="0">
+            <a:spAutoFit/>
+          </a:bodyPr>
+          <a:lstStyle/>
+          <a:p>
+            <a:r>
+              <a:rPr lang="en-US" dirty="0">
+                <a:solidFill>
+                  <a:srgbClr val="C00000"/>
+                </a:solidFill>
+              </a:rPr>
+              <a:t>static</a:t>
+            </a:r>
+          </a:p>
+          <a:p>
+            <a:r>
+              <a:rPr lang="en-US" dirty="0">
+                <a:solidFill>
+                  <a:srgbClr val="C00000"/>
+                </a:solidFill>
+              </a:rPr>
+              <a:t>imports</a:t>
+            </a:r>
+          </a:p>
+        </p:txBody>
+      </p:sp>
     </p:spTree>
     <p:extLst>
       <p:ext uri="{BB962C8B-B14F-4D97-AF65-F5344CB8AC3E}">
@@ -13094,8 +13300,8 @@
         </p:nvSpPr>
         <p:spPr>
           <a:xfrm>
-            <a:off x="1264921" y="1437404"/>
-            <a:ext cx="9662160" cy="5242012"/>
+            <a:off x="1264920" y="1464045"/>
+            <a:ext cx="9662160" cy="4380238"/>
           </a:xfrm>
           <a:prstGeom prst="rect">
             <a:avLst/>
@@ -13110,225 +13316,6 @@
             <a:spAutoFit/>
           </a:bodyPr>
           <a:lstStyle/>
-          <a:p>
-            <a:pPr marL="0" marR="0" lvl="0" indent="0" algn="l" defTabSz="914400" rtl="0" eaLnBrk="0" fontAlgn="base" latinLnBrk="0" hangingPunct="0">
-              <a:lnSpc>
-                <a:spcPct val="125000"/>
-              </a:lnSpc>
-              <a:spcBef>
-                <a:spcPct val="0"/>
-              </a:spcBef>
-              <a:spcAft>
-                <a:spcPct val="0"/>
-              </a:spcAft>
-              <a:buClrTx/>
-              <a:buSzTx/>
-              <a:buFontTx/>
-              <a:buNone/>
-              <a:tabLst/>
-            </a:pPr>
-            <a:r>
-              <a:rPr kumimoji="0" lang="en-US" altLang="en-US" sz="1600" b="0" i="0" u="none" strike="noStrike" cap="none" normalizeH="0" baseline="0" dirty="0">
-                <a:ln>
-                  <a:noFill/>
-                </a:ln>
-                <a:solidFill>
-                  <a:srgbClr val="0033B3"/>
-                </a:solidFill>
-                <a:effectLst/>
-                <a:latin typeface="JetBrains Mono" panose="02000009000000000000" pitchFamily="49" charset="0"/>
-                <a:cs typeface="JetBrains Mono" panose="02000009000000000000" pitchFamily="49" charset="0"/>
-              </a:rPr>
-              <a:t>import static </a:t>
-            </a:r>
-            <a:r>
-              <a:rPr kumimoji="0" lang="en-US" altLang="en-US" sz="1600" b="0" i="0" u="none" strike="noStrike" cap="none" normalizeH="0" baseline="0" dirty="0" err="1">
-                <a:ln>
-                  <a:noFill/>
-                </a:ln>
-                <a:solidFill>
-                  <a:srgbClr val="000000"/>
-                </a:solidFill>
-                <a:effectLst/>
-                <a:latin typeface="JetBrains Mono" panose="02000009000000000000" pitchFamily="49" charset="0"/>
-                <a:cs typeface="JetBrains Mono" panose="02000009000000000000" pitchFamily="49" charset="0"/>
-              </a:rPr>
-              <a:t>tech.tablesaw.api.ColumnType</a:t>
-            </a:r>
-            <a:r>
-              <a:rPr kumimoji="0" lang="en-US" altLang="en-US" sz="1600" b="0" i="0" u="none" strike="noStrike" cap="none" normalizeH="0" baseline="0" dirty="0" err="1">
-                <a:ln>
-                  <a:noFill/>
-                </a:ln>
-                <a:solidFill>
-                  <a:srgbClr val="080808"/>
-                </a:solidFill>
-                <a:effectLst/>
-                <a:latin typeface="JetBrains Mono" panose="02000009000000000000" pitchFamily="49" charset="0"/>
-                <a:cs typeface="JetBrains Mono" panose="02000009000000000000" pitchFamily="49" charset="0"/>
-              </a:rPr>
-              <a:t>.</a:t>
-            </a:r>
-            <a:r>
-              <a:rPr kumimoji="0" lang="en-US" altLang="en-US" sz="1600" b="0" i="1" u="none" strike="noStrike" cap="none" normalizeH="0" baseline="0" dirty="0" err="1">
-                <a:ln>
-                  <a:noFill/>
-                </a:ln>
-                <a:solidFill>
-                  <a:srgbClr val="871094"/>
-                </a:solidFill>
-                <a:effectLst/>
-                <a:latin typeface="JetBrains Mono" panose="02000009000000000000" pitchFamily="49" charset="0"/>
-                <a:cs typeface="JetBrains Mono" panose="02000009000000000000" pitchFamily="49" charset="0"/>
-              </a:rPr>
-              <a:t>FLOAT</a:t>
-            </a:r>
-            <a:r>
-              <a:rPr kumimoji="0" lang="en-US" altLang="en-US" sz="1600" b="0" i="0" u="none" strike="noStrike" cap="none" normalizeH="0" baseline="0" dirty="0">
-                <a:ln>
-                  <a:noFill/>
-                </a:ln>
-                <a:solidFill>
-                  <a:srgbClr val="080808"/>
-                </a:solidFill>
-                <a:effectLst/>
-                <a:latin typeface="JetBrains Mono" panose="02000009000000000000" pitchFamily="49" charset="0"/>
-                <a:cs typeface="JetBrains Mono" panose="02000009000000000000" pitchFamily="49" charset="0"/>
-              </a:rPr>
-              <a:t>;</a:t>
-            </a:r>
-            <a:br>
-              <a:rPr kumimoji="0" lang="en-US" altLang="en-US" sz="1600" b="0" i="0" u="none" strike="noStrike" cap="none" normalizeH="0" baseline="0" dirty="0">
-                <a:ln>
-                  <a:noFill/>
-                </a:ln>
-                <a:solidFill>
-                  <a:srgbClr val="080808"/>
-                </a:solidFill>
-                <a:effectLst/>
-                <a:latin typeface="JetBrains Mono" panose="02000009000000000000" pitchFamily="49" charset="0"/>
-                <a:cs typeface="JetBrains Mono" panose="02000009000000000000" pitchFamily="49" charset="0"/>
-              </a:rPr>
-            </a:br>
-            <a:r>
-              <a:rPr kumimoji="0" lang="en-US" altLang="en-US" sz="1600" b="0" i="0" u="none" strike="noStrike" cap="none" normalizeH="0" baseline="0" dirty="0">
-                <a:ln>
-                  <a:noFill/>
-                </a:ln>
-                <a:solidFill>
-                  <a:srgbClr val="0033B3"/>
-                </a:solidFill>
-                <a:effectLst/>
-                <a:latin typeface="JetBrains Mono" panose="02000009000000000000" pitchFamily="49" charset="0"/>
-                <a:cs typeface="JetBrains Mono" panose="02000009000000000000" pitchFamily="49" charset="0"/>
-              </a:rPr>
-              <a:t>import static </a:t>
-            </a:r>
-            <a:r>
-              <a:rPr kumimoji="0" lang="en-US" altLang="en-US" sz="1600" b="0" i="0" u="none" strike="noStrike" cap="none" normalizeH="0" baseline="0" dirty="0" err="1">
-                <a:ln>
-                  <a:noFill/>
-                </a:ln>
-                <a:solidFill>
-                  <a:srgbClr val="000000"/>
-                </a:solidFill>
-                <a:effectLst/>
-                <a:latin typeface="JetBrains Mono" panose="02000009000000000000" pitchFamily="49" charset="0"/>
-                <a:cs typeface="JetBrains Mono" panose="02000009000000000000" pitchFamily="49" charset="0"/>
-              </a:rPr>
-              <a:t>tech.tablesaw.api.ColumnType</a:t>
-            </a:r>
-            <a:r>
-              <a:rPr kumimoji="0" lang="en-US" altLang="en-US" sz="1600" b="0" i="0" u="none" strike="noStrike" cap="none" normalizeH="0" baseline="0" dirty="0" err="1">
-                <a:ln>
-                  <a:noFill/>
-                </a:ln>
-                <a:solidFill>
-                  <a:srgbClr val="080808"/>
-                </a:solidFill>
-                <a:effectLst/>
-                <a:latin typeface="JetBrains Mono" panose="02000009000000000000" pitchFamily="49" charset="0"/>
-                <a:cs typeface="JetBrains Mono" panose="02000009000000000000" pitchFamily="49" charset="0"/>
-              </a:rPr>
-              <a:t>.</a:t>
-            </a:r>
-            <a:r>
-              <a:rPr kumimoji="0" lang="en-US" altLang="en-US" sz="1600" b="0" i="1" u="none" strike="noStrike" cap="none" normalizeH="0" baseline="0" dirty="0" err="1">
-                <a:ln>
-                  <a:noFill/>
-                </a:ln>
-                <a:solidFill>
-                  <a:srgbClr val="871094"/>
-                </a:solidFill>
-                <a:effectLst/>
-                <a:latin typeface="JetBrains Mono" panose="02000009000000000000" pitchFamily="49" charset="0"/>
-                <a:cs typeface="JetBrains Mono" panose="02000009000000000000" pitchFamily="49" charset="0"/>
-              </a:rPr>
-              <a:t>STRING</a:t>
-            </a:r>
-            <a:r>
-              <a:rPr kumimoji="0" lang="en-US" altLang="en-US" sz="1600" b="0" i="0" u="none" strike="noStrike" cap="none" normalizeH="0" baseline="0" dirty="0">
-                <a:ln>
-                  <a:noFill/>
-                </a:ln>
-                <a:solidFill>
-                  <a:srgbClr val="080808"/>
-                </a:solidFill>
-                <a:effectLst/>
-                <a:latin typeface="JetBrains Mono" panose="02000009000000000000" pitchFamily="49" charset="0"/>
-                <a:cs typeface="JetBrains Mono" panose="02000009000000000000" pitchFamily="49" charset="0"/>
-              </a:rPr>
-              <a:t>;</a:t>
-            </a:r>
-            <a:endParaRPr kumimoji="0" lang="en-US" altLang="en-US" sz="1600" b="0" i="0" u="none" strike="noStrike" cap="none" normalizeH="0" baseline="0" dirty="0">
-              <a:ln>
-                <a:noFill/>
-              </a:ln>
-              <a:solidFill>
-                <a:srgbClr val="000000"/>
-              </a:solidFill>
-              <a:effectLst/>
-              <a:latin typeface="JetBrains Mono Light" panose="02000009000000000000" pitchFamily="49" charset="0"/>
-              <a:ea typeface="JetBrains Mono Light" panose="02000009000000000000" pitchFamily="49" charset="0"/>
-              <a:cs typeface="JetBrains Mono Light" panose="02000009000000000000" pitchFamily="49" charset="0"/>
-            </a:endParaRPr>
-          </a:p>
-          <a:p>
-            <a:pPr eaLnBrk="0" fontAlgn="base" hangingPunct="0">
-              <a:spcBef>
-                <a:spcPct val="0"/>
-              </a:spcBef>
-              <a:spcAft>
-                <a:spcPct val="0"/>
-              </a:spcAft>
-            </a:pPr>
-            <a:r>
-              <a:rPr kumimoji="0" lang="en-US" altLang="en-US" sz="1600" b="0" i="0" u="none" strike="noStrike" cap="none" normalizeH="0" baseline="0" dirty="0">
-                <a:ln>
-                  <a:noFill/>
-                </a:ln>
-                <a:solidFill>
-                  <a:srgbClr val="000000"/>
-                </a:solidFill>
-                <a:effectLst/>
-                <a:latin typeface="JetBrains Mono Light" panose="02000009000000000000" pitchFamily="49" charset="0"/>
-                <a:ea typeface="JetBrains Mono Light" panose="02000009000000000000" pitchFamily="49" charset="0"/>
-                <a:cs typeface="JetBrains Mono Light" panose="02000009000000000000" pitchFamily="49" charset="0"/>
-              </a:rPr>
-              <a:t>...</a:t>
-            </a:r>
-            <a:endParaRPr kumimoji="0" lang="en-US" altLang="en-US" sz="1600" b="0" i="0" u="none" strike="noStrike" cap="none" normalizeH="0" baseline="0" dirty="0">
-              <a:ln>
-                <a:noFill/>
-              </a:ln>
-              <a:solidFill>
-                <a:srgbClr val="000000"/>
-              </a:solidFill>
-              <a:effectLst/>
-              <a:latin typeface="JetBrains Mono" panose="02000009000000000000" pitchFamily="49" charset="0"/>
-              <a:cs typeface="JetBrains Mono" panose="02000009000000000000" pitchFamily="49" charset="0"/>
-            </a:endParaRPr>
-          </a:p>
           <a:p>
             <a:pPr marL="0" marR="0" lvl="0" indent="0" algn="l" defTabSz="914400" rtl="0" eaLnBrk="0" fontAlgn="base" latinLnBrk="0" hangingPunct="0">
               <a:lnSpc>
@@ -14617,8 +14604,8 @@
         </p:nvSpPr>
         <p:spPr>
           <a:xfrm>
-            <a:off x="1889760" y="1816988"/>
-            <a:ext cx="8412480" cy="3224024"/>
+            <a:off x="1889760" y="2778789"/>
+            <a:ext cx="8412480" cy="1300421"/>
           </a:xfrm>
           <a:prstGeom prst="rect">
             <a:avLst/>
@@ -14633,344 +14620,6 @@
             <a:spAutoFit/>
           </a:bodyPr>
           <a:lstStyle/>
-          <a:p>
-            <a:pPr eaLnBrk="0" fontAlgn="base" hangingPunct="0">
-              <a:lnSpc>
-                <a:spcPct val="125000"/>
-              </a:lnSpc>
-              <a:spcBef>
-                <a:spcPct val="0"/>
-              </a:spcBef>
-              <a:spcAft>
-                <a:spcPct val="0"/>
-              </a:spcAft>
-            </a:pPr>
-            <a:r>
-              <a:rPr kumimoji="0" lang="en-US" altLang="en-US" sz="1600" b="0" i="0" u="none" strike="noStrike" cap="none" normalizeH="0" baseline="0" dirty="0">
-                <a:ln>
-                  <a:noFill/>
-                </a:ln>
-                <a:solidFill>
-                  <a:srgbClr val="0033B3"/>
-                </a:solidFill>
-                <a:effectLst/>
-                <a:latin typeface="JetBrains Mono" panose="02000009000000000000" pitchFamily="49" charset="0"/>
-                <a:cs typeface="JetBrains Mono" panose="02000009000000000000" pitchFamily="49" charset="0"/>
-              </a:rPr>
-              <a:t>import static </a:t>
-            </a:r>
-            <a:r>
-              <a:rPr kumimoji="0" lang="en-US" altLang="en-US" sz="1600" b="0" i="0" u="none" strike="noStrike" cap="none" normalizeH="0" baseline="0" dirty="0" err="1">
-                <a:ln>
-                  <a:noFill/>
-                </a:ln>
-                <a:solidFill>
-                  <a:srgbClr val="000000"/>
-                </a:solidFill>
-                <a:effectLst/>
-                <a:latin typeface="JetBrains Mono" panose="02000009000000000000" pitchFamily="49" charset="0"/>
-                <a:cs typeface="JetBrains Mono" panose="02000009000000000000" pitchFamily="49" charset="0"/>
-              </a:rPr>
-              <a:t>tech.tablesaw.aggregate.AggregateFunctions</a:t>
-            </a:r>
-            <a:r>
-              <a:rPr kumimoji="0" lang="en-US" altLang="en-US" sz="1600" b="0" i="0" u="none" strike="noStrike" cap="none" normalizeH="0" baseline="0" dirty="0" err="1">
-                <a:ln>
-                  <a:noFill/>
-                </a:ln>
-                <a:solidFill>
-                  <a:srgbClr val="080808"/>
-                </a:solidFill>
-                <a:effectLst/>
-                <a:latin typeface="JetBrains Mono" panose="02000009000000000000" pitchFamily="49" charset="0"/>
-                <a:cs typeface="JetBrains Mono" panose="02000009000000000000" pitchFamily="49" charset="0"/>
-              </a:rPr>
-              <a:t>.</a:t>
-            </a:r>
-            <a:r>
-              <a:rPr kumimoji="0" lang="en-US" altLang="en-US" sz="1600" b="0" i="1" u="none" strike="noStrike" cap="none" normalizeH="0" baseline="0" dirty="0" err="1">
-                <a:ln>
-                  <a:noFill/>
-                </a:ln>
-                <a:solidFill>
-                  <a:srgbClr val="871094"/>
-                </a:solidFill>
-                <a:effectLst/>
-                <a:latin typeface="JetBrains Mono" panose="02000009000000000000" pitchFamily="49" charset="0"/>
-                <a:cs typeface="JetBrains Mono" panose="02000009000000000000" pitchFamily="49" charset="0"/>
-              </a:rPr>
-              <a:t>max</a:t>
-            </a:r>
-            <a:r>
-              <a:rPr kumimoji="0" lang="en-US" altLang="en-US" sz="1600" b="0" i="0" u="none" strike="noStrike" cap="none" normalizeH="0" baseline="0" dirty="0">
-                <a:ln>
-                  <a:noFill/>
-                </a:ln>
-                <a:solidFill>
-                  <a:srgbClr val="080808"/>
-                </a:solidFill>
-                <a:effectLst/>
-                <a:latin typeface="JetBrains Mono" panose="02000009000000000000" pitchFamily="49" charset="0"/>
-                <a:cs typeface="JetBrains Mono" panose="02000009000000000000" pitchFamily="49" charset="0"/>
-              </a:rPr>
-              <a:t>;</a:t>
-            </a:r>
-            <a:br>
-              <a:rPr kumimoji="0" lang="en-US" altLang="en-US" sz="1600" b="0" i="0" u="none" strike="noStrike" cap="none" normalizeH="0" baseline="0" dirty="0">
-                <a:ln>
-                  <a:noFill/>
-                </a:ln>
-                <a:solidFill>
-                  <a:srgbClr val="080808"/>
-                </a:solidFill>
-                <a:effectLst/>
-                <a:latin typeface="JetBrains Mono" panose="02000009000000000000" pitchFamily="49" charset="0"/>
-                <a:cs typeface="JetBrains Mono" panose="02000009000000000000" pitchFamily="49" charset="0"/>
-              </a:rPr>
-            </a:br>
-            <a:r>
-              <a:rPr kumimoji="0" lang="en-US" altLang="en-US" sz="1600" b="0" i="0" u="none" strike="noStrike" cap="none" normalizeH="0" baseline="0" dirty="0">
-                <a:ln>
-                  <a:noFill/>
-                </a:ln>
-                <a:solidFill>
-                  <a:srgbClr val="0033B3"/>
-                </a:solidFill>
-                <a:effectLst/>
-                <a:latin typeface="JetBrains Mono" panose="02000009000000000000" pitchFamily="49" charset="0"/>
-                <a:cs typeface="JetBrains Mono" panose="02000009000000000000" pitchFamily="49" charset="0"/>
-              </a:rPr>
-              <a:t>import static </a:t>
-            </a:r>
-            <a:r>
-              <a:rPr kumimoji="0" lang="en-US" altLang="en-US" sz="1600" b="0" i="0" u="none" strike="noStrike" cap="none" normalizeH="0" baseline="0" dirty="0" err="1">
-                <a:ln>
-                  <a:noFill/>
-                </a:ln>
-                <a:solidFill>
-                  <a:srgbClr val="000000"/>
-                </a:solidFill>
-                <a:effectLst/>
-                <a:latin typeface="JetBrains Mono" panose="02000009000000000000" pitchFamily="49" charset="0"/>
-                <a:cs typeface="JetBrains Mono" panose="02000009000000000000" pitchFamily="49" charset="0"/>
-              </a:rPr>
-              <a:t>tech.tablesaw.aggregate.AggregateFunctions</a:t>
-            </a:r>
-            <a:r>
-              <a:rPr kumimoji="0" lang="en-US" altLang="en-US" sz="1600" b="0" i="0" u="none" strike="noStrike" cap="none" normalizeH="0" baseline="0" dirty="0" err="1">
-                <a:ln>
-                  <a:noFill/>
-                </a:ln>
-                <a:solidFill>
-                  <a:srgbClr val="080808"/>
-                </a:solidFill>
-                <a:effectLst/>
-                <a:latin typeface="JetBrains Mono" panose="02000009000000000000" pitchFamily="49" charset="0"/>
-                <a:cs typeface="JetBrains Mono" panose="02000009000000000000" pitchFamily="49" charset="0"/>
-              </a:rPr>
-              <a:t>.</a:t>
-            </a:r>
-            <a:r>
-              <a:rPr kumimoji="0" lang="en-US" altLang="en-US" sz="1600" b="0" i="1" u="none" strike="noStrike" cap="none" normalizeH="0" baseline="0" dirty="0" err="1">
-                <a:ln>
-                  <a:noFill/>
-                </a:ln>
-                <a:solidFill>
-                  <a:srgbClr val="871094"/>
-                </a:solidFill>
-                <a:effectLst/>
-                <a:latin typeface="JetBrains Mono" panose="02000009000000000000" pitchFamily="49" charset="0"/>
-                <a:cs typeface="JetBrains Mono" panose="02000009000000000000" pitchFamily="49" charset="0"/>
-              </a:rPr>
-              <a:t>mean</a:t>
-            </a:r>
-            <a:r>
-              <a:rPr kumimoji="0" lang="en-US" altLang="en-US" sz="1600" b="0" i="0" u="none" strike="noStrike" cap="none" normalizeH="0" baseline="0" dirty="0">
-                <a:ln>
-                  <a:noFill/>
-                </a:ln>
-                <a:solidFill>
-                  <a:srgbClr val="080808"/>
-                </a:solidFill>
-                <a:effectLst/>
-                <a:latin typeface="JetBrains Mono" panose="02000009000000000000" pitchFamily="49" charset="0"/>
-                <a:cs typeface="JetBrains Mono" panose="02000009000000000000" pitchFamily="49" charset="0"/>
-              </a:rPr>
-              <a:t>;</a:t>
-            </a:r>
-            <a:br>
-              <a:rPr kumimoji="0" lang="en-US" altLang="en-US" sz="1600" b="0" i="0" u="none" strike="noStrike" cap="none" normalizeH="0" baseline="0" dirty="0">
-                <a:ln>
-                  <a:noFill/>
-                </a:ln>
-                <a:solidFill>
-                  <a:srgbClr val="080808"/>
-                </a:solidFill>
-                <a:effectLst/>
-                <a:latin typeface="JetBrains Mono" panose="02000009000000000000" pitchFamily="49" charset="0"/>
-                <a:cs typeface="JetBrains Mono" panose="02000009000000000000" pitchFamily="49" charset="0"/>
-              </a:rPr>
-            </a:br>
-            <a:r>
-              <a:rPr kumimoji="0" lang="en-US" altLang="en-US" sz="1600" b="0" i="0" u="none" strike="noStrike" cap="none" normalizeH="0" baseline="0" dirty="0">
-                <a:ln>
-                  <a:noFill/>
-                </a:ln>
-                <a:solidFill>
-                  <a:srgbClr val="0033B3"/>
-                </a:solidFill>
-                <a:effectLst/>
-                <a:latin typeface="JetBrains Mono" panose="02000009000000000000" pitchFamily="49" charset="0"/>
-                <a:cs typeface="JetBrains Mono" panose="02000009000000000000" pitchFamily="49" charset="0"/>
-              </a:rPr>
-              <a:t>import static </a:t>
-            </a:r>
-            <a:r>
-              <a:rPr kumimoji="0" lang="en-US" altLang="en-US" sz="1600" b="0" i="0" u="none" strike="noStrike" cap="none" normalizeH="0" baseline="0" dirty="0" err="1">
-                <a:ln>
-                  <a:noFill/>
-                </a:ln>
-                <a:solidFill>
-                  <a:srgbClr val="000000"/>
-                </a:solidFill>
-                <a:effectLst/>
-                <a:latin typeface="JetBrains Mono" panose="02000009000000000000" pitchFamily="49" charset="0"/>
-                <a:cs typeface="JetBrains Mono" panose="02000009000000000000" pitchFamily="49" charset="0"/>
-              </a:rPr>
-              <a:t>tech.tablesaw.aggregate.AggregateFunctions</a:t>
-            </a:r>
-            <a:r>
-              <a:rPr kumimoji="0" lang="en-US" altLang="en-US" sz="1600" b="0" i="0" u="none" strike="noStrike" cap="none" normalizeH="0" baseline="0" dirty="0" err="1">
-                <a:ln>
-                  <a:noFill/>
-                </a:ln>
-                <a:solidFill>
-                  <a:srgbClr val="080808"/>
-                </a:solidFill>
-                <a:effectLst/>
-                <a:latin typeface="JetBrains Mono" panose="02000009000000000000" pitchFamily="49" charset="0"/>
-                <a:cs typeface="JetBrains Mono" panose="02000009000000000000" pitchFamily="49" charset="0"/>
-              </a:rPr>
-              <a:t>.</a:t>
-            </a:r>
-            <a:r>
-              <a:rPr kumimoji="0" lang="en-US" altLang="en-US" sz="1600" b="0" i="1" u="none" strike="noStrike" cap="none" normalizeH="0" baseline="0" dirty="0" err="1">
-                <a:ln>
-                  <a:noFill/>
-                </a:ln>
-                <a:solidFill>
-                  <a:srgbClr val="871094"/>
-                </a:solidFill>
-                <a:effectLst/>
-                <a:latin typeface="JetBrains Mono" panose="02000009000000000000" pitchFamily="49" charset="0"/>
-                <a:cs typeface="JetBrains Mono" panose="02000009000000000000" pitchFamily="49" charset="0"/>
-              </a:rPr>
-              <a:t>min</a:t>
-            </a:r>
-            <a:r>
-              <a:rPr kumimoji="0" lang="en-US" altLang="en-US" sz="1600" b="0" i="0" u="none" strike="noStrike" cap="none" normalizeH="0" baseline="0" dirty="0">
-                <a:ln>
-                  <a:noFill/>
-                </a:ln>
-                <a:solidFill>
-                  <a:srgbClr val="080808"/>
-                </a:solidFill>
-                <a:effectLst/>
-                <a:latin typeface="JetBrains Mono" panose="02000009000000000000" pitchFamily="49" charset="0"/>
-                <a:cs typeface="JetBrains Mono" panose="02000009000000000000" pitchFamily="49" charset="0"/>
-              </a:rPr>
-              <a:t>;</a:t>
-            </a:r>
-            <a:br>
-              <a:rPr kumimoji="0" lang="en-US" altLang="en-US" sz="1600" b="0" i="0" u="none" strike="noStrike" cap="none" normalizeH="0" baseline="0" dirty="0">
-                <a:ln>
-                  <a:noFill/>
-                </a:ln>
-                <a:solidFill>
-                  <a:srgbClr val="080808"/>
-                </a:solidFill>
-                <a:effectLst/>
-                <a:latin typeface="JetBrains Mono" panose="02000009000000000000" pitchFamily="49" charset="0"/>
-                <a:cs typeface="JetBrains Mono" panose="02000009000000000000" pitchFamily="49" charset="0"/>
-              </a:rPr>
-            </a:br>
-            <a:endParaRPr kumimoji="0" lang="en-US" altLang="en-US" sz="1600" b="0" i="0" u="none" strike="noStrike" cap="none" normalizeH="0" baseline="0" dirty="0">
-              <a:ln>
-                <a:noFill/>
-              </a:ln>
-              <a:solidFill>
-                <a:srgbClr val="080808"/>
-              </a:solidFill>
-              <a:effectLst/>
-              <a:latin typeface="JetBrains Mono" panose="02000009000000000000" pitchFamily="49" charset="0"/>
-              <a:cs typeface="JetBrains Mono" panose="02000009000000000000" pitchFamily="49" charset="0"/>
-            </a:endParaRPr>
-          </a:p>
-          <a:p>
-            <a:pPr eaLnBrk="0" fontAlgn="base" hangingPunct="0">
-              <a:lnSpc>
-                <a:spcPct val="125000"/>
-              </a:lnSpc>
-              <a:spcBef>
-                <a:spcPct val="0"/>
-              </a:spcBef>
-              <a:spcAft>
-                <a:spcPct val="0"/>
-              </a:spcAft>
-            </a:pPr>
-            <a:r>
-              <a:rPr kumimoji="0" lang="en-US" altLang="en-US" sz="2000" b="0" i="0" u="none" strike="noStrike" cap="none" normalizeH="0" baseline="0" dirty="0">
-                <a:ln>
-                  <a:noFill/>
-                </a:ln>
-                <a:solidFill>
-                  <a:srgbClr val="000000"/>
-                </a:solidFill>
-                <a:effectLst/>
-                <a:latin typeface="JetBrains Mono Light" panose="02000009000000000000" pitchFamily="49" charset="0"/>
-                <a:ea typeface="JetBrains Mono Light" panose="02000009000000000000" pitchFamily="49" charset="0"/>
-                <a:cs typeface="JetBrains Mono Light" panose="02000009000000000000" pitchFamily="49" charset="0"/>
-              </a:rPr>
-              <a:t>...</a:t>
-            </a:r>
-            <a:endParaRPr kumimoji="0" lang="en-US" altLang="en-US" sz="1000" b="0" i="0" u="none" strike="noStrike" cap="none" normalizeH="0" baseline="0" dirty="0">
-              <a:ln>
-                <a:noFill/>
-              </a:ln>
-              <a:solidFill>
-                <a:srgbClr val="000000"/>
-              </a:solidFill>
-              <a:effectLst/>
-              <a:latin typeface="JetBrains Mono Light" panose="02000009000000000000" pitchFamily="49" charset="0"/>
-              <a:ea typeface="JetBrains Mono Light" panose="02000009000000000000" pitchFamily="49" charset="0"/>
-              <a:cs typeface="JetBrains Mono Light" panose="02000009000000000000" pitchFamily="49" charset="0"/>
-            </a:endParaRPr>
-          </a:p>
-          <a:p>
-            <a:pPr marL="0" marR="0" lvl="0" indent="0" algn="l" defTabSz="914400" rtl="0" eaLnBrk="0" fontAlgn="base" latinLnBrk="0" hangingPunct="0">
-              <a:lnSpc>
-                <a:spcPct val="125000"/>
-              </a:lnSpc>
-              <a:spcBef>
-                <a:spcPct val="0"/>
-              </a:spcBef>
-              <a:spcAft>
-                <a:spcPct val="0"/>
-              </a:spcAft>
-              <a:buClrTx/>
-              <a:buSzTx/>
-              <a:buFontTx/>
-              <a:buNone/>
-              <a:tabLst/>
-            </a:pPr>
-            <a:endParaRPr lang="en-US" altLang="en-US" sz="1600" dirty="0">
-              <a:solidFill>
-                <a:srgbClr val="000000"/>
-              </a:solidFill>
-              <a:latin typeface="JetBrains Mono" panose="02000009000000000000" pitchFamily="49" charset="0"/>
-              <a:cs typeface="JetBrains Mono" panose="02000009000000000000" pitchFamily="49" charset="0"/>
-            </a:endParaRPr>
-          </a:p>
           <a:p>
             <a:pPr marL="0" marR="0" lvl="0" indent="0" algn="l" defTabSz="914400" rtl="0" eaLnBrk="0" fontAlgn="base" latinLnBrk="0" hangingPunct="0">
               <a:lnSpc>
@@ -15435,6 +15084,176 @@
               <a:effectLst/>
               <a:latin typeface="Arial" panose="020B0604020202020204" pitchFamily="34" charset="0"/>
             </a:endParaRPr>
+          </a:p>
+        </p:txBody>
+      </p:sp>
+      <p:cxnSp>
+        <p:nvCxnSpPr>
+          <p:cNvPr id="7" name="Straight Arrow Connector 6">
+            <a:extLst>
+              <a:ext uri="{FF2B5EF4-FFF2-40B4-BE49-F238E27FC236}">
+                <a16:creationId xmlns:a16="http://schemas.microsoft.com/office/drawing/2014/main" id="{972E3CA1-8A07-786B-922E-F7DA2F4FCA53}"/>
+              </a:ext>
+            </a:extLst>
+          </p:cNvPr>
+          <p:cNvCxnSpPr>
+            <a:cxnSpLocks/>
+            <a:stCxn id="14" idx="0"/>
+          </p:cNvCxnSpPr>
+          <p:nvPr/>
+        </p:nvCxnSpPr>
+        <p:spPr>
+          <a:xfrm flipH="1">
+            <a:off x="6431280" y="2072640"/>
+            <a:ext cx="445351" cy="937260"/>
+          </a:xfrm>
+          <a:prstGeom prst="straightConnector1">
+            <a:avLst/>
+          </a:prstGeom>
+          <a:ln>
+            <a:prstDash val="dash"/>
+            <a:tailEnd type="triangle"/>
+          </a:ln>
+        </p:spPr>
+        <p:style>
+          <a:lnRef idx="2">
+            <a:schemeClr val="accent1"/>
+          </a:lnRef>
+          <a:fillRef idx="0">
+            <a:schemeClr val="accent1"/>
+          </a:fillRef>
+          <a:effectRef idx="1">
+            <a:schemeClr val="accent1"/>
+          </a:effectRef>
+          <a:fontRef idx="minor">
+            <a:schemeClr val="tx1"/>
+          </a:fontRef>
+        </p:style>
+      </p:cxnSp>
+      <p:cxnSp>
+        <p:nvCxnSpPr>
+          <p:cNvPr id="8" name="Straight Arrow Connector 7">
+            <a:extLst>
+              <a:ext uri="{FF2B5EF4-FFF2-40B4-BE49-F238E27FC236}">
+                <a16:creationId xmlns:a16="http://schemas.microsoft.com/office/drawing/2014/main" id="{EA205FCA-D1BF-C395-33E6-06E96E0AF4A3}"/>
+              </a:ext>
+            </a:extLst>
+          </p:cNvPr>
+          <p:cNvCxnSpPr>
+            <a:cxnSpLocks/>
+            <a:stCxn id="14" idx="0"/>
+          </p:cNvCxnSpPr>
+          <p:nvPr/>
+        </p:nvCxnSpPr>
+        <p:spPr>
+          <a:xfrm>
+            <a:off x="6876631" y="2072640"/>
+            <a:ext cx="88049" cy="937260"/>
+          </a:xfrm>
+          <a:prstGeom prst="straightConnector1">
+            <a:avLst/>
+          </a:prstGeom>
+          <a:ln>
+            <a:prstDash val="dash"/>
+            <a:tailEnd type="triangle"/>
+          </a:ln>
+        </p:spPr>
+        <p:style>
+          <a:lnRef idx="2">
+            <a:schemeClr val="accent1"/>
+          </a:lnRef>
+          <a:fillRef idx="0">
+            <a:schemeClr val="accent1"/>
+          </a:fillRef>
+          <a:effectRef idx="1">
+            <a:schemeClr val="accent1"/>
+          </a:effectRef>
+          <a:fontRef idx="minor">
+            <a:schemeClr val="tx1"/>
+          </a:fontRef>
+        </p:style>
+      </p:cxnSp>
+      <p:cxnSp>
+        <p:nvCxnSpPr>
+          <p:cNvPr id="11" name="Straight Arrow Connector 10">
+            <a:extLst>
+              <a:ext uri="{FF2B5EF4-FFF2-40B4-BE49-F238E27FC236}">
+                <a16:creationId xmlns:a16="http://schemas.microsoft.com/office/drawing/2014/main" id="{D3C1D90C-DDCC-1EE9-7F3C-9578233D8704}"/>
+              </a:ext>
+            </a:extLst>
+          </p:cNvPr>
+          <p:cNvCxnSpPr>
+            <a:cxnSpLocks/>
+            <a:stCxn id="14" idx="0"/>
+          </p:cNvCxnSpPr>
+          <p:nvPr/>
+        </p:nvCxnSpPr>
+        <p:spPr>
+          <a:xfrm>
+            <a:off x="6876631" y="2072640"/>
+            <a:ext cx="690029" cy="937260"/>
+          </a:xfrm>
+          <a:prstGeom prst="straightConnector1">
+            <a:avLst/>
+          </a:prstGeom>
+          <a:ln>
+            <a:prstDash val="dash"/>
+            <a:tailEnd type="triangle"/>
+          </a:ln>
+        </p:spPr>
+        <p:style>
+          <a:lnRef idx="2">
+            <a:schemeClr val="accent1"/>
+          </a:lnRef>
+          <a:fillRef idx="0">
+            <a:schemeClr val="accent1"/>
+          </a:fillRef>
+          <a:effectRef idx="1">
+            <a:schemeClr val="accent1"/>
+          </a:effectRef>
+          <a:fontRef idx="minor">
+            <a:schemeClr val="tx1"/>
+          </a:fontRef>
+        </p:style>
+      </p:cxnSp>
+      <p:sp>
+        <p:nvSpPr>
+          <p:cNvPr id="14" name="TextBox 13">
+            <a:extLst>
+              <a:ext uri="{FF2B5EF4-FFF2-40B4-BE49-F238E27FC236}">
+                <a16:creationId xmlns:a16="http://schemas.microsoft.com/office/drawing/2014/main" id="{374430F0-3639-C7E1-7691-005AB80A253B}"/>
+              </a:ext>
+            </a:extLst>
+          </p:cNvPr>
+          <p:cNvSpPr txBox="1"/>
+          <p:nvPr/>
+        </p:nvSpPr>
+        <p:spPr>
+          <a:xfrm>
+            <a:off x="6096000" y="2072640"/>
+            <a:ext cx="1561261" cy="369332"/>
+          </a:xfrm>
+          <a:prstGeom prst="rect">
+            <a:avLst/>
+          </a:prstGeom>
+          <a:solidFill>
+            <a:schemeClr val="bg1"/>
+          </a:solidFill>
+        </p:spPr>
+        <p:txBody>
+          <a:bodyPr wrap="none" rtlCol="0">
+            <a:spAutoFit/>
+          </a:bodyPr>
+          <a:lstStyle/>
+          <a:p>
+            <a:r>
+              <a:rPr lang="en-US" dirty="0">
+                <a:solidFill>
+                  <a:srgbClr val="C00000"/>
+                </a:solidFill>
+              </a:rPr>
+              <a:t>static imports</a:t>
+            </a:r>
           </a:p>
         </p:txBody>
       </p:sp>
@@ -16293,6 +16112,218 @@
           <p:cNvPr id="2" name="Title 1">
             <a:extLst>
               <a:ext uri="{FF2B5EF4-FFF2-40B4-BE49-F238E27FC236}">
+                <a16:creationId xmlns:a16="http://schemas.microsoft.com/office/drawing/2014/main" id="{6A2C3EC0-E81C-B1FD-1C92-F926FC788D00}"/>
+              </a:ext>
+            </a:extLst>
+          </p:cNvPr>
+          <p:cNvSpPr>
+            <a:spLocks noGrp="1"/>
+          </p:cNvSpPr>
+          <p:nvPr>
+            <p:ph type="title"/>
+          </p:nvPr>
+        </p:nvSpPr>
+        <p:spPr/>
+        <p:txBody>
+          <a:bodyPr/>
+          <a:lstStyle/>
+          <a:p>
+            <a:r>
+              <a:rPr lang="en-US" dirty="0"/>
+              <a:t>About </a:t>
+            </a:r>
+            <a:r>
+              <a:rPr lang="en-US" dirty="0" err="1"/>
+              <a:t>dataframe-ec</a:t>
+            </a:r>
+            <a:endParaRPr lang="en-US" dirty="0"/>
+          </a:p>
+        </p:txBody>
+      </p:sp>
+      <p:sp>
+        <p:nvSpPr>
+          <p:cNvPr id="5" name="Content Placeholder 4">
+            <a:extLst>
+              <a:ext uri="{FF2B5EF4-FFF2-40B4-BE49-F238E27FC236}">
+                <a16:creationId xmlns:a16="http://schemas.microsoft.com/office/drawing/2014/main" id="{8C691BF9-9F8C-BB88-5689-438F59C74729}"/>
+              </a:ext>
+            </a:extLst>
+          </p:cNvPr>
+          <p:cNvSpPr>
+            <a:spLocks noGrp="1"/>
+          </p:cNvSpPr>
+          <p:nvPr>
+            <p:ph idx="1"/>
+          </p:nvPr>
+        </p:nvSpPr>
+        <p:spPr/>
+        <p:txBody>
+          <a:bodyPr>
+            <a:normAutofit fontScale="92500" lnSpcReduction="20000"/>
+          </a:bodyPr>
+          <a:lstStyle/>
+          <a:p>
+            <a:pPr>
+              <a:lnSpc>
+                <a:spcPct val="120000"/>
+              </a:lnSpc>
+            </a:pPr>
+            <a:r>
+              <a:rPr lang="en-US" dirty="0"/>
+              <a:t>Based on the Eclipse Collections framework (the “-</a:t>
+            </a:r>
+            <a:r>
+              <a:rPr lang="en-US" dirty="0" err="1"/>
+              <a:t>ec</a:t>
+            </a:r>
+            <a:r>
+              <a:rPr lang="en-US" dirty="0"/>
+              <a:t>” in the name)</a:t>
+            </a:r>
+          </a:p>
+          <a:p>
+            <a:pPr>
+              <a:lnSpc>
+                <a:spcPct val="120000"/>
+              </a:lnSpc>
+            </a:pPr>
+            <a:r>
+              <a:rPr lang="en-US" dirty="0"/>
+              <a:t>Memory efficient (for practical use cases)</a:t>
+            </a:r>
+          </a:p>
+          <a:p>
+            <a:pPr lvl="1">
+              <a:lnSpc>
+                <a:spcPct val="120000"/>
+              </a:lnSpc>
+            </a:pPr>
+            <a:r>
+              <a:rPr lang="en-US" dirty="0"/>
+              <a:t>Uses highly memory efficient Eclipse Collections</a:t>
+            </a:r>
+          </a:p>
+          <a:p>
+            <a:pPr lvl="1">
+              <a:lnSpc>
+                <a:spcPct val="120000"/>
+              </a:lnSpc>
+            </a:pPr>
+            <a:r>
+              <a:rPr lang="en-US" dirty="0"/>
+              <a:t>Takes advantage of its support for primitive types</a:t>
+            </a:r>
+          </a:p>
+          <a:p>
+            <a:pPr>
+              <a:lnSpc>
+                <a:spcPct val="120000"/>
+              </a:lnSpc>
+            </a:pPr>
+            <a:r>
+              <a:rPr lang="en-US" dirty="0"/>
+              <a:t>Inspired by Eclipse Collections APIs</a:t>
+            </a:r>
+          </a:p>
+          <a:p>
+            <a:pPr>
+              <a:lnSpc>
+                <a:spcPct val="120000"/>
+              </a:lnSpc>
+            </a:pPr>
+            <a:r>
+              <a:rPr lang="en-US" dirty="0"/>
+              <a:t>Exposes Eclipse Collections types in its APIs</a:t>
+            </a:r>
+          </a:p>
+          <a:p>
+            <a:pPr>
+              <a:lnSpc>
+                <a:spcPct val="120000"/>
+              </a:lnSpc>
+            </a:pPr>
+            <a:r>
+              <a:rPr lang="en-US" dirty="0"/>
+              <a:t>Intuitive, humane grammar for the expression DSL used for computed columns, filters, etc.</a:t>
+            </a:r>
+          </a:p>
+          <a:p>
+            <a:pPr lvl="1">
+              <a:lnSpc>
+                <a:spcPct val="120000"/>
+              </a:lnSpc>
+            </a:pPr>
+            <a:r>
+              <a:rPr lang="en-US" dirty="0"/>
+              <a:t>e.g., adding two numbers is expressed as “A + B”, as opposed to an internal DSL where you assemble an expression from Java method calls</a:t>
+            </a:r>
+          </a:p>
+        </p:txBody>
+      </p:sp>
+      <p:sp>
+        <p:nvSpPr>
+          <p:cNvPr id="3" name="Slide Number Placeholder 2">
+            <a:extLst>
+              <a:ext uri="{FF2B5EF4-FFF2-40B4-BE49-F238E27FC236}">
+                <a16:creationId xmlns:a16="http://schemas.microsoft.com/office/drawing/2014/main" id="{A5D0BADD-83AC-4B25-9AA7-B7154E20CAFB}"/>
+              </a:ext>
+            </a:extLst>
+          </p:cNvPr>
+          <p:cNvSpPr>
+            <a:spLocks noGrp="1"/>
+          </p:cNvSpPr>
+          <p:nvPr>
+            <p:ph type="sldNum" sz="quarter" idx="12"/>
+          </p:nvPr>
+        </p:nvSpPr>
+        <p:spPr/>
+        <p:txBody>
+          <a:bodyPr/>
+          <a:lstStyle/>
+          <a:p>
+            <a:fld id="{E6E087A0-8E33-4AD2-B40F-AC5841A95ADE}" type="slidenum">
+              <a:rPr lang="en-US" smtClean="0"/>
+              <a:t>18</a:t>
+            </a:fld>
+            <a:endParaRPr lang="en-US"/>
+          </a:p>
+        </p:txBody>
+      </p:sp>
+    </p:spTree>
+    <p:extLst>
+      <p:ext uri="{BB962C8B-B14F-4D97-AF65-F5344CB8AC3E}">
+        <p14:creationId xmlns:p14="http://schemas.microsoft.com/office/powerpoint/2010/main" val="745675251"/>
+      </p:ext>
+    </p:extLst>
+  </p:cSld>
+  <p:clrMapOvr>
+    <a:masterClrMapping/>
+  </p:clrMapOvr>
+</p:sld>
+</file>
+
+<file path=ppt/slides/slide19.xml><?xml version="1.0" encoding="utf-8"?>
+<p:sld xmlns:a="http://schemas.openxmlformats.org/drawingml/2006/main" xmlns:r="http://schemas.openxmlformats.org/officeDocument/2006/relationships" xmlns:p="http://schemas.openxmlformats.org/presentationml/2006/main">
+  <p:cSld>
+    <p:spTree>
+      <p:nvGrpSpPr>
+        <p:cNvPr id="1" name=""/>
+        <p:cNvGrpSpPr/>
+        <p:nvPr/>
+      </p:nvGrpSpPr>
+      <p:grpSpPr>
+        <a:xfrm>
+          <a:off x="0" y="0"/>
+          <a:ext cx="0" cy="0"/>
+          <a:chOff x="0" y="0"/>
+          <a:chExt cx="0" cy="0"/>
+        </a:xfrm>
+      </p:grpSpPr>
+      <p:sp>
+        <p:nvSpPr>
+          <p:cNvPr id="2" name="Title 1">
+            <a:extLst>
+              <a:ext uri="{FF2B5EF4-FFF2-40B4-BE49-F238E27FC236}">
                 <a16:creationId xmlns:a16="http://schemas.microsoft.com/office/drawing/2014/main" id="{CF7C06F5-2E0A-E970-CD14-607CEAF80CCC}"/>
               </a:ext>
             </a:extLst>
@@ -16311,7 +16342,7 @@
           <a:p>
             <a:r>
               <a:rPr lang="en-US" dirty="0"/>
-              <a:t>Donut Store Data</a:t>
+              <a:t>Donut Store Example: Data</a:t>
             </a:r>
           </a:p>
         </p:txBody>
@@ -16339,7 +16370,7 @@
           <a:p>
             <a:fld id="{E6E087A0-8E33-4AD2-B40F-AC5841A95ADE}" type="slidenum">
               <a:rPr lang="en-US" smtClean="0"/>
-              <a:t>18</a:t>
+              <a:t>19</a:t>
             </a:fld>
             <a:endParaRPr lang="en-US"/>
           </a:p>
@@ -21457,153 +21488,6 @@
     <p:extLst>
       <p:ext uri="{BB962C8B-B14F-4D97-AF65-F5344CB8AC3E}">
         <p14:creationId xmlns:p14="http://schemas.microsoft.com/office/powerpoint/2010/main" val="234188309"/>
-      </p:ext>
-    </p:extLst>
-  </p:cSld>
-  <p:clrMapOvr>
-    <a:masterClrMapping/>
-  </p:clrMapOvr>
-</p:sld>
-</file>
-
-<file path=ppt/slides/slide19.xml><?xml version="1.0" encoding="utf-8"?>
-<p:sld xmlns:a="http://schemas.openxmlformats.org/drawingml/2006/main" xmlns:r="http://schemas.openxmlformats.org/officeDocument/2006/relationships" xmlns:p="http://schemas.openxmlformats.org/presentationml/2006/main">
-  <p:cSld>
-    <p:spTree>
-      <p:nvGrpSpPr>
-        <p:cNvPr id="1" name=""/>
-        <p:cNvGrpSpPr/>
-        <p:nvPr/>
-      </p:nvGrpSpPr>
-      <p:grpSpPr>
-        <a:xfrm>
-          <a:off x="0" y="0"/>
-          <a:ext cx="0" cy="0"/>
-          <a:chOff x="0" y="0"/>
-          <a:chExt cx="0" cy="0"/>
-        </a:xfrm>
-      </p:grpSpPr>
-      <p:sp>
-        <p:nvSpPr>
-          <p:cNvPr id="4" name="Title 3">
-            <a:extLst>
-              <a:ext uri="{FF2B5EF4-FFF2-40B4-BE49-F238E27FC236}">
-                <a16:creationId xmlns:a16="http://schemas.microsoft.com/office/drawing/2014/main" id="{AA6B009D-E9B0-CB90-2DFD-41E4D6F434BD}"/>
-              </a:ext>
-            </a:extLst>
-          </p:cNvPr>
-          <p:cNvSpPr>
-            <a:spLocks noGrp="1"/>
-          </p:cNvSpPr>
-          <p:nvPr>
-            <p:ph type="title"/>
-          </p:nvPr>
-        </p:nvSpPr>
-        <p:spPr/>
-        <p:txBody>
-          <a:bodyPr/>
-          <a:lstStyle/>
-          <a:p>
-            <a:r>
-              <a:rPr lang="en-US" dirty="0"/>
-              <a:t>Donut Store Use Cases</a:t>
-            </a:r>
-          </a:p>
-        </p:txBody>
-      </p:sp>
-      <p:sp>
-        <p:nvSpPr>
-          <p:cNvPr id="5" name="Content Placeholder 4">
-            <a:extLst>
-              <a:ext uri="{FF2B5EF4-FFF2-40B4-BE49-F238E27FC236}">
-                <a16:creationId xmlns:a16="http://schemas.microsoft.com/office/drawing/2014/main" id="{6931B51D-6AC4-A2D4-288A-B4E9CC61E56F}"/>
-              </a:ext>
-            </a:extLst>
-          </p:cNvPr>
-          <p:cNvSpPr>
-            <a:spLocks noGrp="1"/>
-          </p:cNvSpPr>
-          <p:nvPr>
-            <p:ph idx="1"/>
-          </p:nvPr>
-        </p:nvSpPr>
-        <p:spPr>
-          <a:xfrm>
-            <a:off x="2827020" y="1164922"/>
-            <a:ext cx="8526780" cy="5012042"/>
-          </a:xfrm>
-        </p:spPr>
-        <p:txBody>
-          <a:bodyPr/>
-          <a:lstStyle/>
-          <a:p>
-            <a:endParaRPr lang="en-US" dirty="0"/>
-          </a:p>
-          <a:p>
-            <a:pPr marL="0" indent="0">
-              <a:buNone/>
-            </a:pPr>
-            <a:endParaRPr lang="en-US" dirty="0"/>
-          </a:p>
-          <a:p>
-            <a:r>
-              <a:rPr lang="en-US" dirty="0"/>
-              <a:t>List Donuts In Popularity Order</a:t>
-            </a:r>
-          </a:p>
-          <a:p>
-            <a:r>
-              <a:rPr lang="en-US" dirty="0"/>
-              <a:t>Large Orders To Be Delivered Tomorrow</a:t>
-            </a:r>
-          </a:p>
-          <a:p>
-            <a:r>
-              <a:rPr lang="en-US" dirty="0"/>
-              <a:t>Total Spend Per Customer</a:t>
-            </a:r>
-          </a:p>
-          <a:p>
-            <a:r>
-              <a:rPr lang="en-US" dirty="0"/>
-              <a:t>Donut Count Per Customer Per Day</a:t>
-            </a:r>
-          </a:p>
-        </p:txBody>
-      </p:sp>
-      <p:sp>
-        <p:nvSpPr>
-          <p:cNvPr id="3" name="Slide Number Placeholder 2">
-            <a:extLst>
-              <a:ext uri="{FF2B5EF4-FFF2-40B4-BE49-F238E27FC236}">
-                <a16:creationId xmlns:a16="http://schemas.microsoft.com/office/drawing/2014/main" id="{5BBD4170-1633-625B-246D-0F9DF297DCE3}"/>
-              </a:ext>
-            </a:extLst>
-          </p:cNvPr>
-          <p:cNvSpPr>
-            <a:spLocks noGrp="1"/>
-          </p:cNvSpPr>
-          <p:nvPr>
-            <p:ph type="sldNum" sz="quarter" idx="12"/>
-          </p:nvPr>
-        </p:nvSpPr>
-        <p:spPr/>
-        <p:txBody>
-          <a:bodyPr/>
-          <a:lstStyle/>
-          <a:p>
-            <a:fld id="{E6E087A0-8E33-4AD2-B40F-AC5841A95ADE}" type="slidenum">
-              <a:rPr lang="en-US" smtClean="0"/>
-              <a:t>19</a:t>
-            </a:fld>
-            <a:endParaRPr lang="en-US"/>
-          </a:p>
-        </p:txBody>
-      </p:sp>
-    </p:spTree>
-    <p:extLst>
-      <p:ext uri="{BB962C8B-B14F-4D97-AF65-F5344CB8AC3E}">
-        <p14:creationId xmlns:p14="http://schemas.microsoft.com/office/powerpoint/2010/main" val="1651252500"/>
       </p:ext>
     </p:extLst>
   </p:cSld>
@@ -21914,240 +21798,10 @@
       </p:grpSpPr>
       <p:sp>
         <p:nvSpPr>
-          <p:cNvPr id="40" name="Oval 39">
+          <p:cNvPr id="4" name="Title 3">
             <a:extLst>
               <a:ext uri="{FF2B5EF4-FFF2-40B4-BE49-F238E27FC236}">
-                <a16:creationId xmlns:a16="http://schemas.microsoft.com/office/drawing/2014/main" id="{256E24CD-2695-2A14-CCFA-A402DA5C2007}"/>
-              </a:ext>
-            </a:extLst>
-          </p:cNvPr>
-          <p:cNvSpPr/>
-          <p:nvPr/>
-        </p:nvSpPr>
-        <p:spPr>
-          <a:xfrm>
-            <a:off x="6643610" y="4907386"/>
-            <a:ext cx="232718" cy="232718"/>
-          </a:xfrm>
-          <a:prstGeom prst="ellipse">
-            <a:avLst/>
-          </a:prstGeom>
-        </p:spPr>
-        <p:style>
-          <a:lnRef idx="2">
-            <a:schemeClr val="accent1">
-              <a:shade val="15000"/>
-            </a:schemeClr>
-          </a:lnRef>
-          <a:fillRef idx="1">
-            <a:schemeClr val="accent1"/>
-          </a:fillRef>
-          <a:effectRef idx="0">
-            <a:schemeClr val="accent1"/>
-          </a:effectRef>
-          <a:fontRef idx="minor">
-            <a:schemeClr val="lt1"/>
-          </a:fontRef>
-        </p:style>
-        <p:txBody>
-          <a:bodyPr rtlCol="0" anchor="ctr"/>
-          <a:lstStyle/>
-          <a:p>
-            <a:pPr algn="ctr"/>
-            <a:endParaRPr lang="en-US"/>
-          </a:p>
-        </p:txBody>
-      </p:sp>
-      <p:sp>
-        <p:nvSpPr>
-          <p:cNvPr id="41" name="Oval 40">
-            <a:extLst>
-              <a:ext uri="{FF2B5EF4-FFF2-40B4-BE49-F238E27FC236}">
-                <a16:creationId xmlns:a16="http://schemas.microsoft.com/office/drawing/2014/main" id="{1999D252-EA61-EEAC-8C22-5263D7E4AED3}"/>
-              </a:ext>
-            </a:extLst>
-          </p:cNvPr>
-          <p:cNvSpPr/>
-          <p:nvPr/>
-        </p:nvSpPr>
-        <p:spPr>
-          <a:xfrm>
-            <a:off x="10445919" y="5648018"/>
-            <a:ext cx="232718" cy="232718"/>
-          </a:xfrm>
-          <a:prstGeom prst="ellipse">
-            <a:avLst/>
-          </a:prstGeom>
-        </p:spPr>
-        <p:style>
-          <a:lnRef idx="2">
-            <a:schemeClr val="accent1">
-              <a:shade val="15000"/>
-            </a:schemeClr>
-          </a:lnRef>
-          <a:fillRef idx="1">
-            <a:schemeClr val="accent1"/>
-          </a:fillRef>
-          <a:effectRef idx="0">
-            <a:schemeClr val="accent1"/>
-          </a:effectRef>
-          <a:fontRef idx="minor">
-            <a:schemeClr val="lt1"/>
-          </a:fontRef>
-        </p:style>
-        <p:txBody>
-          <a:bodyPr rtlCol="0" anchor="ctr"/>
-          <a:lstStyle/>
-          <a:p>
-            <a:pPr algn="ctr"/>
-            <a:endParaRPr lang="en-US"/>
-          </a:p>
-        </p:txBody>
-      </p:sp>
-      <p:sp>
-        <p:nvSpPr>
-          <p:cNvPr id="32" name="Oval 31">
-            <a:extLst>
-              <a:ext uri="{FF2B5EF4-FFF2-40B4-BE49-F238E27FC236}">
-                <a16:creationId xmlns:a16="http://schemas.microsoft.com/office/drawing/2014/main" id="{27331B21-404A-CACA-A130-205256092E49}"/>
-              </a:ext>
-            </a:extLst>
-          </p:cNvPr>
-          <p:cNvSpPr/>
-          <p:nvPr/>
-        </p:nvSpPr>
-        <p:spPr>
-          <a:xfrm>
-            <a:off x="5712799" y="4543765"/>
-            <a:ext cx="232718" cy="232718"/>
-          </a:xfrm>
-          <a:prstGeom prst="ellipse">
-            <a:avLst/>
-          </a:prstGeom>
-        </p:spPr>
-        <p:style>
-          <a:lnRef idx="2">
-            <a:schemeClr val="accent1">
-              <a:shade val="15000"/>
-            </a:schemeClr>
-          </a:lnRef>
-          <a:fillRef idx="1">
-            <a:schemeClr val="accent1"/>
-          </a:fillRef>
-          <a:effectRef idx="0">
-            <a:schemeClr val="accent1"/>
-          </a:effectRef>
-          <a:fontRef idx="minor">
-            <a:schemeClr val="lt1"/>
-          </a:fontRef>
-        </p:style>
-        <p:txBody>
-          <a:bodyPr rtlCol="0" anchor="ctr"/>
-          <a:lstStyle/>
-          <a:p>
-            <a:pPr algn="ctr"/>
-            <a:endParaRPr lang="en-US"/>
-          </a:p>
-        </p:txBody>
-      </p:sp>
-      <p:sp>
-        <p:nvSpPr>
-          <p:cNvPr id="21" name="Oval 20">
-            <a:extLst>
-              <a:ext uri="{FF2B5EF4-FFF2-40B4-BE49-F238E27FC236}">
-                <a16:creationId xmlns:a16="http://schemas.microsoft.com/office/drawing/2014/main" id="{FE4ADB9C-9C1C-3940-62DD-461B62D516EF}"/>
-              </a:ext>
-            </a:extLst>
-          </p:cNvPr>
-          <p:cNvSpPr/>
-          <p:nvPr/>
-        </p:nvSpPr>
-        <p:spPr>
-          <a:xfrm>
-            <a:off x="5478780" y="3643000"/>
-            <a:ext cx="232718" cy="232718"/>
-          </a:xfrm>
-          <a:prstGeom prst="ellipse">
-            <a:avLst/>
-          </a:prstGeom>
-        </p:spPr>
-        <p:style>
-          <a:lnRef idx="2">
-            <a:schemeClr val="accent1">
-              <a:shade val="15000"/>
-            </a:schemeClr>
-          </a:lnRef>
-          <a:fillRef idx="1">
-            <a:schemeClr val="accent1"/>
-          </a:fillRef>
-          <a:effectRef idx="0">
-            <a:schemeClr val="accent1"/>
-          </a:effectRef>
-          <a:fontRef idx="minor">
-            <a:schemeClr val="lt1"/>
-          </a:fontRef>
-        </p:style>
-        <p:txBody>
-          <a:bodyPr rtlCol="0" anchor="ctr"/>
-          <a:lstStyle/>
-          <a:p>
-            <a:pPr algn="ctr"/>
-            <a:endParaRPr lang="en-US"/>
-          </a:p>
-        </p:txBody>
-      </p:sp>
-      <p:sp>
-        <p:nvSpPr>
-          <p:cNvPr id="24" name="Oval 23">
-            <a:extLst>
-              <a:ext uri="{FF2B5EF4-FFF2-40B4-BE49-F238E27FC236}">
-                <a16:creationId xmlns:a16="http://schemas.microsoft.com/office/drawing/2014/main" id="{D199EA19-14F6-69FD-76D1-034A54A72B34}"/>
-              </a:ext>
-            </a:extLst>
-          </p:cNvPr>
-          <p:cNvSpPr/>
-          <p:nvPr/>
-        </p:nvSpPr>
-        <p:spPr>
-          <a:xfrm>
-            <a:off x="9312941" y="2398888"/>
-            <a:ext cx="232718" cy="232718"/>
-          </a:xfrm>
-          <a:prstGeom prst="ellipse">
-            <a:avLst/>
-          </a:prstGeom>
-        </p:spPr>
-        <p:style>
-          <a:lnRef idx="2">
-            <a:schemeClr val="accent1">
-              <a:shade val="15000"/>
-            </a:schemeClr>
-          </a:lnRef>
-          <a:fillRef idx="1">
-            <a:schemeClr val="accent1"/>
-          </a:fillRef>
-          <a:effectRef idx="0">
-            <a:schemeClr val="accent1"/>
-          </a:effectRef>
-          <a:fontRef idx="minor">
-            <a:schemeClr val="lt1"/>
-          </a:fontRef>
-        </p:style>
-        <p:txBody>
-          <a:bodyPr rtlCol="0" anchor="ctr"/>
-          <a:lstStyle/>
-          <a:p>
-            <a:pPr algn="ctr"/>
-            <a:endParaRPr lang="en-US"/>
-          </a:p>
-        </p:txBody>
-      </p:sp>
-      <p:sp>
-        <p:nvSpPr>
-          <p:cNvPr id="2" name="Title 1">
-            <a:extLst>
-              <a:ext uri="{FF2B5EF4-FFF2-40B4-BE49-F238E27FC236}">
-                <a16:creationId xmlns:a16="http://schemas.microsoft.com/office/drawing/2014/main" id="{331977AE-44B6-C1C5-009C-130BC8D4041B}"/>
+                <a16:creationId xmlns:a16="http://schemas.microsoft.com/office/drawing/2014/main" id="{AA6B009D-E9B0-CB90-2DFD-41E4D6F434BD}"/>
               </a:ext>
             </a:extLst>
           </p:cNvPr>
@@ -22158,31 +21812,84 @@
             <p:ph type="title"/>
           </p:nvPr>
         </p:nvSpPr>
-        <p:spPr>
-          <a:xfrm>
-            <a:off x="838200" y="184220"/>
-            <a:ext cx="10515600" cy="774743"/>
-          </a:xfrm>
-        </p:spPr>
+        <p:spPr/>
         <p:txBody>
-          <a:bodyPr>
-            <a:normAutofit/>
-          </a:bodyPr>
+          <a:bodyPr/>
           <a:lstStyle/>
           <a:p>
             <a:r>
               <a:rPr lang="en-US" dirty="0"/>
-              <a:t>List Donuts In Popularity Order</a:t>
+              <a:t>Donut Store Example: Use Cases</a:t>
             </a:r>
           </a:p>
         </p:txBody>
       </p:sp>
       <p:sp>
         <p:nvSpPr>
-          <p:cNvPr id="4" name="Slide Number Placeholder 3">
+          <p:cNvPr id="5" name="Content Placeholder 4">
             <a:extLst>
               <a:ext uri="{FF2B5EF4-FFF2-40B4-BE49-F238E27FC236}">
-                <a16:creationId xmlns:a16="http://schemas.microsoft.com/office/drawing/2014/main" id="{80F0FBE5-D49F-B640-7B48-38C545F9762E}"/>
+                <a16:creationId xmlns:a16="http://schemas.microsoft.com/office/drawing/2014/main" id="{6931B51D-6AC4-A2D4-288A-B4E9CC61E56F}"/>
+              </a:ext>
+            </a:extLst>
+          </p:cNvPr>
+          <p:cNvSpPr>
+            <a:spLocks noGrp="1"/>
+          </p:cNvSpPr>
+          <p:nvPr>
+            <p:ph idx="1"/>
+          </p:nvPr>
+        </p:nvSpPr>
+        <p:spPr>
+          <a:xfrm>
+            <a:off x="2827020" y="1164922"/>
+            <a:ext cx="8526780" cy="5012042"/>
+          </a:xfrm>
+        </p:spPr>
+        <p:txBody>
+          <a:bodyPr/>
+          <a:lstStyle/>
+          <a:p>
+            <a:endParaRPr lang="en-US" dirty="0"/>
+          </a:p>
+          <a:p>
+            <a:pPr marL="0" indent="0">
+              <a:buNone/>
+            </a:pPr>
+            <a:endParaRPr lang="en-US" dirty="0"/>
+          </a:p>
+          <a:p>
+            <a:r>
+              <a:rPr lang="en-US" dirty="0"/>
+              <a:t>List Donuts In Popularity Order</a:t>
+            </a:r>
+          </a:p>
+          <a:p>
+            <a:r>
+              <a:rPr lang="en-US" dirty="0"/>
+              <a:t>Large Orders To Be Delivered Tomorrow</a:t>
+            </a:r>
+          </a:p>
+          <a:p>
+            <a:r>
+              <a:rPr lang="en-US" dirty="0"/>
+              <a:t>Total Spend Per Customer</a:t>
+            </a:r>
+          </a:p>
+          <a:p>
+            <a:r>
+              <a:rPr lang="en-US" dirty="0"/>
+              <a:t>Donut Count Per Customer Per Day</a:t>
+            </a:r>
+          </a:p>
+        </p:txBody>
+      </p:sp>
+      <p:sp>
+        <p:nvSpPr>
+          <p:cNvPr id="3" name="Slide Number Placeholder 2">
+            <a:extLst>
+              <a:ext uri="{FF2B5EF4-FFF2-40B4-BE49-F238E27FC236}">
+                <a16:creationId xmlns:a16="http://schemas.microsoft.com/office/drawing/2014/main" id="{5BBD4170-1633-625B-246D-0F9DF297DCE3}"/>
               </a:ext>
             </a:extLst>
           </p:cNvPr>
@@ -22206,3367 +21913,10 @@
           </a:p>
         </p:txBody>
       </p:sp>
-      <p:sp>
-        <p:nvSpPr>
-          <p:cNvPr id="5" name="TextBox 4">
-            <a:extLst>
-              <a:ext uri="{FF2B5EF4-FFF2-40B4-BE49-F238E27FC236}">
-                <a16:creationId xmlns:a16="http://schemas.microsoft.com/office/drawing/2014/main" id="{5082F437-E31A-6094-E226-7EA38513EAAD}"/>
-              </a:ext>
-            </a:extLst>
-          </p:cNvPr>
-          <p:cNvSpPr txBox="1"/>
-          <p:nvPr/>
-        </p:nvSpPr>
-        <p:spPr>
-          <a:xfrm>
-            <a:off x="4125781" y="977174"/>
-            <a:ext cx="3940438" cy="701731"/>
-          </a:xfrm>
-          <a:prstGeom prst="rect">
-            <a:avLst/>
-          </a:prstGeom>
-        </p:spPr>
-        <p:txBody>
-          <a:bodyPr vert="horz" lIns="91440" tIns="45720" rIns="91440" bIns="45720" rtlCol="0" anchor="ctr">
-            <a:normAutofit/>
-          </a:bodyPr>
-          <a:lstStyle>
-            <a:lvl1pPr algn="ctr">
-              <a:lnSpc>
-                <a:spcPct val="90000"/>
-              </a:lnSpc>
-              <a:spcBef>
-                <a:spcPct val="0"/>
-              </a:spcBef>
-              <a:buNone/>
-              <a:defRPr sz="4400">
-                <a:solidFill>
-                  <a:srgbClr val="BA3925"/>
-                </a:solidFill>
-                <a:latin typeface="Open Sans" panose="020B0606030504020204" pitchFamily="34" charset="0"/>
-                <a:ea typeface="Open Sans" panose="020B0606030504020204" pitchFamily="34" charset="0"/>
-                <a:cs typeface="Open Sans" panose="020B0606030504020204" pitchFamily="34" charset="0"/>
-              </a:defRPr>
-            </a:lvl1pPr>
-          </a:lstStyle>
-          <a:p>
-            <a:r>
-              <a:rPr lang="en-US" sz="3200" dirty="0"/>
-              <a:t>DataFrame-EC</a:t>
-            </a:r>
-          </a:p>
-        </p:txBody>
-      </p:sp>
-      <p:cxnSp>
-        <p:nvCxnSpPr>
-          <p:cNvPr id="6" name="Straight Connector 5">
-            <a:extLst>
-              <a:ext uri="{FF2B5EF4-FFF2-40B4-BE49-F238E27FC236}">
-                <a16:creationId xmlns:a16="http://schemas.microsoft.com/office/drawing/2014/main" id="{85F18E94-BDE1-AE70-AEB8-B4F2DD218BBA}"/>
-              </a:ext>
-            </a:extLst>
-          </p:cNvPr>
-          <p:cNvCxnSpPr>
-            <a:cxnSpLocks/>
-          </p:cNvCxnSpPr>
-          <p:nvPr/>
-        </p:nvCxnSpPr>
-        <p:spPr>
-          <a:xfrm>
-            <a:off x="4611624" y="975608"/>
-            <a:ext cx="2968752" cy="0"/>
-          </a:xfrm>
-          <a:prstGeom prst="line">
-            <a:avLst/>
-          </a:prstGeom>
-          <a:ln>
-            <a:solidFill>
-              <a:schemeClr val="bg1">
-                <a:lumMod val="65000"/>
-              </a:schemeClr>
-            </a:solidFill>
-          </a:ln>
-        </p:spPr>
-        <p:style>
-          <a:lnRef idx="1">
-            <a:schemeClr val="accent1"/>
-          </a:lnRef>
-          <a:fillRef idx="0">
-            <a:schemeClr val="accent1"/>
-          </a:fillRef>
-          <a:effectRef idx="0">
-            <a:schemeClr val="accent1"/>
-          </a:effectRef>
-          <a:fontRef idx="minor">
-            <a:schemeClr val="tx1"/>
-          </a:fontRef>
-        </p:style>
-      </p:cxnSp>
-      <p:sp>
-        <p:nvSpPr>
-          <p:cNvPr id="7" name="TextBox 6">
-            <a:extLst>
-              <a:ext uri="{FF2B5EF4-FFF2-40B4-BE49-F238E27FC236}">
-                <a16:creationId xmlns:a16="http://schemas.microsoft.com/office/drawing/2014/main" id="{1247348C-B10E-5612-3A78-F6AB01257043}"/>
-              </a:ext>
-            </a:extLst>
-          </p:cNvPr>
-          <p:cNvSpPr txBox="1"/>
-          <p:nvPr/>
-        </p:nvSpPr>
-        <p:spPr>
-          <a:xfrm>
-            <a:off x="375062" y="2339708"/>
-            <a:ext cx="6810598" cy="2839303"/>
-          </a:xfrm>
-          <a:prstGeom prst="rect">
-            <a:avLst/>
-          </a:prstGeom>
-          <a:solidFill>
-            <a:srgbClr val="F8F8F8"/>
-          </a:solidFill>
-          <a:effectLst/>
-        </p:spPr>
-        <p:txBody>
-          <a:bodyPr wrap="square" rtlCol="0">
-            <a:spAutoFit/>
-          </a:bodyPr>
-          <a:lstStyle/>
-          <a:p>
-            <a:pPr marL="0" marR="0" lvl="0" indent="0" algn="l" defTabSz="914400" rtl="0" eaLnBrk="0" fontAlgn="base" latinLnBrk="0" hangingPunct="0">
-              <a:lnSpc>
-                <a:spcPct val="125000"/>
-              </a:lnSpc>
-              <a:spcBef>
-                <a:spcPct val="0"/>
-              </a:spcBef>
-              <a:spcAft>
-                <a:spcPct val="0"/>
-              </a:spcAft>
-              <a:buClrTx/>
-              <a:buSzTx/>
-              <a:buFontTx/>
-              <a:buNone/>
-              <a:tabLst/>
-            </a:pPr>
-            <a:r>
-              <a:rPr kumimoji="0" lang="en-US" altLang="en-US" sz="1600" b="0" i="0" u="none" strike="noStrike" cap="none" normalizeH="0" baseline="0" dirty="0">
-                <a:ln>
-                  <a:noFill/>
-                </a:ln>
-                <a:solidFill>
-                  <a:srgbClr val="000000"/>
-                </a:solidFill>
-                <a:effectLst/>
-                <a:latin typeface="JetBrains Mono" panose="02000009000000000000" pitchFamily="49" charset="0"/>
-                <a:cs typeface="JetBrains Mono" panose="02000009000000000000" pitchFamily="49" charset="0"/>
-              </a:rPr>
-              <a:t>DataFrame </a:t>
-            </a:r>
-            <a:r>
-              <a:rPr kumimoji="0" lang="en-US" altLang="en-US" sz="1600" b="0" i="0" u="none" strike="noStrike" cap="none" normalizeH="0" baseline="0" dirty="0" err="1">
-                <a:ln>
-                  <a:noFill/>
-                </a:ln>
-                <a:solidFill>
-                  <a:srgbClr val="000000"/>
-                </a:solidFill>
-                <a:effectLst/>
-                <a:latin typeface="JetBrains Mono" panose="02000009000000000000" pitchFamily="49" charset="0"/>
-                <a:cs typeface="JetBrains Mono" panose="02000009000000000000" pitchFamily="49" charset="0"/>
-              </a:rPr>
-              <a:t>donutsInPopularityOrder</a:t>
-            </a:r>
-            <a:r>
-              <a:rPr kumimoji="0" lang="en-US" altLang="en-US" sz="1600" b="0" i="0" u="none" strike="noStrike" cap="none" normalizeH="0" baseline="0" dirty="0">
-                <a:ln>
-                  <a:noFill/>
-                </a:ln>
-                <a:solidFill>
-                  <a:srgbClr val="000000"/>
-                </a:solidFill>
-                <a:effectLst/>
-                <a:latin typeface="JetBrains Mono" panose="02000009000000000000" pitchFamily="49" charset="0"/>
-                <a:cs typeface="JetBrains Mono" panose="02000009000000000000" pitchFamily="49" charset="0"/>
-              </a:rPr>
-              <a:t> </a:t>
-            </a:r>
-            <a:r>
-              <a:rPr kumimoji="0" lang="en-US" altLang="en-US" sz="1600" b="0" i="0" u="none" strike="noStrike" cap="none" normalizeH="0" baseline="0" dirty="0">
-                <a:ln>
-                  <a:noFill/>
-                </a:ln>
-                <a:solidFill>
-                  <a:srgbClr val="080808"/>
-                </a:solidFill>
-                <a:effectLst/>
-                <a:latin typeface="JetBrains Mono" panose="02000009000000000000" pitchFamily="49" charset="0"/>
-                <a:cs typeface="JetBrains Mono" panose="02000009000000000000" pitchFamily="49" charset="0"/>
-              </a:rPr>
-              <a:t>=</a:t>
-            </a:r>
-            <a:br>
-              <a:rPr kumimoji="0" lang="en-US" altLang="en-US" sz="1600" b="0" i="0" u="none" strike="noStrike" cap="none" normalizeH="0" baseline="0" dirty="0">
-                <a:ln>
-                  <a:noFill/>
-                </a:ln>
-                <a:solidFill>
-                  <a:srgbClr val="080808"/>
-                </a:solidFill>
-                <a:effectLst/>
-                <a:latin typeface="JetBrains Mono" panose="02000009000000000000" pitchFamily="49" charset="0"/>
-                <a:cs typeface="JetBrains Mono" panose="02000009000000000000" pitchFamily="49" charset="0"/>
-              </a:rPr>
-            </a:br>
-            <a:r>
-              <a:rPr kumimoji="0" lang="en-US" altLang="en-US" sz="1600" b="0" i="0" u="none" strike="noStrike" cap="none" normalizeH="0" baseline="0" dirty="0">
-                <a:ln>
-                  <a:noFill/>
-                </a:ln>
-                <a:solidFill>
-                  <a:srgbClr val="080808"/>
-                </a:solidFill>
-                <a:effectLst/>
-                <a:latin typeface="JetBrains Mono" panose="02000009000000000000" pitchFamily="49" charset="0"/>
-                <a:cs typeface="JetBrains Mono" panose="02000009000000000000" pitchFamily="49" charset="0"/>
-              </a:rPr>
-              <a:t>    </a:t>
-            </a:r>
-            <a:r>
-              <a:rPr kumimoji="0" lang="en-US" altLang="en-US" sz="1600" b="0" i="0" u="none" strike="noStrike" cap="none" normalizeH="0" baseline="0" dirty="0" err="1">
-                <a:ln>
-                  <a:noFill/>
-                </a:ln>
-                <a:solidFill>
-                  <a:srgbClr val="0033B3"/>
-                </a:solidFill>
-                <a:effectLst/>
-                <a:latin typeface="JetBrains Mono" panose="02000009000000000000" pitchFamily="49" charset="0"/>
-                <a:cs typeface="JetBrains Mono" panose="02000009000000000000" pitchFamily="49" charset="0"/>
-              </a:rPr>
-              <a:t>this</a:t>
-            </a:r>
-            <a:r>
-              <a:rPr kumimoji="0" lang="en-US" altLang="en-US" sz="1600" b="0" i="0" u="none" strike="noStrike" cap="none" normalizeH="0" baseline="0" dirty="0" err="1">
-                <a:ln>
-                  <a:noFill/>
-                </a:ln>
-                <a:solidFill>
-                  <a:srgbClr val="080808"/>
-                </a:solidFill>
-                <a:effectLst/>
-                <a:latin typeface="JetBrains Mono" panose="02000009000000000000" pitchFamily="49" charset="0"/>
-                <a:cs typeface="JetBrains Mono" panose="02000009000000000000" pitchFamily="49" charset="0"/>
-              </a:rPr>
-              <a:t>.</a:t>
-            </a:r>
-            <a:r>
-              <a:rPr kumimoji="0" lang="en-US" altLang="en-US" sz="1600" b="0" i="0" u="none" strike="noStrike" cap="none" normalizeH="0" baseline="0" dirty="0" err="1">
-                <a:ln>
-                  <a:noFill/>
-                </a:ln>
-                <a:solidFill>
-                  <a:srgbClr val="871094"/>
-                </a:solidFill>
-                <a:effectLst/>
-                <a:latin typeface="JetBrains Mono" panose="02000009000000000000" pitchFamily="49" charset="0"/>
-                <a:cs typeface="JetBrains Mono" panose="02000009000000000000" pitchFamily="49" charset="0"/>
-              </a:rPr>
-              <a:t>orders</a:t>
-            </a:r>
-            <a:br>
-              <a:rPr kumimoji="0" lang="en-US" altLang="en-US" sz="1600" b="0" i="0" u="none" strike="noStrike" cap="none" normalizeH="0" baseline="0" dirty="0">
-                <a:ln>
-                  <a:noFill/>
-                </a:ln>
-                <a:solidFill>
-                  <a:srgbClr val="871094"/>
-                </a:solidFill>
-                <a:effectLst/>
-                <a:latin typeface="JetBrains Mono" panose="02000009000000000000" pitchFamily="49" charset="0"/>
-                <a:cs typeface="JetBrains Mono" panose="02000009000000000000" pitchFamily="49" charset="0"/>
-              </a:rPr>
-            </a:br>
-            <a:r>
-              <a:rPr kumimoji="0" lang="en-US" altLang="en-US" sz="1600" b="0" i="0" u="none" strike="noStrike" cap="none" normalizeH="0" baseline="0" dirty="0">
-                <a:ln>
-                  <a:noFill/>
-                </a:ln>
-                <a:solidFill>
-                  <a:srgbClr val="871094"/>
-                </a:solidFill>
-                <a:effectLst/>
-                <a:latin typeface="JetBrains Mono" panose="02000009000000000000" pitchFamily="49" charset="0"/>
-                <a:cs typeface="JetBrains Mono" panose="02000009000000000000" pitchFamily="49" charset="0"/>
-              </a:rPr>
-              <a:t>          </a:t>
-            </a:r>
-            <a:r>
-              <a:rPr kumimoji="0" lang="en-US" altLang="en-US" sz="1600" b="0" i="0" u="none" strike="noStrike" cap="none" normalizeH="0" baseline="0" dirty="0">
-                <a:ln>
-                  <a:noFill/>
-                </a:ln>
-                <a:solidFill>
-                  <a:srgbClr val="080808"/>
-                </a:solidFill>
-                <a:effectLst/>
-                <a:latin typeface="JetBrains Mono" panose="02000009000000000000" pitchFamily="49" charset="0"/>
-                <a:cs typeface="JetBrains Mono" panose="02000009000000000000" pitchFamily="49" charset="0"/>
-              </a:rPr>
-              <a:t>.</a:t>
-            </a:r>
-            <a:r>
-              <a:rPr kumimoji="0" lang="en-US" altLang="en-US" sz="1600" b="0" i="0" u="none" strike="noStrike" cap="none" normalizeH="0" baseline="0" dirty="0" err="1">
-                <a:ln>
-                  <a:noFill/>
-                </a:ln>
-                <a:solidFill>
-                  <a:srgbClr val="080808"/>
-                </a:solidFill>
-                <a:effectLst/>
-                <a:latin typeface="JetBrains Mono" panose="02000009000000000000" pitchFamily="49" charset="0"/>
-                <a:cs typeface="JetBrains Mono" panose="02000009000000000000" pitchFamily="49" charset="0"/>
-              </a:rPr>
-              <a:t>aggregateBy</a:t>
-            </a:r>
-            <a:r>
-              <a:rPr kumimoji="0" lang="en-US" altLang="en-US" sz="1600" b="0" i="0" u="none" strike="noStrike" cap="none" normalizeH="0" baseline="0" dirty="0">
-                <a:ln>
-                  <a:noFill/>
-                </a:ln>
-                <a:solidFill>
-                  <a:srgbClr val="080808"/>
-                </a:solidFill>
-                <a:effectLst/>
-                <a:latin typeface="JetBrains Mono" panose="02000009000000000000" pitchFamily="49" charset="0"/>
-                <a:cs typeface="JetBrains Mono" panose="02000009000000000000" pitchFamily="49" charset="0"/>
-              </a:rPr>
-              <a:t>(</a:t>
-            </a:r>
-            <a:br>
-              <a:rPr kumimoji="0" lang="en-US" altLang="en-US" sz="1600" b="0" i="0" u="none" strike="noStrike" cap="none" normalizeH="0" baseline="0" dirty="0">
-                <a:ln>
-                  <a:noFill/>
-                </a:ln>
-                <a:solidFill>
-                  <a:srgbClr val="080808"/>
-                </a:solidFill>
-                <a:effectLst/>
-                <a:latin typeface="JetBrains Mono" panose="02000009000000000000" pitchFamily="49" charset="0"/>
-                <a:cs typeface="JetBrains Mono" panose="02000009000000000000" pitchFamily="49" charset="0"/>
-              </a:rPr>
-            </a:br>
-            <a:r>
-              <a:rPr kumimoji="0" lang="en-US" altLang="en-US" sz="1600" b="0" i="0" u="none" strike="noStrike" cap="none" normalizeH="0" baseline="0" dirty="0">
-                <a:ln>
-                  <a:noFill/>
-                </a:ln>
-                <a:solidFill>
-                  <a:srgbClr val="080808"/>
-                </a:solidFill>
-                <a:effectLst/>
-                <a:latin typeface="JetBrains Mono" panose="02000009000000000000" pitchFamily="49" charset="0"/>
-                <a:cs typeface="JetBrains Mono" panose="02000009000000000000" pitchFamily="49" charset="0"/>
-              </a:rPr>
-              <a:t>              </a:t>
-            </a:r>
-            <a:r>
-              <a:rPr kumimoji="0" lang="en-US" altLang="en-US" sz="1600" b="0" i="0" u="none" strike="noStrike" cap="none" normalizeH="0" baseline="0" dirty="0" err="1">
-                <a:ln>
-                  <a:noFill/>
-                </a:ln>
-                <a:solidFill>
-                  <a:srgbClr val="000000"/>
-                </a:solidFill>
-                <a:effectLst/>
-                <a:latin typeface="JetBrains Mono" panose="02000009000000000000" pitchFamily="49" charset="0"/>
-                <a:cs typeface="JetBrains Mono" panose="02000009000000000000" pitchFamily="49" charset="0"/>
-              </a:rPr>
-              <a:t>Lists</a:t>
-            </a:r>
-            <a:r>
-              <a:rPr kumimoji="0" lang="en-US" altLang="en-US" sz="1600" b="0" i="0" u="none" strike="noStrike" cap="none" normalizeH="0" baseline="0" dirty="0" err="1">
-                <a:ln>
-                  <a:noFill/>
-                </a:ln>
-                <a:solidFill>
-                  <a:srgbClr val="080808"/>
-                </a:solidFill>
-                <a:effectLst/>
-                <a:latin typeface="JetBrains Mono" panose="02000009000000000000" pitchFamily="49" charset="0"/>
-                <a:cs typeface="JetBrains Mono" panose="02000009000000000000" pitchFamily="49" charset="0"/>
-              </a:rPr>
-              <a:t>.</a:t>
-            </a:r>
-            <a:r>
-              <a:rPr kumimoji="0" lang="en-US" altLang="en-US" sz="1600" b="0" i="1" u="none" strike="noStrike" cap="none" normalizeH="0" baseline="0" dirty="0" err="1">
-                <a:ln>
-                  <a:noFill/>
-                </a:ln>
-                <a:solidFill>
-                  <a:srgbClr val="871094"/>
-                </a:solidFill>
-                <a:effectLst/>
-                <a:latin typeface="JetBrains Mono" panose="02000009000000000000" pitchFamily="49" charset="0"/>
-                <a:cs typeface="JetBrains Mono" panose="02000009000000000000" pitchFamily="49" charset="0"/>
-              </a:rPr>
-              <a:t>immutable</a:t>
-            </a:r>
-            <a:r>
-              <a:rPr kumimoji="0" lang="en-US" altLang="en-US" sz="1600" b="0" i="0" u="none" strike="noStrike" cap="none" normalizeH="0" baseline="0" dirty="0" err="1">
-                <a:ln>
-                  <a:noFill/>
-                </a:ln>
-                <a:solidFill>
-                  <a:srgbClr val="080808"/>
-                </a:solidFill>
-                <a:effectLst/>
-                <a:latin typeface="JetBrains Mono" panose="02000009000000000000" pitchFamily="49" charset="0"/>
-                <a:cs typeface="JetBrains Mono" panose="02000009000000000000" pitchFamily="49" charset="0"/>
-              </a:rPr>
-              <a:t>.of</a:t>
-            </a:r>
-            <a:r>
-              <a:rPr kumimoji="0" lang="en-US" altLang="en-US" sz="1600" b="0" i="0" u="none" strike="noStrike" cap="none" normalizeH="0" baseline="0" dirty="0">
-                <a:ln>
-                  <a:noFill/>
-                </a:ln>
-                <a:solidFill>
-                  <a:srgbClr val="080808"/>
-                </a:solidFill>
-                <a:effectLst/>
-                <a:latin typeface="JetBrains Mono" panose="02000009000000000000" pitchFamily="49" charset="0"/>
-                <a:cs typeface="JetBrains Mono" panose="02000009000000000000" pitchFamily="49" charset="0"/>
-              </a:rPr>
-              <a:t>(</a:t>
-            </a:r>
-            <a:r>
-              <a:rPr kumimoji="0" lang="en-US" altLang="en-US" sz="1600" b="0" i="1" u="none" strike="noStrike" cap="none" normalizeH="0" baseline="0" dirty="0">
-                <a:ln>
-                  <a:noFill/>
-                </a:ln>
-                <a:solidFill>
-                  <a:srgbClr val="080808"/>
-                </a:solidFill>
-                <a:effectLst/>
-                <a:latin typeface="JetBrains Mono" panose="02000009000000000000" pitchFamily="49" charset="0"/>
-                <a:cs typeface="JetBrains Mono" panose="02000009000000000000" pitchFamily="49" charset="0"/>
-              </a:rPr>
-              <a:t>sum</a:t>
-            </a:r>
-            <a:r>
-              <a:rPr kumimoji="0" lang="en-US" altLang="en-US" sz="1600" b="0" i="0" u="none" strike="noStrike" cap="none" normalizeH="0" baseline="0" dirty="0">
-                <a:ln>
-                  <a:noFill/>
-                </a:ln>
-                <a:solidFill>
-                  <a:srgbClr val="080808"/>
-                </a:solidFill>
-                <a:effectLst/>
-                <a:latin typeface="JetBrains Mono" panose="02000009000000000000" pitchFamily="49" charset="0"/>
-                <a:cs typeface="JetBrains Mono" panose="02000009000000000000" pitchFamily="49" charset="0"/>
-              </a:rPr>
-              <a:t>(</a:t>
-            </a:r>
-            <a:r>
-              <a:rPr kumimoji="0" lang="en-US" altLang="en-US" sz="1600" b="0" i="0" u="none" strike="noStrike" cap="none" normalizeH="0" baseline="0" dirty="0">
-                <a:ln>
-                  <a:noFill/>
-                </a:ln>
-                <a:solidFill>
-                  <a:srgbClr val="067D17"/>
-                </a:solidFill>
-                <a:effectLst/>
-                <a:latin typeface="JetBrains Mono" panose="02000009000000000000" pitchFamily="49" charset="0"/>
-                <a:cs typeface="JetBrains Mono" panose="02000009000000000000" pitchFamily="49" charset="0"/>
-              </a:rPr>
-              <a:t>"Quantity"</a:t>
-            </a:r>
-            <a:r>
-              <a:rPr kumimoji="0" lang="en-US" altLang="en-US" sz="1600" b="0" i="0" u="none" strike="noStrike" cap="none" normalizeH="0" baseline="0" dirty="0">
-                <a:ln>
-                  <a:noFill/>
-                </a:ln>
-                <a:solidFill>
-                  <a:srgbClr val="080808"/>
-                </a:solidFill>
-                <a:effectLst/>
-                <a:latin typeface="JetBrains Mono" panose="02000009000000000000" pitchFamily="49" charset="0"/>
-                <a:cs typeface="JetBrains Mono" panose="02000009000000000000" pitchFamily="49" charset="0"/>
-              </a:rPr>
-              <a:t>)),</a:t>
-            </a:r>
-            <a:br>
-              <a:rPr kumimoji="0" lang="en-US" altLang="en-US" sz="1600" b="0" i="0" u="none" strike="noStrike" cap="none" normalizeH="0" baseline="0" dirty="0">
-                <a:ln>
-                  <a:noFill/>
-                </a:ln>
-                <a:solidFill>
-                  <a:srgbClr val="080808"/>
-                </a:solidFill>
-                <a:effectLst/>
-                <a:latin typeface="JetBrains Mono" panose="02000009000000000000" pitchFamily="49" charset="0"/>
-                <a:cs typeface="JetBrains Mono" panose="02000009000000000000" pitchFamily="49" charset="0"/>
-              </a:rPr>
-            </a:br>
-            <a:r>
-              <a:rPr kumimoji="0" lang="en-US" altLang="en-US" sz="1600" b="0" i="0" u="none" strike="noStrike" cap="none" normalizeH="0" baseline="0" dirty="0">
-                <a:ln>
-                  <a:noFill/>
-                </a:ln>
-                <a:solidFill>
-                  <a:srgbClr val="080808"/>
-                </a:solidFill>
-                <a:effectLst/>
-                <a:latin typeface="JetBrains Mono" panose="02000009000000000000" pitchFamily="49" charset="0"/>
-                <a:cs typeface="JetBrains Mono" panose="02000009000000000000" pitchFamily="49" charset="0"/>
-              </a:rPr>
-              <a:t>              </a:t>
-            </a:r>
-            <a:r>
-              <a:rPr kumimoji="0" lang="en-US" altLang="en-US" sz="1600" b="0" i="0" u="none" strike="noStrike" cap="none" normalizeH="0" baseline="0" dirty="0" err="1">
-                <a:ln>
-                  <a:noFill/>
-                </a:ln>
-                <a:solidFill>
-                  <a:srgbClr val="000000"/>
-                </a:solidFill>
-                <a:effectLst/>
-                <a:latin typeface="JetBrains Mono" panose="02000009000000000000" pitchFamily="49" charset="0"/>
-                <a:cs typeface="JetBrains Mono" panose="02000009000000000000" pitchFamily="49" charset="0"/>
-              </a:rPr>
-              <a:t>Lists</a:t>
-            </a:r>
-            <a:r>
-              <a:rPr kumimoji="0" lang="en-US" altLang="en-US" sz="1600" b="0" i="0" u="none" strike="noStrike" cap="none" normalizeH="0" baseline="0" dirty="0" err="1">
-                <a:ln>
-                  <a:noFill/>
-                </a:ln>
-                <a:solidFill>
-                  <a:srgbClr val="080808"/>
-                </a:solidFill>
-                <a:effectLst/>
-                <a:latin typeface="JetBrains Mono" panose="02000009000000000000" pitchFamily="49" charset="0"/>
-                <a:cs typeface="JetBrains Mono" panose="02000009000000000000" pitchFamily="49" charset="0"/>
-              </a:rPr>
-              <a:t>.</a:t>
-            </a:r>
-            <a:r>
-              <a:rPr kumimoji="0" lang="en-US" altLang="en-US" sz="1600" b="0" i="1" u="none" strike="noStrike" cap="none" normalizeH="0" baseline="0" dirty="0" err="1">
-                <a:ln>
-                  <a:noFill/>
-                </a:ln>
-                <a:solidFill>
-                  <a:srgbClr val="871094"/>
-                </a:solidFill>
-                <a:effectLst/>
-                <a:latin typeface="JetBrains Mono" panose="02000009000000000000" pitchFamily="49" charset="0"/>
-                <a:cs typeface="JetBrains Mono" panose="02000009000000000000" pitchFamily="49" charset="0"/>
-              </a:rPr>
-              <a:t>immutable</a:t>
-            </a:r>
-            <a:r>
-              <a:rPr kumimoji="0" lang="en-US" altLang="en-US" sz="1600" b="0" i="0" u="none" strike="noStrike" cap="none" normalizeH="0" baseline="0" dirty="0" err="1">
-                <a:ln>
-                  <a:noFill/>
-                </a:ln>
-                <a:solidFill>
-                  <a:srgbClr val="080808"/>
-                </a:solidFill>
-                <a:effectLst/>
-                <a:latin typeface="JetBrains Mono" panose="02000009000000000000" pitchFamily="49" charset="0"/>
-                <a:cs typeface="JetBrains Mono" panose="02000009000000000000" pitchFamily="49" charset="0"/>
-              </a:rPr>
-              <a:t>.of</a:t>
-            </a:r>
-            <a:r>
-              <a:rPr kumimoji="0" lang="en-US" altLang="en-US" sz="1600" b="0" i="0" u="none" strike="noStrike" cap="none" normalizeH="0" baseline="0" dirty="0">
-                <a:ln>
-                  <a:noFill/>
-                </a:ln>
-                <a:solidFill>
-                  <a:srgbClr val="080808"/>
-                </a:solidFill>
-                <a:effectLst/>
-                <a:latin typeface="JetBrains Mono" panose="02000009000000000000" pitchFamily="49" charset="0"/>
-                <a:cs typeface="JetBrains Mono" panose="02000009000000000000" pitchFamily="49" charset="0"/>
-              </a:rPr>
-              <a:t>(</a:t>
-            </a:r>
-            <a:r>
-              <a:rPr kumimoji="0" lang="en-US" altLang="en-US" sz="1600" b="0" i="0" u="none" strike="noStrike" cap="none" normalizeH="0" baseline="0" dirty="0">
-                <a:ln>
-                  <a:noFill/>
-                </a:ln>
-                <a:solidFill>
-                  <a:srgbClr val="067D17"/>
-                </a:solidFill>
-                <a:effectLst/>
-                <a:latin typeface="JetBrains Mono" panose="02000009000000000000" pitchFamily="49" charset="0"/>
-                <a:cs typeface="JetBrains Mono" panose="02000009000000000000" pitchFamily="49" charset="0"/>
-              </a:rPr>
-              <a:t>"Donut"</a:t>
-            </a:r>
-            <a:r>
-              <a:rPr kumimoji="0" lang="en-US" altLang="en-US" sz="1600" b="0" i="0" u="none" strike="noStrike" cap="none" normalizeH="0" baseline="0" dirty="0">
-                <a:ln>
-                  <a:noFill/>
-                </a:ln>
-                <a:solidFill>
-                  <a:srgbClr val="080808"/>
-                </a:solidFill>
-                <a:effectLst/>
-                <a:latin typeface="JetBrains Mono" panose="02000009000000000000" pitchFamily="49" charset="0"/>
-                <a:cs typeface="JetBrains Mono" panose="02000009000000000000" pitchFamily="49" charset="0"/>
-              </a:rPr>
-              <a:t>))</a:t>
-            </a:r>
-            <a:br>
-              <a:rPr kumimoji="0" lang="en-US" altLang="en-US" sz="1600" b="0" i="0" u="none" strike="noStrike" cap="none" normalizeH="0" baseline="0" dirty="0">
-                <a:ln>
-                  <a:noFill/>
-                </a:ln>
-                <a:solidFill>
-                  <a:srgbClr val="080808"/>
-                </a:solidFill>
-                <a:effectLst/>
-                <a:latin typeface="JetBrains Mono" panose="02000009000000000000" pitchFamily="49" charset="0"/>
-                <a:cs typeface="JetBrains Mono" panose="02000009000000000000" pitchFamily="49" charset="0"/>
-              </a:rPr>
-            </a:br>
-            <a:r>
-              <a:rPr kumimoji="0" lang="en-US" altLang="en-US" sz="1600" b="0" i="0" u="none" strike="noStrike" cap="none" normalizeH="0" baseline="0" dirty="0">
-                <a:ln>
-                  <a:noFill/>
-                </a:ln>
-                <a:solidFill>
-                  <a:srgbClr val="080808"/>
-                </a:solidFill>
-                <a:effectLst/>
-                <a:latin typeface="JetBrains Mono" panose="02000009000000000000" pitchFamily="49" charset="0"/>
-                <a:cs typeface="JetBrains Mono" panose="02000009000000000000" pitchFamily="49" charset="0"/>
-              </a:rPr>
-              <a:t>          .</a:t>
-            </a:r>
-            <a:r>
-              <a:rPr kumimoji="0" lang="en-US" altLang="en-US" sz="1600" b="0" i="0" u="none" strike="noStrike" cap="none" normalizeH="0" baseline="0" dirty="0" err="1">
-                <a:ln>
-                  <a:noFill/>
-                </a:ln>
-                <a:solidFill>
-                  <a:srgbClr val="080808"/>
-                </a:solidFill>
-                <a:effectLst/>
-                <a:latin typeface="JetBrains Mono" panose="02000009000000000000" pitchFamily="49" charset="0"/>
-                <a:cs typeface="JetBrains Mono" panose="02000009000000000000" pitchFamily="49" charset="0"/>
-              </a:rPr>
-              <a:t>sortBy</a:t>
-            </a:r>
-            <a:r>
-              <a:rPr kumimoji="0" lang="en-US" altLang="en-US" sz="1600" b="0" i="0" u="none" strike="noStrike" cap="none" normalizeH="0" baseline="0" dirty="0">
-                <a:ln>
-                  <a:noFill/>
-                </a:ln>
-                <a:solidFill>
-                  <a:srgbClr val="080808"/>
-                </a:solidFill>
-                <a:effectLst/>
-                <a:latin typeface="JetBrains Mono" panose="02000009000000000000" pitchFamily="49" charset="0"/>
-                <a:cs typeface="JetBrains Mono" panose="02000009000000000000" pitchFamily="49" charset="0"/>
-              </a:rPr>
-              <a:t>(</a:t>
-            </a:r>
-          </a:p>
-          <a:p>
-            <a:pPr marL="0" marR="0" lvl="0" indent="0" algn="l" defTabSz="914400" rtl="0" eaLnBrk="0" fontAlgn="base" latinLnBrk="0" hangingPunct="0">
-              <a:lnSpc>
-                <a:spcPct val="125000"/>
-              </a:lnSpc>
-              <a:spcBef>
-                <a:spcPct val="0"/>
-              </a:spcBef>
-              <a:spcAft>
-                <a:spcPct val="0"/>
-              </a:spcAft>
-              <a:buClrTx/>
-              <a:buSzTx/>
-              <a:buFontTx/>
-              <a:buNone/>
-              <a:tabLst/>
-            </a:pPr>
-            <a:r>
-              <a:rPr lang="en-US" altLang="en-US" sz="1600" dirty="0">
-                <a:solidFill>
-                  <a:srgbClr val="080808"/>
-                </a:solidFill>
-                <a:latin typeface="JetBrains Mono" panose="02000009000000000000" pitchFamily="49" charset="0"/>
-                <a:cs typeface="JetBrains Mono" panose="02000009000000000000" pitchFamily="49" charset="0"/>
-              </a:rPr>
-              <a:t>              </a:t>
-            </a:r>
-            <a:r>
-              <a:rPr kumimoji="0" lang="en-US" altLang="en-US" sz="1600" b="0" i="0" u="none" strike="noStrike" cap="none" normalizeH="0" baseline="0" dirty="0" err="1">
-                <a:ln>
-                  <a:noFill/>
-                </a:ln>
-                <a:solidFill>
-                  <a:srgbClr val="000000"/>
-                </a:solidFill>
-                <a:effectLst/>
-                <a:latin typeface="JetBrains Mono" panose="02000009000000000000" pitchFamily="49" charset="0"/>
-                <a:cs typeface="JetBrains Mono" panose="02000009000000000000" pitchFamily="49" charset="0"/>
-              </a:rPr>
-              <a:t>Lists</a:t>
-            </a:r>
-            <a:r>
-              <a:rPr kumimoji="0" lang="en-US" altLang="en-US" sz="1600" b="0" i="0" u="none" strike="noStrike" cap="none" normalizeH="0" baseline="0" dirty="0" err="1">
-                <a:ln>
-                  <a:noFill/>
-                </a:ln>
-                <a:solidFill>
-                  <a:srgbClr val="080808"/>
-                </a:solidFill>
-                <a:effectLst/>
-                <a:latin typeface="JetBrains Mono" panose="02000009000000000000" pitchFamily="49" charset="0"/>
-                <a:cs typeface="JetBrains Mono" panose="02000009000000000000" pitchFamily="49" charset="0"/>
-              </a:rPr>
-              <a:t>.</a:t>
-            </a:r>
-            <a:r>
-              <a:rPr kumimoji="0" lang="en-US" altLang="en-US" sz="1600" b="0" i="1" u="none" strike="noStrike" cap="none" normalizeH="0" baseline="0" dirty="0" err="1">
-                <a:ln>
-                  <a:noFill/>
-                </a:ln>
-                <a:solidFill>
-                  <a:srgbClr val="871094"/>
-                </a:solidFill>
-                <a:effectLst/>
-                <a:latin typeface="JetBrains Mono" panose="02000009000000000000" pitchFamily="49" charset="0"/>
-                <a:cs typeface="JetBrains Mono" panose="02000009000000000000" pitchFamily="49" charset="0"/>
-              </a:rPr>
-              <a:t>immutable</a:t>
-            </a:r>
-            <a:r>
-              <a:rPr kumimoji="0" lang="en-US" altLang="en-US" sz="1600" b="0" i="0" u="none" strike="noStrike" cap="none" normalizeH="0" baseline="0" dirty="0" err="1">
-                <a:ln>
-                  <a:noFill/>
-                </a:ln>
-                <a:solidFill>
-                  <a:srgbClr val="080808"/>
-                </a:solidFill>
-                <a:effectLst/>
-                <a:latin typeface="JetBrains Mono" panose="02000009000000000000" pitchFamily="49" charset="0"/>
-                <a:cs typeface="JetBrains Mono" panose="02000009000000000000" pitchFamily="49" charset="0"/>
-              </a:rPr>
-              <a:t>.of</a:t>
-            </a:r>
-            <a:r>
-              <a:rPr kumimoji="0" lang="en-US" altLang="en-US" sz="1600" b="0" i="0" u="none" strike="noStrike" cap="none" normalizeH="0" baseline="0" dirty="0">
-                <a:ln>
-                  <a:noFill/>
-                </a:ln>
-                <a:solidFill>
-                  <a:srgbClr val="080808"/>
-                </a:solidFill>
-                <a:effectLst/>
-                <a:latin typeface="JetBrains Mono" panose="02000009000000000000" pitchFamily="49" charset="0"/>
-                <a:cs typeface="JetBrains Mono" panose="02000009000000000000" pitchFamily="49" charset="0"/>
-              </a:rPr>
-              <a:t>(</a:t>
-            </a:r>
-            <a:r>
-              <a:rPr kumimoji="0" lang="en-US" altLang="en-US" sz="1600" b="0" i="0" u="none" strike="noStrike" cap="none" normalizeH="0" baseline="0" dirty="0">
-                <a:ln>
-                  <a:noFill/>
-                </a:ln>
-                <a:solidFill>
-                  <a:srgbClr val="067D17"/>
-                </a:solidFill>
-                <a:effectLst/>
-                <a:latin typeface="JetBrains Mono" panose="02000009000000000000" pitchFamily="49" charset="0"/>
-                <a:cs typeface="JetBrains Mono" panose="02000009000000000000" pitchFamily="49" charset="0"/>
-              </a:rPr>
-              <a:t>"Quantity"</a:t>
-            </a:r>
-            <a:r>
-              <a:rPr kumimoji="0" lang="en-US" altLang="en-US" sz="1600" b="0" i="0" u="none" strike="noStrike" cap="none" normalizeH="0" baseline="0" dirty="0">
-                <a:ln>
-                  <a:noFill/>
-                </a:ln>
-                <a:solidFill>
-                  <a:srgbClr val="080808"/>
-                </a:solidFill>
-                <a:effectLst/>
-                <a:latin typeface="JetBrains Mono" panose="02000009000000000000" pitchFamily="49" charset="0"/>
-                <a:cs typeface="JetBrains Mono" panose="02000009000000000000" pitchFamily="49" charset="0"/>
-              </a:rPr>
-              <a:t>, </a:t>
-            </a:r>
-            <a:r>
-              <a:rPr kumimoji="0" lang="en-US" altLang="en-US" sz="1600" b="0" i="0" u="none" strike="noStrike" cap="none" normalizeH="0" baseline="0" dirty="0">
-                <a:ln>
-                  <a:noFill/>
-                </a:ln>
-                <a:solidFill>
-                  <a:srgbClr val="067D17"/>
-                </a:solidFill>
-                <a:effectLst/>
-                <a:latin typeface="JetBrains Mono" panose="02000009000000000000" pitchFamily="49" charset="0"/>
-                <a:cs typeface="JetBrains Mono" panose="02000009000000000000" pitchFamily="49" charset="0"/>
-              </a:rPr>
-              <a:t>"Donut"</a:t>
-            </a:r>
-            <a:r>
-              <a:rPr kumimoji="0" lang="en-US" altLang="en-US" sz="1600" b="0" i="0" u="none" strike="noStrike" cap="none" normalizeH="0" baseline="0" dirty="0">
-                <a:ln>
-                  <a:noFill/>
-                </a:ln>
-                <a:solidFill>
-                  <a:srgbClr val="080808"/>
-                </a:solidFill>
-                <a:effectLst/>
-                <a:latin typeface="JetBrains Mono" panose="02000009000000000000" pitchFamily="49" charset="0"/>
-                <a:cs typeface="JetBrains Mono" panose="02000009000000000000" pitchFamily="49" charset="0"/>
-              </a:rPr>
-              <a:t>),</a:t>
-            </a:r>
-          </a:p>
-          <a:p>
-            <a:pPr marL="0" marR="0" lvl="0" indent="0" algn="l" defTabSz="914400" rtl="0" eaLnBrk="0" fontAlgn="base" latinLnBrk="0" hangingPunct="0">
-              <a:lnSpc>
-                <a:spcPct val="125000"/>
-              </a:lnSpc>
-              <a:spcBef>
-                <a:spcPct val="0"/>
-              </a:spcBef>
-              <a:spcAft>
-                <a:spcPct val="0"/>
-              </a:spcAft>
-              <a:buClrTx/>
-              <a:buSzTx/>
-              <a:buFontTx/>
-              <a:buNone/>
-              <a:tabLst/>
-            </a:pPr>
-            <a:r>
-              <a:rPr lang="en-US" altLang="en-US" sz="1600" dirty="0">
-                <a:solidFill>
-                  <a:srgbClr val="080808"/>
-                </a:solidFill>
-                <a:latin typeface="JetBrains Mono" panose="02000009000000000000" pitchFamily="49" charset="0"/>
-                <a:cs typeface="JetBrains Mono" panose="02000009000000000000" pitchFamily="49" charset="0"/>
-              </a:rPr>
-              <a:t>              </a:t>
-            </a:r>
-            <a:r>
-              <a:rPr kumimoji="0" lang="en-US" altLang="en-US" sz="1600" b="0" i="0" u="none" strike="noStrike" cap="none" normalizeH="0" baseline="0" dirty="0" err="1">
-                <a:ln>
-                  <a:noFill/>
-                </a:ln>
-                <a:solidFill>
-                  <a:srgbClr val="000000"/>
-                </a:solidFill>
-                <a:effectLst/>
-                <a:latin typeface="JetBrains Mono" panose="02000009000000000000" pitchFamily="49" charset="0"/>
-                <a:cs typeface="JetBrains Mono" panose="02000009000000000000" pitchFamily="49" charset="0"/>
-              </a:rPr>
-              <a:t>Lists</a:t>
-            </a:r>
-            <a:r>
-              <a:rPr kumimoji="0" lang="en-US" altLang="en-US" sz="1600" b="0" i="0" u="none" strike="noStrike" cap="none" normalizeH="0" baseline="0" dirty="0" err="1">
-                <a:ln>
-                  <a:noFill/>
-                </a:ln>
-                <a:solidFill>
-                  <a:srgbClr val="080808"/>
-                </a:solidFill>
-                <a:effectLst/>
-                <a:latin typeface="JetBrains Mono" panose="02000009000000000000" pitchFamily="49" charset="0"/>
-                <a:cs typeface="JetBrains Mono" panose="02000009000000000000" pitchFamily="49" charset="0"/>
-              </a:rPr>
-              <a:t>.</a:t>
-            </a:r>
-            <a:r>
-              <a:rPr kumimoji="0" lang="en-US" altLang="en-US" sz="1600" b="0" i="1" u="none" strike="noStrike" cap="none" normalizeH="0" baseline="0" dirty="0" err="1">
-                <a:ln>
-                  <a:noFill/>
-                </a:ln>
-                <a:solidFill>
-                  <a:srgbClr val="871094"/>
-                </a:solidFill>
-                <a:effectLst/>
-                <a:latin typeface="JetBrains Mono" panose="02000009000000000000" pitchFamily="49" charset="0"/>
-                <a:cs typeface="JetBrains Mono" panose="02000009000000000000" pitchFamily="49" charset="0"/>
-              </a:rPr>
-              <a:t>immutable</a:t>
-            </a:r>
-            <a:r>
-              <a:rPr kumimoji="0" lang="en-US" altLang="en-US" sz="1600" b="0" i="0" u="none" strike="noStrike" cap="none" normalizeH="0" baseline="0" dirty="0" err="1">
-                <a:ln>
-                  <a:noFill/>
-                </a:ln>
-                <a:solidFill>
-                  <a:srgbClr val="080808"/>
-                </a:solidFill>
-                <a:effectLst/>
-                <a:latin typeface="JetBrains Mono" panose="02000009000000000000" pitchFamily="49" charset="0"/>
-                <a:cs typeface="JetBrains Mono" panose="02000009000000000000" pitchFamily="49" charset="0"/>
-              </a:rPr>
-              <a:t>.of</a:t>
-            </a:r>
-            <a:r>
-              <a:rPr kumimoji="0" lang="en-US" altLang="en-US" sz="1600" b="0" i="0" u="none" strike="noStrike" cap="none" normalizeH="0" baseline="0" dirty="0">
-                <a:ln>
-                  <a:noFill/>
-                </a:ln>
-                <a:solidFill>
-                  <a:srgbClr val="080808"/>
-                </a:solidFill>
-                <a:effectLst/>
-                <a:latin typeface="JetBrains Mono" panose="02000009000000000000" pitchFamily="49" charset="0"/>
-                <a:cs typeface="JetBrains Mono" panose="02000009000000000000" pitchFamily="49" charset="0"/>
-              </a:rPr>
-              <a:t>(</a:t>
-            </a:r>
-            <a:r>
-              <a:rPr kumimoji="0" lang="en-US" altLang="en-US" sz="1600" b="0" i="1" u="none" strike="noStrike" cap="none" normalizeH="0" baseline="0" dirty="0">
-                <a:ln>
-                  <a:noFill/>
-                </a:ln>
-                <a:solidFill>
-                  <a:srgbClr val="871094"/>
-                </a:solidFill>
-                <a:effectLst/>
-                <a:latin typeface="JetBrains Mono" panose="02000009000000000000" pitchFamily="49" charset="0"/>
-                <a:cs typeface="JetBrains Mono" panose="02000009000000000000" pitchFamily="49" charset="0"/>
-              </a:rPr>
-              <a:t>DESC</a:t>
-            </a:r>
-            <a:r>
-              <a:rPr kumimoji="0" lang="en-US" altLang="en-US" sz="1600" b="0" i="0" u="none" strike="noStrike" cap="none" normalizeH="0" baseline="0" dirty="0">
-                <a:ln>
-                  <a:noFill/>
-                </a:ln>
-                <a:solidFill>
-                  <a:srgbClr val="080808"/>
-                </a:solidFill>
-                <a:effectLst/>
-                <a:latin typeface="JetBrains Mono" panose="02000009000000000000" pitchFamily="49" charset="0"/>
-                <a:cs typeface="JetBrains Mono" panose="02000009000000000000" pitchFamily="49" charset="0"/>
-              </a:rPr>
-              <a:t>, </a:t>
-            </a:r>
-            <a:r>
-              <a:rPr kumimoji="0" lang="en-US" altLang="en-US" sz="1600" b="0" i="1" u="none" strike="noStrike" cap="none" normalizeH="0" baseline="0" dirty="0">
-                <a:ln>
-                  <a:noFill/>
-                </a:ln>
-                <a:solidFill>
-                  <a:srgbClr val="871094"/>
-                </a:solidFill>
-                <a:effectLst/>
-                <a:latin typeface="JetBrains Mono" panose="02000009000000000000" pitchFamily="49" charset="0"/>
-                <a:cs typeface="JetBrains Mono" panose="02000009000000000000" pitchFamily="49" charset="0"/>
-              </a:rPr>
-              <a:t>ASC</a:t>
-            </a:r>
-            <a:r>
-              <a:rPr kumimoji="0" lang="en-US" altLang="en-US" sz="1600" b="0" i="0" u="none" strike="noStrike" cap="none" normalizeH="0" baseline="0" dirty="0">
-                <a:ln>
-                  <a:noFill/>
-                </a:ln>
-                <a:solidFill>
-                  <a:srgbClr val="080808"/>
-                </a:solidFill>
-                <a:effectLst/>
-                <a:latin typeface="JetBrains Mono" panose="02000009000000000000" pitchFamily="49" charset="0"/>
-                <a:cs typeface="JetBrains Mono" panose="02000009000000000000" pitchFamily="49" charset="0"/>
-              </a:rPr>
-              <a:t>))</a:t>
-            </a:r>
-            <a:br>
-              <a:rPr kumimoji="0" lang="en-US" altLang="en-US" sz="1600" b="0" i="0" u="none" strike="noStrike" cap="none" normalizeH="0" baseline="0" dirty="0">
-                <a:ln>
-                  <a:noFill/>
-                </a:ln>
-                <a:solidFill>
-                  <a:srgbClr val="080808"/>
-                </a:solidFill>
-                <a:effectLst/>
-                <a:latin typeface="JetBrains Mono" panose="02000009000000000000" pitchFamily="49" charset="0"/>
-                <a:cs typeface="JetBrains Mono" panose="02000009000000000000" pitchFamily="49" charset="0"/>
-              </a:rPr>
-            </a:br>
-            <a:r>
-              <a:rPr kumimoji="0" lang="en-US" altLang="en-US" sz="1600" b="0" i="0" u="none" strike="noStrike" cap="none" normalizeH="0" baseline="0" dirty="0">
-                <a:ln>
-                  <a:noFill/>
-                </a:ln>
-                <a:solidFill>
-                  <a:srgbClr val="080808"/>
-                </a:solidFill>
-                <a:effectLst/>
-                <a:latin typeface="JetBrains Mono" panose="02000009000000000000" pitchFamily="49" charset="0"/>
-                <a:cs typeface="JetBrains Mono" panose="02000009000000000000" pitchFamily="49" charset="0"/>
-              </a:rPr>
-              <a:t>          .</a:t>
-            </a:r>
-            <a:r>
-              <a:rPr kumimoji="0" lang="en-US" altLang="en-US" sz="1600" b="0" i="0" u="none" strike="noStrike" cap="none" normalizeH="0" baseline="0" dirty="0" err="1">
-                <a:ln>
-                  <a:noFill/>
-                </a:ln>
-                <a:solidFill>
-                  <a:srgbClr val="080808"/>
-                </a:solidFill>
-                <a:effectLst/>
-                <a:latin typeface="JetBrains Mono" panose="02000009000000000000" pitchFamily="49" charset="0"/>
-                <a:cs typeface="JetBrains Mono" panose="02000009000000000000" pitchFamily="49" charset="0"/>
-              </a:rPr>
-              <a:t>keepColumns</a:t>
-            </a:r>
-            <a:r>
-              <a:rPr kumimoji="0" lang="en-US" altLang="en-US" sz="1600" b="0" i="0" u="none" strike="noStrike" cap="none" normalizeH="0" baseline="0" dirty="0">
-                <a:ln>
-                  <a:noFill/>
-                </a:ln>
-                <a:solidFill>
-                  <a:srgbClr val="080808"/>
-                </a:solidFill>
-                <a:effectLst/>
-                <a:latin typeface="JetBrains Mono" panose="02000009000000000000" pitchFamily="49" charset="0"/>
-                <a:cs typeface="JetBrains Mono" panose="02000009000000000000" pitchFamily="49" charset="0"/>
-              </a:rPr>
-              <a:t>(</a:t>
-            </a:r>
-            <a:r>
-              <a:rPr kumimoji="0" lang="en-US" altLang="en-US" sz="1600" b="0" i="0" u="none" strike="noStrike" cap="none" normalizeH="0" baseline="0" dirty="0" err="1">
-                <a:ln>
-                  <a:noFill/>
-                </a:ln>
-                <a:solidFill>
-                  <a:srgbClr val="000000"/>
-                </a:solidFill>
-                <a:effectLst/>
-                <a:latin typeface="JetBrains Mono" panose="02000009000000000000" pitchFamily="49" charset="0"/>
-                <a:cs typeface="JetBrains Mono" panose="02000009000000000000" pitchFamily="49" charset="0"/>
-              </a:rPr>
-              <a:t>Lists</a:t>
-            </a:r>
-            <a:r>
-              <a:rPr kumimoji="0" lang="en-US" altLang="en-US" sz="1600" b="0" i="0" u="none" strike="noStrike" cap="none" normalizeH="0" baseline="0" dirty="0" err="1">
-                <a:ln>
-                  <a:noFill/>
-                </a:ln>
-                <a:solidFill>
-                  <a:srgbClr val="080808"/>
-                </a:solidFill>
-                <a:effectLst/>
-                <a:latin typeface="JetBrains Mono" panose="02000009000000000000" pitchFamily="49" charset="0"/>
-                <a:cs typeface="JetBrains Mono" panose="02000009000000000000" pitchFamily="49" charset="0"/>
-              </a:rPr>
-              <a:t>.</a:t>
-            </a:r>
-            <a:r>
-              <a:rPr kumimoji="0" lang="en-US" altLang="en-US" sz="1600" b="0" i="1" u="none" strike="noStrike" cap="none" normalizeH="0" baseline="0" dirty="0" err="1">
-                <a:ln>
-                  <a:noFill/>
-                </a:ln>
-                <a:solidFill>
-                  <a:srgbClr val="871094"/>
-                </a:solidFill>
-                <a:effectLst/>
-                <a:latin typeface="JetBrains Mono" panose="02000009000000000000" pitchFamily="49" charset="0"/>
-                <a:cs typeface="JetBrains Mono" panose="02000009000000000000" pitchFamily="49" charset="0"/>
-              </a:rPr>
-              <a:t>immutable</a:t>
-            </a:r>
-            <a:r>
-              <a:rPr kumimoji="0" lang="en-US" altLang="en-US" sz="1600" b="0" i="0" u="none" strike="noStrike" cap="none" normalizeH="0" baseline="0" dirty="0" err="1">
-                <a:ln>
-                  <a:noFill/>
-                </a:ln>
-                <a:solidFill>
-                  <a:srgbClr val="080808"/>
-                </a:solidFill>
-                <a:effectLst/>
-                <a:latin typeface="JetBrains Mono" panose="02000009000000000000" pitchFamily="49" charset="0"/>
-                <a:cs typeface="JetBrains Mono" panose="02000009000000000000" pitchFamily="49" charset="0"/>
-              </a:rPr>
-              <a:t>.of</a:t>
-            </a:r>
-            <a:r>
-              <a:rPr kumimoji="0" lang="en-US" altLang="en-US" sz="1600" b="0" i="0" u="none" strike="noStrike" cap="none" normalizeH="0" baseline="0" dirty="0">
-                <a:ln>
-                  <a:noFill/>
-                </a:ln>
-                <a:solidFill>
-                  <a:srgbClr val="080808"/>
-                </a:solidFill>
-                <a:effectLst/>
-                <a:latin typeface="JetBrains Mono" panose="02000009000000000000" pitchFamily="49" charset="0"/>
-                <a:cs typeface="JetBrains Mono" panose="02000009000000000000" pitchFamily="49" charset="0"/>
-              </a:rPr>
-              <a:t>(</a:t>
-            </a:r>
-            <a:r>
-              <a:rPr kumimoji="0" lang="en-US" altLang="en-US" sz="1600" b="0" i="0" u="none" strike="noStrike" cap="none" normalizeH="0" baseline="0" dirty="0">
-                <a:ln>
-                  <a:noFill/>
-                </a:ln>
-                <a:solidFill>
-                  <a:srgbClr val="067D17"/>
-                </a:solidFill>
-                <a:effectLst/>
-                <a:latin typeface="JetBrains Mono" panose="02000009000000000000" pitchFamily="49" charset="0"/>
-                <a:cs typeface="JetBrains Mono" panose="02000009000000000000" pitchFamily="49" charset="0"/>
-              </a:rPr>
-              <a:t>"Donut"</a:t>
-            </a:r>
-            <a:r>
-              <a:rPr kumimoji="0" lang="en-US" altLang="en-US" sz="1600" b="0" i="0" u="none" strike="noStrike" cap="none" normalizeH="0" baseline="0" dirty="0">
-                <a:ln>
-                  <a:noFill/>
-                </a:ln>
-                <a:solidFill>
-                  <a:srgbClr val="080808"/>
-                </a:solidFill>
-                <a:effectLst/>
-                <a:latin typeface="JetBrains Mono" panose="02000009000000000000" pitchFamily="49" charset="0"/>
-                <a:cs typeface="JetBrains Mono" panose="02000009000000000000" pitchFamily="49" charset="0"/>
-              </a:rPr>
-              <a:t>));</a:t>
-            </a:r>
-            <a:endParaRPr kumimoji="0" lang="en-US" altLang="en-US" sz="4000" b="0" i="0" u="none" strike="noStrike" cap="none" normalizeH="0" baseline="0" dirty="0">
-              <a:ln>
-                <a:noFill/>
-              </a:ln>
-              <a:solidFill>
-                <a:schemeClr val="tx1"/>
-              </a:solidFill>
-              <a:effectLst/>
-              <a:latin typeface="Arial" panose="020B0604020202020204" pitchFamily="34" charset="0"/>
-            </a:endParaRPr>
-          </a:p>
-        </p:txBody>
-      </p:sp>
-      <p:graphicFrame>
-        <p:nvGraphicFramePr>
-          <p:cNvPr id="12" name="Table 11">
-            <a:extLst>
-              <a:ext uri="{FF2B5EF4-FFF2-40B4-BE49-F238E27FC236}">
-                <a16:creationId xmlns:a16="http://schemas.microsoft.com/office/drawing/2014/main" id="{BBBAAF39-891E-6FEA-0ED8-B836B158F8FA}"/>
-              </a:ext>
-            </a:extLst>
-          </p:cNvPr>
-          <p:cNvGraphicFramePr>
-            <a:graphicFrameLocks noGrp="1"/>
-          </p:cNvGraphicFramePr>
-          <p:nvPr>
-            <p:extLst>
-              <p:ext uri="{D42A27DB-BD31-4B8C-83A1-F6EECF244321}">
-                <p14:modId xmlns:p14="http://schemas.microsoft.com/office/powerpoint/2010/main" val="2480329944"/>
-              </p:ext>
-            </p:extLst>
-          </p:nvPr>
-        </p:nvGraphicFramePr>
-        <p:xfrm>
-          <a:off x="9313320" y="1313343"/>
-          <a:ext cx="2375917" cy="1828800"/>
-        </p:xfrm>
-        <a:graphic>
-          <a:graphicData uri="http://schemas.openxmlformats.org/drawingml/2006/table">
-            <a:tbl>
-              <a:tblPr/>
-              <a:tblGrid>
-                <a:gridCol w="1447801">
-                  <a:extLst>
-                    <a:ext uri="{9D8B030D-6E8A-4147-A177-3AD203B41FA5}">
-                      <a16:colId xmlns:a16="http://schemas.microsoft.com/office/drawing/2014/main" val="1995741582"/>
-                    </a:ext>
-                  </a:extLst>
-                </a:gridCol>
-                <a:gridCol w="928116">
-                  <a:extLst>
-                    <a:ext uri="{9D8B030D-6E8A-4147-A177-3AD203B41FA5}">
-                      <a16:colId xmlns:a16="http://schemas.microsoft.com/office/drawing/2014/main" val="168921243"/>
-                    </a:ext>
-                  </a:extLst>
-                </a:gridCol>
-              </a:tblGrid>
-              <a:tr h="0">
-                <a:tc>
-                  <a:txBody>
-                    <a:bodyPr/>
-                    <a:lstStyle/>
-                    <a:p>
-                      <a:pPr algn="l" fontAlgn="t"/>
-                      <a:r>
-                        <a:rPr lang="en-US" sz="1400" b="1" dirty="0">
-                          <a:effectLst/>
-                          <a:highlight>
-                            <a:srgbClr val="F7F8F7"/>
-                          </a:highlight>
-                        </a:rPr>
-                        <a:t>Donut</a:t>
-                      </a:r>
-                    </a:p>
-                  </a:txBody>
-                  <a:tcPr>
-                    <a:lnL w="12700" cap="flat" cmpd="sng" algn="ctr">
-                      <a:solidFill>
-                        <a:schemeClr val="accent4">
-                          <a:lumMod val="50000"/>
-                        </a:schemeClr>
-                      </a:solidFill>
-                      <a:prstDash val="solid"/>
-                      <a:round/>
-                      <a:headEnd type="none" w="med" len="med"/>
-                      <a:tailEnd type="none" w="med" len="med"/>
-                    </a:lnL>
-                    <a:lnR w="7620" cap="flat" cmpd="sng" algn="ctr">
-                      <a:solidFill>
-                        <a:srgbClr val="DEDEDE"/>
-                      </a:solidFill>
-                      <a:prstDash val="solid"/>
-                      <a:round/>
-                      <a:headEnd type="none" w="med" len="med"/>
-                      <a:tailEnd type="none" w="med" len="med"/>
-                    </a:lnR>
-                    <a:lnT w="12700" cap="flat" cmpd="sng" algn="ctr">
-                      <a:solidFill>
-                        <a:schemeClr val="accent4">
-                          <a:lumMod val="50000"/>
-                        </a:schemeClr>
-                      </a:solidFill>
-                      <a:prstDash val="solid"/>
-                      <a:round/>
-                      <a:headEnd type="none" w="med" len="med"/>
-                      <a:tailEnd type="none" w="med" len="med"/>
-                    </a:lnT>
-                    <a:lnB w="7620" cap="flat" cmpd="sng" algn="ctr">
-                      <a:solidFill>
-                        <a:srgbClr val="DEDEDE"/>
-                      </a:solidFill>
-                      <a:prstDash val="solid"/>
-                      <a:round/>
-                      <a:headEnd type="none" w="med" len="med"/>
-                      <a:tailEnd type="none" w="med" len="med"/>
-                    </a:lnB>
-                    <a:solidFill>
-                      <a:srgbClr val="F7F8F7"/>
-                    </a:solidFill>
-                  </a:tcPr>
-                </a:tc>
-                <a:tc>
-                  <a:txBody>
-                    <a:bodyPr/>
-                    <a:lstStyle/>
-                    <a:p>
-                      <a:pPr algn="r" fontAlgn="t"/>
-                      <a:r>
-                        <a:rPr lang="en-US" sz="1400" b="1" dirty="0">
-                          <a:effectLst/>
-                          <a:highlight>
-                            <a:srgbClr val="F7F8F7"/>
-                          </a:highlight>
-                        </a:rPr>
-                        <a:t>Quantity</a:t>
-                      </a:r>
-                    </a:p>
-                  </a:txBody>
-                  <a:tcPr>
-                    <a:lnL w="7620" cap="flat" cmpd="sng" algn="ctr">
-                      <a:solidFill>
-                        <a:srgbClr val="DEDEDE"/>
-                      </a:solidFill>
-                      <a:prstDash val="solid"/>
-                      <a:round/>
-                      <a:headEnd type="none" w="med" len="med"/>
-                      <a:tailEnd type="none" w="med" len="med"/>
-                    </a:lnL>
-                    <a:lnR w="12700" cap="flat" cmpd="sng" algn="ctr">
-                      <a:solidFill>
-                        <a:schemeClr val="accent4">
-                          <a:lumMod val="50000"/>
-                        </a:schemeClr>
-                      </a:solidFill>
-                      <a:prstDash val="solid"/>
-                      <a:round/>
-                      <a:headEnd type="none" w="med" len="med"/>
-                      <a:tailEnd type="none" w="med" len="med"/>
-                    </a:lnR>
-                    <a:lnT w="12700" cap="flat" cmpd="sng" algn="ctr">
-                      <a:solidFill>
-                        <a:schemeClr val="accent4">
-                          <a:lumMod val="50000"/>
-                        </a:schemeClr>
-                      </a:solidFill>
-                      <a:prstDash val="solid"/>
-                      <a:round/>
-                      <a:headEnd type="none" w="med" len="med"/>
-                      <a:tailEnd type="none" w="med" len="med"/>
-                    </a:lnT>
-                    <a:lnB w="7620" cap="flat" cmpd="sng" algn="ctr">
-                      <a:solidFill>
-                        <a:srgbClr val="DEDEDE"/>
-                      </a:solidFill>
-                      <a:prstDash val="solid"/>
-                      <a:round/>
-                      <a:headEnd type="none" w="med" len="med"/>
-                      <a:tailEnd type="none" w="med" len="med"/>
-                    </a:lnB>
-                    <a:solidFill>
-                      <a:srgbClr val="F7F8F7"/>
-                    </a:solidFill>
-                  </a:tcPr>
-                </a:tc>
-                <a:extLst>
-                  <a:ext uri="{0D108BD9-81ED-4DB2-BD59-A6C34878D82A}">
-                    <a16:rowId xmlns:a16="http://schemas.microsoft.com/office/drawing/2014/main" val="3563842501"/>
-                  </a:ext>
-                </a:extLst>
-              </a:tr>
-              <a:tr h="0">
-                <a:tc>
-                  <a:txBody>
-                    <a:bodyPr/>
-                    <a:lstStyle/>
-                    <a:p>
-                      <a:pPr algn="l" fontAlgn="t"/>
-                      <a:r>
-                        <a:rPr lang="en-US" sz="1400" dirty="0">
-                          <a:effectLst/>
-                        </a:rPr>
-                        <a:t>Old Fashioned</a:t>
-                      </a:r>
-                    </a:p>
-                  </a:txBody>
-                  <a:tcPr>
-                    <a:lnL w="12700" cap="flat" cmpd="sng" algn="ctr">
-                      <a:solidFill>
-                        <a:schemeClr val="accent4">
-                          <a:lumMod val="50000"/>
-                        </a:schemeClr>
-                      </a:solidFill>
-                      <a:prstDash val="solid"/>
-                      <a:round/>
-                      <a:headEnd type="none" w="med" len="med"/>
-                      <a:tailEnd type="none" w="med" len="med"/>
-                    </a:lnL>
-                    <a:lnR w="7620" cap="flat" cmpd="sng" algn="ctr">
-                      <a:solidFill>
-                        <a:srgbClr val="DEDEDE"/>
-                      </a:solidFill>
-                      <a:prstDash val="solid"/>
-                      <a:round/>
-                      <a:headEnd type="none" w="med" len="med"/>
-                      <a:tailEnd type="none" w="med" len="med"/>
-                    </a:lnR>
-                    <a:lnT w="7620" cap="flat" cmpd="sng" algn="ctr">
-                      <a:solidFill>
-                        <a:srgbClr val="DEDEDE"/>
-                      </a:solidFill>
-                      <a:prstDash val="solid"/>
-                      <a:round/>
-                      <a:headEnd type="none" w="med" len="med"/>
-                      <a:tailEnd type="none" w="med" len="med"/>
-                    </a:lnT>
-                    <a:lnB w="7620" cap="flat" cmpd="sng" algn="ctr">
-                      <a:solidFill>
-                        <a:srgbClr val="DEDEDE"/>
-                      </a:solidFill>
-                      <a:prstDash val="solid"/>
-                      <a:round/>
-                      <a:headEnd type="none" w="med" len="med"/>
-                      <a:tailEnd type="none" w="med" len="med"/>
-                    </a:lnB>
-                    <a:solidFill>
-                      <a:srgbClr val="FFFFFF"/>
-                    </a:solidFill>
-                  </a:tcPr>
-                </a:tc>
-                <a:tc>
-                  <a:txBody>
-                    <a:bodyPr/>
-                    <a:lstStyle/>
-                    <a:p>
-                      <a:pPr algn="r" fontAlgn="t"/>
-                      <a:r>
-                        <a:rPr lang="en-US" sz="1400" dirty="0">
-                          <a:effectLst/>
-                        </a:rPr>
-                        <a:t>48</a:t>
-                      </a:r>
-                    </a:p>
-                  </a:txBody>
-                  <a:tcPr>
-                    <a:lnL w="7620" cap="flat" cmpd="sng" algn="ctr">
-                      <a:solidFill>
-                        <a:srgbClr val="DEDEDE"/>
-                      </a:solidFill>
-                      <a:prstDash val="solid"/>
-                      <a:round/>
-                      <a:headEnd type="none" w="med" len="med"/>
-                      <a:tailEnd type="none" w="med" len="med"/>
-                    </a:lnL>
-                    <a:lnR w="12700" cap="flat" cmpd="sng" algn="ctr">
-                      <a:solidFill>
-                        <a:schemeClr val="accent4">
-                          <a:lumMod val="50000"/>
-                        </a:schemeClr>
-                      </a:solidFill>
-                      <a:prstDash val="solid"/>
-                      <a:round/>
-                      <a:headEnd type="none" w="med" len="med"/>
-                      <a:tailEnd type="none" w="med" len="med"/>
-                    </a:lnR>
-                    <a:lnT w="7620" cap="flat" cmpd="sng" algn="ctr">
-                      <a:solidFill>
-                        <a:srgbClr val="DEDEDE"/>
-                      </a:solidFill>
-                      <a:prstDash val="solid"/>
-                      <a:round/>
-                      <a:headEnd type="none" w="med" len="med"/>
-                      <a:tailEnd type="none" w="med" len="med"/>
-                    </a:lnT>
-                    <a:lnB w="7620" cap="flat" cmpd="sng" algn="ctr">
-                      <a:solidFill>
-                        <a:srgbClr val="DEDEDE"/>
-                      </a:solidFill>
-                      <a:prstDash val="solid"/>
-                      <a:round/>
-                      <a:headEnd type="none" w="med" len="med"/>
-                      <a:tailEnd type="none" w="med" len="med"/>
-                    </a:lnB>
-                    <a:solidFill>
-                      <a:srgbClr val="FFFFFF"/>
-                    </a:solidFill>
-                  </a:tcPr>
-                </a:tc>
-                <a:extLst>
-                  <a:ext uri="{0D108BD9-81ED-4DB2-BD59-A6C34878D82A}">
-                    <a16:rowId xmlns:a16="http://schemas.microsoft.com/office/drawing/2014/main" val="2718444116"/>
-                  </a:ext>
-                </a:extLst>
-              </a:tr>
-              <a:tr h="0">
-                <a:tc>
-                  <a:txBody>
-                    <a:bodyPr/>
-                    <a:lstStyle/>
-                    <a:p>
-                      <a:pPr algn="l" fontAlgn="t"/>
-                      <a:r>
-                        <a:rPr lang="en-US" sz="1400">
-                          <a:effectLst/>
-                        </a:rPr>
-                        <a:t>Blueberry</a:t>
-                      </a:r>
-                    </a:p>
-                  </a:txBody>
-                  <a:tcPr>
-                    <a:lnL w="12700" cap="flat" cmpd="sng" algn="ctr">
-                      <a:solidFill>
-                        <a:schemeClr val="accent4">
-                          <a:lumMod val="50000"/>
-                        </a:schemeClr>
-                      </a:solidFill>
-                      <a:prstDash val="solid"/>
-                      <a:round/>
-                      <a:headEnd type="none" w="med" len="med"/>
-                      <a:tailEnd type="none" w="med" len="med"/>
-                    </a:lnL>
-                    <a:lnR w="7620" cap="flat" cmpd="sng" algn="ctr">
-                      <a:solidFill>
-                        <a:srgbClr val="DEDEDE"/>
-                      </a:solidFill>
-                      <a:prstDash val="solid"/>
-                      <a:round/>
-                      <a:headEnd type="none" w="med" len="med"/>
-                      <a:tailEnd type="none" w="med" len="med"/>
-                    </a:lnR>
-                    <a:lnT w="7620" cap="flat" cmpd="sng" algn="ctr">
-                      <a:solidFill>
-                        <a:srgbClr val="DEDEDE"/>
-                      </a:solidFill>
-                      <a:prstDash val="solid"/>
-                      <a:round/>
-                      <a:headEnd type="none" w="med" len="med"/>
-                      <a:tailEnd type="none" w="med" len="med"/>
-                    </a:lnT>
-                    <a:lnB w="7620" cap="flat" cmpd="sng" algn="ctr">
-                      <a:solidFill>
-                        <a:srgbClr val="DEDEDE"/>
-                      </a:solidFill>
-                      <a:prstDash val="solid"/>
-                      <a:round/>
-                      <a:headEnd type="none" w="med" len="med"/>
-                      <a:tailEnd type="none" w="med" len="med"/>
-                    </a:lnB>
-                    <a:solidFill>
-                      <a:srgbClr val="FFFFFF"/>
-                    </a:solidFill>
-                  </a:tcPr>
-                </a:tc>
-                <a:tc>
-                  <a:txBody>
-                    <a:bodyPr/>
-                    <a:lstStyle/>
-                    <a:p>
-                      <a:pPr algn="r" fontAlgn="t"/>
-                      <a:r>
-                        <a:rPr lang="en-US" sz="1400" dirty="0">
-                          <a:effectLst/>
-                        </a:rPr>
-                        <a:t>6</a:t>
-                      </a:r>
-                    </a:p>
-                  </a:txBody>
-                  <a:tcPr>
-                    <a:lnL w="7620" cap="flat" cmpd="sng" algn="ctr">
-                      <a:solidFill>
-                        <a:srgbClr val="DEDEDE"/>
-                      </a:solidFill>
-                      <a:prstDash val="solid"/>
-                      <a:round/>
-                      <a:headEnd type="none" w="med" len="med"/>
-                      <a:tailEnd type="none" w="med" len="med"/>
-                    </a:lnL>
-                    <a:lnR w="12700" cap="flat" cmpd="sng" algn="ctr">
-                      <a:solidFill>
-                        <a:schemeClr val="accent4">
-                          <a:lumMod val="50000"/>
-                        </a:schemeClr>
-                      </a:solidFill>
-                      <a:prstDash val="solid"/>
-                      <a:round/>
-                      <a:headEnd type="none" w="med" len="med"/>
-                      <a:tailEnd type="none" w="med" len="med"/>
-                    </a:lnR>
-                    <a:lnT w="7620" cap="flat" cmpd="sng" algn="ctr">
-                      <a:solidFill>
-                        <a:srgbClr val="DEDEDE"/>
-                      </a:solidFill>
-                      <a:prstDash val="solid"/>
-                      <a:round/>
-                      <a:headEnd type="none" w="med" len="med"/>
-                      <a:tailEnd type="none" w="med" len="med"/>
-                    </a:lnT>
-                    <a:lnB w="7620" cap="flat" cmpd="sng" algn="ctr">
-                      <a:solidFill>
-                        <a:srgbClr val="DEDEDE"/>
-                      </a:solidFill>
-                      <a:prstDash val="solid"/>
-                      <a:round/>
-                      <a:headEnd type="none" w="med" len="med"/>
-                      <a:tailEnd type="none" w="med" len="med"/>
-                    </a:lnB>
-                    <a:solidFill>
-                      <a:srgbClr val="FFFFFF"/>
-                    </a:solidFill>
-                  </a:tcPr>
-                </a:tc>
-                <a:extLst>
-                  <a:ext uri="{0D108BD9-81ED-4DB2-BD59-A6C34878D82A}">
-                    <a16:rowId xmlns:a16="http://schemas.microsoft.com/office/drawing/2014/main" val="2602769505"/>
-                  </a:ext>
-                </a:extLst>
-              </a:tr>
-              <a:tr h="0">
-                <a:tc>
-                  <a:txBody>
-                    <a:bodyPr/>
-                    <a:lstStyle/>
-                    <a:p>
-                      <a:pPr algn="l" fontAlgn="t"/>
-                      <a:r>
-                        <a:rPr lang="en-US" sz="1400" dirty="0">
-                          <a:effectLst/>
-                        </a:rPr>
-                        <a:t>Apple Cider</a:t>
-                      </a:r>
-                    </a:p>
-                  </a:txBody>
-                  <a:tcPr>
-                    <a:lnL w="12700" cap="flat" cmpd="sng" algn="ctr">
-                      <a:solidFill>
-                        <a:schemeClr val="accent4">
-                          <a:lumMod val="50000"/>
-                        </a:schemeClr>
-                      </a:solidFill>
-                      <a:prstDash val="solid"/>
-                      <a:round/>
-                      <a:headEnd type="none" w="med" len="med"/>
-                      <a:tailEnd type="none" w="med" len="med"/>
-                    </a:lnL>
-                    <a:lnR w="7620" cap="flat" cmpd="sng" algn="ctr">
-                      <a:solidFill>
-                        <a:srgbClr val="DEDEDE"/>
-                      </a:solidFill>
-                      <a:prstDash val="solid"/>
-                      <a:round/>
-                      <a:headEnd type="none" w="med" len="med"/>
-                      <a:tailEnd type="none" w="med" len="med"/>
-                    </a:lnR>
-                    <a:lnT w="7620" cap="flat" cmpd="sng" algn="ctr">
-                      <a:solidFill>
-                        <a:srgbClr val="DEDEDE"/>
-                      </a:solidFill>
-                      <a:prstDash val="solid"/>
-                      <a:round/>
-                      <a:headEnd type="none" w="med" len="med"/>
-                      <a:tailEnd type="none" w="med" len="med"/>
-                    </a:lnT>
-                    <a:lnB w="7620" cap="flat" cmpd="sng" algn="ctr">
-                      <a:solidFill>
-                        <a:srgbClr val="DEDEDE"/>
-                      </a:solidFill>
-                      <a:prstDash val="solid"/>
-                      <a:round/>
-                      <a:headEnd type="none" w="med" len="med"/>
-                      <a:tailEnd type="none" w="med" len="med"/>
-                    </a:lnB>
-                    <a:solidFill>
-                      <a:srgbClr val="FFFFFF"/>
-                    </a:solidFill>
-                  </a:tcPr>
-                </a:tc>
-                <a:tc>
-                  <a:txBody>
-                    <a:bodyPr/>
-                    <a:lstStyle/>
-                    <a:p>
-                      <a:pPr algn="r" fontAlgn="t"/>
-                      <a:r>
-                        <a:rPr lang="en-US" sz="1400" dirty="0">
-                          <a:effectLst/>
-                        </a:rPr>
-                        <a:t>12</a:t>
-                      </a:r>
-                    </a:p>
-                  </a:txBody>
-                  <a:tcPr>
-                    <a:lnL w="7620" cap="flat" cmpd="sng" algn="ctr">
-                      <a:solidFill>
-                        <a:srgbClr val="DEDEDE"/>
-                      </a:solidFill>
-                      <a:prstDash val="solid"/>
-                      <a:round/>
-                      <a:headEnd type="none" w="med" len="med"/>
-                      <a:tailEnd type="none" w="med" len="med"/>
-                    </a:lnL>
-                    <a:lnR w="12700" cap="flat" cmpd="sng" algn="ctr">
-                      <a:solidFill>
-                        <a:schemeClr val="accent4">
-                          <a:lumMod val="50000"/>
-                        </a:schemeClr>
-                      </a:solidFill>
-                      <a:prstDash val="solid"/>
-                      <a:round/>
-                      <a:headEnd type="none" w="med" len="med"/>
-                      <a:tailEnd type="none" w="med" len="med"/>
-                    </a:lnR>
-                    <a:lnT w="7620" cap="flat" cmpd="sng" algn="ctr">
-                      <a:solidFill>
-                        <a:srgbClr val="DEDEDE"/>
-                      </a:solidFill>
-                      <a:prstDash val="solid"/>
-                      <a:round/>
-                      <a:headEnd type="none" w="med" len="med"/>
-                      <a:tailEnd type="none" w="med" len="med"/>
-                    </a:lnT>
-                    <a:lnB w="7620" cap="flat" cmpd="sng" algn="ctr">
-                      <a:solidFill>
-                        <a:srgbClr val="DEDEDE"/>
-                      </a:solidFill>
-                      <a:prstDash val="solid"/>
-                      <a:round/>
-                      <a:headEnd type="none" w="med" len="med"/>
-                      <a:tailEnd type="none" w="med" len="med"/>
-                    </a:lnB>
-                    <a:solidFill>
-                      <a:srgbClr val="FFFFFF"/>
-                    </a:solidFill>
-                  </a:tcPr>
-                </a:tc>
-                <a:extLst>
-                  <a:ext uri="{0D108BD9-81ED-4DB2-BD59-A6C34878D82A}">
-                    <a16:rowId xmlns:a16="http://schemas.microsoft.com/office/drawing/2014/main" val="3047391649"/>
-                  </a:ext>
-                </a:extLst>
-              </a:tr>
-              <a:tr h="0">
-                <a:tc>
-                  <a:txBody>
-                    <a:bodyPr/>
-                    <a:lstStyle/>
-                    <a:p>
-                      <a:pPr algn="l" fontAlgn="t"/>
-                      <a:r>
-                        <a:rPr lang="en-US" sz="1400" dirty="0">
-                          <a:effectLst/>
-                        </a:rPr>
-                        <a:t>Jelly</a:t>
-                      </a:r>
-                    </a:p>
-                  </a:txBody>
-                  <a:tcPr>
-                    <a:lnL w="12700" cap="flat" cmpd="sng" algn="ctr">
-                      <a:solidFill>
-                        <a:schemeClr val="accent4">
-                          <a:lumMod val="50000"/>
-                        </a:schemeClr>
-                      </a:solidFill>
-                      <a:prstDash val="solid"/>
-                      <a:round/>
-                      <a:headEnd type="none" w="med" len="med"/>
-                      <a:tailEnd type="none" w="med" len="med"/>
-                    </a:lnL>
-                    <a:lnR w="7620" cap="flat" cmpd="sng" algn="ctr">
-                      <a:solidFill>
-                        <a:srgbClr val="DEDEDE"/>
-                      </a:solidFill>
-                      <a:prstDash val="solid"/>
-                      <a:round/>
-                      <a:headEnd type="none" w="med" len="med"/>
-                      <a:tailEnd type="none" w="med" len="med"/>
-                    </a:lnR>
-                    <a:lnT w="7620" cap="flat" cmpd="sng" algn="ctr">
-                      <a:solidFill>
-                        <a:srgbClr val="DEDEDE"/>
-                      </a:solidFill>
-                      <a:prstDash val="solid"/>
-                      <a:round/>
-                      <a:headEnd type="none" w="med" len="med"/>
-                      <a:tailEnd type="none" w="med" len="med"/>
-                    </a:lnT>
-                    <a:lnB w="7620" cap="flat" cmpd="sng" algn="ctr">
-                      <a:solidFill>
-                        <a:srgbClr val="DEDEDE"/>
-                      </a:solidFill>
-                      <a:prstDash val="solid"/>
-                      <a:round/>
-                      <a:headEnd type="none" w="med" len="med"/>
-                      <a:tailEnd type="none" w="med" len="med"/>
-                    </a:lnB>
-                    <a:solidFill>
-                      <a:srgbClr val="FFFFFF"/>
-                    </a:solidFill>
-                  </a:tcPr>
-                </a:tc>
-                <a:tc>
-                  <a:txBody>
-                    <a:bodyPr/>
-                    <a:lstStyle/>
-                    <a:p>
-                      <a:pPr algn="r" fontAlgn="t"/>
-                      <a:r>
-                        <a:rPr lang="en-US" sz="1400" dirty="0">
-                          <a:effectLst/>
-                        </a:rPr>
-                        <a:t>12</a:t>
-                      </a:r>
-                    </a:p>
-                  </a:txBody>
-                  <a:tcPr>
-                    <a:lnL w="7620" cap="flat" cmpd="sng" algn="ctr">
-                      <a:solidFill>
-                        <a:srgbClr val="DEDEDE"/>
-                      </a:solidFill>
-                      <a:prstDash val="solid"/>
-                      <a:round/>
-                      <a:headEnd type="none" w="med" len="med"/>
-                      <a:tailEnd type="none" w="med" len="med"/>
-                    </a:lnL>
-                    <a:lnR w="12700" cap="flat" cmpd="sng" algn="ctr">
-                      <a:solidFill>
-                        <a:schemeClr val="accent4">
-                          <a:lumMod val="50000"/>
-                        </a:schemeClr>
-                      </a:solidFill>
-                      <a:prstDash val="solid"/>
-                      <a:round/>
-                      <a:headEnd type="none" w="med" len="med"/>
-                      <a:tailEnd type="none" w="med" len="med"/>
-                    </a:lnR>
-                    <a:lnT w="7620" cap="flat" cmpd="sng" algn="ctr">
-                      <a:solidFill>
-                        <a:srgbClr val="DEDEDE"/>
-                      </a:solidFill>
-                      <a:prstDash val="solid"/>
-                      <a:round/>
-                      <a:headEnd type="none" w="med" len="med"/>
-                      <a:tailEnd type="none" w="med" len="med"/>
-                    </a:lnT>
-                    <a:lnB w="7620" cap="flat" cmpd="sng" algn="ctr">
-                      <a:solidFill>
-                        <a:srgbClr val="DEDEDE"/>
-                      </a:solidFill>
-                      <a:prstDash val="solid"/>
-                      <a:round/>
-                      <a:headEnd type="none" w="med" len="med"/>
-                      <a:tailEnd type="none" w="med" len="med"/>
-                    </a:lnB>
-                    <a:solidFill>
-                      <a:srgbClr val="FFFFFF"/>
-                    </a:solidFill>
-                  </a:tcPr>
-                </a:tc>
-                <a:extLst>
-                  <a:ext uri="{0D108BD9-81ED-4DB2-BD59-A6C34878D82A}">
-                    <a16:rowId xmlns:a16="http://schemas.microsoft.com/office/drawing/2014/main" val="422963243"/>
-                  </a:ext>
-                </a:extLst>
-              </a:tr>
-              <a:tr h="0">
-                <a:tc>
-                  <a:txBody>
-                    <a:bodyPr/>
-                    <a:lstStyle/>
-                    <a:p>
-                      <a:pPr algn="l" fontAlgn="t"/>
-                      <a:r>
-                        <a:rPr lang="en-US" sz="1400" dirty="0">
-                          <a:effectLst/>
-                        </a:rPr>
-                        <a:t>Pumpkin Spice</a:t>
-                      </a:r>
-                    </a:p>
-                  </a:txBody>
-                  <a:tcPr>
-                    <a:lnL w="12700" cap="flat" cmpd="sng" algn="ctr">
-                      <a:solidFill>
-                        <a:schemeClr val="accent4">
-                          <a:lumMod val="50000"/>
-                        </a:schemeClr>
-                      </a:solidFill>
-                      <a:prstDash val="solid"/>
-                      <a:round/>
-                      <a:headEnd type="none" w="med" len="med"/>
-                      <a:tailEnd type="none" w="med" len="med"/>
-                    </a:lnL>
-                    <a:lnR w="7620" cap="flat" cmpd="sng" algn="ctr">
-                      <a:solidFill>
-                        <a:srgbClr val="DEDEDE"/>
-                      </a:solidFill>
-                      <a:prstDash val="solid"/>
-                      <a:round/>
-                      <a:headEnd type="none" w="med" len="med"/>
-                      <a:tailEnd type="none" w="med" len="med"/>
-                    </a:lnR>
-                    <a:lnT w="7620" cap="flat" cmpd="sng" algn="ctr">
-                      <a:solidFill>
-                        <a:srgbClr val="DEDEDE"/>
-                      </a:solidFill>
-                      <a:prstDash val="solid"/>
-                      <a:round/>
-                      <a:headEnd type="none" w="med" len="med"/>
-                      <a:tailEnd type="none" w="med" len="med"/>
-                    </a:lnT>
-                    <a:lnB w="12700" cap="flat" cmpd="sng" algn="ctr">
-                      <a:solidFill>
-                        <a:schemeClr val="accent4">
-                          <a:lumMod val="50000"/>
-                        </a:schemeClr>
-                      </a:solidFill>
-                      <a:prstDash val="solid"/>
-                      <a:round/>
-                      <a:headEnd type="none" w="med" len="med"/>
-                      <a:tailEnd type="none" w="med" len="med"/>
-                    </a:lnB>
-                    <a:solidFill>
-                      <a:srgbClr val="FFFFFF"/>
-                    </a:solidFill>
-                  </a:tcPr>
-                </a:tc>
-                <a:tc>
-                  <a:txBody>
-                    <a:bodyPr/>
-                    <a:lstStyle/>
-                    <a:p>
-                      <a:pPr algn="r" fontAlgn="t"/>
-                      <a:r>
-                        <a:rPr lang="en-US" sz="1400" dirty="0">
-                          <a:effectLst/>
-                        </a:rPr>
-                        <a:t>1</a:t>
-                      </a:r>
-                    </a:p>
-                  </a:txBody>
-                  <a:tcPr>
-                    <a:lnL w="7620" cap="flat" cmpd="sng" algn="ctr">
-                      <a:solidFill>
-                        <a:srgbClr val="DEDEDE"/>
-                      </a:solidFill>
-                      <a:prstDash val="solid"/>
-                      <a:round/>
-                      <a:headEnd type="none" w="med" len="med"/>
-                      <a:tailEnd type="none" w="med" len="med"/>
-                    </a:lnL>
-                    <a:lnR w="12700" cap="flat" cmpd="sng" algn="ctr">
-                      <a:solidFill>
-                        <a:schemeClr val="accent4">
-                          <a:lumMod val="50000"/>
-                        </a:schemeClr>
-                      </a:solidFill>
-                      <a:prstDash val="solid"/>
-                      <a:round/>
-                      <a:headEnd type="none" w="med" len="med"/>
-                      <a:tailEnd type="none" w="med" len="med"/>
-                    </a:lnR>
-                    <a:lnT w="7620" cap="flat" cmpd="sng" algn="ctr">
-                      <a:solidFill>
-                        <a:srgbClr val="DEDEDE"/>
-                      </a:solidFill>
-                      <a:prstDash val="solid"/>
-                      <a:round/>
-                      <a:headEnd type="none" w="med" len="med"/>
-                      <a:tailEnd type="none" w="med" len="med"/>
-                    </a:lnT>
-                    <a:lnB w="12700" cap="flat" cmpd="sng" algn="ctr">
-                      <a:solidFill>
-                        <a:schemeClr val="accent4">
-                          <a:lumMod val="50000"/>
-                        </a:schemeClr>
-                      </a:solidFill>
-                      <a:prstDash val="solid"/>
-                      <a:round/>
-                      <a:headEnd type="none" w="med" len="med"/>
-                      <a:tailEnd type="none" w="med" len="med"/>
-                    </a:lnB>
-                    <a:solidFill>
-                      <a:srgbClr val="FFFFFF"/>
-                    </a:solidFill>
-                  </a:tcPr>
-                </a:tc>
-                <a:extLst>
-                  <a:ext uri="{0D108BD9-81ED-4DB2-BD59-A6C34878D82A}">
-                    <a16:rowId xmlns:a16="http://schemas.microsoft.com/office/drawing/2014/main" val="1928921853"/>
-                  </a:ext>
-                </a:extLst>
-              </a:tr>
-            </a:tbl>
-          </a:graphicData>
-        </a:graphic>
-      </p:graphicFrame>
-      <p:graphicFrame>
-        <p:nvGraphicFramePr>
-          <p:cNvPr id="18" name="Table 17">
-            <a:extLst>
-              <a:ext uri="{FF2B5EF4-FFF2-40B4-BE49-F238E27FC236}">
-                <a16:creationId xmlns:a16="http://schemas.microsoft.com/office/drawing/2014/main" id="{DBF3DCE1-DF78-744B-A98C-9E2798D41593}"/>
-              </a:ext>
-            </a:extLst>
-          </p:cNvPr>
-          <p:cNvGraphicFramePr>
-            <a:graphicFrameLocks noGrp="1"/>
-          </p:cNvGraphicFramePr>
-          <p:nvPr>
-            <p:extLst>
-              <p:ext uri="{D42A27DB-BD31-4B8C-83A1-F6EECF244321}">
-                <p14:modId xmlns:p14="http://schemas.microsoft.com/office/powerpoint/2010/main" val="2158072697"/>
-              </p:ext>
-            </p:extLst>
-          </p:nvPr>
-        </p:nvGraphicFramePr>
-        <p:xfrm>
-          <a:off x="10445919" y="4390525"/>
-          <a:ext cx="1342800" cy="1828800"/>
-        </p:xfrm>
-        <a:graphic>
-          <a:graphicData uri="http://schemas.openxmlformats.org/drawingml/2006/table">
-            <a:tbl>
-              <a:tblPr/>
-              <a:tblGrid>
-                <a:gridCol w="1342800">
-                  <a:extLst>
-                    <a:ext uri="{9D8B030D-6E8A-4147-A177-3AD203B41FA5}">
-                      <a16:colId xmlns:a16="http://schemas.microsoft.com/office/drawing/2014/main" val="1995741582"/>
-                    </a:ext>
-                  </a:extLst>
-                </a:gridCol>
-              </a:tblGrid>
-              <a:tr h="0">
-                <a:tc>
-                  <a:txBody>
-                    <a:bodyPr/>
-                    <a:lstStyle/>
-                    <a:p>
-                      <a:pPr algn="l" fontAlgn="t"/>
-                      <a:r>
-                        <a:rPr lang="en-US" sz="1400" b="1" dirty="0">
-                          <a:effectLst/>
-                          <a:highlight>
-                            <a:srgbClr val="F7F8F7"/>
-                          </a:highlight>
-                        </a:rPr>
-                        <a:t>Donut</a:t>
-                      </a:r>
-                    </a:p>
-                  </a:txBody>
-                  <a:tcPr>
-                    <a:lnL w="12700" cap="flat" cmpd="sng" algn="ctr">
-                      <a:solidFill>
-                        <a:srgbClr val="7030A0"/>
-                      </a:solidFill>
-                      <a:prstDash val="solid"/>
-                      <a:round/>
-                      <a:headEnd type="none" w="med" len="med"/>
-                      <a:tailEnd type="none" w="med" len="med"/>
-                    </a:lnL>
-                    <a:lnR w="12700" cap="flat" cmpd="sng" algn="ctr">
-                      <a:solidFill>
-                        <a:srgbClr val="7030A0"/>
-                      </a:solidFill>
-                      <a:prstDash val="solid"/>
-                      <a:round/>
-                      <a:headEnd type="none" w="med" len="med"/>
-                      <a:tailEnd type="none" w="med" len="med"/>
-                    </a:lnR>
-                    <a:lnT w="12700" cap="flat" cmpd="sng" algn="ctr">
-                      <a:solidFill>
-                        <a:srgbClr val="7030A0"/>
-                      </a:solidFill>
-                      <a:prstDash val="solid"/>
-                      <a:round/>
-                      <a:headEnd type="none" w="med" len="med"/>
-                      <a:tailEnd type="none" w="med" len="med"/>
-                    </a:lnT>
-                    <a:lnB w="7620" cap="flat" cmpd="sng" algn="ctr">
-                      <a:solidFill>
-                        <a:srgbClr val="DEDEDE"/>
-                      </a:solidFill>
-                      <a:prstDash val="solid"/>
-                      <a:round/>
-                      <a:headEnd type="none" w="med" len="med"/>
-                      <a:tailEnd type="none" w="med" len="med"/>
-                    </a:lnB>
-                    <a:solidFill>
-                      <a:srgbClr val="F7F8F7"/>
-                    </a:solidFill>
-                  </a:tcPr>
-                </a:tc>
-                <a:extLst>
-                  <a:ext uri="{0D108BD9-81ED-4DB2-BD59-A6C34878D82A}">
-                    <a16:rowId xmlns:a16="http://schemas.microsoft.com/office/drawing/2014/main" val="3563842501"/>
-                  </a:ext>
-                </a:extLst>
-              </a:tr>
-              <a:tr h="0">
-                <a:tc>
-                  <a:txBody>
-                    <a:bodyPr/>
-                    <a:lstStyle/>
-                    <a:p>
-                      <a:pPr algn="l" fontAlgn="t"/>
-                      <a:r>
-                        <a:rPr lang="en-US" sz="1400" dirty="0">
-                          <a:effectLst/>
-                        </a:rPr>
-                        <a:t>Old Fashioned</a:t>
-                      </a:r>
-                    </a:p>
-                  </a:txBody>
-                  <a:tcPr>
-                    <a:lnL w="12700" cap="flat" cmpd="sng" algn="ctr">
-                      <a:solidFill>
-                        <a:srgbClr val="7030A0"/>
-                      </a:solidFill>
-                      <a:prstDash val="solid"/>
-                      <a:round/>
-                      <a:headEnd type="none" w="med" len="med"/>
-                      <a:tailEnd type="none" w="med" len="med"/>
-                    </a:lnL>
-                    <a:lnR w="12700" cap="flat" cmpd="sng" algn="ctr">
-                      <a:solidFill>
-                        <a:srgbClr val="7030A0"/>
-                      </a:solidFill>
-                      <a:prstDash val="solid"/>
-                      <a:round/>
-                      <a:headEnd type="none" w="med" len="med"/>
-                      <a:tailEnd type="none" w="med" len="med"/>
-                    </a:lnR>
-                    <a:lnT w="7620" cap="flat" cmpd="sng" algn="ctr">
-                      <a:solidFill>
-                        <a:srgbClr val="DEDEDE"/>
-                      </a:solidFill>
-                      <a:prstDash val="solid"/>
-                      <a:round/>
-                      <a:headEnd type="none" w="med" len="med"/>
-                      <a:tailEnd type="none" w="med" len="med"/>
-                    </a:lnT>
-                    <a:lnB w="7620" cap="flat" cmpd="sng" algn="ctr">
-                      <a:solidFill>
-                        <a:srgbClr val="DEDEDE"/>
-                      </a:solidFill>
-                      <a:prstDash val="solid"/>
-                      <a:round/>
-                      <a:headEnd type="none" w="med" len="med"/>
-                      <a:tailEnd type="none" w="med" len="med"/>
-                    </a:lnB>
-                    <a:solidFill>
-                      <a:srgbClr val="FFFFFF"/>
-                    </a:solidFill>
-                  </a:tcPr>
-                </a:tc>
-                <a:extLst>
-                  <a:ext uri="{0D108BD9-81ED-4DB2-BD59-A6C34878D82A}">
-                    <a16:rowId xmlns:a16="http://schemas.microsoft.com/office/drawing/2014/main" val="2718444116"/>
-                  </a:ext>
-                </a:extLst>
-              </a:tr>
-              <a:tr h="0">
-                <a:tc>
-                  <a:txBody>
-                    <a:bodyPr/>
-                    <a:lstStyle/>
-                    <a:p>
-                      <a:pPr algn="l" fontAlgn="t"/>
-                      <a:r>
-                        <a:rPr lang="en-US" sz="1400" dirty="0">
-                          <a:effectLst/>
-                        </a:rPr>
-                        <a:t>Apple Cider</a:t>
-                      </a:r>
-                    </a:p>
-                  </a:txBody>
-                  <a:tcPr>
-                    <a:lnL w="12700" cap="flat" cmpd="sng" algn="ctr">
-                      <a:solidFill>
-                        <a:srgbClr val="7030A0"/>
-                      </a:solidFill>
-                      <a:prstDash val="solid"/>
-                      <a:round/>
-                      <a:headEnd type="none" w="med" len="med"/>
-                      <a:tailEnd type="none" w="med" len="med"/>
-                    </a:lnL>
-                    <a:lnR w="12700" cap="flat" cmpd="sng" algn="ctr">
-                      <a:solidFill>
-                        <a:srgbClr val="7030A0"/>
-                      </a:solidFill>
-                      <a:prstDash val="solid"/>
-                      <a:round/>
-                      <a:headEnd type="none" w="med" len="med"/>
-                      <a:tailEnd type="none" w="med" len="med"/>
-                    </a:lnR>
-                    <a:lnT w="7620" cap="flat" cmpd="sng" algn="ctr">
-                      <a:solidFill>
-                        <a:srgbClr val="DEDEDE"/>
-                      </a:solidFill>
-                      <a:prstDash val="solid"/>
-                      <a:round/>
-                      <a:headEnd type="none" w="med" len="med"/>
-                      <a:tailEnd type="none" w="med" len="med"/>
-                    </a:lnT>
-                    <a:lnB w="7620" cap="flat" cmpd="sng" algn="ctr">
-                      <a:solidFill>
-                        <a:srgbClr val="DEDEDE"/>
-                      </a:solidFill>
-                      <a:prstDash val="solid"/>
-                      <a:round/>
-                      <a:headEnd type="none" w="med" len="med"/>
-                      <a:tailEnd type="none" w="med" len="med"/>
-                    </a:lnB>
-                    <a:solidFill>
-                      <a:srgbClr val="FFFFFF"/>
-                    </a:solidFill>
-                  </a:tcPr>
-                </a:tc>
-                <a:extLst>
-                  <a:ext uri="{0D108BD9-81ED-4DB2-BD59-A6C34878D82A}">
-                    <a16:rowId xmlns:a16="http://schemas.microsoft.com/office/drawing/2014/main" val="2602769505"/>
-                  </a:ext>
-                </a:extLst>
-              </a:tr>
-              <a:tr h="0">
-                <a:tc>
-                  <a:txBody>
-                    <a:bodyPr/>
-                    <a:lstStyle/>
-                    <a:p>
-                      <a:pPr algn="l" fontAlgn="t"/>
-                      <a:r>
-                        <a:rPr lang="en-US" sz="1400" dirty="0">
-                          <a:effectLst/>
-                        </a:rPr>
-                        <a:t>Jelly</a:t>
-                      </a:r>
-                    </a:p>
-                  </a:txBody>
-                  <a:tcPr>
-                    <a:lnL w="12700" cap="flat" cmpd="sng" algn="ctr">
-                      <a:solidFill>
-                        <a:srgbClr val="7030A0"/>
-                      </a:solidFill>
-                      <a:prstDash val="solid"/>
-                      <a:round/>
-                      <a:headEnd type="none" w="med" len="med"/>
-                      <a:tailEnd type="none" w="med" len="med"/>
-                    </a:lnL>
-                    <a:lnR w="12700" cap="flat" cmpd="sng" algn="ctr">
-                      <a:solidFill>
-                        <a:srgbClr val="7030A0"/>
-                      </a:solidFill>
-                      <a:prstDash val="solid"/>
-                      <a:round/>
-                      <a:headEnd type="none" w="med" len="med"/>
-                      <a:tailEnd type="none" w="med" len="med"/>
-                    </a:lnR>
-                    <a:lnT w="7620" cap="flat" cmpd="sng" algn="ctr">
-                      <a:solidFill>
-                        <a:srgbClr val="DEDEDE"/>
-                      </a:solidFill>
-                      <a:prstDash val="solid"/>
-                      <a:round/>
-                      <a:headEnd type="none" w="med" len="med"/>
-                      <a:tailEnd type="none" w="med" len="med"/>
-                    </a:lnT>
-                    <a:lnB w="7620" cap="flat" cmpd="sng" algn="ctr">
-                      <a:solidFill>
-                        <a:srgbClr val="DEDEDE"/>
-                      </a:solidFill>
-                      <a:prstDash val="solid"/>
-                      <a:round/>
-                      <a:headEnd type="none" w="med" len="med"/>
-                      <a:tailEnd type="none" w="med" len="med"/>
-                    </a:lnB>
-                    <a:solidFill>
-                      <a:srgbClr val="FFFFFF"/>
-                    </a:solidFill>
-                  </a:tcPr>
-                </a:tc>
-                <a:extLst>
-                  <a:ext uri="{0D108BD9-81ED-4DB2-BD59-A6C34878D82A}">
-                    <a16:rowId xmlns:a16="http://schemas.microsoft.com/office/drawing/2014/main" val="3047391649"/>
-                  </a:ext>
-                </a:extLst>
-              </a:tr>
-              <a:tr h="0">
-                <a:tc>
-                  <a:txBody>
-                    <a:bodyPr/>
-                    <a:lstStyle/>
-                    <a:p>
-                      <a:pPr marL="0" marR="0" lvl="0" indent="0" algn="l" defTabSz="914400" rtl="0" eaLnBrk="1" fontAlgn="t" latinLnBrk="0" hangingPunct="1">
-                        <a:lnSpc>
-                          <a:spcPct val="100000"/>
-                        </a:lnSpc>
-                        <a:spcBef>
-                          <a:spcPts val="0"/>
-                        </a:spcBef>
-                        <a:spcAft>
-                          <a:spcPts val="0"/>
-                        </a:spcAft>
-                        <a:buClrTx/>
-                        <a:buSzTx/>
-                        <a:buFontTx/>
-                        <a:buNone/>
-                        <a:tabLst/>
-                        <a:defRPr/>
-                      </a:pPr>
-                      <a:r>
-                        <a:rPr lang="en-US" sz="1400" dirty="0">
-                          <a:effectLst/>
-                        </a:rPr>
-                        <a:t>Blueberry</a:t>
-                      </a:r>
-                    </a:p>
-                  </a:txBody>
-                  <a:tcPr>
-                    <a:lnL w="12700" cap="flat" cmpd="sng" algn="ctr">
-                      <a:solidFill>
-                        <a:srgbClr val="7030A0"/>
-                      </a:solidFill>
-                      <a:prstDash val="solid"/>
-                      <a:round/>
-                      <a:headEnd type="none" w="med" len="med"/>
-                      <a:tailEnd type="none" w="med" len="med"/>
-                    </a:lnL>
-                    <a:lnR w="12700" cap="flat" cmpd="sng" algn="ctr">
-                      <a:solidFill>
-                        <a:srgbClr val="7030A0"/>
-                      </a:solidFill>
-                      <a:prstDash val="solid"/>
-                      <a:round/>
-                      <a:headEnd type="none" w="med" len="med"/>
-                      <a:tailEnd type="none" w="med" len="med"/>
-                    </a:lnR>
-                    <a:lnT w="7620" cap="flat" cmpd="sng" algn="ctr">
-                      <a:solidFill>
-                        <a:srgbClr val="DEDEDE"/>
-                      </a:solidFill>
-                      <a:prstDash val="solid"/>
-                      <a:round/>
-                      <a:headEnd type="none" w="med" len="med"/>
-                      <a:tailEnd type="none" w="med" len="med"/>
-                    </a:lnT>
-                    <a:lnB w="7620" cap="flat" cmpd="sng" algn="ctr">
-                      <a:solidFill>
-                        <a:srgbClr val="DEDEDE"/>
-                      </a:solidFill>
-                      <a:prstDash val="solid"/>
-                      <a:round/>
-                      <a:headEnd type="none" w="med" len="med"/>
-                      <a:tailEnd type="none" w="med" len="med"/>
-                    </a:lnB>
-                    <a:solidFill>
-                      <a:srgbClr val="FFFFFF"/>
-                    </a:solidFill>
-                  </a:tcPr>
-                </a:tc>
-                <a:extLst>
-                  <a:ext uri="{0D108BD9-81ED-4DB2-BD59-A6C34878D82A}">
-                    <a16:rowId xmlns:a16="http://schemas.microsoft.com/office/drawing/2014/main" val="422963243"/>
-                  </a:ext>
-                </a:extLst>
-              </a:tr>
-              <a:tr h="0">
-                <a:tc>
-                  <a:txBody>
-                    <a:bodyPr/>
-                    <a:lstStyle/>
-                    <a:p>
-                      <a:pPr algn="l" fontAlgn="t"/>
-                      <a:r>
-                        <a:rPr lang="en-US" sz="1400" dirty="0">
-                          <a:effectLst/>
-                        </a:rPr>
-                        <a:t>Pumpkin Spice</a:t>
-                      </a:r>
-                    </a:p>
-                  </a:txBody>
-                  <a:tcPr>
-                    <a:lnL w="12700" cap="flat" cmpd="sng" algn="ctr">
-                      <a:solidFill>
-                        <a:srgbClr val="7030A0"/>
-                      </a:solidFill>
-                      <a:prstDash val="solid"/>
-                      <a:round/>
-                      <a:headEnd type="none" w="med" len="med"/>
-                      <a:tailEnd type="none" w="med" len="med"/>
-                    </a:lnL>
-                    <a:lnR w="12700" cap="flat" cmpd="sng" algn="ctr">
-                      <a:solidFill>
-                        <a:srgbClr val="7030A0"/>
-                      </a:solidFill>
-                      <a:prstDash val="solid"/>
-                      <a:round/>
-                      <a:headEnd type="none" w="med" len="med"/>
-                      <a:tailEnd type="none" w="med" len="med"/>
-                    </a:lnR>
-                    <a:lnT w="7620" cap="flat" cmpd="sng" algn="ctr">
-                      <a:solidFill>
-                        <a:srgbClr val="DEDEDE"/>
-                      </a:solidFill>
-                      <a:prstDash val="solid"/>
-                      <a:round/>
-                      <a:headEnd type="none" w="med" len="med"/>
-                      <a:tailEnd type="none" w="med" len="med"/>
-                    </a:lnT>
-                    <a:lnB w="12700" cap="flat" cmpd="sng" algn="ctr">
-                      <a:solidFill>
-                        <a:srgbClr val="7030A0"/>
-                      </a:solidFill>
-                      <a:prstDash val="solid"/>
-                      <a:round/>
-                      <a:headEnd type="none" w="med" len="med"/>
-                      <a:tailEnd type="none" w="med" len="med"/>
-                    </a:lnB>
-                    <a:solidFill>
-                      <a:srgbClr val="FFFFFF"/>
-                    </a:solidFill>
-                  </a:tcPr>
-                </a:tc>
-                <a:extLst>
-                  <a:ext uri="{0D108BD9-81ED-4DB2-BD59-A6C34878D82A}">
-                    <a16:rowId xmlns:a16="http://schemas.microsoft.com/office/drawing/2014/main" val="1928921853"/>
-                  </a:ext>
-                </a:extLst>
-              </a:tr>
-            </a:tbl>
-          </a:graphicData>
-        </a:graphic>
-      </p:graphicFrame>
-      <p:cxnSp>
-        <p:nvCxnSpPr>
-          <p:cNvPr id="20" name="Connector: Curved 19">
-            <a:extLst>
-              <a:ext uri="{FF2B5EF4-FFF2-40B4-BE49-F238E27FC236}">
-                <a16:creationId xmlns:a16="http://schemas.microsoft.com/office/drawing/2014/main" id="{D93B12EF-D801-B6D4-AB7F-8A7743285E09}"/>
-              </a:ext>
-            </a:extLst>
-          </p:cNvPr>
-          <p:cNvCxnSpPr>
-            <a:cxnSpLocks/>
-            <a:stCxn id="21" idx="6"/>
-            <a:endCxn id="24" idx="2"/>
-          </p:cNvCxnSpPr>
-          <p:nvPr/>
-        </p:nvCxnSpPr>
-        <p:spPr>
-          <a:xfrm flipV="1">
-            <a:off x="5711498" y="2515247"/>
-            <a:ext cx="3601443" cy="1244112"/>
-          </a:xfrm>
-          <a:prstGeom prst="bentConnector3">
-            <a:avLst/>
-          </a:prstGeom>
-          <a:ln>
-            <a:prstDash val="dash"/>
-            <a:tailEnd type="arrow" w="lg" len="lg"/>
-          </a:ln>
-        </p:spPr>
-        <p:style>
-          <a:lnRef idx="2">
-            <a:schemeClr val="accent1"/>
-          </a:lnRef>
-          <a:fillRef idx="0">
-            <a:schemeClr val="accent1"/>
-          </a:fillRef>
-          <a:effectRef idx="1">
-            <a:schemeClr val="accent1"/>
-          </a:effectRef>
-          <a:fontRef idx="minor">
-            <a:schemeClr val="tx1"/>
-          </a:fontRef>
-        </p:style>
-      </p:cxnSp>
-      <p:sp>
-        <p:nvSpPr>
-          <p:cNvPr id="33" name="Oval 32">
-            <a:extLst>
-              <a:ext uri="{FF2B5EF4-FFF2-40B4-BE49-F238E27FC236}">
-                <a16:creationId xmlns:a16="http://schemas.microsoft.com/office/drawing/2014/main" id="{BCF04F5A-69DD-6697-C3EC-44A471D5112E}"/>
-              </a:ext>
-            </a:extLst>
-          </p:cNvPr>
-          <p:cNvSpPr/>
-          <p:nvPr/>
-        </p:nvSpPr>
-        <p:spPr>
-          <a:xfrm>
-            <a:off x="7890060" y="3960334"/>
-            <a:ext cx="232718" cy="232718"/>
-          </a:xfrm>
-          <a:prstGeom prst="ellipse">
-            <a:avLst/>
-          </a:prstGeom>
-        </p:spPr>
-        <p:style>
-          <a:lnRef idx="2">
-            <a:schemeClr val="accent1">
-              <a:shade val="15000"/>
-            </a:schemeClr>
-          </a:lnRef>
-          <a:fillRef idx="1">
-            <a:schemeClr val="accent1"/>
-          </a:fillRef>
-          <a:effectRef idx="0">
-            <a:schemeClr val="accent1"/>
-          </a:effectRef>
-          <a:fontRef idx="minor">
-            <a:schemeClr val="lt1"/>
-          </a:fontRef>
-        </p:style>
-        <p:txBody>
-          <a:bodyPr rtlCol="0" anchor="ctr"/>
-          <a:lstStyle/>
-          <a:p>
-            <a:pPr algn="ctr"/>
-            <a:endParaRPr lang="en-US"/>
-          </a:p>
-        </p:txBody>
-      </p:sp>
-      <p:cxnSp>
-        <p:nvCxnSpPr>
-          <p:cNvPr id="34" name="Connector: Curved 33">
-            <a:extLst>
-              <a:ext uri="{FF2B5EF4-FFF2-40B4-BE49-F238E27FC236}">
-                <a16:creationId xmlns:a16="http://schemas.microsoft.com/office/drawing/2014/main" id="{8189DB8D-E8CA-7C02-96A3-075208DE165D}"/>
-              </a:ext>
-            </a:extLst>
-          </p:cNvPr>
-          <p:cNvCxnSpPr>
-            <a:cxnSpLocks/>
-            <a:stCxn id="32" idx="6"/>
-            <a:endCxn id="33" idx="2"/>
-          </p:cNvCxnSpPr>
-          <p:nvPr/>
-        </p:nvCxnSpPr>
-        <p:spPr>
-          <a:xfrm flipV="1">
-            <a:off x="5945517" y="4076693"/>
-            <a:ext cx="1944543" cy="583431"/>
-          </a:xfrm>
-          <a:prstGeom prst="bentConnector3">
-            <a:avLst>
-              <a:gd name="adj1" fmla="val 86444"/>
-            </a:avLst>
-          </a:prstGeom>
-          <a:ln>
-            <a:solidFill>
-              <a:srgbClr val="E97132"/>
-            </a:solidFill>
-            <a:prstDash val="dash"/>
-            <a:tailEnd type="arrow" w="lg" len="lg"/>
-          </a:ln>
-        </p:spPr>
-        <p:style>
-          <a:lnRef idx="2">
-            <a:schemeClr val="accent1"/>
-          </a:lnRef>
-          <a:fillRef idx="0">
-            <a:schemeClr val="accent1"/>
-          </a:fillRef>
-          <a:effectRef idx="1">
-            <a:schemeClr val="accent1"/>
-          </a:effectRef>
-          <a:fontRef idx="minor">
-            <a:schemeClr val="tx1"/>
-          </a:fontRef>
-        </p:style>
-      </p:cxnSp>
-      <p:cxnSp>
-        <p:nvCxnSpPr>
-          <p:cNvPr id="42" name="Connector: Curved 41">
-            <a:extLst>
-              <a:ext uri="{FF2B5EF4-FFF2-40B4-BE49-F238E27FC236}">
-                <a16:creationId xmlns:a16="http://schemas.microsoft.com/office/drawing/2014/main" id="{D68975C6-BA3C-3A92-4ED8-9B9863894204}"/>
-              </a:ext>
-            </a:extLst>
-          </p:cNvPr>
-          <p:cNvCxnSpPr>
-            <a:cxnSpLocks/>
-            <a:stCxn id="40" idx="6"/>
-            <a:endCxn id="41" idx="2"/>
-          </p:cNvCxnSpPr>
-          <p:nvPr/>
-        </p:nvCxnSpPr>
-        <p:spPr>
-          <a:xfrm>
-            <a:off x="6876328" y="5023745"/>
-            <a:ext cx="3569591" cy="740632"/>
-          </a:xfrm>
-          <a:prstGeom prst="bentConnector3">
-            <a:avLst>
-              <a:gd name="adj1" fmla="val 22035"/>
-            </a:avLst>
-          </a:prstGeom>
-          <a:ln>
-            <a:solidFill>
-              <a:schemeClr val="accent5">
-                <a:lumMod val="75000"/>
-              </a:schemeClr>
-            </a:solidFill>
-            <a:prstDash val="dash"/>
-            <a:tailEnd type="arrow" w="lg" len="lg"/>
-          </a:ln>
-        </p:spPr>
-        <p:style>
-          <a:lnRef idx="2">
-            <a:schemeClr val="accent1"/>
-          </a:lnRef>
-          <a:fillRef idx="0">
-            <a:schemeClr val="accent1"/>
-          </a:fillRef>
-          <a:effectRef idx="1">
-            <a:schemeClr val="accent1"/>
-          </a:effectRef>
-          <a:fontRef idx="minor">
-            <a:schemeClr val="tx1"/>
-          </a:fontRef>
-        </p:style>
-      </p:cxnSp>
-      <p:graphicFrame>
-        <p:nvGraphicFramePr>
-          <p:cNvPr id="13" name="Table 12">
-            <a:extLst>
-              <a:ext uri="{FF2B5EF4-FFF2-40B4-BE49-F238E27FC236}">
-                <a16:creationId xmlns:a16="http://schemas.microsoft.com/office/drawing/2014/main" id="{13AE978B-40C1-4042-6C43-73CD317E28AC}"/>
-              </a:ext>
-            </a:extLst>
-          </p:cNvPr>
-          <p:cNvGraphicFramePr>
-            <a:graphicFrameLocks noGrp="1"/>
-          </p:cNvGraphicFramePr>
-          <p:nvPr>
-            <p:extLst>
-              <p:ext uri="{D42A27DB-BD31-4B8C-83A1-F6EECF244321}">
-                <p14:modId xmlns:p14="http://schemas.microsoft.com/office/powerpoint/2010/main" val="180526451"/>
-              </p:ext>
-            </p:extLst>
-          </p:nvPr>
-        </p:nvGraphicFramePr>
-        <p:xfrm>
-          <a:off x="7890060" y="3374248"/>
-          <a:ext cx="2343600" cy="1828800"/>
-        </p:xfrm>
-        <a:graphic>
-          <a:graphicData uri="http://schemas.openxmlformats.org/drawingml/2006/table">
-            <a:tbl>
-              <a:tblPr/>
-              <a:tblGrid>
-                <a:gridCol w="1453032">
-                  <a:extLst>
-                    <a:ext uri="{9D8B030D-6E8A-4147-A177-3AD203B41FA5}">
-                      <a16:colId xmlns:a16="http://schemas.microsoft.com/office/drawing/2014/main" val="1995741582"/>
-                    </a:ext>
-                  </a:extLst>
-                </a:gridCol>
-                <a:gridCol w="890568">
-                  <a:extLst>
-                    <a:ext uri="{9D8B030D-6E8A-4147-A177-3AD203B41FA5}">
-                      <a16:colId xmlns:a16="http://schemas.microsoft.com/office/drawing/2014/main" val="168921243"/>
-                    </a:ext>
-                  </a:extLst>
-                </a:gridCol>
-              </a:tblGrid>
-              <a:tr h="0">
-                <a:tc>
-                  <a:txBody>
-                    <a:bodyPr/>
-                    <a:lstStyle/>
-                    <a:p>
-                      <a:pPr algn="l" fontAlgn="t"/>
-                      <a:r>
-                        <a:rPr lang="en-US" sz="1400" b="1" dirty="0">
-                          <a:effectLst/>
-                          <a:highlight>
-                            <a:srgbClr val="F7F8F7"/>
-                          </a:highlight>
-                        </a:rPr>
-                        <a:t>Donut</a:t>
-                      </a:r>
-                    </a:p>
-                  </a:txBody>
-                  <a:tcPr>
-                    <a:lnL w="12700" cap="flat" cmpd="sng" algn="ctr">
-                      <a:solidFill>
-                        <a:schemeClr val="accent2"/>
-                      </a:solidFill>
-                      <a:prstDash val="solid"/>
-                      <a:round/>
-                      <a:headEnd type="none" w="med" len="med"/>
-                      <a:tailEnd type="none" w="med" len="med"/>
-                    </a:lnL>
-                    <a:lnR w="7620" cap="flat" cmpd="sng" algn="ctr">
-                      <a:solidFill>
-                        <a:srgbClr val="DEDEDE"/>
-                      </a:solidFill>
-                      <a:prstDash val="solid"/>
-                      <a:round/>
-                      <a:headEnd type="none" w="med" len="med"/>
-                      <a:tailEnd type="none" w="med" len="med"/>
-                    </a:lnR>
-                    <a:lnT w="12700" cap="flat" cmpd="sng" algn="ctr">
-                      <a:solidFill>
-                        <a:schemeClr val="accent2"/>
-                      </a:solidFill>
-                      <a:prstDash val="solid"/>
-                      <a:round/>
-                      <a:headEnd type="none" w="med" len="med"/>
-                      <a:tailEnd type="none" w="med" len="med"/>
-                    </a:lnT>
-                    <a:lnB w="7620" cap="flat" cmpd="sng" algn="ctr">
-                      <a:solidFill>
-                        <a:srgbClr val="DEDEDE"/>
-                      </a:solidFill>
-                      <a:prstDash val="solid"/>
-                      <a:round/>
-                      <a:headEnd type="none" w="med" len="med"/>
-                      <a:tailEnd type="none" w="med" len="med"/>
-                    </a:lnB>
-                    <a:solidFill>
-                      <a:srgbClr val="F7F8F7"/>
-                    </a:solidFill>
-                  </a:tcPr>
-                </a:tc>
-                <a:tc>
-                  <a:txBody>
-                    <a:bodyPr/>
-                    <a:lstStyle/>
-                    <a:p>
-                      <a:pPr algn="r" fontAlgn="t"/>
-                      <a:r>
-                        <a:rPr lang="en-US" sz="1400" b="1" dirty="0">
-                          <a:effectLst/>
-                          <a:highlight>
-                            <a:srgbClr val="F7F8F7"/>
-                          </a:highlight>
-                        </a:rPr>
-                        <a:t>Quantity</a:t>
-                      </a:r>
-                    </a:p>
-                  </a:txBody>
-                  <a:tcPr>
-                    <a:lnL w="7620" cap="flat" cmpd="sng" algn="ctr">
-                      <a:solidFill>
-                        <a:srgbClr val="DEDEDE"/>
-                      </a:solidFill>
-                      <a:prstDash val="solid"/>
-                      <a:round/>
-                      <a:headEnd type="none" w="med" len="med"/>
-                      <a:tailEnd type="none" w="med" len="med"/>
-                    </a:lnL>
-                    <a:lnR w="12700" cap="flat" cmpd="sng" algn="ctr">
-                      <a:solidFill>
-                        <a:schemeClr val="accent2"/>
-                      </a:solidFill>
-                      <a:prstDash val="solid"/>
-                      <a:round/>
-                      <a:headEnd type="none" w="med" len="med"/>
-                      <a:tailEnd type="none" w="med" len="med"/>
-                    </a:lnR>
-                    <a:lnT w="12700" cap="flat" cmpd="sng" algn="ctr">
-                      <a:solidFill>
-                        <a:schemeClr val="accent2"/>
-                      </a:solidFill>
-                      <a:prstDash val="solid"/>
-                      <a:round/>
-                      <a:headEnd type="none" w="med" len="med"/>
-                      <a:tailEnd type="none" w="med" len="med"/>
-                    </a:lnT>
-                    <a:lnB w="7620" cap="flat" cmpd="sng" algn="ctr">
-                      <a:solidFill>
-                        <a:srgbClr val="DEDEDE"/>
-                      </a:solidFill>
-                      <a:prstDash val="solid"/>
-                      <a:round/>
-                      <a:headEnd type="none" w="med" len="med"/>
-                      <a:tailEnd type="none" w="med" len="med"/>
-                    </a:lnB>
-                    <a:solidFill>
-                      <a:srgbClr val="F7F8F7"/>
-                    </a:solidFill>
-                  </a:tcPr>
-                </a:tc>
-                <a:extLst>
-                  <a:ext uri="{0D108BD9-81ED-4DB2-BD59-A6C34878D82A}">
-                    <a16:rowId xmlns:a16="http://schemas.microsoft.com/office/drawing/2014/main" val="3563842501"/>
-                  </a:ext>
-                </a:extLst>
-              </a:tr>
-              <a:tr h="0">
-                <a:tc>
-                  <a:txBody>
-                    <a:bodyPr/>
-                    <a:lstStyle/>
-                    <a:p>
-                      <a:pPr algn="l" fontAlgn="t"/>
-                      <a:r>
-                        <a:rPr lang="en-US" sz="1400" dirty="0">
-                          <a:effectLst/>
-                        </a:rPr>
-                        <a:t>Old Fashioned</a:t>
-                      </a:r>
-                    </a:p>
-                  </a:txBody>
-                  <a:tcPr>
-                    <a:lnL w="12700" cap="flat" cmpd="sng" algn="ctr">
-                      <a:solidFill>
-                        <a:schemeClr val="accent2"/>
-                      </a:solidFill>
-                      <a:prstDash val="solid"/>
-                      <a:round/>
-                      <a:headEnd type="none" w="med" len="med"/>
-                      <a:tailEnd type="none" w="med" len="med"/>
-                    </a:lnL>
-                    <a:lnR w="7620" cap="flat" cmpd="sng" algn="ctr">
-                      <a:solidFill>
-                        <a:srgbClr val="DEDEDE"/>
-                      </a:solidFill>
-                      <a:prstDash val="solid"/>
-                      <a:round/>
-                      <a:headEnd type="none" w="med" len="med"/>
-                      <a:tailEnd type="none" w="med" len="med"/>
-                    </a:lnR>
-                    <a:lnT w="7620" cap="flat" cmpd="sng" algn="ctr">
-                      <a:solidFill>
-                        <a:srgbClr val="DEDEDE"/>
-                      </a:solidFill>
-                      <a:prstDash val="solid"/>
-                      <a:round/>
-                      <a:headEnd type="none" w="med" len="med"/>
-                      <a:tailEnd type="none" w="med" len="med"/>
-                    </a:lnT>
-                    <a:lnB w="7620" cap="flat" cmpd="sng" algn="ctr">
-                      <a:solidFill>
-                        <a:srgbClr val="DEDEDE"/>
-                      </a:solidFill>
-                      <a:prstDash val="solid"/>
-                      <a:round/>
-                      <a:headEnd type="none" w="med" len="med"/>
-                      <a:tailEnd type="none" w="med" len="med"/>
-                    </a:lnB>
-                    <a:solidFill>
-                      <a:srgbClr val="FFFFFF"/>
-                    </a:solidFill>
-                  </a:tcPr>
-                </a:tc>
-                <a:tc>
-                  <a:txBody>
-                    <a:bodyPr/>
-                    <a:lstStyle/>
-                    <a:p>
-                      <a:pPr algn="r" fontAlgn="t"/>
-                      <a:r>
-                        <a:rPr lang="en-US" sz="1400" dirty="0">
-                          <a:effectLst/>
-                        </a:rPr>
-                        <a:t>48</a:t>
-                      </a:r>
-                    </a:p>
-                  </a:txBody>
-                  <a:tcPr>
-                    <a:lnL w="7620" cap="flat" cmpd="sng" algn="ctr">
-                      <a:solidFill>
-                        <a:srgbClr val="DEDEDE"/>
-                      </a:solidFill>
-                      <a:prstDash val="solid"/>
-                      <a:round/>
-                      <a:headEnd type="none" w="med" len="med"/>
-                      <a:tailEnd type="none" w="med" len="med"/>
-                    </a:lnL>
-                    <a:lnR w="12700" cap="flat" cmpd="sng" algn="ctr">
-                      <a:solidFill>
-                        <a:schemeClr val="accent2"/>
-                      </a:solidFill>
-                      <a:prstDash val="solid"/>
-                      <a:round/>
-                      <a:headEnd type="none" w="med" len="med"/>
-                      <a:tailEnd type="none" w="med" len="med"/>
-                    </a:lnR>
-                    <a:lnT w="7620" cap="flat" cmpd="sng" algn="ctr">
-                      <a:solidFill>
-                        <a:srgbClr val="DEDEDE"/>
-                      </a:solidFill>
-                      <a:prstDash val="solid"/>
-                      <a:round/>
-                      <a:headEnd type="none" w="med" len="med"/>
-                      <a:tailEnd type="none" w="med" len="med"/>
-                    </a:lnT>
-                    <a:lnB w="7620" cap="flat" cmpd="sng" algn="ctr">
-                      <a:solidFill>
-                        <a:srgbClr val="DEDEDE"/>
-                      </a:solidFill>
-                      <a:prstDash val="solid"/>
-                      <a:round/>
-                      <a:headEnd type="none" w="med" len="med"/>
-                      <a:tailEnd type="none" w="med" len="med"/>
-                    </a:lnB>
-                    <a:solidFill>
-                      <a:srgbClr val="FFFFFF"/>
-                    </a:solidFill>
-                  </a:tcPr>
-                </a:tc>
-                <a:extLst>
-                  <a:ext uri="{0D108BD9-81ED-4DB2-BD59-A6C34878D82A}">
-                    <a16:rowId xmlns:a16="http://schemas.microsoft.com/office/drawing/2014/main" val="2718444116"/>
-                  </a:ext>
-                </a:extLst>
-              </a:tr>
-              <a:tr h="0">
-                <a:tc>
-                  <a:txBody>
-                    <a:bodyPr/>
-                    <a:lstStyle/>
-                    <a:p>
-                      <a:pPr algn="l" fontAlgn="t"/>
-                      <a:r>
-                        <a:rPr lang="en-US" sz="1400" dirty="0">
-                          <a:effectLst/>
-                        </a:rPr>
-                        <a:t>Apple Cider</a:t>
-                      </a:r>
-                    </a:p>
-                  </a:txBody>
-                  <a:tcPr>
-                    <a:lnL w="12700" cap="flat" cmpd="sng" algn="ctr">
-                      <a:solidFill>
-                        <a:schemeClr val="accent2"/>
-                      </a:solidFill>
-                      <a:prstDash val="solid"/>
-                      <a:round/>
-                      <a:headEnd type="none" w="med" len="med"/>
-                      <a:tailEnd type="none" w="med" len="med"/>
-                    </a:lnL>
-                    <a:lnR w="7620" cap="flat" cmpd="sng" algn="ctr">
-                      <a:solidFill>
-                        <a:srgbClr val="DEDEDE"/>
-                      </a:solidFill>
-                      <a:prstDash val="solid"/>
-                      <a:round/>
-                      <a:headEnd type="none" w="med" len="med"/>
-                      <a:tailEnd type="none" w="med" len="med"/>
-                    </a:lnR>
-                    <a:lnT w="7620" cap="flat" cmpd="sng" algn="ctr">
-                      <a:solidFill>
-                        <a:srgbClr val="DEDEDE"/>
-                      </a:solidFill>
-                      <a:prstDash val="solid"/>
-                      <a:round/>
-                      <a:headEnd type="none" w="med" len="med"/>
-                      <a:tailEnd type="none" w="med" len="med"/>
-                    </a:lnT>
-                    <a:lnB w="7620" cap="flat" cmpd="sng" algn="ctr">
-                      <a:solidFill>
-                        <a:srgbClr val="DEDEDE"/>
-                      </a:solidFill>
-                      <a:prstDash val="solid"/>
-                      <a:round/>
-                      <a:headEnd type="none" w="med" len="med"/>
-                      <a:tailEnd type="none" w="med" len="med"/>
-                    </a:lnB>
-                    <a:solidFill>
-                      <a:srgbClr val="FFFFFF"/>
-                    </a:solidFill>
-                  </a:tcPr>
-                </a:tc>
-                <a:tc>
-                  <a:txBody>
-                    <a:bodyPr/>
-                    <a:lstStyle/>
-                    <a:p>
-                      <a:pPr algn="r" fontAlgn="t"/>
-                      <a:r>
-                        <a:rPr lang="en-US" sz="1400" dirty="0">
-                          <a:effectLst/>
-                        </a:rPr>
-                        <a:t>12</a:t>
-                      </a:r>
-                    </a:p>
-                  </a:txBody>
-                  <a:tcPr>
-                    <a:lnL w="7620" cap="flat" cmpd="sng" algn="ctr">
-                      <a:solidFill>
-                        <a:srgbClr val="DEDEDE"/>
-                      </a:solidFill>
-                      <a:prstDash val="solid"/>
-                      <a:round/>
-                      <a:headEnd type="none" w="med" len="med"/>
-                      <a:tailEnd type="none" w="med" len="med"/>
-                    </a:lnL>
-                    <a:lnR w="12700" cap="flat" cmpd="sng" algn="ctr">
-                      <a:solidFill>
-                        <a:schemeClr val="accent2"/>
-                      </a:solidFill>
-                      <a:prstDash val="solid"/>
-                      <a:round/>
-                      <a:headEnd type="none" w="med" len="med"/>
-                      <a:tailEnd type="none" w="med" len="med"/>
-                    </a:lnR>
-                    <a:lnT w="7620" cap="flat" cmpd="sng" algn="ctr">
-                      <a:solidFill>
-                        <a:srgbClr val="DEDEDE"/>
-                      </a:solidFill>
-                      <a:prstDash val="solid"/>
-                      <a:round/>
-                      <a:headEnd type="none" w="med" len="med"/>
-                      <a:tailEnd type="none" w="med" len="med"/>
-                    </a:lnT>
-                    <a:lnB w="7620" cap="flat" cmpd="sng" algn="ctr">
-                      <a:solidFill>
-                        <a:srgbClr val="DEDEDE"/>
-                      </a:solidFill>
-                      <a:prstDash val="solid"/>
-                      <a:round/>
-                      <a:headEnd type="none" w="med" len="med"/>
-                      <a:tailEnd type="none" w="med" len="med"/>
-                    </a:lnB>
-                    <a:solidFill>
-                      <a:srgbClr val="FFFFFF"/>
-                    </a:solidFill>
-                  </a:tcPr>
-                </a:tc>
-                <a:extLst>
-                  <a:ext uri="{0D108BD9-81ED-4DB2-BD59-A6C34878D82A}">
-                    <a16:rowId xmlns:a16="http://schemas.microsoft.com/office/drawing/2014/main" val="2602769505"/>
-                  </a:ext>
-                </a:extLst>
-              </a:tr>
-              <a:tr h="0">
-                <a:tc>
-                  <a:txBody>
-                    <a:bodyPr/>
-                    <a:lstStyle/>
-                    <a:p>
-                      <a:pPr algn="l" fontAlgn="t"/>
-                      <a:r>
-                        <a:rPr lang="en-US" sz="1400" dirty="0">
-                          <a:effectLst/>
-                        </a:rPr>
-                        <a:t>Jelly</a:t>
-                      </a:r>
-                    </a:p>
-                  </a:txBody>
-                  <a:tcPr>
-                    <a:lnL w="12700" cap="flat" cmpd="sng" algn="ctr">
-                      <a:solidFill>
-                        <a:schemeClr val="accent2"/>
-                      </a:solidFill>
-                      <a:prstDash val="solid"/>
-                      <a:round/>
-                      <a:headEnd type="none" w="med" len="med"/>
-                      <a:tailEnd type="none" w="med" len="med"/>
-                    </a:lnL>
-                    <a:lnR w="7620" cap="flat" cmpd="sng" algn="ctr">
-                      <a:solidFill>
-                        <a:srgbClr val="DEDEDE"/>
-                      </a:solidFill>
-                      <a:prstDash val="solid"/>
-                      <a:round/>
-                      <a:headEnd type="none" w="med" len="med"/>
-                      <a:tailEnd type="none" w="med" len="med"/>
-                    </a:lnR>
-                    <a:lnT w="7620" cap="flat" cmpd="sng" algn="ctr">
-                      <a:solidFill>
-                        <a:srgbClr val="DEDEDE"/>
-                      </a:solidFill>
-                      <a:prstDash val="solid"/>
-                      <a:round/>
-                      <a:headEnd type="none" w="med" len="med"/>
-                      <a:tailEnd type="none" w="med" len="med"/>
-                    </a:lnT>
-                    <a:lnB w="7620" cap="flat" cmpd="sng" algn="ctr">
-                      <a:solidFill>
-                        <a:srgbClr val="DEDEDE"/>
-                      </a:solidFill>
-                      <a:prstDash val="solid"/>
-                      <a:round/>
-                      <a:headEnd type="none" w="med" len="med"/>
-                      <a:tailEnd type="none" w="med" len="med"/>
-                    </a:lnB>
-                    <a:solidFill>
-                      <a:srgbClr val="FFFFFF"/>
-                    </a:solidFill>
-                  </a:tcPr>
-                </a:tc>
-                <a:tc>
-                  <a:txBody>
-                    <a:bodyPr/>
-                    <a:lstStyle/>
-                    <a:p>
-                      <a:pPr algn="r" fontAlgn="t"/>
-                      <a:r>
-                        <a:rPr lang="en-US" sz="1400" dirty="0">
-                          <a:effectLst/>
-                        </a:rPr>
-                        <a:t>12</a:t>
-                      </a:r>
-                    </a:p>
-                  </a:txBody>
-                  <a:tcPr>
-                    <a:lnL w="7620" cap="flat" cmpd="sng" algn="ctr">
-                      <a:solidFill>
-                        <a:srgbClr val="DEDEDE"/>
-                      </a:solidFill>
-                      <a:prstDash val="solid"/>
-                      <a:round/>
-                      <a:headEnd type="none" w="med" len="med"/>
-                      <a:tailEnd type="none" w="med" len="med"/>
-                    </a:lnL>
-                    <a:lnR w="12700" cap="flat" cmpd="sng" algn="ctr">
-                      <a:solidFill>
-                        <a:schemeClr val="accent2"/>
-                      </a:solidFill>
-                      <a:prstDash val="solid"/>
-                      <a:round/>
-                      <a:headEnd type="none" w="med" len="med"/>
-                      <a:tailEnd type="none" w="med" len="med"/>
-                    </a:lnR>
-                    <a:lnT w="7620" cap="flat" cmpd="sng" algn="ctr">
-                      <a:solidFill>
-                        <a:srgbClr val="DEDEDE"/>
-                      </a:solidFill>
-                      <a:prstDash val="solid"/>
-                      <a:round/>
-                      <a:headEnd type="none" w="med" len="med"/>
-                      <a:tailEnd type="none" w="med" len="med"/>
-                    </a:lnT>
-                    <a:lnB w="7620" cap="flat" cmpd="sng" algn="ctr">
-                      <a:solidFill>
-                        <a:srgbClr val="DEDEDE"/>
-                      </a:solidFill>
-                      <a:prstDash val="solid"/>
-                      <a:round/>
-                      <a:headEnd type="none" w="med" len="med"/>
-                      <a:tailEnd type="none" w="med" len="med"/>
-                    </a:lnB>
-                    <a:solidFill>
-                      <a:srgbClr val="FFFFFF"/>
-                    </a:solidFill>
-                  </a:tcPr>
-                </a:tc>
-                <a:extLst>
-                  <a:ext uri="{0D108BD9-81ED-4DB2-BD59-A6C34878D82A}">
-                    <a16:rowId xmlns:a16="http://schemas.microsoft.com/office/drawing/2014/main" val="3047391649"/>
-                  </a:ext>
-                </a:extLst>
-              </a:tr>
-              <a:tr h="0">
-                <a:tc>
-                  <a:txBody>
-                    <a:bodyPr/>
-                    <a:lstStyle/>
-                    <a:p>
-                      <a:pPr marL="0" marR="0" lvl="0" indent="0" algn="l" defTabSz="914400" rtl="0" eaLnBrk="1" fontAlgn="t" latinLnBrk="0" hangingPunct="1">
-                        <a:lnSpc>
-                          <a:spcPct val="100000"/>
-                        </a:lnSpc>
-                        <a:spcBef>
-                          <a:spcPts val="0"/>
-                        </a:spcBef>
-                        <a:spcAft>
-                          <a:spcPts val="0"/>
-                        </a:spcAft>
-                        <a:buClrTx/>
-                        <a:buSzTx/>
-                        <a:buFontTx/>
-                        <a:buNone/>
-                        <a:tabLst/>
-                        <a:defRPr/>
-                      </a:pPr>
-                      <a:r>
-                        <a:rPr lang="en-US" sz="1400" dirty="0">
-                          <a:effectLst/>
-                        </a:rPr>
-                        <a:t>Blueberry</a:t>
-                      </a:r>
-                    </a:p>
-                  </a:txBody>
-                  <a:tcPr>
-                    <a:lnL w="12700" cap="flat" cmpd="sng" algn="ctr">
-                      <a:solidFill>
-                        <a:schemeClr val="accent2"/>
-                      </a:solidFill>
-                      <a:prstDash val="solid"/>
-                      <a:round/>
-                      <a:headEnd type="none" w="med" len="med"/>
-                      <a:tailEnd type="none" w="med" len="med"/>
-                    </a:lnL>
-                    <a:lnR w="7620" cap="flat" cmpd="sng" algn="ctr">
-                      <a:solidFill>
-                        <a:srgbClr val="DEDEDE"/>
-                      </a:solidFill>
-                      <a:prstDash val="solid"/>
-                      <a:round/>
-                      <a:headEnd type="none" w="med" len="med"/>
-                      <a:tailEnd type="none" w="med" len="med"/>
-                    </a:lnR>
-                    <a:lnT w="7620" cap="flat" cmpd="sng" algn="ctr">
-                      <a:solidFill>
-                        <a:srgbClr val="DEDEDE"/>
-                      </a:solidFill>
-                      <a:prstDash val="solid"/>
-                      <a:round/>
-                      <a:headEnd type="none" w="med" len="med"/>
-                      <a:tailEnd type="none" w="med" len="med"/>
-                    </a:lnT>
-                    <a:lnB w="7620" cap="flat" cmpd="sng" algn="ctr">
-                      <a:solidFill>
-                        <a:srgbClr val="DEDEDE"/>
-                      </a:solidFill>
-                      <a:prstDash val="solid"/>
-                      <a:round/>
-                      <a:headEnd type="none" w="med" len="med"/>
-                      <a:tailEnd type="none" w="med" len="med"/>
-                    </a:lnB>
-                    <a:solidFill>
-                      <a:srgbClr val="FFFFFF"/>
-                    </a:solidFill>
-                  </a:tcPr>
-                </a:tc>
-                <a:tc>
-                  <a:txBody>
-                    <a:bodyPr/>
-                    <a:lstStyle/>
-                    <a:p>
-                      <a:pPr algn="r" fontAlgn="t"/>
-                      <a:r>
-                        <a:rPr lang="en-US" sz="1400" dirty="0">
-                          <a:effectLst/>
-                        </a:rPr>
-                        <a:t>12</a:t>
-                      </a:r>
-                    </a:p>
-                  </a:txBody>
-                  <a:tcPr>
-                    <a:lnL w="7620" cap="flat" cmpd="sng" algn="ctr">
-                      <a:solidFill>
-                        <a:srgbClr val="DEDEDE"/>
-                      </a:solidFill>
-                      <a:prstDash val="solid"/>
-                      <a:round/>
-                      <a:headEnd type="none" w="med" len="med"/>
-                      <a:tailEnd type="none" w="med" len="med"/>
-                    </a:lnL>
-                    <a:lnR w="12700" cap="flat" cmpd="sng" algn="ctr">
-                      <a:solidFill>
-                        <a:schemeClr val="accent2"/>
-                      </a:solidFill>
-                      <a:prstDash val="solid"/>
-                      <a:round/>
-                      <a:headEnd type="none" w="med" len="med"/>
-                      <a:tailEnd type="none" w="med" len="med"/>
-                    </a:lnR>
-                    <a:lnT w="7620" cap="flat" cmpd="sng" algn="ctr">
-                      <a:solidFill>
-                        <a:srgbClr val="DEDEDE"/>
-                      </a:solidFill>
-                      <a:prstDash val="solid"/>
-                      <a:round/>
-                      <a:headEnd type="none" w="med" len="med"/>
-                      <a:tailEnd type="none" w="med" len="med"/>
-                    </a:lnT>
-                    <a:lnB w="7620" cap="flat" cmpd="sng" algn="ctr">
-                      <a:solidFill>
-                        <a:srgbClr val="DEDEDE"/>
-                      </a:solidFill>
-                      <a:prstDash val="solid"/>
-                      <a:round/>
-                      <a:headEnd type="none" w="med" len="med"/>
-                      <a:tailEnd type="none" w="med" len="med"/>
-                    </a:lnB>
-                    <a:solidFill>
-                      <a:srgbClr val="FFFFFF"/>
-                    </a:solidFill>
-                  </a:tcPr>
-                </a:tc>
-                <a:extLst>
-                  <a:ext uri="{0D108BD9-81ED-4DB2-BD59-A6C34878D82A}">
-                    <a16:rowId xmlns:a16="http://schemas.microsoft.com/office/drawing/2014/main" val="422963243"/>
-                  </a:ext>
-                </a:extLst>
-              </a:tr>
-              <a:tr h="0">
-                <a:tc>
-                  <a:txBody>
-                    <a:bodyPr/>
-                    <a:lstStyle/>
-                    <a:p>
-                      <a:pPr algn="l" fontAlgn="t"/>
-                      <a:r>
-                        <a:rPr lang="en-US" sz="1400" dirty="0">
-                          <a:effectLst/>
-                        </a:rPr>
-                        <a:t>Pumpkin Spice</a:t>
-                      </a:r>
-                    </a:p>
-                  </a:txBody>
-                  <a:tcPr>
-                    <a:lnL w="12700" cap="flat" cmpd="sng" algn="ctr">
-                      <a:solidFill>
-                        <a:schemeClr val="accent2"/>
-                      </a:solidFill>
-                      <a:prstDash val="solid"/>
-                      <a:round/>
-                      <a:headEnd type="none" w="med" len="med"/>
-                      <a:tailEnd type="none" w="med" len="med"/>
-                    </a:lnL>
-                    <a:lnR w="7620" cap="flat" cmpd="sng" algn="ctr">
-                      <a:solidFill>
-                        <a:srgbClr val="DEDEDE"/>
-                      </a:solidFill>
-                      <a:prstDash val="solid"/>
-                      <a:round/>
-                      <a:headEnd type="none" w="med" len="med"/>
-                      <a:tailEnd type="none" w="med" len="med"/>
-                    </a:lnR>
-                    <a:lnT w="7620" cap="flat" cmpd="sng" algn="ctr">
-                      <a:solidFill>
-                        <a:srgbClr val="DEDEDE"/>
-                      </a:solidFill>
-                      <a:prstDash val="solid"/>
-                      <a:round/>
-                      <a:headEnd type="none" w="med" len="med"/>
-                      <a:tailEnd type="none" w="med" len="med"/>
-                    </a:lnT>
-                    <a:lnB w="12700" cap="flat" cmpd="sng" algn="ctr">
-                      <a:solidFill>
-                        <a:schemeClr val="accent2"/>
-                      </a:solidFill>
-                      <a:prstDash val="solid"/>
-                      <a:round/>
-                      <a:headEnd type="none" w="med" len="med"/>
-                      <a:tailEnd type="none" w="med" len="med"/>
-                    </a:lnB>
-                    <a:solidFill>
-                      <a:srgbClr val="FFFFFF"/>
-                    </a:solidFill>
-                  </a:tcPr>
-                </a:tc>
-                <a:tc>
-                  <a:txBody>
-                    <a:bodyPr/>
-                    <a:lstStyle/>
-                    <a:p>
-                      <a:pPr algn="r" fontAlgn="t"/>
-                      <a:r>
-                        <a:rPr lang="en-US" sz="1400" dirty="0">
-                          <a:effectLst/>
-                        </a:rPr>
-                        <a:t>1</a:t>
-                      </a:r>
-                    </a:p>
-                  </a:txBody>
-                  <a:tcPr>
-                    <a:lnL w="7620" cap="flat" cmpd="sng" algn="ctr">
-                      <a:solidFill>
-                        <a:srgbClr val="DEDEDE"/>
-                      </a:solidFill>
-                      <a:prstDash val="solid"/>
-                      <a:round/>
-                      <a:headEnd type="none" w="med" len="med"/>
-                      <a:tailEnd type="none" w="med" len="med"/>
-                    </a:lnL>
-                    <a:lnR w="12700" cap="flat" cmpd="sng" algn="ctr">
-                      <a:solidFill>
-                        <a:schemeClr val="accent2"/>
-                      </a:solidFill>
-                      <a:prstDash val="solid"/>
-                      <a:round/>
-                      <a:headEnd type="none" w="med" len="med"/>
-                      <a:tailEnd type="none" w="med" len="med"/>
-                    </a:lnR>
-                    <a:lnT w="7620" cap="flat" cmpd="sng" algn="ctr">
-                      <a:solidFill>
-                        <a:srgbClr val="DEDEDE"/>
-                      </a:solidFill>
-                      <a:prstDash val="solid"/>
-                      <a:round/>
-                      <a:headEnd type="none" w="med" len="med"/>
-                      <a:tailEnd type="none" w="med" len="med"/>
-                    </a:lnT>
-                    <a:lnB w="12700" cap="flat" cmpd="sng" algn="ctr">
-                      <a:solidFill>
-                        <a:schemeClr val="accent2"/>
-                      </a:solidFill>
-                      <a:prstDash val="solid"/>
-                      <a:round/>
-                      <a:headEnd type="none" w="med" len="med"/>
-                      <a:tailEnd type="none" w="med" len="med"/>
-                    </a:lnB>
-                    <a:solidFill>
-                      <a:srgbClr val="FFFFFF"/>
-                    </a:solidFill>
-                  </a:tcPr>
-                </a:tc>
-                <a:extLst>
-                  <a:ext uri="{0D108BD9-81ED-4DB2-BD59-A6C34878D82A}">
-                    <a16:rowId xmlns:a16="http://schemas.microsoft.com/office/drawing/2014/main" val="1928921853"/>
-                  </a:ext>
-                </a:extLst>
-              </a:tr>
-            </a:tbl>
-          </a:graphicData>
-        </a:graphic>
-      </p:graphicFrame>
     </p:spTree>
     <p:extLst>
       <p:ext uri="{BB962C8B-B14F-4D97-AF65-F5344CB8AC3E}">
-        <p14:creationId xmlns:p14="http://schemas.microsoft.com/office/powerpoint/2010/main" val="2499104240"/>
+        <p14:creationId xmlns:p14="http://schemas.microsoft.com/office/powerpoint/2010/main" val="1651252500"/>
       </p:ext>
     </p:extLst>
   </p:cSld>
@@ -25933,10 +22283,9 @@
           </a:lstStyle>
           <a:p>
             <a:r>
-              <a:rPr lang="en-US" sz="3200" dirty="0" err="1"/>
-              <a:t>Tablesaw</a:t>
-            </a:r>
-            <a:endParaRPr lang="en-US" sz="3200" dirty="0"/>
+              <a:rPr lang="en-US" sz="3200" dirty="0"/>
+              <a:t>DataFrame-EC</a:t>
+            </a:r>
           </a:p>
         </p:txBody>
       </p:sp>
@@ -26000,7 +22349,7 @@
         <p:spPr>
           <a:xfrm>
             <a:off x="375062" y="2339708"/>
-            <a:ext cx="6810598" cy="684867"/>
+            <a:ext cx="6810598" cy="2839303"/>
           </a:xfrm>
           <a:prstGeom prst="rect">
             <a:avLst/>
@@ -26116,18 +22465,909 @@
               <a:t>    </a:t>
             </a:r>
             <a:r>
+              <a:rPr kumimoji="0" lang="en-US" altLang="en-US" sz="1600" b="0" i="0" u="none" strike="noStrike" cap="none" normalizeH="0" baseline="0" dirty="0" err="1">
+                <a:ln>
+                  <a:noFill/>
+                </a:ln>
+                <a:solidFill>
+                  <a:srgbClr val="0033B3"/>
+                </a:solidFill>
+                <a:effectLst/>
+                <a:latin typeface="JetBrains Mono" panose="02000009000000000000" pitchFamily="49" charset="0"/>
+                <a:cs typeface="JetBrains Mono" panose="02000009000000000000" pitchFamily="49" charset="0"/>
+              </a:rPr>
+              <a:t>this</a:t>
+            </a:r>
+            <a:r>
+              <a:rPr kumimoji="0" lang="en-US" altLang="en-US" sz="1600" b="0" i="0" u="none" strike="noStrike" cap="none" normalizeH="0" baseline="0" dirty="0" err="1">
+                <a:ln>
+                  <a:noFill/>
+                </a:ln>
+                <a:solidFill>
+                  <a:srgbClr val="080808"/>
+                </a:solidFill>
+                <a:effectLst/>
+                <a:latin typeface="JetBrains Mono" panose="02000009000000000000" pitchFamily="49" charset="0"/>
+                <a:cs typeface="JetBrains Mono" panose="02000009000000000000" pitchFamily="49" charset="0"/>
+              </a:rPr>
+              <a:t>.</a:t>
+            </a:r>
+            <a:r>
+              <a:rPr kumimoji="0" lang="en-US" altLang="en-US" sz="1600" b="0" i="0" u="none" strike="noStrike" cap="none" normalizeH="0" baseline="0" dirty="0" err="1">
+                <a:ln>
+                  <a:noFill/>
+                </a:ln>
+                <a:solidFill>
+                  <a:srgbClr val="871094"/>
+                </a:solidFill>
+                <a:effectLst/>
+                <a:latin typeface="JetBrains Mono" panose="02000009000000000000" pitchFamily="49" charset="0"/>
+                <a:cs typeface="JetBrains Mono" panose="02000009000000000000" pitchFamily="49" charset="0"/>
+              </a:rPr>
+              <a:t>orders</a:t>
+            </a:r>
+            <a:br>
               <a:rPr kumimoji="0" lang="en-US" altLang="en-US" sz="1600" b="0" i="0" u="none" strike="noStrike" cap="none" normalizeH="0" baseline="0" dirty="0">
                 <a:ln>
                   <a:noFill/>
                 </a:ln>
                 <a:solidFill>
-                  <a:srgbClr val="0033B3"/>
-                </a:solidFill>
-                <a:effectLst/>
-                <a:latin typeface="JetBrains Mono" panose="02000009000000000000" pitchFamily="49" charset="0"/>
-                <a:cs typeface="JetBrains Mono" panose="02000009000000000000" pitchFamily="49" charset="0"/>
-              </a:rPr>
-              <a:t>XXXXXXXXXXXXXXXXXXXXXXXXXXXXXXXXXXXXXX</a:t>
+                  <a:srgbClr val="871094"/>
+                </a:solidFill>
+                <a:effectLst/>
+                <a:latin typeface="JetBrains Mono" panose="02000009000000000000" pitchFamily="49" charset="0"/>
+                <a:cs typeface="JetBrains Mono" panose="02000009000000000000" pitchFamily="49" charset="0"/>
+              </a:rPr>
+            </a:br>
+            <a:r>
+              <a:rPr kumimoji="0" lang="en-US" altLang="en-US" sz="1600" b="0" i="0" u="none" strike="noStrike" cap="none" normalizeH="0" baseline="0" dirty="0">
+                <a:ln>
+                  <a:noFill/>
+                </a:ln>
+                <a:solidFill>
+                  <a:srgbClr val="871094"/>
+                </a:solidFill>
+                <a:effectLst/>
+                <a:latin typeface="JetBrains Mono" panose="02000009000000000000" pitchFamily="49" charset="0"/>
+                <a:cs typeface="JetBrains Mono" panose="02000009000000000000" pitchFamily="49" charset="0"/>
+              </a:rPr>
+              <a:t>          </a:t>
+            </a:r>
+            <a:r>
+              <a:rPr kumimoji="0" lang="en-US" altLang="en-US" sz="1600" b="0" i="0" u="none" strike="noStrike" cap="none" normalizeH="0" baseline="0" dirty="0">
+                <a:ln>
+                  <a:noFill/>
+                </a:ln>
+                <a:solidFill>
+                  <a:srgbClr val="080808"/>
+                </a:solidFill>
+                <a:effectLst/>
+                <a:latin typeface="JetBrains Mono" panose="02000009000000000000" pitchFamily="49" charset="0"/>
+                <a:cs typeface="JetBrains Mono" panose="02000009000000000000" pitchFamily="49" charset="0"/>
+              </a:rPr>
+              <a:t>.</a:t>
+            </a:r>
+            <a:r>
+              <a:rPr kumimoji="0" lang="en-US" altLang="en-US" sz="1600" b="0" i="0" u="none" strike="noStrike" cap="none" normalizeH="0" baseline="0" dirty="0" err="1">
+                <a:ln>
+                  <a:noFill/>
+                </a:ln>
+                <a:solidFill>
+                  <a:srgbClr val="080808"/>
+                </a:solidFill>
+                <a:effectLst/>
+                <a:latin typeface="JetBrains Mono" panose="02000009000000000000" pitchFamily="49" charset="0"/>
+                <a:cs typeface="JetBrains Mono" panose="02000009000000000000" pitchFamily="49" charset="0"/>
+              </a:rPr>
+              <a:t>aggregateBy</a:t>
+            </a:r>
+            <a:r>
+              <a:rPr kumimoji="0" lang="en-US" altLang="en-US" sz="1600" b="0" i="0" u="none" strike="noStrike" cap="none" normalizeH="0" baseline="0" dirty="0">
+                <a:ln>
+                  <a:noFill/>
+                </a:ln>
+                <a:solidFill>
+                  <a:srgbClr val="080808"/>
+                </a:solidFill>
+                <a:effectLst/>
+                <a:latin typeface="JetBrains Mono" panose="02000009000000000000" pitchFamily="49" charset="0"/>
+                <a:cs typeface="JetBrains Mono" panose="02000009000000000000" pitchFamily="49" charset="0"/>
+              </a:rPr>
+              <a:t>(</a:t>
+            </a:r>
+            <a:br>
+              <a:rPr kumimoji="0" lang="en-US" altLang="en-US" sz="1600" b="0" i="0" u="none" strike="noStrike" cap="none" normalizeH="0" baseline="0" dirty="0">
+                <a:ln>
+                  <a:noFill/>
+                </a:ln>
+                <a:solidFill>
+                  <a:srgbClr val="080808"/>
+                </a:solidFill>
+                <a:effectLst/>
+                <a:latin typeface="JetBrains Mono" panose="02000009000000000000" pitchFamily="49" charset="0"/>
+                <a:cs typeface="JetBrains Mono" panose="02000009000000000000" pitchFamily="49" charset="0"/>
+              </a:rPr>
+            </a:br>
+            <a:r>
+              <a:rPr kumimoji="0" lang="en-US" altLang="en-US" sz="1600" b="0" i="0" u="none" strike="noStrike" cap="none" normalizeH="0" baseline="0" dirty="0">
+                <a:ln>
+                  <a:noFill/>
+                </a:ln>
+                <a:solidFill>
+                  <a:srgbClr val="080808"/>
+                </a:solidFill>
+                <a:effectLst/>
+                <a:latin typeface="JetBrains Mono" panose="02000009000000000000" pitchFamily="49" charset="0"/>
+                <a:cs typeface="JetBrains Mono" panose="02000009000000000000" pitchFamily="49" charset="0"/>
+              </a:rPr>
+              <a:t>              </a:t>
+            </a:r>
+            <a:r>
+              <a:rPr kumimoji="0" lang="en-US" altLang="en-US" sz="1600" b="0" i="0" u="none" strike="noStrike" cap="none" normalizeH="0" baseline="0" dirty="0" err="1">
+                <a:ln>
+                  <a:noFill/>
+                </a:ln>
+                <a:solidFill>
+                  <a:srgbClr val="000000"/>
+                </a:solidFill>
+                <a:effectLst/>
+                <a:latin typeface="JetBrains Mono" panose="02000009000000000000" pitchFamily="49" charset="0"/>
+                <a:cs typeface="JetBrains Mono" panose="02000009000000000000" pitchFamily="49" charset="0"/>
+              </a:rPr>
+              <a:t>Lists</a:t>
+            </a:r>
+            <a:r>
+              <a:rPr kumimoji="0" lang="en-US" altLang="en-US" sz="1600" b="0" i="0" u="none" strike="noStrike" cap="none" normalizeH="0" baseline="0" dirty="0" err="1">
+                <a:ln>
+                  <a:noFill/>
+                </a:ln>
+                <a:solidFill>
+                  <a:srgbClr val="080808"/>
+                </a:solidFill>
+                <a:effectLst/>
+                <a:latin typeface="JetBrains Mono" panose="02000009000000000000" pitchFamily="49" charset="0"/>
+                <a:cs typeface="JetBrains Mono" panose="02000009000000000000" pitchFamily="49" charset="0"/>
+              </a:rPr>
+              <a:t>.</a:t>
+            </a:r>
+            <a:r>
+              <a:rPr kumimoji="0" lang="en-US" altLang="en-US" sz="1600" b="0" i="1" u="none" strike="noStrike" cap="none" normalizeH="0" baseline="0" dirty="0" err="1">
+                <a:ln>
+                  <a:noFill/>
+                </a:ln>
+                <a:solidFill>
+                  <a:srgbClr val="871094"/>
+                </a:solidFill>
+                <a:effectLst/>
+                <a:latin typeface="JetBrains Mono" panose="02000009000000000000" pitchFamily="49" charset="0"/>
+                <a:cs typeface="JetBrains Mono" panose="02000009000000000000" pitchFamily="49" charset="0"/>
+              </a:rPr>
+              <a:t>immutable</a:t>
+            </a:r>
+            <a:r>
+              <a:rPr kumimoji="0" lang="en-US" altLang="en-US" sz="1600" b="0" i="0" u="none" strike="noStrike" cap="none" normalizeH="0" baseline="0" dirty="0" err="1">
+                <a:ln>
+                  <a:noFill/>
+                </a:ln>
+                <a:solidFill>
+                  <a:srgbClr val="080808"/>
+                </a:solidFill>
+                <a:effectLst/>
+                <a:latin typeface="JetBrains Mono" panose="02000009000000000000" pitchFamily="49" charset="0"/>
+                <a:cs typeface="JetBrains Mono" panose="02000009000000000000" pitchFamily="49" charset="0"/>
+              </a:rPr>
+              <a:t>.of</a:t>
+            </a:r>
+            <a:r>
+              <a:rPr kumimoji="0" lang="en-US" altLang="en-US" sz="1600" b="0" i="0" u="none" strike="noStrike" cap="none" normalizeH="0" baseline="0" dirty="0">
+                <a:ln>
+                  <a:noFill/>
+                </a:ln>
+                <a:solidFill>
+                  <a:srgbClr val="080808"/>
+                </a:solidFill>
+                <a:effectLst/>
+                <a:latin typeface="JetBrains Mono" panose="02000009000000000000" pitchFamily="49" charset="0"/>
+                <a:cs typeface="JetBrains Mono" panose="02000009000000000000" pitchFamily="49" charset="0"/>
+              </a:rPr>
+              <a:t>(</a:t>
+            </a:r>
+            <a:r>
+              <a:rPr kumimoji="0" lang="en-US" altLang="en-US" sz="1600" b="0" i="1" u="none" strike="noStrike" cap="none" normalizeH="0" baseline="0" dirty="0">
+                <a:ln>
+                  <a:noFill/>
+                </a:ln>
+                <a:solidFill>
+                  <a:srgbClr val="080808"/>
+                </a:solidFill>
+                <a:effectLst/>
+                <a:latin typeface="JetBrains Mono" panose="02000009000000000000" pitchFamily="49" charset="0"/>
+                <a:cs typeface="JetBrains Mono" panose="02000009000000000000" pitchFamily="49" charset="0"/>
+              </a:rPr>
+              <a:t>sum</a:t>
+            </a:r>
+            <a:r>
+              <a:rPr kumimoji="0" lang="en-US" altLang="en-US" sz="1600" b="0" i="0" u="none" strike="noStrike" cap="none" normalizeH="0" baseline="0" dirty="0">
+                <a:ln>
+                  <a:noFill/>
+                </a:ln>
+                <a:solidFill>
+                  <a:srgbClr val="080808"/>
+                </a:solidFill>
+                <a:effectLst/>
+                <a:latin typeface="JetBrains Mono" panose="02000009000000000000" pitchFamily="49" charset="0"/>
+                <a:cs typeface="JetBrains Mono" panose="02000009000000000000" pitchFamily="49" charset="0"/>
+              </a:rPr>
+              <a:t>(</a:t>
+            </a:r>
+            <a:r>
+              <a:rPr kumimoji="0" lang="en-US" altLang="en-US" sz="1600" b="0" i="0" u="none" strike="noStrike" cap="none" normalizeH="0" baseline="0" dirty="0">
+                <a:ln>
+                  <a:noFill/>
+                </a:ln>
+                <a:solidFill>
+                  <a:srgbClr val="067D17"/>
+                </a:solidFill>
+                <a:effectLst/>
+                <a:latin typeface="JetBrains Mono" panose="02000009000000000000" pitchFamily="49" charset="0"/>
+                <a:cs typeface="JetBrains Mono" panose="02000009000000000000" pitchFamily="49" charset="0"/>
+              </a:rPr>
+              <a:t>"Quantity"</a:t>
+            </a:r>
+            <a:r>
+              <a:rPr kumimoji="0" lang="en-US" altLang="en-US" sz="1600" b="0" i="0" u="none" strike="noStrike" cap="none" normalizeH="0" baseline="0" dirty="0">
+                <a:ln>
+                  <a:noFill/>
+                </a:ln>
+                <a:solidFill>
+                  <a:srgbClr val="080808"/>
+                </a:solidFill>
+                <a:effectLst/>
+                <a:latin typeface="JetBrains Mono" panose="02000009000000000000" pitchFamily="49" charset="0"/>
+                <a:cs typeface="JetBrains Mono" panose="02000009000000000000" pitchFamily="49" charset="0"/>
+              </a:rPr>
+              <a:t>)),</a:t>
+            </a:r>
+            <a:br>
+              <a:rPr kumimoji="0" lang="en-US" altLang="en-US" sz="1600" b="0" i="0" u="none" strike="noStrike" cap="none" normalizeH="0" baseline="0" dirty="0">
+                <a:ln>
+                  <a:noFill/>
+                </a:ln>
+                <a:solidFill>
+                  <a:srgbClr val="080808"/>
+                </a:solidFill>
+                <a:effectLst/>
+                <a:latin typeface="JetBrains Mono" panose="02000009000000000000" pitchFamily="49" charset="0"/>
+                <a:cs typeface="JetBrains Mono" panose="02000009000000000000" pitchFamily="49" charset="0"/>
+              </a:rPr>
+            </a:br>
+            <a:r>
+              <a:rPr kumimoji="0" lang="en-US" altLang="en-US" sz="1600" b="0" i="0" u="none" strike="noStrike" cap="none" normalizeH="0" baseline="0" dirty="0">
+                <a:ln>
+                  <a:noFill/>
+                </a:ln>
+                <a:solidFill>
+                  <a:srgbClr val="080808"/>
+                </a:solidFill>
+                <a:effectLst/>
+                <a:latin typeface="JetBrains Mono" panose="02000009000000000000" pitchFamily="49" charset="0"/>
+                <a:cs typeface="JetBrains Mono" panose="02000009000000000000" pitchFamily="49" charset="0"/>
+              </a:rPr>
+              <a:t>              </a:t>
+            </a:r>
+            <a:r>
+              <a:rPr kumimoji="0" lang="en-US" altLang="en-US" sz="1600" b="0" i="0" u="none" strike="noStrike" cap="none" normalizeH="0" baseline="0" dirty="0" err="1">
+                <a:ln>
+                  <a:noFill/>
+                </a:ln>
+                <a:solidFill>
+                  <a:srgbClr val="000000"/>
+                </a:solidFill>
+                <a:effectLst/>
+                <a:latin typeface="JetBrains Mono" panose="02000009000000000000" pitchFamily="49" charset="0"/>
+                <a:cs typeface="JetBrains Mono" panose="02000009000000000000" pitchFamily="49" charset="0"/>
+              </a:rPr>
+              <a:t>Lists</a:t>
+            </a:r>
+            <a:r>
+              <a:rPr kumimoji="0" lang="en-US" altLang="en-US" sz="1600" b="0" i="0" u="none" strike="noStrike" cap="none" normalizeH="0" baseline="0" dirty="0" err="1">
+                <a:ln>
+                  <a:noFill/>
+                </a:ln>
+                <a:solidFill>
+                  <a:srgbClr val="080808"/>
+                </a:solidFill>
+                <a:effectLst/>
+                <a:latin typeface="JetBrains Mono" panose="02000009000000000000" pitchFamily="49" charset="0"/>
+                <a:cs typeface="JetBrains Mono" panose="02000009000000000000" pitchFamily="49" charset="0"/>
+              </a:rPr>
+              <a:t>.</a:t>
+            </a:r>
+            <a:r>
+              <a:rPr kumimoji="0" lang="en-US" altLang="en-US" sz="1600" b="0" i="1" u="none" strike="noStrike" cap="none" normalizeH="0" baseline="0" dirty="0" err="1">
+                <a:ln>
+                  <a:noFill/>
+                </a:ln>
+                <a:solidFill>
+                  <a:srgbClr val="871094"/>
+                </a:solidFill>
+                <a:effectLst/>
+                <a:latin typeface="JetBrains Mono" panose="02000009000000000000" pitchFamily="49" charset="0"/>
+                <a:cs typeface="JetBrains Mono" panose="02000009000000000000" pitchFamily="49" charset="0"/>
+              </a:rPr>
+              <a:t>immutable</a:t>
+            </a:r>
+            <a:r>
+              <a:rPr kumimoji="0" lang="en-US" altLang="en-US" sz="1600" b="0" i="0" u="none" strike="noStrike" cap="none" normalizeH="0" baseline="0" dirty="0" err="1">
+                <a:ln>
+                  <a:noFill/>
+                </a:ln>
+                <a:solidFill>
+                  <a:srgbClr val="080808"/>
+                </a:solidFill>
+                <a:effectLst/>
+                <a:latin typeface="JetBrains Mono" panose="02000009000000000000" pitchFamily="49" charset="0"/>
+                <a:cs typeface="JetBrains Mono" panose="02000009000000000000" pitchFamily="49" charset="0"/>
+              </a:rPr>
+              <a:t>.of</a:t>
+            </a:r>
+            <a:r>
+              <a:rPr kumimoji="0" lang="en-US" altLang="en-US" sz="1600" b="0" i="0" u="none" strike="noStrike" cap="none" normalizeH="0" baseline="0" dirty="0">
+                <a:ln>
+                  <a:noFill/>
+                </a:ln>
+                <a:solidFill>
+                  <a:srgbClr val="080808"/>
+                </a:solidFill>
+                <a:effectLst/>
+                <a:latin typeface="JetBrains Mono" panose="02000009000000000000" pitchFamily="49" charset="0"/>
+                <a:cs typeface="JetBrains Mono" panose="02000009000000000000" pitchFamily="49" charset="0"/>
+              </a:rPr>
+              <a:t>(</a:t>
+            </a:r>
+            <a:r>
+              <a:rPr kumimoji="0" lang="en-US" altLang="en-US" sz="1600" b="0" i="0" u="none" strike="noStrike" cap="none" normalizeH="0" baseline="0" dirty="0">
+                <a:ln>
+                  <a:noFill/>
+                </a:ln>
+                <a:solidFill>
+                  <a:srgbClr val="067D17"/>
+                </a:solidFill>
+                <a:effectLst/>
+                <a:latin typeface="JetBrains Mono" panose="02000009000000000000" pitchFamily="49" charset="0"/>
+                <a:cs typeface="JetBrains Mono" panose="02000009000000000000" pitchFamily="49" charset="0"/>
+              </a:rPr>
+              <a:t>"Donut"</a:t>
+            </a:r>
+            <a:r>
+              <a:rPr kumimoji="0" lang="en-US" altLang="en-US" sz="1600" b="0" i="0" u="none" strike="noStrike" cap="none" normalizeH="0" baseline="0" dirty="0">
+                <a:ln>
+                  <a:noFill/>
+                </a:ln>
+                <a:solidFill>
+                  <a:srgbClr val="080808"/>
+                </a:solidFill>
+                <a:effectLst/>
+                <a:latin typeface="JetBrains Mono" panose="02000009000000000000" pitchFamily="49" charset="0"/>
+                <a:cs typeface="JetBrains Mono" panose="02000009000000000000" pitchFamily="49" charset="0"/>
+              </a:rPr>
+              <a:t>))</a:t>
+            </a:r>
+            <a:br>
+              <a:rPr kumimoji="0" lang="en-US" altLang="en-US" sz="1600" b="0" i="0" u="none" strike="noStrike" cap="none" normalizeH="0" baseline="0" dirty="0">
+                <a:ln>
+                  <a:noFill/>
+                </a:ln>
+                <a:solidFill>
+                  <a:srgbClr val="080808"/>
+                </a:solidFill>
+                <a:effectLst/>
+                <a:latin typeface="JetBrains Mono" panose="02000009000000000000" pitchFamily="49" charset="0"/>
+                <a:cs typeface="JetBrains Mono" panose="02000009000000000000" pitchFamily="49" charset="0"/>
+              </a:rPr>
+            </a:br>
+            <a:r>
+              <a:rPr kumimoji="0" lang="en-US" altLang="en-US" sz="1600" b="0" i="0" u="none" strike="noStrike" cap="none" normalizeH="0" baseline="0" dirty="0">
+                <a:ln>
+                  <a:noFill/>
+                </a:ln>
+                <a:solidFill>
+                  <a:srgbClr val="080808"/>
+                </a:solidFill>
+                <a:effectLst/>
+                <a:latin typeface="JetBrains Mono" panose="02000009000000000000" pitchFamily="49" charset="0"/>
+                <a:cs typeface="JetBrains Mono" panose="02000009000000000000" pitchFamily="49" charset="0"/>
+              </a:rPr>
+              <a:t>          .</a:t>
+            </a:r>
+            <a:r>
+              <a:rPr kumimoji="0" lang="en-US" altLang="en-US" sz="1600" b="0" i="0" u="none" strike="noStrike" cap="none" normalizeH="0" baseline="0" dirty="0" err="1">
+                <a:ln>
+                  <a:noFill/>
+                </a:ln>
+                <a:solidFill>
+                  <a:srgbClr val="080808"/>
+                </a:solidFill>
+                <a:effectLst/>
+                <a:latin typeface="JetBrains Mono" panose="02000009000000000000" pitchFamily="49" charset="0"/>
+                <a:cs typeface="JetBrains Mono" panose="02000009000000000000" pitchFamily="49" charset="0"/>
+              </a:rPr>
+              <a:t>sortBy</a:t>
+            </a:r>
+            <a:r>
+              <a:rPr kumimoji="0" lang="en-US" altLang="en-US" sz="1600" b="0" i="0" u="none" strike="noStrike" cap="none" normalizeH="0" baseline="0" dirty="0">
+                <a:ln>
+                  <a:noFill/>
+                </a:ln>
+                <a:solidFill>
+                  <a:srgbClr val="080808"/>
+                </a:solidFill>
+                <a:effectLst/>
+                <a:latin typeface="JetBrains Mono" panose="02000009000000000000" pitchFamily="49" charset="0"/>
+                <a:cs typeface="JetBrains Mono" panose="02000009000000000000" pitchFamily="49" charset="0"/>
+              </a:rPr>
+              <a:t>(</a:t>
+            </a:r>
+          </a:p>
+          <a:p>
+            <a:pPr marL="0" marR="0" lvl="0" indent="0" algn="l" defTabSz="914400" rtl="0" eaLnBrk="0" fontAlgn="base" latinLnBrk="0" hangingPunct="0">
+              <a:lnSpc>
+                <a:spcPct val="125000"/>
+              </a:lnSpc>
+              <a:spcBef>
+                <a:spcPct val="0"/>
+              </a:spcBef>
+              <a:spcAft>
+                <a:spcPct val="0"/>
+              </a:spcAft>
+              <a:buClrTx/>
+              <a:buSzTx/>
+              <a:buFontTx/>
+              <a:buNone/>
+              <a:tabLst/>
+            </a:pPr>
+            <a:r>
+              <a:rPr lang="en-US" altLang="en-US" sz="1600" dirty="0">
+                <a:solidFill>
+                  <a:srgbClr val="080808"/>
+                </a:solidFill>
+                <a:latin typeface="JetBrains Mono" panose="02000009000000000000" pitchFamily="49" charset="0"/>
+                <a:cs typeface="JetBrains Mono" panose="02000009000000000000" pitchFamily="49" charset="0"/>
+              </a:rPr>
+              <a:t>              </a:t>
+            </a:r>
+            <a:r>
+              <a:rPr kumimoji="0" lang="en-US" altLang="en-US" sz="1600" b="0" i="0" u="none" strike="noStrike" cap="none" normalizeH="0" baseline="0" dirty="0" err="1">
+                <a:ln>
+                  <a:noFill/>
+                </a:ln>
+                <a:solidFill>
+                  <a:srgbClr val="000000"/>
+                </a:solidFill>
+                <a:effectLst/>
+                <a:latin typeface="JetBrains Mono" panose="02000009000000000000" pitchFamily="49" charset="0"/>
+                <a:cs typeface="JetBrains Mono" panose="02000009000000000000" pitchFamily="49" charset="0"/>
+              </a:rPr>
+              <a:t>Lists</a:t>
+            </a:r>
+            <a:r>
+              <a:rPr kumimoji="0" lang="en-US" altLang="en-US" sz="1600" b="0" i="0" u="none" strike="noStrike" cap="none" normalizeH="0" baseline="0" dirty="0" err="1">
+                <a:ln>
+                  <a:noFill/>
+                </a:ln>
+                <a:solidFill>
+                  <a:srgbClr val="080808"/>
+                </a:solidFill>
+                <a:effectLst/>
+                <a:latin typeface="JetBrains Mono" panose="02000009000000000000" pitchFamily="49" charset="0"/>
+                <a:cs typeface="JetBrains Mono" panose="02000009000000000000" pitchFamily="49" charset="0"/>
+              </a:rPr>
+              <a:t>.</a:t>
+            </a:r>
+            <a:r>
+              <a:rPr kumimoji="0" lang="en-US" altLang="en-US" sz="1600" b="0" i="1" u="none" strike="noStrike" cap="none" normalizeH="0" baseline="0" dirty="0" err="1">
+                <a:ln>
+                  <a:noFill/>
+                </a:ln>
+                <a:solidFill>
+                  <a:srgbClr val="871094"/>
+                </a:solidFill>
+                <a:effectLst/>
+                <a:latin typeface="JetBrains Mono" panose="02000009000000000000" pitchFamily="49" charset="0"/>
+                <a:cs typeface="JetBrains Mono" panose="02000009000000000000" pitchFamily="49" charset="0"/>
+              </a:rPr>
+              <a:t>immutable</a:t>
+            </a:r>
+            <a:r>
+              <a:rPr kumimoji="0" lang="en-US" altLang="en-US" sz="1600" b="0" i="0" u="none" strike="noStrike" cap="none" normalizeH="0" baseline="0" dirty="0" err="1">
+                <a:ln>
+                  <a:noFill/>
+                </a:ln>
+                <a:solidFill>
+                  <a:srgbClr val="080808"/>
+                </a:solidFill>
+                <a:effectLst/>
+                <a:latin typeface="JetBrains Mono" panose="02000009000000000000" pitchFamily="49" charset="0"/>
+                <a:cs typeface="JetBrains Mono" panose="02000009000000000000" pitchFamily="49" charset="0"/>
+              </a:rPr>
+              <a:t>.of</a:t>
+            </a:r>
+            <a:r>
+              <a:rPr kumimoji="0" lang="en-US" altLang="en-US" sz="1600" b="0" i="0" u="none" strike="noStrike" cap="none" normalizeH="0" baseline="0" dirty="0">
+                <a:ln>
+                  <a:noFill/>
+                </a:ln>
+                <a:solidFill>
+                  <a:srgbClr val="080808"/>
+                </a:solidFill>
+                <a:effectLst/>
+                <a:latin typeface="JetBrains Mono" panose="02000009000000000000" pitchFamily="49" charset="0"/>
+                <a:cs typeface="JetBrains Mono" panose="02000009000000000000" pitchFamily="49" charset="0"/>
+              </a:rPr>
+              <a:t>(</a:t>
+            </a:r>
+            <a:r>
+              <a:rPr kumimoji="0" lang="en-US" altLang="en-US" sz="1600" b="0" i="0" u="none" strike="noStrike" cap="none" normalizeH="0" baseline="0" dirty="0">
+                <a:ln>
+                  <a:noFill/>
+                </a:ln>
+                <a:solidFill>
+                  <a:srgbClr val="067D17"/>
+                </a:solidFill>
+                <a:effectLst/>
+                <a:latin typeface="JetBrains Mono" panose="02000009000000000000" pitchFamily="49" charset="0"/>
+                <a:cs typeface="JetBrains Mono" panose="02000009000000000000" pitchFamily="49" charset="0"/>
+              </a:rPr>
+              <a:t>"Quantity"</a:t>
+            </a:r>
+            <a:r>
+              <a:rPr kumimoji="0" lang="en-US" altLang="en-US" sz="1600" b="0" i="0" u="none" strike="noStrike" cap="none" normalizeH="0" baseline="0" dirty="0">
+                <a:ln>
+                  <a:noFill/>
+                </a:ln>
+                <a:solidFill>
+                  <a:srgbClr val="080808"/>
+                </a:solidFill>
+                <a:effectLst/>
+                <a:latin typeface="JetBrains Mono" panose="02000009000000000000" pitchFamily="49" charset="0"/>
+                <a:cs typeface="JetBrains Mono" panose="02000009000000000000" pitchFamily="49" charset="0"/>
+              </a:rPr>
+              <a:t>, </a:t>
+            </a:r>
+            <a:r>
+              <a:rPr kumimoji="0" lang="en-US" altLang="en-US" sz="1600" b="0" i="0" u="none" strike="noStrike" cap="none" normalizeH="0" baseline="0" dirty="0">
+                <a:ln>
+                  <a:noFill/>
+                </a:ln>
+                <a:solidFill>
+                  <a:srgbClr val="067D17"/>
+                </a:solidFill>
+                <a:effectLst/>
+                <a:latin typeface="JetBrains Mono" panose="02000009000000000000" pitchFamily="49" charset="0"/>
+                <a:cs typeface="JetBrains Mono" panose="02000009000000000000" pitchFamily="49" charset="0"/>
+              </a:rPr>
+              <a:t>"Donut"</a:t>
+            </a:r>
+            <a:r>
+              <a:rPr kumimoji="0" lang="en-US" altLang="en-US" sz="1600" b="0" i="0" u="none" strike="noStrike" cap="none" normalizeH="0" baseline="0" dirty="0">
+                <a:ln>
+                  <a:noFill/>
+                </a:ln>
+                <a:solidFill>
+                  <a:srgbClr val="080808"/>
+                </a:solidFill>
+                <a:effectLst/>
+                <a:latin typeface="JetBrains Mono" panose="02000009000000000000" pitchFamily="49" charset="0"/>
+                <a:cs typeface="JetBrains Mono" panose="02000009000000000000" pitchFamily="49" charset="0"/>
+              </a:rPr>
+              <a:t>),</a:t>
+            </a:r>
+          </a:p>
+          <a:p>
+            <a:pPr marL="0" marR="0" lvl="0" indent="0" algn="l" defTabSz="914400" rtl="0" eaLnBrk="0" fontAlgn="base" latinLnBrk="0" hangingPunct="0">
+              <a:lnSpc>
+                <a:spcPct val="125000"/>
+              </a:lnSpc>
+              <a:spcBef>
+                <a:spcPct val="0"/>
+              </a:spcBef>
+              <a:spcAft>
+                <a:spcPct val="0"/>
+              </a:spcAft>
+              <a:buClrTx/>
+              <a:buSzTx/>
+              <a:buFontTx/>
+              <a:buNone/>
+              <a:tabLst/>
+            </a:pPr>
+            <a:r>
+              <a:rPr lang="en-US" altLang="en-US" sz="1600" dirty="0">
+                <a:solidFill>
+                  <a:srgbClr val="080808"/>
+                </a:solidFill>
+                <a:latin typeface="JetBrains Mono" panose="02000009000000000000" pitchFamily="49" charset="0"/>
+                <a:cs typeface="JetBrains Mono" panose="02000009000000000000" pitchFamily="49" charset="0"/>
+              </a:rPr>
+              <a:t>              </a:t>
+            </a:r>
+            <a:r>
+              <a:rPr kumimoji="0" lang="en-US" altLang="en-US" sz="1600" b="0" i="0" u="none" strike="noStrike" cap="none" normalizeH="0" baseline="0" dirty="0" err="1">
+                <a:ln>
+                  <a:noFill/>
+                </a:ln>
+                <a:solidFill>
+                  <a:srgbClr val="000000"/>
+                </a:solidFill>
+                <a:effectLst/>
+                <a:latin typeface="JetBrains Mono" panose="02000009000000000000" pitchFamily="49" charset="0"/>
+                <a:cs typeface="JetBrains Mono" panose="02000009000000000000" pitchFamily="49" charset="0"/>
+              </a:rPr>
+              <a:t>Lists</a:t>
+            </a:r>
+            <a:r>
+              <a:rPr kumimoji="0" lang="en-US" altLang="en-US" sz="1600" b="0" i="0" u="none" strike="noStrike" cap="none" normalizeH="0" baseline="0" dirty="0" err="1">
+                <a:ln>
+                  <a:noFill/>
+                </a:ln>
+                <a:solidFill>
+                  <a:srgbClr val="080808"/>
+                </a:solidFill>
+                <a:effectLst/>
+                <a:latin typeface="JetBrains Mono" panose="02000009000000000000" pitchFamily="49" charset="0"/>
+                <a:cs typeface="JetBrains Mono" panose="02000009000000000000" pitchFamily="49" charset="0"/>
+              </a:rPr>
+              <a:t>.</a:t>
+            </a:r>
+            <a:r>
+              <a:rPr kumimoji="0" lang="en-US" altLang="en-US" sz="1600" b="0" i="1" u="none" strike="noStrike" cap="none" normalizeH="0" baseline="0" dirty="0" err="1">
+                <a:ln>
+                  <a:noFill/>
+                </a:ln>
+                <a:solidFill>
+                  <a:srgbClr val="871094"/>
+                </a:solidFill>
+                <a:effectLst/>
+                <a:latin typeface="JetBrains Mono" panose="02000009000000000000" pitchFamily="49" charset="0"/>
+                <a:cs typeface="JetBrains Mono" panose="02000009000000000000" pitchFamily="49" charset="0"/>
+              </a:rPr>
+              <a:t>immutable</a:t>
+            </a:r>
+            <a:r>
+              <a:rPr kumimoji="0" lang="en-US" altLang="en-US" sz="1600" b="0" i="0" u="none" strike="noStrike" cap="none" normalizeH="0" baseline="0" dirty="0" err="1">
+                <a:ln>
+                  <a:noFill/>
+                </a:ln>
+                <a:solidFill>
+                  <a:srgbClr val="080808"/>
+                </a:solidFill>
+                <a:effectLst/>
+                <a:latin typeface="JetBrains Mono" panose="02000009000000000000" pitchFamily="49" charset="0"/>
+                <a:cs typeface="JetBrains Mono" panose="02000009000000000000" pitchFamily="49" charset="0"/>
+              </a:rPr>
+              <a:t>.of</a:t>
+            </a:r>
+            <a:r>
+              <a:rPr kumimoji="0" lang="en-US" altLang="en-US" sz="1600" b="0" i="0" u="none" strike="noStrike" cap="none" normalizeH="0" baseline="0" dirty="0">
+                <a:ln>
+                  <a:noFill/>
+                </a:ln>
+                <a:solidFill>
+                  <a:srgbClr val="080808"/>
+                </a:solidFill>
+                <a:effectLst/>
+                <a:latin typeface="JetBrains Mono" panose="02000009000000000000" pitchFamily="49" charset="0"/>
+                <a:cs typeface="JetBrains Mono" panose="02000009000000000000" pitchFamily="49" charset="0"/>
+              </a:rPr>
+              <a:t>(</a:t>
+            </a:r>
+            <a:r>
+              <a:rPr kumimoji="0" lang="en-US" altLang="en-US" sz="1600" b="0" i="1" u="none" strike="noStrike" cap="none" normalizeH="0" baseline="0" dirty="0">
+                <a:ln>
+                  <a:noFill/>
+                </a:ln>
+                <a:solidFill>
+                  <a:srgbClr val="871094"/>
+                </a:solidFill>
+                <a:effectLst/>
+                <a:latin typeface="JetBrains Mono" panose="02000009000000000000" pitchFamily="49" charset="0"/>
+                <a:cs typeface="JetBrains Mono" panose="02000009000000000000" pitchFamily="49" charset="0"/>
+              </a:rPr>
+              <a:t>DESC</a:t>
+            </a:r>
+            <a:r>
+              <a:rPr kumimoji="0" lang="en-US" altLang="en-US" sz="1600" b="0" i="0" u="none" strike="noStrike" cap="none" normalizeH="0" baseline="0" dirty="0">
+                <a:ln>
+                  <a:noFill/>
+                </a:ln>
+                <a:solidFill>
+                  <a:srgbClr val="080808"/>
+                </a:solidFill>
+                <a:effectLst/>
+                <a:latin typeface="JetBrains Mono" panose="02000009000000000000" pitchFamily="49" charset="0"/>
+                <a:cs typeface="JetBrains Mono" panose="02000009000000000000" pitchFamily="49" charset="0"/>
+              </a:rPr>
+              <a:t>, </a:t>
+            </a:r>
+            <a:r>
+              <a:rPr kumimoji="0" lang="en-US" altLang="en-US" sz="1600" b="0" i="1" u="none" strike="noStrike" cap="none" normalizeH="0" baseline="0" dirty="0">
+                <a:ln>
+                  <a:noFill/>
+                </a:ln>
+                <a:solidFill>
+                  <a:srgbClr val="871094"/>
+                </a:solidFill>
+                <a:effectLst/>
+                <a:latin typeface="JetBrains Mono" panose="02000009000000000000" pitchFamily="49" charset="0"/>
+                <a:cs typeface="JetBrains Mono" panose="02000009000000000000" pitchFamily="49" charset="0"/>
+              </a:rPr>
+              <a:t>ASC</a:t>
+            </a:r>
+            <a:r>
+              <a:rPr kumimoji="0" lang="en-US" altLang="en-US" sz="1600" b="0" i="0" u="none" strike="noStrike" cap="none" normalizeH="0" baseline="0" dirty="0">
+                <a:ln>
+                  <a:noFill/>
+                </a:ln>
+                <a:solidFill>
+                  <a:srgbClr val="080808"/>
+                </a:solidFill>
+                <a:effectLst/>
+                <a:latin typeface="JetBrains Mono" panose="02000009000000000000" pitchFamily="49" charset="0"/>
+                <a:cs typeface="JetBrains Mono" panose="02000009000000000000" pitchFamily="49" charset="0"/>
+              </a:rPr>
+              <a:t>))</a:t>
+            </a:r>
+            <a:br>
+              <a:rPr kumimoji="0" lang="en-US" altLang="en-US" sz="1600" b="0" i="0" u="none" strike="noStrike" cap="none" normalizeH="0" baseline="0" dirty="0">
+                <a:ln>
+                  <a:noFill/>
+                </a:ln>
+                <a:solidFill>
+                  <a:srgbClr val="080808"/>
+                </a:solidFill>
+                <a:effectLst/>
+                <a:latin typeface="JetBrains Mono" panose="02000009000000000000" pitchFamily="49" charset="0"/>
+                <a:cs typeface="JetBrains Mono" panose="02000009000000000000" pitchFamily="49" charset="0"/>
+              </a:rPr>
+            </a:br>
+            <a:r>
+              <a:rPr kumimoji="0" lang="en-US" altLang="en-US" sz="1600" b="0" i="0" u="none" strike="noStrike" cap="none" normalizeH="0" baseline="0" dirty="0">
+                <a:ln>
+                  <a:noFill/>
+                </a:ln>
+                <a:solidFill>
+                  <a:srgbClr val="080808"/>
+                </a:solidFill>
+                <a:effectLst/>
+                <a:latin typeface="JetBrains Mono" panose="02000009000000000000" pitchFamily="49" charset="0"/>
+                <a:cs typeface="JetBrains Mono" panose="02000009000000000000" pitchFamily="49" charset="0"/>
+              </a:rPr>
+              <a:t>          .</a:t>
+            </a:r>
+            <a:r>
+              <a:rPr kumimoji="0" lang="en-US" altLang="en-US" sz="1600" b="0" i="0" u="none" strike="noStrike" cap="none" normalizeH="0" baseline="0" dirty="0" err="1">
+                <a:ln>
+                  <a:noFill/>
+                </a:ln>
+                <a:solidFill>
+                  <a:srgbClr val="080808"/>
+                </a:solidFill>
+                <a:effectLst/>
+                <a:latin typeface="JetBrains Mono" panose="02000009000000000000" pitchFamily="49" charset="0"/>
+                <a:cs typeface="JetBrains Mono" panose="02000009000000000000" pitchFamily="49" charset="0"/>
+              </a:rPr>
+              <a:t>keepColumns</a:t>
+            </a:r>
+            <a:r>
+              <a:rPr kumimoji="0" lang="en-US" altLang="en-US" sz="1600" b="0" i="0" u="none" strike="noStrike" cap="none" normalizeH="0" baseline="0" dirty="0">
+                <a:ln>
+                  <a:noFill/>
+                </a:ln>
+                <a:solidFill>
+                  <a:srgbClr val="080808"/>
+                </a:solidFill>
+                <a:effectLst/>
+                <a:latin typeface="JetBrains Mono" panose="02000009000000000000" pitchFamily="49" charset="0"/>
+                <a:cs typeface="JetBrains Mono" panose="02000009000000000000" pitchFamily="49" charset="0"/>
+              </a:rPr>
+              <a:t>(</a:t>
+            </a:r>
+            <a:r>
+              <a:rPr kumimoji="0" lang="en-US" altLang="en-US" sz="1600" b="0" i="0" u="none" strike="noStrike" cap="none" normalizeH="0" baseline="0" dirty="0" err="1">
+                <a:ln>
+                  <a:noFill/>
+                </a:ln>
+                <a:solidFill>
+                  <a:srgbClr val="000000"/>
+                </a:solidFill>
+                <a:effectLst/>
+                <a:latin typeface="JetBrains Mono" panose="02000009000000000000" pitchFamily="49" charset="0"/>
+                <a:cs typeface="JetBrains Mono" panose="02000009000000000000" pitchFamily="49" charset="0"/>
+              </a:rPr>
+              <a:t>Lists</a:t>
+            </a:r>
+            <a:r>
+              <a:rPr kumimoji="0" lang="en-US" altLang="en-US" sz="1600" b="0" i="0" u="none" strike="noStrike" cap="none" normalizeH="0" baseline="0" dirty="0" err="1">
+                <a:ln>
+                  <a:noFill/>
+                </a:ln>
+                <a:solidFill>
+                  <a:srgbClr val="080808"/>
+                </a:solidFill>
+                <a:effectLst/>
+                <a:latin typeface="JetBrains Mono" panose="02000009000000000000" pitchFamily="49" charset="0"/>
+                <a:cs typeface="JetBrains Mono" panose="02000009000000000000" pitchFamily="49" charset="0"/>
+              </a:rPr>
+              <a:t>.</a:t>
+            </a:r>
+            <a:r>
+              <a:rPr kumimoji="0" lang="en-US" altLang="en-US" sz="1600" b="0" i="1" u="none" strike="noStrike" cap="none" normalizeH="0" baseline="0" dirty="0" err="1">
+                <a:ln>
+                  <a:noFill/>
+                </a:ln>
+                <a:solidFill>
+                  <a:srgbClr val="871094"/>
+                </a:solidFill>
+                <a:effectLst/>
+                <a:latin typeface="JetBrains Mono" panose="02000009000000000000" pitchFamily="49" charset="0"/>
+                <a:cs typeface="JetBrains Mono" panose="02000009000000000000" pitchFamily="49" charset="0"/>
+              </a:rPr>
+              <a:t>immutable</a:t>
+            </a:r>
+            <a:r>
+              <a:rPr kumimoji="0" lang="en-US" altLang="en-US" sz="1600" b="0" i="0" u="none" strike="noStrike" cap="none" normalizeH="0" baseline="0" dirty="0" err="1">
+                <a:ln>
+                  <a:noFill/>
+                </a:ln>
+                <a:solidFill>
+                  <a:srgbClr val="080808"/>
+                </a:solidFill>
+                <a:effectLst/>
+                <a:latin typeface="JetBrains Mono" panose="02000009000000000000" pitchFamily="49" charset="0"/>
+                <a:cs typeface="JetBrains Mono" panose="02000009000000000000" pitchFamily="49" charset="0"/>
+              </a:rPr>
+              <a:t>.of</a:t>
+            </a:r>
+            <a:r>
+              <a:rPr kumimoji="0" lang="en-US" altLang="en-US" sz="1600" b="0" i="0" u="none" strike="noStrike" cap="none" normalizeH="0" baseline="0" dirty="0">
+                <a:ln>
+                  <a:noFill/>
+                </a:ln>
+                <a:solidFill>
+                  <a:srgbClr val="080808"/>
+                </a:solidFill>
+                <a:effectLst/>
+                <a:latin typeface="JetBrains Mono" panose="02000009000000000000" pitchFamily="49" charset="0"/>
+                <a:cs typeface="JetBrains Mono" panose="02000009000000000000" pitchFamily="49" charset="0"/>
+              </a:rPr>
+              <a:t>(</a:t>
+            </a:r>
+            <a:r>
+              <a:rPr kumimoji="0" lang="en-US" altLang="en-US" sz="1600" b="0" i="0" u="none" strike="noStrike" cap="none" normalizeH="0" baseline="0" dirty="0">
+                <a:ln>
+                  <a:noFill/>
+                </a:ln>
+                <a:solidFill>
+                  <a:srgbClr val="067D17"/>
+                </a:solidFill>
+                <a:effectLst/>
+                <a:latin typeface="JetBrains Mono" panose="02000009000000000000" pitchFamily="49" charset="0"/>
+                <a:cs typeface="JetBrains Mono" panose="02000009000000000000" pitchFamily="49" charset="0"/>
+              </a:rPr>
+              <a:t>"Donut"</a:t>
+            </a:r>
+            <a:r>
+              <a:rPr kumimoji="0" lang="en-US" altLang="en-US" sz="1600" b="0" i="0" u="none" strike="noStrike" cap="none" normalizeH="0" baseline="0" dirty="0">
+                <a:ln>
+                  <a:noFill/>
+                </a:ln>
+                <a:solidFill>
+                  <a:srgbClr val="080808"/>
+                </a:solidFill>
+                <a:effectLst/>
+                <a:latin typeface="JetBrains Mono" panose="02000009000000000000" pitchFamily="49" charset="0"/>
+                <a:cs typeface="JetBrains Mono" panose="02000009000000000000" pitchFamily="49" charset="0"/>
+              </a:rPr>
+              <a:t>));</a:t>
             </a:r>
             <a:endParaRPr kumimoji="0" lang="en-US" altLang="en-US" sz="4000" b="0" i="0" u="none" strike="noStrike" cap="none" normalizeH="0" baseline="0" dirty="0">
               <a:ln>
@@ -26154,7 +23394,13 @@
           <p:cNvGraphicFramePr>
             <a:graphicFrameLocks noGrp="1"/>
           </p:cNvGraphicFramePr>
-          <p:nvPr/>
+          <p:nvPr>
+            <p:extLst>
+              <p:ext uri="{D42A27DB-BD31-4B8C-83A1-F6EECF244321}">
+                <p14:modId xmlns:p14="http://schemas.microsoft.com/office/powerpoint/2010/main" val="2480329944"/>
+              </p:ext>
+            </p:extLst>
+          </p:nvPr>
         </p:nvGraphicFramePr>
         <p:xfrm>
           <a:off x="9313320" y="1313343"/>
@@ -26948,7 +24194,13 @@
           <p:cNvGraphicFramePr>
             <a:graphicFrameLocks noGrp="1"/>
           </p:cNvGraphicFramePr>
-          <p:nvPr/>
+          <p:nvPr>
+            <p:extLst>
+              <p:ext uri="{D42A27DB-BD31-4B8C-83A1-F6EECF244321}">
+                <p14:modId xmlns:p14="http://schemas.microsoft.com/office/powerpoint/2010/main" val="2158072697"/>
+              </p:ext>
+            </p:extLst>
+          </p:nvPr>
         </p:nvGraphicFramePr>
         <p:xfrm>
           <a:off x="10445919" y="4390525"/>
@@ -27570,7 +24822,13 @@
           <p:cNvGraphicFramePr>
             <a:graphicFrameLocks noGrp="1"/>
           </p:cNvGraphicFramePr>
-          <p:nvPr/>
+          <p:nvPr>
+            <p:extLst>
+              <p:ext uri="{D42A27DB-BD31-4B8C-83A1-F6EECF244321}">
+                <p14:modId xmlns:p14="http://schemas.microsoft.com/office/powerpoint/2010/main" val="180526451"/>
+              </p:ext>
+            </p:extLst>
+          </p:nvPr>
         </p:nvGraphicFramePr>
         <p:xfrm>
           <a:off x="7890060" y="3374248"/>
@@ -28339,6 +25597,3138 @@
     </p:spTree>
     <p:extLst>
       <p:ext uri="{BB962C8B-B14F-4D97-AF65-F5344CB8AC3E}">
+        <p14:creationId xmlns:p14="http://schemas.microsoft.com/office/powerpoint/2010/main" val="2499104240"/>
+      </p:ext>
+    </p:extLst>
+  </p:cSld>
+  <p:clrMapOvr>
+    <a:masterClrMapping/>
+  </p:clrMapOvr>
+</p:sld>
+</file>
+
+<file path=ppt/slides/slide22.xml><?xml version="1.0" encoding="utf-8"?>
+<p:sld xmlns:a="http://schemas.openxmlformats.org/drawingml/2006/main" xmlns:r="http://schemas.openxmlformats.org/officeDocument/2006/relationships" xmlns:p="http://schemas.openxmlformats.org/presentationml/2006/main">
+  <p:cSld>
+    <p:spTree>
+      <p:nvGrpSpPr>
+        <p:cNvPr id="1" name=""/>
+        <p:cNvGrpSpPr/>
+        <p:nvPr/>
+      </p:nvGrpSpPr>
+      <p:grpSpPr>
+        <a:xfrm>
+          <a:off x="0" y="0"/>
+          <a:ext cx="0" cy="0"/>
+          <a:chOff x="0" y="0"/>
+          <a:chExt cx="0" cy="0"/>
+        </a:xfrm>
+      </p:grpSpPr>
+      <p:sp>
+        <p:nvSpPr>
+          <p:cNvPr id="40" name="Oval 39">
+            <a:extLst>
+              <a:ext uri="{FF2B5EF4-FFF2-40B4-BE49-F238E27FC236}">
+                <a16:creationId xmlns:a16="http://schemas.microsoft.com/office/drawing/2014/main" id="{256E24CD-2695-2A14-CCFA-A402DA5C2007}"/>
+              </a:ext>
+            </a:extLst>
+          </p:cNvPr>
+          <p:cNvSpPr/>
+          <p:nvPr/>
+        </p:nvSpPr>
+        <p:spPr>
+          <a:xfrm>
+            <a:off x="4298982" y="3374248"/>
+            <a:ext cx="232718" cy="232718"/>
+          </a:xfrm>
+          <a:prstGeom prst="ellipse">
+            <a:avLst/>
+          </a:prstGeom>
+        </p:spPr>
+        <p:style>
+          <a:lnRef idx="2">
+            <a:schemeClr val="accent1">
+              <a:shade val="15000"/>
+            </a:schemeClr>
+          </a:lnRef>
+          <a:fillRef idx="1">
+            <a:schemeClr val="accent1"/>
+          </a:fillRef>
+          <a:effectRef idx="0">
+            <a:schemeClr val="accent1"/>
+          </a:effectRef>
+          <a:fontRef idx="minor">
+            <a:schemeClr val="lt1"/>
+          </a:fontRef>
+        </p:style>
+        <p:txBody>
+          <a:bodyPr rtlCol="0" anchor="ctr"/>
+          <a:lstStyle/>
+          <a:p>
+            <a:pPr algn="ctr"/>
+            <a:endParaRPr lang="en-US"/>
+          </a:p>
+        </p:txBody>
+      </p:sp>
+      <p:sp>
+        <p:nvSpPr>
+          <p:cNvPr id="41" name="Oval 40">
+            <a:extLst>
+              <a:ext uri="{FF2B5EF4-FFF2-40B4-BE49-F238E27FC236}">
+                <a16:creationId xmlns:a16="http://schemas.microsoft.com/office/drawing/2014/main" id="{1999D252-EA61-EEAC-8C22-5263D7E4AED3}"/>
+              </a:ext>
+            </a:extLst>
+          </p:cNvPr>
+          <p:cNvSpPr/>
+          <p:nvPr/>
+        </p:nvSpPr>
+        <p:spPr>
+          <a:xfrm>
+            <a:off x="10081260" y="5609918"/>
+            <a:ext cx="232718" cy="232718"/>
+          </a:xfrm>
+          <a:prstGeom prst="ellipse">
+            <a:avLst/>
+          </a:prstGeom>
+        </p:spPr>
+        <p:style>
+          <a:lnRef idx="2">
+            <a:schemeClr val="accent1">
+              <a:shade val="15000"/>
+            </a:schemeClr>
+          </a:lnRef>
+          <a:fillRef idx="1">
+            <a:schemeClr val="accent1"/>
+          </a:fillRef>
+          <a:effectRef idx="0">
+            <a:schemeClr val="accent1"/>
+          </a:effectRef>
+          <a:fontRef idx="minor">
+            <a:schemeClr val="lt1"/>
+          </a:fontRef>
+        </p:style>
+        <p:txBody>
+          <a:bodyPr rtlCol="0" anchor="ctr"/>
+          <a:lstStyle/>
+          <a:p>
+            <a:pPr algn="ctr"/>
+            <a:endParaRPr lang="en-US"/>
+          </a:p>
+        </p:txBody>
+      </p:sp>
+      <p:sp>
+        <p:nvSpPr>
+          <p:cNvPr id="32" name="Oval 31">
+            <a:extLst>
+              <a:ext uri="{FF2B5EF4-FFF2-40B4-BE49-F238E27FC236}">
+                <a16:creationId xmlns:a16="http://schemas.microsoft.com/office/drawing/2014/main" id="{27331B21-404A-CACA-A130-205256092E49}"/>
+              </a:ext>
+            </a:extLst>
+          </p:cNvPr>
+          <p:cNvSpPr/>
+          <p:nvPr/>
+        </p:nvSpPr>
+        <p:spPr>
+          <a:xfrm>
+            <a:off x="5621359" y="3099569"/>
+            <a:ext cx="232718" cy="232718"/>
+          </a:xfrm>
+          <a:prstGeom prst="ellipse">
+            <a:avLst/>
+          </a:prstGeom>
+        </p:spPr>
+        <p:style>
+          <a:lnRef idx="2">
+            <a:schemeClr val="accent1">
+              <a:shade val="15000"/>
+            </a:schemeClr>
+          </a:lnRef>
+          <a:fillRef idx="1">
+            <a:schemeClr val="accent1"/>
+          </a:fillRef>
+          <a:effectRef idx="0">
+            <a:schemeClr val="accent1"/>
+          </a:effectRef>
+          <a:fontRef idx="minor">
+            <a:schemeClr val="lt1"/>
+          </a:fontRef>
+        </p:style>
+        <p:txBody>
+          <a:bodyPr rtlCol="0" anchor="ctr"/>
+          <a:lstStyle/>
+          <a:p>
+            <a:pPr algn="ctr"/>
+            <a:endParaRPr lang="en-US"/>
+          </a:p>
+        </p:txBody>
+      </p:sp>
+      <p:sp>
+        <p:nvSpPr>
+          <p:cNvPr id="21" name="Oval 20">
+            <a:extLst>
+              <a:ext uri="{FF2B5EF4-FFF2-40B4-BE49-F238E27FC236}">
+                <a16:creationId xmlns:a16="http://schemas.microsoft.com/office/drawing/2014/main" id="{FE4ADB9C-9C1C-3940-62DD-461B62D516EF}"/>
+              </a:ext>
+            </a:extLst>
+          </p:cNvPr>
+          <p:cNvSpPr/>
+          <p:nvPr/>
+        </p:nvSpPr>
+        <p:spPr>
+          <a:xfrm>
+            <a:off x="2766060" y="2885068"/>
+            <a:ext cx="232718" cy="232718"/>
+          </a:xfrm>
+          <a:prstGeom prst="ellipse">
+            <a:avLst/>
+          </a:prstGeom>
+        </p:spPr>
+        <p:style>
+          <a:lnRef idx="2">
+            <a:schemeClr val="accent1">
+              <a:shade val="15000"/>
+            </a:schemeClr>
+          </a:lnRef>
+          <a:fillRef idx="1">
+            <a:schemeClr val="accent1"/>
+          </a:fillRef>
+          <a:effectRef idx="0">
+            <a:schemeClr val="accent1"/>
+          </a:effectRef>
+          <a:fontRef idx="minor">
+            <a:schemeClr val="lt1"/>
+          </a:fontRef>
+        </p:style>
+        <p:txBody>
+          <a:bodyPr rtlCol="0" anchor="ctr"/>
+          <a:lstStyle/>
+          <a:p>
+            <a:pPr algn="ctr"/>
+            <a:endParaRPr lang="en-US"/>
+          </a:p>
+        </p:txBody>
+      </p:sp>
+      <p:sp>
+        <p:nvSpPr>
+          <p:cNvPr id="24" name="Oval 23">
+            <a:extLst>
+              <a:ext uri="{FF2B5EF4-FFF2-40B4-BE49-F238E27FC236}">
+                <a16:creationId xmlns:a16="http://schemas.microsoft.com/office/drawing/2014/main" id="{D199EA19-14F6-69FD-76D1-034A54A72B34}"/>
+              </a:ext>
+            </a:extLst>
+          </p:cNvPr>
+          <p:cNvSpPr/>
+          <p:nvPr/>
+        </p:nvSpPr>
+        <p:spPr>
+          <a:xfrm>
+            <a:off x="9312941" y="2398888"/>
+            <a:ext cx="232718" cy="232718"/>
+          </a:xfrm>
+          <a:prstGeom prst="ellipse">
+            <a:avLst/>
+          </a:prstGeom>
+        </p:spPr>
+        <p:style>
+          <a:lnRef idx="2">
+            <a:schemeClr val="accent1">
+              <a:shade val="15000"/>
+            </a:schemeClr>
+          </a:lnRef>
+          <a:fillRef idx="1">
+            <a:schemeClr val="accent1"/>
+          </a:fillRef>
+          <a:effectRef idx="0">
+            <a:schemeClr val="accent1"/>
+          </a:effectRef>
+          <a:fontRef idx="minor">
+            <a:schemeClr val="lt1"/>
+          </a:fontRef>
+        </p:style>
+        <p:txBody>
+          <a:bodyPr rtlCol="0" anchor="ctr"/>
+          <a:lstStyle/>
+          <a:p>
+            <a:pPr algn="ctr"/>
+            <a:endParaRPr lang="en-US"/>
+          </a:p>
+        </p:txBody>
+      </p:sp>
+      <p:sp>
+        <p:nvSpPr>
+          <p:cNvPr id="2" name="Title 1">
+            <a:extLst>
+              <a:ext uri="{FF2B5EF4-FFF2-40B4-BE49-F238E27FC236}">
+                <a16:creationId xmlns:a16="http://schemas.microsoft.com/office/drawing/2014/main" id="{331977AE-44B6-C1C5-009C-130BC8D4041B}"/>
+              </a:ext>
+            </a:extLst>
+          </p:cNvPr>
+          <p:cNvSpPr>
+            <a:spLocks noGrp="1"/>
+          </p:cNvSpPr>
+          <p:nvPr>
+            <p:ph type="title"/>
+          </p:nvPr>
+        </p:nvSpPr>
+        <p:spPr>
+          <a:xfrm>
+            <a:off x="838200" y="184220"/>
+            <a:ext cx="10515600" cy="774743"/>
+          </a:xfrm>
+        </p:spPr>
+        <p:txBody>
+          <a:bodyPr>
+            <a:normAutofit/>
+          </a:bodyPr>
+          <a:lstStyle/>
+          <a:p>
+            <a:r>
+              <a:rPr lang="en-US" dirty="0"/>
+              <a:t>List Donuts In Popularity Order</a:t>
+            </a:r>
+          </a:p>
+        </p:txBody>
+      </p:sp>
+      <p:sp>
+        <p:nvSpPr>
+          <p:cNvPr id="4" name="Slide Number Placeholder 3">
+            <a:extLst>
+              <a:ext uri="{FF2B5EF4-FFF2-40B4-BE49-F238E27FC236}">
+                <a16:creationId xmlns:a16="http://schemas.microsoft.com/office/drawing/2014/main" id="{80F0FBE5-D49F-B640-7B48-38C545F9762E}"/>
+              </a:ext>
+            </a:extLst>
+          </p:cNvPr>
+          <p:cNvSpPr>
+            <a:spLocks noGrp="1"/>
+          </p:cNvSpPr>
+          <p:nvPr>
+            <p:ph type="sldNum" sz="quarter" idx="12"/>
+          </p:nvPr>
+        </p:nvSpPr>
+        <p:spPr/>
+        <p:txBody>
+          <a:bodyPr/>
+          <a:lstStyle/>
+          <a:p>
+            <a:fld id="{E6E087A0-8E33-4AD2-B40F-AC5841A95ADE}" type="slidenum">
+              <a:rPr lang="en-US" smtClean="0"/>
+              <a:t>22</a:t>
+            </a:fld>
+            <a:endParaRPr lang="en-US"/>
+          </a:p>
+        </p:txBody>
+      </p:sp>
+      <p:sp>
+        <p:nvSpPr>
+          <p:cNvPr id="5" name="TextBox 4">
+            <a:extLst>
+              <a:ext uri="{FF2B5EF4-FFF2-40B4-BE49-F238E27FC236}">
+                <a16:creationId xmlns:a16="http://schemas.microsoft.com/office/drawing/2014/main" id="{5082F437-E31A-6094-E226-7EA38513EAAD}"/>
+              </a:ext>
+            </a:extLst>
+          </p:cNvPr>
+          <p:cNvSpPr txBox="1"/>
+          <p:nvPr/>
+        </p:nvSpPr>
+        <p:spPr>
+          <a:xfrm>
+            <a:off x="4125781" y="977174"/>
+            <a:ext cx="3940438" cy="701731"/>
+          </a:xfrm>
+          <a:prstGeom prst="rect">
+            <a:avLst/>
+          </a:prstGeom>
+        </p:spPr>
+        <p:txBody>
+          <a:bodyPr vert="horz" lIns="91440" tIns="45720" rIns="91440" bIns="45720" rtlCol="0" anchor="ctr">
+            <a:normAutofit/>
+          </a:bodyPr>
+          <a:lstStyle>
+            <a:lvl1pPr algn="ctr">
+              <a:lnSpc>
+                <a:spcPct val="90000"/>
+              </a:lnSpc>
+              <a:spcBef>
+                <a:spcPct val="0"/>
+              </a:spcBef>
+              <a:buNone/>
+              <a:defRPr sz="4400">
+                <a:solidFill>
+                  <a:srgbClr val="BA3925"/>
+                </a:solidFill>
+                <a:latin typeface="Open Sans" panose="020B0606030504020204" pitchFamily="34" charset="0"/>
+                <a:ea typeface="Open Sans" panose="020B0606030504020204" pitchFamily="34" charset="0"/>
+                <a:cs typeface="Open Sans" panose="020B0606030504020204" pitchFamily="34" charset="0"/>
+              </a:defRPr>
+            </a:lvl1pPr>
+          </a:lstStyle>
+          <a:p>
+            <a:r>
+              <a:rPr lang="en-US" sz="3200" dirty="0" err="1"/>
+              <a:t>Tablesaw</a:t>
+            </a:r>
+            <a:endParaRPr lang="en-US" sz="3200" dirty="0"/>
+          </a:p>
+        </p:txBody>
+      </p:sp>
+      <p:cxnSp>
+        <p:nvCxnSpPr>
+          <p:cNvPr id="6" name="Straight Connector 5">
+            <a:extLst>
+              <a:ext uri="{FF2B5EF4-FFF2-40B4-BE49-F238E27FC236}">
+                <a16:creationId xmlns:a16="http://schemas.microsoft.com/office/drawing/2014/main" id="{85F18E94-BDE1-AE70-AEB8-B4F2DD218BBA}"/>
+              </a:ext>
+            </a:extLst>
+          </p:cNvPr>
+          <p:cNvCxnSpPr>
+            <a:cxnSpLocks/>
+          </p:cNvCxnSpPr>
+          <p:nvPr/>
+        </p:nvCxnSpPr>
+        <p:spPr>
+          <a:xfrm>
+            <a:off x="4611624" y="975608"/>
+            <a:ext cx="2968752" cy="0"/>
+          </a:xfrm>
+          <a:prstGeom prst="line">
+            <a:avLst/>
+          </a:prstGeom>
+          <a:ln>
+            <a:solidFill>
+              <a:schemeClr val="bg1">
+                <a:lumMod val="65000"/>
+              </a:schemeClr>
+            </a:solidFill>
+          </a:ln>
+        </p:spPr>
+        <p:style>
+          <a:lnRef idx="1">
+            <a:schemeClr val="accent1"/>
+          </a:lnRef>
+          <a:fillRef idx="0">
+            <a:schemeClr val="accent1"/>
+          </a:fillRef>
+          <a:effectRef idx="0">
+            <a:schemeClr val="accent1"/>
+          </a:effectRef>
+          <a:fontRef idx="minor">
+            <a:schemeClr val="tx1"/>
+          </a:fontRef>
+        </p:style>
+      </p:cxnSp>
+      <p:sp>
+        <p:nvSpPr>
+          <p:cNvPr id="7" name="TextBox 6">
+            <a:extLst>
+              <a:ext uri="{FF2B5EF4-FFF2-40B4-BE49-F238E27FC236}">
+                <a16:creationId xmlns:a16="http://schemas.microsoft.com/office/drawing/2014/main" id="{1247348C-B10E-5612-3A78-F6AB01257043}"/>
+              </a:ext>
+            </a:extLst>
+          </p:cNvPr>
+          <p:cNvSpPr txBox="1"/>
+          <p:nvPr/>
+        </p:nvSpPr>
+        <p:spPr>
+          <a:xfrm>
+            <a:off x="375062" y="2339708"/>
+            <a:ext cx="6810598" cy="1323439"/>
+          </a:xfrm>
+          <a:prstGeom prst="rect">
+            <a:avLst/>
+          </a:prstGeom>
+          <a:solidFill>
+            <a:srgbClr val="F8F8F8"/>
+          </a:solidFill>
+          <a:effectLst/>
+        </p:spPr>
+        <p:txBody>
+          <a:bodyPr wrap="square" rtlCol="0">
+            <a:spAutoFit/>
+          </a:bodyPr>
+          <a:lstStyle/>
+          <a:p>
+            <a:pPr marL="0" marR="0" lvl="0" indent="0" algn="l" defTabSz="914400" rtl="0" eaLnBrk="0" fontAlgn="base" latinLnBrk="0" hangingPunct="0">
+              <a:lnSpc>
+                <a:spcPct val="100000"/>
+              </a:lnSpc>
+              <a:spcBef>
+                <a:spcPct val="0"/>
+              </a:spcBef>
+              <a:spcAft>
+                <a:spcPct val="0"/>
+              </a:spcAft>
+              <a:buClrTx/>
+              <a:buSzTx/>
+              <a:buFontTx/>
+              <a:buNone/>
+              <a:tabLst/>
+            </a:pPr>
+            <a:r>
+              <a:rPr kumimoji="0" lang="en-US" altLang="en-US" sz="1600" b="0" i="0" u="none" strike="noStrike" cap="none" normalizeH="0" baseline="0" dirty="0">
+                <a:ln>
+                  <a:noFill/>
+                </a:ln>
+                <a:solidFill>
+                  <a:srgbClr val="000000"/>
+                </a:solidFill>
+                <a:effectLst/>
+                <a:latin typeface="JetBrains Mono" panose="02000009000000000000" pitchFamily="49" charset="0"/>
+                <a:cs typeface="JetBrains Mono" panose="02000009000000000000" pitchFamily="49" charset="0"/>
+              </a:rPr>
+              <a:t>Table </a:t>
+            </a:r>
+            <a:r>
+              <a:rPr kumimoji="0" lang="en-US" altLang="en-US" sz="1600" b="0" i="0" u="none" strike="noStrike" cap="none" normalizeH="0" baseline="0" dirty="0" err="1">
+                <a:ln>
+                  <a:noFill/>
+                </a:ln>
+                <a:solidFill>
+                  <a:srgbClr val="000000"/>
+                </a:solidFill>
+                <a:effectLst/>
+                <a:latin typeface="JetBrains Mono" panose="02000009000000000000" pitchFamily="49" charset="0"/>
+                <a:cs typeface="JetBrains Mono" panose="02000009000000000000" pitchFamily="49" charset="0"/>
+              </a:rPr>
+              <a:t>donutsInPopularityOrder</a:t>
+            </a:r>
+            <a:r>
+              <a:rPr kumimoji="0" lang="en-US" altLang="en-US" sz="1600" b="0" i="0" u="none" strike="noStrike" cap="none" normalizeH="0" baseline="0" dirty="0">
+                <a:ln>
+                  <a:noFill/>
+                </a:ln>
+                <a:solidFill>
+                  <a:srgbClr val="000000"/>
+                </a:solidFill>
+                <a:effectLst/>
+                <a:latin typeface="JetBrains Mono" panose="02000009000000000000" pitchFamily="49" charset="0"/>
+                <a:cs typeface="JetBrains Mono" panose="02000009000000000000" pitchFamily="49" charset="0"/>
+              </a:rPr>
+              <a:t> </a:t>
+            </a:r>
+            <a:r>
+              <a:rPr kumimoji="0" lang="en-US" altLang="en-US" sz="1600" b="0" i="0" u="none" strike="noStrike" cap="none" normalizeH="0" baseline="0" dirty="0">
+                <a:ln>
+                  <a:noFill/>
+                </a:ln>
+                <a:solidFill>
+                  <a:srgbClr val="080808"/>
+                </a:solidFill>
+                <a:effectLst/>
+                <a:latin typeface="JetBrains Mono" panose="02000009000000000000" pitchFamily="49" charset="0"/>
+                <a:cs typeface="JetBrains Mono" panose="02000009000000000000" pitchFamily="49" charset="0"/>
+              </a:rPr>
+              <a:t>= </a:t>
+            </a:r>
+            <a:r>
+              <a:rPr kumimoji="0" lang="en-US" altLang="en-US" sz="1600" b="0" i="0" u="none" strike="noStrike" cap="none" normalizeH="0" baseline="0" dirty="0" err="1">
+                <a:ln>
+                  <a:noFill/>
+                </a:ln>
+                <a:solidFill>
+                  <a:srgbClr val="0033B3"/>
+                </a:solidFill>
+                <a:effectLst/>
+                <a:latin typeface="JetBrains Mono" panose="02000009000000000000" pitchFamily="49" charset="0"/>
+                <a:cs typeface="JetBrains Mono" panose="02000009000000000000" pitchFamily="49" charset="0"/>
+              </a:rPr>
+              <a:t>this</a:t>
+            </a:r>
+            <a:r>
+              <a:rPr kumimoji="0" lang="en-US" altLang="en-US" sz="1600" b="0" i="0" u="none" strike="noStrike" cap="none" normalizeH="0" baseline="0" dirty="0" err="1">
+                <a:ln>
+                  <a:noFill/>
+                </a:ln>
+                <a:solidFill>
+                  <a:srgbClr val="080808"/>
+                </a:solidFill>
+                <a:effectLst/>
+                <a:latin typeface="JetBrains Mono" panose="02000009000000000000" pitchFamily="49" charset="0"/>
+                <a:cs typeface="JetBrains Mono" panose="02000009000000000000" pitchFamily="49" charset="0"/>
+              </a:rPr>
+              <a:t>.</a:t>
+            </a:r>
+            <a:r>
+              <a:rPr kumimoji="0" lang="en-US" altLang="en-US" sz="1600" b="0" i="0" u="none" strike="noStrike" cap="none" normalizeH="0" baseline="0" dirty="0" err="1">
+                <a:ln>
+                  <a:noFill/>
+                </a:ln>
+                <a:solidFill>
+                  <a:srgbClr val="871094"/>
+                </a:solidFill>
+                <a:effectLst/>
+                <a:latin typeface="JetBrains Mono" panose="02000009000000000000" pitchFamily="49" charset="0"/>
+                <a:cs typeface="JetBrains Mono" panose="02000009000000000000" pitchFamily="49" charset="0"/>
+              </a:rPr>
+              <a:t>orders</a:t>
+            </a:r>
+            <a:br>
+              <a:rPr kumimoji="0" lang="en-US" altLang="en-US" sz="1600" b="0" i="0" u="none" strike="noStrike" cap="none" normalizeH="0" baseline="0" dirty="0">
+                <a:ln>
+                  <a:noFill/>
+                </a:ln>
+                <a:solidFill>
+                  <a:srgbClr val="871094"/>
+                </a:solidFill>
+                <a:effectLst/>
+                <a:latin typeface="JetBrains Mono" panose="02000009000000000000" pitchFamily="49" charset="0"/>
+                <a:cs typeface="JetBrains Mono" panose="02000009000000000000" pitchFamily="49" charset="0"/>
+              </a:rPr>
+            </a:br>
+            <a:r>
+              <a:rPr kumimoji="0" lang="en-US" altLang="en-US" sz="1600" b="0" i="0" u="none" strike="noStrike" cap="none" normalizeH="0" baseline="0" dirty="0">
+                <a:ln>
+                  <a:noFill/>
+                </a:ln>
+                <a:solidFill>
+                  <a:srgbClr val="871094"/>
+                </a:solidFill>
+                <a:effectLst/>
+                <a:latin typeface="JetBrains Mono" panose="02000009000000000000" pitchFamily="49" charset="0"/>
+                <a:cs typeface="JetBrains Mono" panose="02000009000000000000" pitchFamily="49" charset="0"/>
+              </a:rPr>
+              <a:t>        </a:t>
+            </a:r>
+            <a:r>
+              <a:rPr kumimoji="0" lang="en-US" altLang="en-US" sz="1600" b="0" i="0" u="none" strike="noStrike" cap="none" normalizeH="0" baseline="0" dirty="0">
+                <a:ln>
+                  <a:noFill/>
+                </a:ln>
+                <a:solidFill>
+                  <a:srgbClr val="080808"/>
+                </a:solidFill>
+                <a:effectLst/>
+                <a:latin typeface="JetBrains Mono" panose="02000009000000000000" pitchFamily="49" charset="0"/>
+                <a:cs typeface="JetBrains Mono" panose="02000009000000000000" pitchFamily="49" charset="0"/>
+              </a:rPr>
+              <a:t>.summarize(</a:t>
+            </a:r>
+            <a:r>
+              <a:rPr kumimoji="0" lang="en-US" altLang="en-US" sz="1600" b="0" i="0" u="none" strike="noStrike" cap="none" normalizeH="0" baseline="0" dirty="0">
+                <a:ln>
+                  <a:noFill/>
+                </a:ln>
+                <a:solidFill>
+                  <a:srgbClr val="067D17"/>
+                </a:solidFill>
+                <a:effectLst/>
+                <a:latin typeface="JetBrains Mono" panose="02000009000000000000" pitchFamily="49" charset="0"/>
+                <a:cs typeface="JetBrains Mono" panose="02000009000000000000" pitchFamily="49" charset="0"/>
+              </a:rPr>
+              <a:t>"Quantity"</a:t>
+            </a:r>
+            <a:r>
+              <a:rPr kumimoji="0" lang="en-US" altLang="en-US" sz="1600" b="0" i="0" u="none" strike="noStrike" cap="none" normalizeH="0" baseline="0" dirty="0">
+                <a:ln>
+                  <a:noFill/>
+                </a:ln>
+                <a:solidFill>
+                  <a:srgbClr val="080808"/>
+                </a:solidFill>
+                <a:effectLst/>
+                <a:latin typeface="JetBrains Mono" panose="02000009000000000000" pitchFamily="49" charset="0"/>
+                <a:cs typeface="JetBrains Mono" panose="02000009000000000000" pitchFamily="49" charset="0"/>
+              </a:rPr>
+              <a:t>, </a:t>
+            </a:r>
+            <a:r>
+              <a:rPr kumimoji="0" lang="en-US" altLang="en-US" sz="1600" b="0" i="1" u="none" strike="noStrike" cap="none" normalizeH="0" baseline="0" dirty="0">
+                <a:ln>
+                  <a:noFill/>
+                </a:ln>
+                <a:solidFill>
+                  <a:srgbClr val="871094"/>
+                </a:solidFill>
+                <a:effectLst/>
+                <a:latin typeface="JetBrains Mono" panose="02000009000000000000" pitchFamily="49" charset="0"/>
+                <a:cs typeface="JetBrains Mono" panose="02000009000000000000" pitchFamily="49" charset="0"/>
+              </a:rPr>
+              <a:t>sum</a:t>
+            </a:r>
+            <a:r>
+              <a:rPr kumimoji="0" lang="en-US" altLang="en-US" sz="1600" b="0" i="0" u="none" strike="noStrike" cap="none" normalizeH="0" baseline="0" dirty="0">
+                <a:ln>
+                  <a:noFill/>
+                </a:ln>
+                <a:solidFill>
+                  <a:srgbClr val="080808"/>
+                </a:solidFill>
+                <a:effectLst/>
+                <a:latin typeface="JetBrains Mono" panose="02000009000000000000" pitchFamily="49" charset="0"/>
+                <a:cs typeface="JetBrains Mono" panose="02000009000000000000" pitchFamily="49" charset="0"/>
+              </a:rPr>
+              <a:t>)</a:t>
+            </a:r>
+            <a:br>
+              <a:rPr kumimoji="0" lang="en-US" altLang="en-US" sz="1600" b="0" i="0" u="none" strike="noStrike" cap="none" normalizeH="0" baseline="0" dirty="0">
+                <a:ln>
+                  <a:noFill/>
+                </a:ln>
+                <a:solidFill>
+                  <a:srgbClr val="080808"/>
+                </a:solidFill>
+                <a:effectLst/>
+                <a:latin typeface="JetBrains Mono" panose="02000009000000000000" pitchFamily="49" charset="0"/>
+                <a:cs typeface="JetBrains Mono" panose="02000009000000000000" pitchFamily="49" charset="0"/>
+              </a:rPr>
+            </a:br>
+            <a:r>
+              <a:rPr kumimoji="0" lang="en-US" altLang="en-US" sz="1600" b="0" i="0" u="none" strike="noStrike" cap="none" normalizeH="0" baseline="0" dirty="0">
+                <a:ln>
+                  <a:noFill/>
+                </a:ln>
+                <a:solidFill>
+                  <a:srgbClr val="080808"/>
+                </a:solidFill>
+                <a:effectLst/>
+                <a:latin typeface="JetBrains Mono" panose="02000009000000000000" pitchFamily="49" charset="0"/>
+                <a:cs typeface="JetBrains Mono" panose="02000009000000000000" pitchFamily="49" charset="0"/>
+              </a:rPr>
+              <a:t>        .by(</a:t>
+            </a:r>
+            <a:r>
+              <a:rPr kumimoji="0" lang="en-US" altLang="en-US" sz="1600" b="0" i="0" u="none" strike="noStrike" cap="none" normalizeH="0" baseline="0" dirty="0">
+                <a:ln>
+                  <a:noFill/>
+                </a:ln>
+                <a:solidFill>
+                  <a:srgbClr val="067D17"/>
+                </a:solidFill>
+                <a:effectLst/>
+                <a:latin typeface="JetBrains Mono" panose="02000009000000000000" pitchFamily="49" charset="0"/>
+                <a:cs typeface="JetBrains Mono" panose="02000009000000000000" pitchFamily="49" charset="0"/>
+              </a:rPr>
+              <a:t>"Donut"</a:t>
+            </a:r>
+            <a:r>
+              <a:rPr kumimoji="0" lang="en-US" altLang="en-US" sz="1600" b="0" i="0" u="none" strike="noStrike" cap="none" normalizeH="0" baseline="0" dirty="0">
+                <a:ln>
+                  <a:noFill/>
+                </a:ln>
+                <a:solidFill>
+                  <a:srgbClr val="080808"/>
+                </a:solidFill>
+                <a:effectLst/>
+                <a:latin typeface="JetBrains Mono" panose="02000009000000000000" pitchFamily="49" charset="0"/>
+                <a:cs typeface="JetBrains Mono" panose="02000009000000000000" pitchFamily="49" charset="0"/>
+              </a:rPr>
+              <a:t>)</a:t>
+            </a:r>
+            <a:br>
+              <a:rPr kumimoji="0" lang="en-US" altLang="en-US" sz="1600" b="0" i="0" u="none" strike="noStrike" cap="none" normalizeH="0" baseline="0" dirty="0">
+                <a:ln>
+                  <a:noFill/>
+                </a:ln>
+                <a:solidFill>
+                  <a:srgbClr val="080808"/>
+                </a:solidFill>
+                <a:effectLst/>
+                <a:latin typeface="JetBrains Mono" panose="02000009000000000000" pitchFamily="49" charset="0"/>
+                <a:cs typeface="JetBrains Mono" panose="02000009000000000000" pitchFamily="49" charset="0"/>
+              </a:rPr>
+            </a:br>
+            <a:r>
+              <a:rPr kumimoji="0" lang="en-US" altLang="en-US" sz="1600" b="0" i="0" u="none" strike="noStrike" cap="none" normalizeH="0" baseline="0" dirty="0">
+                <a:ln>
+                  <a:noFill/>
+                </a:ln>
+                <a:solidFill>
+                  <a:srgbClr val="080808"/>
+                </a:solidFill>
+                <a:effectLst/>
+                <a:latin typeface="JetBrains Mono" panose="02000009000000000000" pitchFamily="49" charset="0"/>
+                <a:cs typeface="JetBrains Mono" panose="02000009000000000000" pitchFamily="49" charset="0"/>
+              </a:rPr>
+              <a:t>        .</a:t>
+            </a:r>
+            <a:r>
+              <a:rPr kumimoji="0" lang="en-US" altLang="en-US" sz="1600" b="0" i="0" u="none" strike="noStrike" cap="none" normalizeH="0" baseline="0" dirty="0" err="1">
+                <a:ln>
+                  <a:noFill/>
+                </a:ln>
+                <a:solidFill>
+                  <a:srgbClr val="080808"/>
+                </a:solidFill>
+                <a:effectLst/>
+                <a:latin typeface="JetBrains Mono" panose="02000009000000000000" pitchFamily="49" charset="0"/>
+                <a:cs typeface="JetBrains Mono" panose="02000009000000000000" pitchFamily="49" charset="0"/>
+              </a:rPr>
+              <a:t>sortOn</a:t>
+            </a:r>
+            <a:r>
+              <a:rPr kumimoji="0" lang="en-US" altLang="en-US" sz="1600" b="0" i="0" u="none" strike="noStrike" cap="none" normalizeH="0" baseline="0" dirty="0">
+                <a:ln>
+                  <a:noFill/>
+                </a:ln>
+                <a:solidFill>
+                  <a:srgbClr val="080808"/>
+                </a:solidFill>
+                <a:effectLst/>
+                <a:latin typeface="JetBrains Mono" panose="02000009000000000000" pitchFamily="49" charset="0"/>
+                <a:cs typeface="JetBrains Mono" panose="02000009000000000000" pitchFamily="49" charset="0"/>
+              </a:rPr>
+              <a:t>(</a:t>
+            </a:r>
+            <a:r>
+              <a:rPr kumimoji="0" lang="en-US" altLang="en-US" sz="1600" b="0" i="0" u="none" strike="noStrike" cap="none" normalizeH="0" baseline="0" dirty="0">
+                <a:ln>
+                  <a:noFill/>
+                </a:ln>
+                <a:solidFill>
+                  <a:srgbClr val="067D17"/>
+                </a:solidFill>
+                <a:effectLst/>
+                <a:latin typeface="JetBrains Mono" panose="02000009000000000000" pitchFamily="49" charset="0"/>
+                <a:cs typeface="JetBrains Mono" panose="02000009000000000000" pitchFamily="49" charset="0"/>
+              </a:rPr>
+              <a:t>"-Sum [Quantity]"</a:t>
+            </a:r>
+            <a:r>
+              <a:rPr kumimoji="0" lang="en-US" altLang="en-US" sz="1600" b="0" i="0" u="none" strike="noStrike" cap="none" normalizeH="0" baseline="0" dirty="0">
+                <a:ln>
+                  <a:noFill/>
+                </a:ln>
+                <a:solidFill>
+                  <a:srgbClr val="080808"/>
+                </a:solidFill>
+                <a:effectLst/>
+                <a:latin typeface="JetBrains Mono" panose="02000009000000000000" pitchFamily="49" charset="0"/>
+                <a:cs typeface="JetBrains Mono" panose="02000009000000000000" pitchFamily="49" charset="0"/>
+              </a:rPr>
+              <a:t>, </a:t>
+            </a:r>
+            <a:r>
+              <a:rPr kumimoji="0" lang="en-US" altLang="en-US" sz="1600" b="0" i="0" u="none" strike="noStrike" cap="none" normalizeH="0" baseline="0" dirty="0">
+                <a:ln>
+                  <a:noFill/>
+                </a:ln>
+                <a:solidFill>
+                  <a:srgbClr val="067D17"/>
+                </a:solidFill>
+                <a:effectLst/>
+                <a:latin typeface="JetBrains Mono" panose="02000009000000000000" pitchFamily="49" charset="0"/>
+                <a:cs typeface="JetBrains Mono" panose="02000009000000000000" pitchFamily="49" charset="0"/>
+              </a:rPr>
+              <a:t>"Donut"</a:t>
+            </a:r>
+            <a:r>
+              <a:rPr kumimoji="0" lang="en-US" altLang="en-US" sz="1600" b="0" i="0" u="none" strike="noStrike" cap="none" normalizeH="0" baseline="0" dirty="0">
+                <a:ln>
+                  <a:noFill/>
+                </a:ln>
+                <a:solidFill>
+                  <a:srgbClr val="080808"/>
+                </a:solidFill>
+                <a:effectLst/>
+                <a:latin typeface="JetBrains Mono" panose="02000009000000000000" pitchFamily="49" charset="0"/>
+                <a:cs typeface="JetBrains Mono" panose="02000009000000000000" pitchFamily="49" charset="0"/>
+              </a:rPr>
+              <a:t>)</a:t>
+            </a:r>
+            <a:br>
+              <a:rPr kumimoji="0" lang="en-US" altLang="en-US" sz="1600" b="0" i="0" u="none" strike="noStrike" cap="none" normalizeH="0" baseline="0" dirty="0">
+                <a:ln>
+                  <a:noFill/>
+                </a:ln>
+                <a:solidFill>
+                  <a:srgbClr val="080808"/>
+                </a:solidFill>
+                <a:effectLst/>
+                <a:latin typeface="JetBrains Mono" panose="02000009000000000000" pitchFamily="49" charset="0"/>
+                <a:cs typeface="JetBrains Mono" panose="02000009000000000000" pitchFamily="49" charset="0"/>
+              </a:rPr>
+            </a:br>
+            <a:r>
+              <a:rPr kumimoji="0" lang="en-US" altLang="en-US" sz="1600" b="0" i="0" u="none" strike="noStrike" cap="none" normalizeH="0" baseline="0" dirty="0">
+                <a:ln>
+                  <a:noFill/>
+                </a:ln>
+                <a:solidFill>
+                  <a:srgbClr val="080808"/>
+                </a:solidFill>
+                <a:effectLst/>
+                <a:latin typeface="JetBrains Mono" panose="02000009000000000000" pitchFamily="49" charset="0"/>
+                <a:cs typeface="JetBrains Mono" panose="02000009000000000000" pitchFamily="49" charset="0"/>
+              </a:rPr>
+              <a:t>        .</a:t>
+            </a:r>
+            <a:r>
+              <a:rPr kumimoji="0" lang="en-US" altLang="en-US" sz="1600" b="0" i="0" u="none" strike="noStrike" cap="none" normalizeH="0" baseline="0" dirty="0" err="1">
+                <a:ln>
+                  <a:noFill/>
+                </a:ln>
+                <a:solidFill>
+                  <a:srgbClr val="080808"/>
+                </a:solidFill>
+                <a:effectLst/>
+                <a:latin typeface="JetBrains Mono" panose="02000009000000000000" pitchFamily="49" charset="0"/>
+                <a:cs typeface="JetBrains Mono" panose="02000009000000000000" pitchFamily="49" charset="0"/>
+              </a:rPr>
+              <a:t>retainColumns</a:t>
+            </a:r>
+            <a:r>
+              <a:rPr kumimoji="0" lang="en-US" altLang="en-US" sz="1600" b="0" i="0" u="none" strike="noStrike" cap="none" normalizeH="0" baseline="0" dirty="0">
+                <a:ln>
+                  <a:noFill/>
+                </a:ln>
+                <a:solidFill>
+                  <a:srgbClr val="080808"/>
+                </a:solidFill>
+                <a:effectLst/>
+                <a:latin typeface="JetBrains Mono" panose="02000009000000000000" pitchFamily="49" charset="0"/>
+                <a:cs typeface="JetBrains Mono" panose="02000009000000000000" pitchFamily="49" charset="0"/>
+              </a:rPr>
+              <a:t>(</a:t>
+            </a:r>
+            <a:r>
+              <a:rPr kumimoji="0" lang="en-US" altLang="en-US" sz="1600" b="0" i="0" u="none" strike="noStrike" cap="none" normalizeH="0" baseline="0" dirty="0">
+                <a:ln>
+                  <a:noFill/>
+                </a:ln>
+                <a:solidFill>
+                  <a:srgbClr val="067D17"/>
+                </a:solidFill>
+                <a:effectLst/>
+                <a:latin typeface="JetBrains Mono" panose="02000009000000000000" pitchFamily="49" charset="0"/>
+                <a:cs typeface="JetBrains Mono" panose="02000009000000000000" pitchFamily="49" charset="0"/>
+              </a:rPr>
+              <a:t>"Donut"</a:t>
+            </a:r>
+            <a:r>
+              <a:rPr kumimoji="0" lang="en-US" altLang="en-US" sz="1600" b="0" i="0" u="none" strike="noStrike" cap="none" normalizeH="0" baseline="0" dirty="0">
+                <a:ln>
+                  <a:noFill/>
+                </a:ln>
+                <a:solidFill>
+                  <a:srgbClr val="080808"/>
+                </a:solidFill>
+                <a:effectLst/>
+                <a:latin typeface="JetBrains Mono" panose="02000009000000000000" pitchFamily="49" charset="0"/>
+                <a:cs typeface="JetBrains Mono" panose="02000009000000000000" pitchFamily="49" charset="0"/>
+              </a:rPr>
+              <a:t>);</a:t>
+            </a:r>
+            <a:endParaRPr kumimoji="0" lang="en-US" altLang="en-US" sz="4000" b="0" i="0" u="none" strike="noStrike" cap="none" normalizeH="0" baseline="0" dirty="0">
+              <a:ln>
+                <a:noFill/>
+              </a:ln>
+              <a:solidFill>
+                <a:schemeClr val="tx1"/>
+              </a:solidFill>
+              <a:effectLst/>
+              <a:latin typeface="Arial" panose="020B0604020202020204" pitchFamily="34" charset="0"/>
+            </a:endParaRPr>
+          </a:p>
+        </p:txBody>
+      </p:sp>
+      <p:graphicFrame>
+        <p:nvGraphicFramePr>
+          <p:cNvPr id="12" name="Table 11">
+            <a:extLst>
+              <a:ext uri="{FF2B5EF4-FFF2-40B4-BE49-F238E27FC236}">
+                <a16:creationId xmlns:a16="http://schemas.microsoft.com/office/drawing/2014/main" id="{BBBAAF39-891E-6FEA-0ED8-B836B158F8FA}"/>
+              </a:ext>
+            </a:extLst>
+          </p:cNvPr>
+          <p:cNvGraphicFramePr>
+            <a:graphicFrameLocks noGrp="1"/>
+          </p:cNvGraphicFramePr>
+          <p:nvPr/>
+        </p:nvGraphicFramePr>
+        <p:xfrm>
+          <a:off x="9313320" y="1313343"/>
+          <a:ext cx="2375917" cy="1828800"/>
+        </p:xfrm>
+        <a:graphic>
+          <a:graphicData uri="http://schemas.openxmlformats.org/drawingml/2006/table">
+            <a:tbl>
+              <a:tblPr/>
+              <a:tblGrid>
+                <a:gridCol w="1447801">
+                  <a:extLst>
+                    <a:ext uri="{9D8B030D-6E8A-4147-A177-3AD203B41FA5}">
+                      <a16:colId xmlns:a16="http://schemas.microsoft.com/office/drawing/2014/main" val="1995741582"/>
+                    </a:ext>
+                  </a:extLst>
+                </a:gridCol>
+                <a:gridCol w="928116">
+                  <a:extLst>
+                    <a:ext uri="{9D8B030D-6E8A-4147-A177-3AD203B41FA5}">
+                      <a16:colId xmlns:a16="http://schemas.microsoft.com/office/drawing/2014/main" val="168921243"/>
+                    </a:ext>
+                  </a:extLst>
+                </a:gridCol>
+              </a:tblGrid>
+              <a:tr h="0">
+                <a:tc>
+                  <a:txBody>
+                    <a:bodyPr/>
+                    <a:lstStyle/>
+                    <a:p>
+                      <a:pPr algn="l" fontAlgn="t"/>
+                      <a:r>
+                        <a:rPr lang="en-US" sz="1400" b="1" dirty="0">
+                          <a:effectLst/>
+                          <a:highlight>
+                            <a:srgbClr val="F7F8F7"/>
+                          </a:highlight>
+                        </a:rPr>
+                        <a:t>Donut</a:t>
+                      </a:r>
+                    </a:p>
+                  </a:txBody>
+                  <a:tcPr>
+                    <a:lnL w="12700" cap="flat" cmpd="sng" algn="ctr">
+                      <a:solidFill>
+                        <a:schemeClr val="accent4">
+                          <a:lumMod val="50000"/>
+                        </a:schemeClr>
+                      </a:solidFill>
+                      <a:prstDash val="solid"/>
+                      <a:round/>
+                      <a:headEnd type="none" w="med" len="med"/>
+                      <a:tailEnd type="none" w="med" len="med"/>
+                    </a:lnL>
+                    <a:lnR w="7620" cap="flat" cmpd="sng" algn="ctr">
+                      <a:solidFill>
+                        <a:srgbClr val="DEDEDE"/>
+                      </a:solidFill>
+                      <a:prstDash val="solid"/>
+                      <a:round/>
+                      <a:headEnd type="none" w="med" len="med"/>
+                      <a:tailEnd type="none" w="med" len="med"/>
+                    </a:lnR>
+                    <a:lnT w="12700" cap="flat" cmpd="sng" algn="ctr">
+                      <a:solidFill>
+                        <a:schemeClr val="accent4">
+                          <a:lumMod val="50000"/>
+                        </a:schemeClr>
+                      </a:solidFill>
+                      <a:prstDash val="solid"/>
+                      <a:round/>
+                      <a:headEnd type="none" w="med" len="med"/>
+                      <a:tailEnd type="none" w="med" len="med"/>
+                    </a:lnT>
+                    <a:lnB w="7620" cap="flat" cmpd="sng" algn="ctr">
+                      <a:solidFill>
+                        <a:srgbClr val="DEDEDE"/>
+                      </a:solidFill>
+                      <a:prstDash val="solid"/>
+                      <a:round/>
+                      <a:headEnd type="none" w="med" len="med"/>
+                      <a:tailEnd type="none" w="med" len="med"/>
+                    </a:lnB>
+                    <a:solidFill>
+                      <a:srgbClr val="F7F8F7"/>
+                    </a:solidFill>
+                  </a:tcPr>
+                </a:tc>
+                <a:tc>
+                  <a:txBody>
+                    <a:bodyPr/>
+                    <a:lstStyle/>
+                    <a:p>
+                      <a:pPr algn="r" fontAlgn="t"/>
+                      <a:r>
+                        <a:rPr lang="en-US" sz="1400" b="1" dirty="0">
+                          <a:effectLst/>
+                          <a:highlight>
+                            <a:srgbClr val="F7F8F7"/>
+                          </a:highlight>
+                        </a:rPr>
+                        <a:t>Quantity</a:t>
+                      </a:r>
+                    </a:p>
+                  </a:txBody>
+                  <a:tcPr>
+                    <a:lnL w="7620" cap="flat" cmpd="sng" algn="ctr">
+                      <a:solidFill>
+                        <a:srgbClr val="DEDEDE"/>
+                      </a:solidFill>
+                      <a:prstDash val="solid"/>
+                      <a:round/>
+                      <a:headEnd type="none" w="med" len="med"/>
+                      <a:tailEnd type="none" w="med" len="med"/>
+                    </a:lnL>
+                    <a:lnR w="12700" cap="flat" cmpd="sng" algn="ctr">
+                      <a:solidFill>
+                        <a:schemeClr val="accent4">
+                          <a:lumMod val="50000"/>
+                        </a:schemeClr>
+                      </a:solidFill>
+                      <a:prstDash val="solid"/>
+                      <a:round/>
+                      <a:headEnd type="none" w="med" len="med"/>
+                      <a:tailEnd type="none" w="med" len="med"/>
+                    </a:lnR>
+                    <a:lnT w="12700" cap="flat" cmpd="sng" algn="ctr">
+                      <a:solidFill>
+                        <a:schemeClr val="accent4">
+                          <a:lumMod val="50000"/>
+                        </a:schemeClr>
+                      </a:solidFill>
+                      <a:prstDash val="solid"/>
+                      <a:round/>
+                      <a:headEnd type="none" w="med" len="med"/>
+                      <a:tailEnd type="none" w="med" len="med"/>
+                    </a:lnT>
+                    <a:lnB w="7620" cap="flat" cmpd="sng" algn="ctr">
+                      <a:solidFill>
+                        <a:srgbClr val="DEDEDE"/>
+                      </a:solidFill>
+                      <a:prstDash val="solid"/>
+                      <a:round/>
+                      <a:headEnd type="none" w="med" len="med"/>
+                      <a:tailEnd type="none" w="med" len="med"/>
+                    </a:lnB>
+                    <a:solidFill>
+                      <a:srgbClr val="F7F8F7"/>
+                    </a:solidFill>
+                  </a:tcPr>
+                </a:tc>
+                <a:extLst>
+                  <a:ext uri="{0D108BD9-81ED-4DB2-BD59-A6C34878D82A}">
+                    <a16:rowId xmlns:a16="http://schemas.microsoft.com/office/drawing/2014/main" val="3563842501"/>
+                  </a:ext>
+                </a:extLst>
+              </a:tr>
+              <a:tr h="0">
+                <a:tc>
+                  <a:txBody>
+                    <a:bodyPr/>
+                    <a:lstStyle/>
+                    <a:p>
+                      <a:pPr algn="l" fontAlgn="t"/>
+                      <a:r>
+                        <a:rPr lang="en-US" sz="1400" dirty="0">
+                          <a:effectLst/>
+                        </a:rPr>
+                        <a:t>Old Fashioned</a:t>
+                      </a:r>
+                    </a:p>
+                  </a:txBody>
+                  <a:tcPr>
+                    <a:lnL w="12700" cap="flat" cmpd="sng" algn="ctr">
+                      <a:solidFill>
+                        <a:schemeClr val="accent4">
+                          <a:lumMod val="50000"/>
+                        </a:schemeClr>
+                      </a:solidFill>
+                      <a:prstDash val="solid"/>
+                      <a:round/>
+                      <a:headEnd type="none" w="med" len="med"/>
+                      <a:tailEnd type="none" w="med" len="med"/>
+                    </a:lnL>
+                    <a:lnR w="7620" cap="flat" cmpd="sng" algn="ctr">
+                      <a:solidFill>
+                        <a:srgbClr val="DEDEDE"/>
+                      </a:solidFill>
+                      <a:prstDash val="solid"/>
+                      <a:round/>
+                      <a:headEnd type="none" w="med" len="med"/>
+                      <a:tailEnd type="none" w="med" len="med"/>
+                    </a:lnR>
+                    <a:lnT w="7620" cap="flat" cmpd="sng" algn="ctr">
+                      <a:solidFill>
+                        <a:srgbClr val="DEDEDE"/>
+                      </a:solidFill>
+                      <a:prstDash val="solid"/>
+                      <a:round/>
+                      <a:headEnd type="none" w="med" len="med"/>
+                      <a:tailEnd type="none" w="med" len="med"/>
+                    </a:lnT>
+                    <a:lnB w="7620" cap="flat" cmpd="sng" algn="ctr">
+                      <a:solidFill>
+                        <a:srgbClr val="DEDEDE"/>
+                      </a:solidFill>
+                      <a:prstDash val="solid"/>
+                      <a:round/>
+                      <a:headEnd type="none" w="med" len="med"/>
+                      <a:tailEnd type="none" w="med" len="med"/>
+                    </a:lnB>
+                    <a:solidFill>
+                      <a:srgbClr val="FFFFFF"/>
+                    </a:solidFill>
+                  </a:tcPr>
+                </a:tc>
+                <a:tc>
+                  <a:txBody>
+                    <a:bodyPr/>
+                    <a:lstStyle/>
+                    <a:p>
+                      <a:pPr algn="r" fontAlgn="t"/>
+                      <a:r>
+                        <a:rPr lang="en-US" sz="1400" dirty="0">
+                          <a:effectLst/>
+                        </a:rPr>
+                        <a:t>48</a:t>
+                      </a:r>
+                    </a:p>
+                  </a:txBody>
+                  <a:tcPr>
+                    <a:lnL w="7620" cap="flat" cmpd="sng" algn="ctr">
+                      <a:solidFill>
+                        <a:srgbClr val="DEDEDE"/>
+                      </a:solidFill>
+                      <a:prstDash val="solid"/>
+                      <a:round/>
+                      <a:headEnd type="none" w="med" len="med"/>
+                      <a:tailEnd type="none" w="med" len="med"/>
+                    </a:lnL>
+                    <a:lnR w="12700" cap="flat" cmpd="sng" algn="ctr">
+                      <a:solidFill>
+                        <a:schemeClr val="accent4">
+                          <a:lumMod val="50000"/>
+                        </a:schemeClr>
+                      </a:solidFill>
+                      <a:prstDash val="solid"/>
+                      <a:round/>
+                      <a:headEnd type="none" w="med" len="med"/>
+                      <a:tailEnd type="none" w="med" len="med"/>
+                    </a:lnR>
+                    <a:lnT w="7620" cap="flat" cmpd="sng" algn="ctr">
+                      <a:solidFill>
+                        <a:srgbClr val="DEDEDE"/>
+                      </a:solidFill>
+                      <a:prstDash val="solid"/>
+                      <a:round/>
+                      <a:headEnd type="none" w="med" len="med"/>
+                      <a:tailEnd type="none" w="med" len="med"/>
+                    </a:lnT>
+                    <a:lnB w="7620" cap="flat" cmpd="sng" algn="ctr">
+                      <a:solidFill>
+                        <a:srgbClr val="DEDEDE"/>
+                      </a:solidFill>
+                      <a:prstDash val="solid"/>
+                      <a:round/>
+                      <a:headEnd type="none" w="med" len="med"/>
+                      <a:tailEnd type="none" w="med" len="med"/>
+                    </a:lnB>
+                    <a:solidFill>
+                      <a:srgbClr val="FFFFFF"/>
+                    </a:solidFill>
+                  </a:tcPr>
+                </a:tc>
+                <a:extLst>
+                  <a:ext uri="{0D108BD9-81ED-4DB2-BD59-A6C34878D82A}">
+                    <a16:rowId xmlns:a16="http://schemas.microsoft.com/office/drawing/2014/main" val="2718444116"/>
+                  </a:ext>
+                </a:extLst>
+              </a:tr>
+              <a:tr h="0">
+                <a:tc>
+                  <a:txBody>
+                    <a:bodyPr/>
+                    <a:lstStyle/>
+                    <a:p>
+                      <a:pPr algn="l" fontAlgn="t"/>
+                      <a:r>
+                        <a:rPr lang="en-US" sz="1400">
+                          <a:effectLst/>
+                        </a:rPr>
+                        <a:t>Blueberry</a:t>
+                      </a:r>
+                    </a:p>
+                  </a:txBody>
+                  <a:tcPr>
+                    <a:lnL w="12700" cap="flat" cmpd="sng" algn="ctr">
+                      <a:solidFill>
+                        <a:schemeClr val="accent4">
+                          <a:lumMod val="50000"/>
+                        </a:schemeClr>
+                      </a:solidFill>
+                      <a:prstDash val="solid"/>
+                      <a:round/>
+                      <a:headEnd type="none" w="med" len="med"/>
+                      <a:tailEnd type="none" w="med" len="med"/>
+                    </a:lnL>
+                    <a:lnR w="7620" cap="flat" cmpd="sng" algn="ctr">
+                      <a:solidFill>
+                        <a:srgbClr val="DEDEDE"/>
+                      </a:solidFill>
+                      <a:prstDash val="solid"/>
+                      <a:round/>
+                      <a:headEnd type="none" w="med" len="med"/>
+                      <a:tailEnd type="none" w="med" len="med"/>
+                    </a:lnR>
+                    <a:lnT w="7620" cap="flat" cmpd="sng" algn="ctr">
+                      <a:solidFill>
+                        <a:srgbClr val="DEDEDE"/>
+                      </a:solidFill>
+                      <a:prstDash val="solid"/>
+                      <a:round/>
+                      <a:headEnd type="none" w="med" len="med"/>
+                      <a:tailEnd type="none" w="med" len="med"/>
+                    </a:lnT>
+                    <a:lnB w="7620" cap="flat" cmpd="sng" algn="ctr">
+                      <a:solidFill>
+                        <a:srgbClr val="DEDEDE"/>
+                      </a:solidFill>
+                      <a:prstDash val="solid"/>
+                      <a:round/>
+                      <a:headEnd type="none" w="med" len="med"/>
+                      <a:tailEnd type="none" w="med" len="med"/>
+                    </a:lnB>
+                    <a:solidFill>
+                      <a:srgbClr val="FFFFFF"/>
+                    </a:solidFill>
+                  </a:tcPr>
+                </a:tc>
+                <a:tc>
+                  <a:txBody>
+                    <a:bodyPr/>
+                    <a:lstStyle/>
+                    <a:p>
+                      <a:pPr algn="r" fontAlgn="t"/>
+                      <a:r>
+                        <a:rPr lang="en-US" sz="1400" dirty="0">
+                          <a:effectLst/>
+                        </a:rPr>
+                        <a:t>6</a:t>
+                      </a:r>
+                    </a:p>
+                  </a:txBody>
+                  <a:tcPr>
+                    <a:lnL w="7620" cap="flat" cmpd="sng" algn="ctr">
+                      <a:solidFill>
+                        <a:srgbClr val="DEDEDE"/>
+                      </a:solidFill>
+                      <a:prstDash val="solid"/>
+                      <a:round/>
+                      <a:headEnd type="none" w="med" len="med"/>
+                      <a:tailEnd type="none" w="med" len="med"/>
+                    </a:lnL>
+                    <a:lnR w="12700" cap="flat" cmpd="sng" algn="ctr">
+                      <a:solidFill>
+                        <a:schemeClr val="accent4">
+                          <a:lumMod val="50000"/>
+                        </a:schemeClr>
+                      </a:solidFill>
+                      <a:prstDash val="solid"/>
+                      <a:round/>
+                      <a:headEnd type="none" w="med" len="med"/>
+                      <a:tailEnd type="none" w="med" len="med"/>
+                    </a:lnR>
+                    <a:lnT w="7620" cap="flat" cmpd="sng" algn="ctr">
+                      <a:solidFill>
+                        <a:srgbClr val="DEDEDE"/>
+                      </a:solidFill>
+                      <a:prstDash val="solid"/>
+                      <a:round/>
+                      <a:headEnd type="none" w="med" len="med"/>
+                      <a:tailEnd type="none" w="med" len="med"/>
+                    </a:lnT>
+                    <a:lnB w="7620" cap="flat" cmpd="sng" algn="ctr">
+                      <a:solidFill>
+                        <a:srgbClr val="DEDEDE"/>
+                      </a:solidFill>
+                      <a:prstDash val="solid"/>
+                      <a:round/>
+                      <a:headEnd type="none" w="med" len="med"/>
+                      <a:tailEnd type="none" w="med" len="med"/>
+                    </a:lnB>
+                    <a:solidFill>
+                      <a:srgbClr val="FFFFFF"/>
+                    </a:solidFill>
+                  </a:tcPr>
+                </a:tc>
+                <a:extLst>
+                  <a:ext uri="{0D108BD9-81ED-4DB2-BD59-A6C34878D82A}">
+                    <a16:rowId xmlns:a16="http://schemas.microsoft.com/office/drawing/2014/main" val="2602769505"/>
+                  </a:ext>
+                </a:extLst>
+              </a:tr>
+              <a:tr h="0">
+                <a:tc>
+                  <a:txBody>
+                    <a:bodyPr/>
+                    <a:lstStyle/>
+                    <a:p>
+                      <a:pPr algn="l" fontAlgn="t"/>
+                      <a:r>
+                        <a:rPr lang="en-US" sz="1400" dirty="0">
+                          <a:effectLst/>
+                        </a:rPr>
+                        <a:t>Apple Cider</a:t>
+                      </a:r>
+                    </a:p>
+                  </a:txBody>
+                  <a:tcPr>
+                    <a:lnL w="12700" cap="flat" cmpd="sng" algn="ctr">
+                      <a:solidFill>
+                        <a:schemeClr val="accent4">
+                          <a:lumMod val="50000"/>
+                        </a:schemeClr>
+                      </a:solidFill>
+                      <a:prstDash val="solid"/>
+                      <a:round/>
+                      <a:headEnd type="none" w="med" len="med"/>
+                      <a:tailEnd type="none" w="med" len="med"/>
+                    </a:lnL>
+                    <a:lnR w="7620" cap="flat" cmpd="sng" algn="ctr">
+                      <a:solidFill>
+                        <a:srgbClr val="DEDEDE"/>
+                      </a:solidFill>
+                      <a:prstDash val="solid"/>
+                      <a:round/>
+                      <a:headEnd type="none" w="med" len="med"/>
+                      <a:tailEnd type="none" w="med" len="med"/>
+                    </a:lnR>
+                    <a:lnT w="7620" cap="flat" cmpd="sng" algn="ctr">
+                      <a:solidFill>
+                        <a:srgbClr val="DEDEDE"/>
+                      </a:solidFill>
+                      <a:prstDash val="solid"/>
+                      <a:round/>
+                      <a:headEnd type="none" w="med" len="med"/>
+                      <a:tailEnd type="none" w="med" len="med"/>
+                    </a:lnT>
+                    <a:lnB w="7620" cap="flat" cmpd="sng" algn="ctr">
+                      <a:solidFill>
+                        <a:srgbClr val="DEDEDE"/>
+                      </a:solidFill>
+                      <a:prstDash val="solid"/>
+                      <a:round/>
+                      <a:headEnd type="none" w="med" len="med"/>
+                      <a:tailEnd type="none" w="med" len="med"/>
+                    </a:lnB>
+                    <a:solidFill>
+                      <a:srgbClr val="FFFFFF"/>
+                    </a:solidFill>
+                  </a:tcPr>
+                </a:tc>
+                <a:tc>
+                  <a:txBody>
+                    <a:bodyPr/>
+                    <a:lstStyle/>
+                    <a:p>
+                      <a:pPr algn="r" fontAlgn="t"/>
+                      <a:r>
+                        <a:rPr lang="en-US" sz="1400" dirty="0">
+                          <a:effectLst/>
+                        </a:rPr>
+                        <a:t>12</a:t>
+                      </a:r>
+                    </a:p>
+                  </a:txBody>
+                  <a:tcPr>
+                    <a:lnL w="7620" cap="flat" cmpd="sng" algn="ctr">
+                      <a:solidFill>
+                        <a:srgbClr val="DEDEDE"/>
+                      </a:solidFill>
+                      <a:prstDash val="solid"/>
+                      <a:round/>
+                      <a:headEnd type="none" w="med" len="med"/>
+                      <a:tailEnd type="none" w="med" len="med"/>
+                    </a:lnL>
+                    <a:lnR w="12700" cap="flat" cmpd="sng" algn="ctr">
+                      <a:solidFill>
+                        <a:schemeClr val="accent4">
+                          <a:lumMod val="50000"/>
+                        </a:schemeClr>
+                      </a:solidFill>
+                      <a:prstDash val="solid"/>
+                      <a:round/>
+                      <a:headEnd type="none" w="med" len="med"/>
+                      <a:tailEnd type="none" w="med" len="med"/>
+                    </a:lnR>
+                    <a:lnT w="7620" cap="flat" cmpd="sng" algn="ctr">
+                      <a:solidFill>
+                        <a:srgbClr val="DEDEDE"/>
+                      </a:solidFill>
+                      <a:prstDash val="solid"/>
+                      <a:round/>
+                      <a:headEnd type="none" w="med" len="med"/>
+                      <a:tailEnd type="none" w="med" len="med"/>
+                    </a:lnT>
+                    <a:lnB w="7620" cap="flat" cmpd="sng" algn="ctr">
+                      <a:solidFill>
+                        <a:srgbClr val="DEDEDE"/>
+                      </a:solidFill>
+                      <a:prstDash val="solid"/>
+                      <a:round/>
+                      <a:headEnd type="none" w="med" len="med"/>
+                      <a:tailEnd type="none" w="med" len="med"/>
+                    </a:lnB>
+                    <a:solidFill>
+                      <a:srgbClr val="FFFFFF"/>
+                    </a:solidFill>
+                  </a:tcPr>
+                </a:tc>
+                <a:extLst>
+                  <a:ext uri="{0D108BD9-81ED-4DB2-BD59-A6C34878D82A}">
+                    <a16:rowId xmlns:a16="http://schemas.microsoft.com/office/drawing/2014/main" val="3047391649"/>
+                  </a:ext>
+                </a:extLst>
+              </a:tr>
+              <a:tr h="0">
+                <a:tc>
+                  <a:txBody>
+                    <a:bodyPr/>
+                    <a:lstStyle/>
+                    <a:p>
+                      <a:pPr algn="l" fontAlgn="t"/>
+                      <a:r>
+                        <a:rPr lang="en-US" sz="1400" dirty="0">
+                          <a:effectLst/>
+                        </a:rPr>
+                        <a:t>Jelly</a:t>
+                      </a:r>
+                    </a:p>
+                  </a:txBody>
+                  <a:tcPr>
+                    <a:lnL w="12700" cap="flat" cmpd="sng" algn="ctr">
+                      <a:solidFill>
+                        <a:schemeClr val="accent4">
+                          <a:lumMod val="50000"/>
+                        </a:schemeClr>
+                      </a:solidFill>
+                      <a:prstDash val="solid"/>
+                      <a:round/>
+                      <a:headEnd type="none" w="med" len="med"/>
+                      <a:tailEnd type="none" w="med" len="med"/>
+                    </a:lnL>
+                    <a:lnR w="7620" cap="flat" cmpd="sng" algn="ctr">
+                      <a:solidFill>
+                        <a:srgbClr val="DEDEDE"/>
+                      </a:solidFill>
+                      <a:prstDash val="solid"/>
+                      <a:round/>
+                      <a:headEnd type="none" w="med" len="med"/>
+                      <a:tailEnd type="none" w="med" len="med"/>
+                    </a:lnR>
+                    <a:lnT w="7620" cap="flat" cmpd="sng" algn="ctr">
+                      <a:solidFill>
+                        <a:srgbClr val="DEDEDE"/>
+                      </a:solidFill>
+                      <a:prstDash val="solid"/>
+                      <a:round/>
+                      <a:headEnd type="none" w="med" len="med"/>
+                      <a:tailEnd type="none" w="med" len="med"/>
+                    </a:lnT>
+                    <a:lnB w="7620" cap="flat" cmpd="sng" algn="ctr">
+                      <a:solidFill>
+                        <a:srgbClr val="DEDEDE"/>
+                      </a:solidFill>
+                      <a:prstDash val="solid"/>
+                      <a:round/>
+                      <a:headEnd type="none" w="med" len="med"/>
+                      <a:tailEnd type="none" w="med" len="med"/>
+                    </a:lnB>
+                    <a:solidFill>
+                      <a:srgbClr val="FFFFFF"/>
+                    </a:solidFill>
+                  </a:tcPr>
+                </a:tc>
+                <a:tc>
+                  <a:txBody>
+                    <a:bodyPr/>
+                    <a:lstStyle/>
+                    <a:p>
+                      <a:pPr algn="r" fontAlgn="t"/>
+                      <a:r>
+                        <a:rPr lang="en-US" sz="1400" dirty="0">
+                          <a:effectLst/>
+                        </a:rPr>
+                        <a:t>12</a:t>
+                      </a:r>
+                    </a:p>
+                  </a:txBody>
+                  <a:tcPr>
+                    <a:lnL w="7620" cap="flat" cmpd="sng" algn="ctr">
+                      <a:solidFill>
+                        <a:srgbClr val="DEDEDE"/>
+                      </a:solidFill>
+                      <a:prstDash val="solid"/>
+                      <a:round/>
+                      <a:headEnd type="none" w="med" len="med"/>
+                      <a:tailEnd type="none" w="med" len="med"/>
+                    </a:lnL>
+                    <a:lnR w="12700" cap="flat" cmpd="sng" algn="ctr">
+                      <a:solidFill>
+                        <a:schemeClr val="accent4">
+                          <a:lumMod val="50000"/>
+                        </a:schemeClr>
+                      </a:solidFill>
+                      <a:prstDash val="solid"/>
+                      <a:round/>
+                      <a:headEnd type="none" w="med" len="med"/>
+                      <a:tailEnd type="none" w="med" len="med"/>
+                    </a:lnR>
+                    <a:lnT w="7620" cap="flat" cmpd="sng" algn="ctr">
+                      <a:solidFill>
+                        <a:srgbClr val="DEDEDE"/>
+                      </a:solidFill>
+                      <a:prstDash val="solid"/>
+                      <a:round/>
+                      <a:headEnd type="none" w="med" len="med"/>
+                      <a:tailEnd type="none" w="med" len="med"/>
+                    </a:lnT>
+                    <a:lnB w="7620" cap="flat" cmpd="sng" algn="ctr">
+                      <a:solidFill>
+                        <a:srgbClr val="DEDEDE"/>
+                      </a:solidFill>
+                      <a:prstDash val="solid"/>
+                      <a:round/>
+                      <a:headEnd type="none" w="med" len="med"/>
+                      <a:tailEnd type="none" w="med" len="med"/>
+                    </a:lnB>
+                    <a:solidFill>
+                      <a:srgbClr val="FFFFFF"/>
+                    </a:solidFill>
+                  </a:tcPr>
+                </a:tc>
+                <a:extLst>
+                  <a:ext uri="{0D108BD9-81ED-4DB2-BD59-A6C34878D82A}">
+                    <a16:rowId xmlns:a16="http://schemas.microsoft.com/office/drawing/2014/main" val="422963243"/>
+                  </a:ext>
+                </a:extLst>
+              </a:tr>
+              <a:tr h="0">
+                <a:tc>
+                  <a:txBody>
+                    <a:bodyPr/>
+                    <a:lstStyle/>
+                    <a:p>
+                      <a:pPr algn="l" fontAlgn="t"/>
+                      <a:r>
+                        <a:rPr lang="en-US" sz="1400" dirty="0">
+                          <a:effectLst/>
+                        </a:rPr>
+                        <a:t>Pumpkin Spice</a:t>
+                      </a:r>
+                    </a:p>
+                  </a:txBody>
+                  <a:tcPr>
+                    <a:lnL w="12700" cap="flat" cmpd="sng" algn="ctr">
+                      <a:solidFill>
+                        <a:schemeClr val="accent4">
+                          <a:lumMod val="50000"/>
+                        </a:schemeClr>
+                      </a:solidFill>
+                      <a:prstDash val="solid"/>
+                      <a:round/>
+                      <a:headEnd type="none" w="med" len="med"/>
+                      <a:tailEnd type="none" w="med" len="med"/>
+                    </a:lnL>
+                    <a:lnR w="7620" cap="flat" cmpd="sng" algn="ctr">
+                      <a:solidFill>
+                        <a:srgbClr val="DEDEDE"/>
+                      </a:solidFill>
+                      <a:prstDash val="solid"/>
+                      <a:round/>
+                      <a:headEnd type="none" w="med" len="med"/>
+                      <a:tailEnd type="none" w="med" len="med"/>
+                    </a:lnR>
+                    <a:lnT w="7620" cap="flat" cmpd="sng" algn="ctr">
+                      <a:solidFill>
+                        <a:srgbClr val="DEDEDE"/>
+                      </a:solidFill>
+                      <a:prstDash val="solid"/>
+                      <a:round/>
+                      <a:headEnd type="none" w="med" len="med"/>
+                      <a:tailEnd type="none" w="med" len="med"/>
+                    </a:lnT>
+                    <a:lnB w="12700" cap="flat" cmpd="sng" algn="ctr">
+                      <a:solidFill>
+                        <a:schemeClr val="accent4">
+                          <a:lumMod val="50000"/>
+                        </a:schemeClr>
+                      </a:solidFill>
+                      <a:prstDash val="solid"/>
+                      <a:round/>
+                      <a:headEnd type="none" w="med" len="med"/>
+                      <a:tailEnd type="none" w="med" len="med"/>
+                    </a:lnB>
+                    <a:solidFill>
+                      <a:srgbClr val="FFFFFF"/>
+                    </a:solidFill>
+                  </a:tcPr>
+                </a:tc>
+                <a:tc>
+                  <a:txBody>
+                    <a:bodyPr/>
+                    <a:lstStyle/>
+                    <a:p>
+                      <a:pPr algn="r" fontAlgn="t"/>
+                      <a:r>
+                        <a:rPr lang="en-US" sz="1400" dirty="0">
+                          <a:effectLst/>
+                        </a:rPr>
+                        <a:t>1</a:t>
+                      </a:r>
+                    </a:p>
+                  </a:txBody>
+                  <a:tcPr>
+                    <a:lnL w="7620" cap="flat" cmpd="sng" algn="ctr">
+                      <a:solidFill>
+                        <a:srgbClr val="DEDEDE"/>
+                      </a:solidFill>
+                      <a:prstDash val="solid"/>
+                      <a:round/>
+                      <a:headEnd type="none" w="med" len="med"/>
+                      <a:tailEnd type="none" w="med" len="med"/>
+                    </a:lnL>
+                    <a:lnR w="12700" cap="flat" cmpd="sng" algn="ctr">
+                      <a:solidFill>
+                        <a:schemeClr val="accent4">
+                          <a:lumMod val="50000"/>
+                        </a:schemeClr>
+                      </a:solidFill>
+                      <a:prstDash val="solid"/>
+                      <a:round/>
+                      <a:headEnd type="none" w="med" len="med"/>
+                      <a:tailEnd type="none" w="med" len="med"/>
+                    </a:lnR>
+                    <a:lnT w="7620" cap="flat" cmpd="sng" algn="ctr">
+                      <a:solidFill>
+                        <a:srgbClr val="DEDEDE"/>
+                      </a:solidFill>
+                      <a:prstDash val="solid"/>
+                      <a:round/>
+                      <a:headEnd type="none" w="med" len="med"/>
+                      <a:tailEnd type="none" w="med" len="med"/>
+                    </a:lnT>
+                    <a:lnB w="12700" cap="flat" cmpd="sng" algn="ctr">
+                      <a:solidFill>
+                        <a:schemeClr val="accent4">
+                          <a:lumMod val="50000"/>
+                        </a:schemeClr>
+                      </a:solidFill>
+                      <a:prstDash val="solid"/>
+                      <a:round/>
+                      <a:headEnd type="none" w="med" len="med"/>
+                      <a:tailEnd type="none" w="med" len="med"/>
+                    </a:lnB>
+                    <a:solidFill>
+                      <a:srgbClr val="FFFFFF"/>
+                    </a:solidFill>
+                  </a:tcPr>
+                </a:tc>
+                <a:extLst>
+                  <a:ext uri="{0D108BD9-81ED-4DB2-BD59-A6C34878D82A}">
+                    <a16:rowId xmlns:a16="http://schemas.microsoft.com/office/drawing/2014/main" val="1928921853"/>
+                  </a:ext>
+                </a:extLst>
+              </a:tr>
+            </a:tbl>
+          </a:graphicData>
+        </a:graphic>
+      </p:graphicFrame>
+      <p:graphicFrame>
+        <p:nvGraphicFramePr>
+          <p:cNvPr id="18" name="Table 17">
+            <a:extLst>
+              <a:ext uri="{FF2B5EF4-FFF2-40B4-BE49-F238E27FC236}">
+                <a16:creationId xmlns:a16="http://schemas.microsoft.com/office/drawing/2014/main" id="{DBF3DCE1-DF78-744B-A98C-9E2798D41593}"/>
+              </a:ext>
+            </a:extLst>
+          </p:cNvPr>
+          <p:cNvGraphicFramePr>
+            <a:graphicFrameLocks noGrp="1"/>
+          </p:cNvGraphicFramePr>
+          <p:nvPr>
+            <p:extLst>
+              <p:ext uri="{D42A27DB-BD31-4B8C-83A1-F6EECF244321}">
+                <p14:modId xmlns:p14="http://schemas.microsoft.com/office/powerpoint/2010/main" val="3080302649"/>
+              </p:ext>
+            </p:extLst>
+          </p:nvPr>
+        </p:nvGraphicFramePr>
+        <p:xfrm>
+          <a:off x="10081260" y="4352425"/>
+          <a:ext cx="1342800" cy="1828800"/>
+        </p:xfrm>
+        <a:graphic>
+          <a:graphicData uri="http://schemas.openxmlformats.org/drawingml/2006/table">
+            <a:tbl>
+              <a:tblPr/>
+              <a:tblGrid>
+                <a:gridCol w="1342800">
+                  <a:extLst>
+                    <a:ext uri="{9D8B030D-6E8A-4147-A177-3AD203B41FA5}">
+                      <a16:colId xmlns:a16="http://schemas.microsoft.com/office/drawing/2014/main" val="1995741582"/>
+                    </a:ext>
+                  </a:extLst>
+                </a:gridCol>
+              </a:tblGrid>
+              <a:tr h="0">
+                <a:tc>
+                  <a:txBody>
+                    <a:bodyPr/>
+                    <a:lstStyle/>
+                    <a:p>
+                      <a:pPr algn="l" fontAlgn="t"/>
+                      <a:r>
+                        <a:rPr lang="en-US" sz="1400" b="1" dirty="0">
+                          <a:effectLst/>
+                          <a:highlight>
+                            <a:srgbClr val="F7F8F7"/>
+                          </a:highlight>
+                        </a:rPr>
+                        <a:t>Donut</a:t>
+                      </a:r>
+                    </a:p>
+                  </a:txBody>
+                  <a:tcPr>
+                    <a:lnL w="12700" cap="flat" cmpd="sng" algn="ctr">
+                      <a:solidFill>
+                        <a:srgbClr val="7030A0"/>
+                      </a:solidFill>
+                      <a:prstDash val="solid"/>
+                      <a:round/>
+                      <a:headEnd type="none" w="med" len="med"/>
+                      <a:tailEnd type="none" w="med" len="med"/>
+                    </a:lnL>
+                    <a:lnR w="12700" cap="flat" cmpd="sng" algn="ctr">
+                      <a:solidFill>
+                        <a:srgbClr val="7030A0"/>
+                      </a:solidFill>
+                      <a:prstDash val="solid"/>
+                      <a:round/>
+                      <a:headEnd type="none" w="med" len="med"/>
+                      <a:tailEnd type="none" w="med" len="med"/>
+                    </a:lnR>
+                    <a:lnT w="12700" cap="flat" cmpd="sng" algn="ctr">
+                      <a:solidFill>
+                        <a:srgbClr val="7030A0"/>
+                      </a:solidFill>
+                      <a:prstDash val="solid"/>
+                      <a:round/>
+                      <a:headEnd type="none" w="med" len="med"/>
+                      <a:tailEnd type="none" w="med" len="med"/>
+                    </a:lnT>
+                    <a:lnB w="7620" cap="flat" cmpd="sng" algn="ctr">
+                      <a:solidFill>
+                        <a:srgbClr val="DEDEDE"/>
+                      </a:solidFill>
+                      <a:prstDash val="solid"/>
+                      <a:round/>
+                      <a:headEnd type="none" w="med" len="med"/>
+                      <a:tailEnd type="none" w="med" len="med"/>
+                    </a:lnB>
+                    <a:solidFill>
+                      <a:srgbClr val="F7F8F7"/>
+                    </a:solidFill>
+                  </a:tcPr>
+                </a:tc>
+                <a:extLst>
+                  <a:ext uri="{0D108BD9-81ED-4DB2-BD59-A6C34878D82A}">
+                    <a16:rowId xmlns:a16="http://schemas.microsoft.com/office/drawing/2014/main" val="3563842501"/>
+                  </a:ext>
+                </a:extLst>
+              </a:tr>
+              <a:tr h="0">
+                <a:tc>
+                  <a:txBody>
+                    <a:bodyPr/>
+                    <a:lstStyle/>
+                    <a:p>
+                      <a:pPr algn="l" fontAlgn="t"/>
+                      <a:r>
+                        <a:rPr lang="en-US" sz="1400" dirty="0">
+                          <a:effectLst/>
+                        </a:rPr>
+                        <a:t>Old Fashioned</a:t>
+                      </a:r>
+                    </a:p>
+                  </a:txBody>
+                  <a:tcPr>
+                    <a:lnL w="12700" cap="flat" cmpd="sng" algn="ctr">
+                      <a:solidFill>
+                        <a:srgbClr val="7030A0"/>
+                      </a:solidFill>
+                      <a:prstDash val="solid"/>
+                      <a:round/>
+                      <a:headEnd type="none" w="med" len="med"/>
+                      <a:tailEnd type="none" w="med" len="med"/>
+                    </a:lnL>
+                    <a:lnR w="12700" cap="flat" cmpd="sng" algn="ctr">
+                      <a:solidFill>
+                        <a:srgbClr val="7030A0"/>
+                      </a:solidFill>
+                      <a:prstDash val="solid"/>
+                      <a:round/>
+                      <a:headEnd type="none" w="med" len="med"/>
+                      <a:tailEnd type="none" w="med" len="med"/>
+                    </a:lnR>
+                    <a:lnT w="7620" cap="flat" cmpd="sng" algn="ctr">
+                      <a:solidFill>
+                        <a:srgbClr val="DEDEDE"/>
+                      </a:solidFill>
+                      <a:prstDash val="solid"/>
+                      <a:round/>
+                      <a:headEnd type="none" w="med" len="med"/>
+                      <a:tailEnd type="none" w="med" len="med"/>
+                    </a:lnT>
+                    <a:lnB w="7620" cap="flat" cmpd="sng" algn="ctr">
+                      <a:solidFill>
+                        <a:srgbClr val="DEDEDE"/>
+                      </a:solidFill>
+                      <a:prstDash val="solid"/>
+                      <a:round/>
+                      <a:headEnd type="none" w="med" len="med"/>
+                      <a:tailEnd type="none" w="med" len="med"/>
+                    </a:lnB>
+                    <a:solidFill>
+                      <a:srgbClr val="FFFFFF"/>
+                    </a:solidFill>
+                  </a:tcPr>
+                </a:tc>
+                <a:extLst>
+                  <a:ext uri="{0D108BD9-81ED-4DB2-BD59-A6C34878D82A}">
+                    <a16:rowId xmlns:a16="http://schemas.microsoft.com/office/drawing/2014/main" val="2718444116"/>
+                  </a:ext>
+                </a:extLst>
+              </a:tr>
+              <a:tr h="0">
+                <a:tc>
+                  <a:txBody>
+                    <a:bodyPr/>
+                    <a:lstStyle/>
+                    <a:p>
+                      <a:pPr algn="l" fontAlgn="t"/>
+                      <a:r>
+                        <a:rPr lang="en-US" sz="1400" dirty="0">
+                          <a:effectLst/>
+                        </a:rPr>
+                        <a:t>Apple Cider</a:t>
+                      </a:r>
+                    </a:p>
+                  </a:txBody>
+                  <a:tcPr>
+                    <a:lnL w="12700" cap="flat" cmpd="sng" algn="ctr">
+                      <a:solidFill>
+                        <a:srgbClr val="7030A0"/>
+                      </a:solidFill>
+                      <a:prstDash val="solid"/>
+                      <a:round/>
+                      <a:headEnd type="none" w="med" len="med"/>
+                      <a:tailEnd type="none" w="med" len="med"/>
+                    </a:lnL>
+                    <a:lnR w="12700" cap="flat" cmpd="sng" algn="ctr">
+                      <a:solidFill>
+                        <a:srgbClr val="7030A0"/>
+                      </a:solidFill>
+                      <a:prstDash val="solid"/>
+                      <a:round/>
+                      <a:headEnd type="none" w="med" len="med"/>
+                      <a:tailEnd type="none" w="med" len="med"/>
+                    </a:lnR>
+                    <a:lnT w="7620" cap="flat" cmpd="sng" algn="ctr">
+                      <a:solidFill>
+                        <a:srgbClr val="DEDEDE"/>
+                      </a:solidFill>
+                      <a:prstDash val="solid"/>
+                      <a:round/>
+                      <a:headEnd type="none" w="med" len="med"/>
+                      <a:tailEnd type="none" w="med" len="med"/>
+                    </a:lnT>
+                    <a:lnB w="7620" cap="flat" cmpd="sng" algn="ctr">
+                      <a:solidFill>
+                        <a:srgbClr val="DEDEDE"/>
+                      </a:solidFill>
+                      <a:prstDash val="solid"/>
+                      <a:round/>
+                      <a:headEnd type="none" w="med" len="med"/>
+                      <a:tailEnd type="none" w="med" len="med"/>
+                    </a:lnB>
+                    <a:solidFill>
+                      <a:srgbClr val="FFFFFF"/>
+                    </a:solidFill>
+                  </a:tcPr>
+                </a:tc>
+                <a:extLst>
+                  <a:ext uri="{0D108BD9-81ED-4DB2-BD59-A6C34878D82A}">
+                    <a16:rowId xmlns:a16="http://schemas.microsoft.com/office/drawing/2014/main" val="2602769505"/>
+                  </a:ext>
+                </a:extLst>
+              </a:tr>
+              <a:tr h="0">
+                <a:tc>
+                  <a:txBody>
+                    <a:bodyPr/>
+                    <a:lstStyle/>
+                    <a:p>
+                      <a:pPr algn="l" fontAlgn="t"/>
+                      <a:r>
+                        <a:rPr lang="en-US" sz="1400" dirty="0">
+                          <a:effectLst/>
+                        </a:rPr>
+                        <a:t>Jelly</a:t>
+                      </a:r>
+                    </a:p>
+                  </a:txBody>
+                  <a:tcPr>
+                    <a:lnL w="12700" cap="flat" cmpd="sng" algn="ctr">
+                      <a:solidFill>
+                        <a:srgbClr val="7030A0"/>
+                      </a:solidFill>
+                      <a:prstDash val="solid"/>
+                      <a:round/>
+                      <a:headEnd type="none" w="med" len="med"/>
+                      <a:tailEnd type="none" w="med" len="med"/>
+                    </a:lnL>
+                    <a:lnR w="12700" cap="flat" cmpd="sng" algn="ctr">
+                      <a:solidFill>
+                        <a:srgbClr val="7030A0"/>
+                      </a:solidFill>
+                      <a:prstDash val="solid"/>
+                      <a:round/>
+                      <a:headEnd type="none" w="med" len="med"/>
+                      <a:tailEnd type="none" w="med" len="med"/>
+                    </a:lnR>
+                    <a:lnT w="7620" cap="flat" cmpd="sng" algn="ctr">
+                      <a:solidFill>
+                        <a:srgbClr val="DEDEDE"/>
+                      </a:solidFill>
+                      <a:prstDash val="solid"/>
+                      <a:round/>
+                      <a:headEnd type="none" w="med" len="med"/>
+                      <a:tailEnd type="none" w="med" len="med"/>
+                    </a:lnT>
+                    <a:lnB w="7620" cap="flat" cmpd="sng" algn="ctr">
+                      <a:solidFill>
+                        <a:srgbClr val="DEDEDE"/>
+                      </a:solidFill>
+                      <a:prstDash val="solid"/>
+                      <a:round/>
+                      <a:headEnd type="none" w="med" len="med"/>
+                      <a:tailEnd type="none" w="med" len="med"/>
+                    </a:lnB>
+                    <a:solidFill>
+                      <a:srgbClr val="FFFFFF"/>
+                    </a:solidFill>
+                  </a:tcPr>
+                </a:tc>
+                <a:extLst>
+                  <a:ext uri="{0D108BD9-81ED-4DB2-BD59-A6C34878D82A}">
+                    <a16:rowId xmlns:a16="http://schemas.microsoft.com/office/drawing/2014/main" val="3047391649"/>
+                  </a:ext>
+                </a:extLst>
+              </a:tr>
+              <a:tr h="0">
+                <a:tc>
+                  <a:txBody>
+                    <a:bodyPr/>
+                    <a:lstStyle/>
+                    <a:p>
+                      <a:pPr marL="0" marR="0" lvl="0" indent="0" algn="l" defTabSz="914400" rtl="0" eaLnBrk="1" fontAlgn="t" latinLnBrk="0" hangingPunct="1">
+                        <a:lnSpc>
+                          <a:spcPct val="100000"/>
+                        </a:lnSpc>
+                        <a:spcBef>
+                          <a:spcPts val="0"/>
+                        </a:spcBef>
+                        <a:spcAft>
+                          <a:spcPts val="0"/>
+                        </a:spcAft>
+                        <a:buClrTx/>
+                        <a:buSzTx/>
+                        <a:buFontTx/>
+                        <a:buNone/>
+                        <a:tabLst/>
+                        <a:defRPr/>
+                      </a:pPr>
+                      <a:r>
+                        <a:rPr lang="en-US" sz="1400" dirty="0">
+                          <a:effectLst/>
+                        </a:rPr>
+                        <a:t>Blueberry</a:t>
+                      </a:r>
+                    </a:p>
+                  </a:txBody>
+                  <a:tcPr>
+                    <a:lnL w="12700" cap="flat" cmpd="sng" algn="ctr">
+                      <a:solidFill>
+                        <a:srgbClr val="7030A0"/>
+                      </a:solidFill>
+                      <a:prstDash val="solid"/>
+                      <a:round/>
+                      <a:headEnd type="none" w="med" len="med"/>
+                      <a:tailEnd type="none" w="med" len="med"/>
+                    </a:lnL>
+                    <a:lnR w="12700" cap="flat" cmpd="sng" algn="ctr">
+                      <a:solidFill>
+                        <a:srgbClr val="7030A0"/>
+                      </a:solidFill>
+                      <a:prstDash val="solid"/>
+                      <a:round/>
+                      <a:headEnd type="none" w="med" len="med"/>
+                      <a:tailEnd type="none" w="med" len="med"/>
+                    </a:lnR>
+                    <a:lnT w="7620" cap="flat" cmpd="sng" algn="ctr">
+                      <a:solidFill>
+                        <a:srgbClr val="DEDEDE"/>
+                      </a:solidFill>
+                      <a:prstDash val="solid"/>
+                      <a:round/>
+                      <a:headEnd type="none" w="med" len="med"/>
+                      <a:tailEnd type="none" w="med" len="med"/>
+                    </a:lnT>
+                    <a:lnB w="7620" cap="flat" cmpd="sng" algn="ctr">
+                      <a:solidFill>
+                        <a:srgbClr val="DEDEDE"/>
+                      </a:solidFill>
+                      <a:prstDash val="solid"/>
+                      <a:round/>
+                      <a:headEnd type="none" w="med" len="med"/>
+                      <a:tailEnd type="none" w="med" len="med"/>
+                    </a:lnB>
+                    <a:solidFill>
+                      <a:srgbClr val="FFFFFF"/>
+                    </a:solidFill>
+                  </a:tcPr>
+                </a:tc>
+                <a:extLst>
+                  <a:ext uri="{0D108BD9-81ED-4DB2-BD59-A6C34878D82A}">
+                    <a16:rowId xmlns:a16="http://schemas.microsoft.com/office/drawing/2014/main" val="422963243"/>
+                  </a:ext>
+                </a:extLst>
+              </a:tr>
+              <a:tr h="0">
+                <a:tc>
+                  <a:txBody>
+                    <a:bodyPr/>
+                    <a:lstStyle/>
+                    <a:p>
+                      <a:pPr algn="l" fontAlgn="t"/>
+                      <a:r>
+                        <a:rPr lang="en-US" sz="1400" dirty="0">
+                          <a:effectLst/>
+                        </a:rPr>
+                        <a:t>Pumpkin Spice</a:t>
+                      </a:r>
+                    </a:p>
+                  </a:txBody>
+                  <a:tcPr>
+                    <a:lnL w="12700" cap="flat" cmpd="sng" algn="ctr">
+                      <a:solidFill>
+                        <a:srgbClr val="7030A0"/>
+                      </a:solidFill>
+                      <a:prstDash val="solid"/>
+                      <a:round/>
+                      <a:headEnd type="none" w="med" len="med"/>
+                      <a:tailEnd type="none" w="med" len="med"/>
+                    </a:lnL>
+                    <a:lnR w="12700" cap="flat" cmpd="sng" algn="ctr">
+                      <a:solidFill>
+                        <a:srgbClr val="7030A0"/>
+                      </a:solidFill>
+                      <a:prstDash val="solid"/>
+                      <a:round/>
+                      <a:headEnd type="none" w="med" len="med"/>
+                      <a:tailEnd type="none" w="med" len="med"/>
+                    </a:lnR>
+                    <a:lnT w="7620" cap="flat" cmpd="sng" algn="ctr">
+                      <a:solidFill>
+                        <a:srgbClr val="DEDEDE"/>
+                      </a:solidFill>
+                      <a:prstDash val="solid"/>
+                      <a:round/>
+                      <a:headEnd type="none" w="med" len="med"/>
+                      <a:tailEnd type="none" w="med" len="med"/>
+                    </a:lnT>
+                    <a:lnB w="12700" cap="flat" cmpd="sng" algn="ctr">
+                      <a:solidFill>
+                        <a:srgbClr val="7030A0"/>
+                      </a:solidFill>
+                      <a:prstDash val="solid"/>
+                      <a:round/>
+                      <a:headEnd type="none" w="med" len="med"/>
+                      <a:tailEnd type="none" w="med" len="med"/>
+                    </a:lnB>
+                    <a:solidFill>
+                      <a:srgbClr val="FFFFFF"/>
+                    </a:solidFill>
+                  </a:tcPr>
+                </a:tc>
+                <a:extLst>
+                  <a:ext uri="{0D108BD9-81ED-4DB2-BD59-A6C34878D82A}">
+                    <a16:rowId xmlns:a16="http://schemas.microsoft.com/office/drawing/2014/main" val="1928921853"/>
+                  </a:ext>
+                </a:extLst>
+              </a:tr>
+            </a:tbl>
+          </a:graphicData>
+        </a:graphic>
+      </p:graphicFrame>
+      <p:cxnSp>
+        <p:nvCxnSpPr>
+          <p:cNvPr id="20" name="Connector: Curved 19">
+            <a:extLst>
+              <a:ext uri="{FF2B5EF4-FFF2-40B4-BE49-F238E27FC236}">
+                <a16:creationId xmlns:a16="http://schemas.microsoft.com/office/drawing/2014/main" id="{D93B12EF-D801-B6D4-AB7F-8A7743285E09}"/>
+              </a:ext>
+            </a:extLst>
+          </p:cNvPr>
+          <p:cNvCxnSpPr>
+            <a:cxnSpLocks/>
+            <a:stCxn id="21" idx="6"/>
+            <a:endCxn id="24" idx="2"/>
+          </p:cNvCxnSpPr>
+          <p:nvPr/>
+        </p:nvCxnSpPr>
+        <p:spPr>
+          <a:xfrm flipV="1">
+            <a:off x="2998778" y="2515247"/>
+            <a:ext cx="6314163" cy="486180"/>
+          </a:xfrm>
+          <a:prstGeom prst="bentConnector3">
+            <a:avLst/>
+          </a:prstGeom>
+          <a:ln>
+            <a:prstDash val="dash"/>
+            <a:tailEnd type="arrow" w="lg" len="lg"/>
+          </a:ln>
+        </p:spPr>
+        <p:style>
+          <a:lnRef idx="2">
+            <a:schemeClr val="accent1"/>
+          </a:lnRef>
+          <a:fillRef idx="0">
+            <a:schemeClr val="accent1"/>
+          </a:fillRef>
+          <a:effectRef idx="1">
+            <a:schemeClr val="accent1"/>
+          </a:effectRef>
+          <a:fontRef idx="minor">
+            <a:schemeClr val="tx1"/>
+          </a:fontRef>
+        </p:style>
+      </p:cxnSp>
+      <p:sp>
+        <p:nvSpPr>
+          <p:cNvPr id="33" name="Oval 32">
+            <a:extLst>
+              <a:ext uri="{FF2B5EF4-FFF2-40B4-BE49-F238E27FC236}">
+                <a16:creationId xmlns:a16="http://schemas.microsoft.com/office/drawing/2014/main" id="{BCF04F5A-69DD-6697-C3EC-44A471D5112E}"/>
+              </a:ext>
+            </a:extLst>
+          </p:cNvPr>
+          <p:cNvSpPr/>
+          <p:nvPr/>
+        </p:nvSpPr>
+        <p:spPr>
+          <a:xfrm>
+            <a:off x="7418378" y="3926492"/>
+            <a:ext cx="232718" cy="232718"/>
+          </a:xfrm>
+          <a:prstGeom prst="ellipse">
+            <a:avLst/>
+          </a:prstGeom>
+        </p:spPr>
+        <p:style>
+          <a:lnRef idx="2">
+            <a:schemeClr val="accent1">
+              <a:shade val="15000"/>
+            </a:schemeClr>
+          </a:lnRef>
+          <a:fillRef idx="1">
+            <a:schemeClr val="accent1"/>
+          </a:fillRef>
+          <a:effectRef idx="0">
+            <a:schemeClr val="accent1"/>
+          </a:effectRef>
+          <a:fontRef idx="minor">
+            <a:schemeClr val="lt1"/>
+          </a:fontRef>
+        </p:style>
+        <p:txBody>
+          <a:bodyPr rtlCol="0" anchor="ctr"/>
+          <a:lstStyle/>
+          <a:p>
+            <a:pPr algn="ctr"/>
+            <a:endParaRPr lang="en-US"/>
+          </a:p>
+        </p:txBody>
+      </p:sp>
+      <p:cxnSp>
+        <p:nvCxnSpPr>
+          <p:cNvPr id="34" name="Connector: Curved 33">
+            <a:extLst>
+              <a:ext uri="{FF2B5EF4-FFF2-40B4-BE49-F238E27FC236}">
+                <a16:creationId xmlns:a16="http://schemas.microsoft.com/office/drawing/2014/main" id="{8189DB8D-E8CA-7C02-96A3-075208DE165D}"/>
+              </a:ext>
+            </a:extLst>
+          </p:cNvPr>
+          <p:cNvCxnSpPr>
+            <a:cxnSpLocks/>
+            <a:stCxn id="32" idx="6"/>
+            <a:endCxn id="33" idx="2"/>
+          </p:cNvCxnSpPr>
+          <p:nvPr/>
+        </p:nvCxnSpPr>
+        <p:spPr>
+          <a:xfrm>
+            <a:off x="5854077" y="3215928"/>
+            <a:ext cx="1564301" cy="826923"/>
+          </a:xfrm>
+          <a:prstGeom prst="bentConnector3">
+            <a:avLst>
+              <a:gd name="adj1" fmla="val 50000"/>
+            </a:avLst>
+          </a:prstGeom>
+          <a:ln>
+            <a:solidFill>
+              <a:srgbClr val="E97132"/>
+            </a:solidFill>
+            <a:prstDash val="dash"/>
+            <a:tailEnd type="arrow" w="lg" len="lg"/>
+          </a:ln>
+        </p:spPr>
+        <p:style>
+          <a:lnRef idx="2">
+            <a:schemeClr val="accent1"/>
+          </a:lnRef>
+          <a:fillRef idx="0">
+            <a:schemeClr val="accent1"/>
+          </a:fillRef>
+          <a:effectRef idx="1">
+            <a:schemeClr val="accent1"/>
+          </a:effectRef>
+          <a:fontRef idx="minor">
+            <a:schemeClr val="tx1"/>
+          </a:fontRef>
+        </p:style>
+      </p:cxnSp>
+      <p:cxnSp>
+        <p:nvCxnSpPr>
+          <p:cNvPr id="42" name="Connector: Curved 41">
+            <a:extLst>
+              <a:ext uri="{FF2B5EF4-FFF2-40B4-BE49-F238E27FC236}">
+                <a16:creationId xmlns:a16="http://schemas.microsoft.com/office/drawing/2014/main" id="{D68975C6-BA3C-3A92-4ED8-9B9863894204}"/>
+              </a:ext>
+            </a:extLst>
+          </p:cNvPr>
+          <p:cNvCxnSpPr>
+            <a:cxnSpLocks/>
+            <a:stCxn id="40" idx="6"/>
+            <a:endCxn id="41" idx="2"/>
+          </p:cNvCxnSpPr>
+          <p:nvPr/>
+        </p:nvCxnSpPr>
+        <p:spPr>
+          <a:xfrm>
+            <a:off x="4531700" y="3490607"/>
+            <a:ext cx="5549560" cy="2235670"/>
+          </a:xfrm>
+          <a:prstGeom prst="bentConnector3">
+            <a:avLst>
+              <a:gd name="adj1" fmla="val 26383"/>
+            </a:avLst>
+          </a:prstGeom>
+          <a:ln>
+            <a:solidFill>
+              <a:schemeClr val="accent5">
+                <a:lumMod val="75000"/>
+              </a:schemeClr>
+            </a:solidFill>
+            <a:prstDash val="dash"/>
+            <a:tailEnd type="arrow" w="lg" len="lg"/>
+          </a:ln>
+        </p:spPr>
+        <p:style>
+          <a:lnRef idx="2">
+            <a:schemeClr val="accent1"/>
+          </a:lnRef>
+          <a:fillRef idx="0">
+            <a:schemeClr val="accent1"/>
+          </a:fillRef>
+          <a:effectRef idx="1">
+            <a:schemeClr val="accent1"/>
+          </a:effectRef>
+          <a:fontRef idx="minor">
+            <a:schemeClr val="tx1"/>
+          </a:fontRef>
+        </p:style>
+      </p:cxnSp>
+      <p:graphicFrame>
+        <p:nvGraphicFramePr>
+          <p:cNvPr id="13" name="Table 12">
+            <a:extLst>
+              <a:ext uri="{FF2B5EF4-FFF2-40B4-BE49-F238E27FC236}">
+                <a16:creationId xmlns:a16="http://schemas.microsoft.com/office/drawing/2014/main" id="{13AE978B-40C1-4042-6C43-73CD317E28AC}"/>
+              </a:ext>
+            </a:extLst>
+          </p:cNvPr>
+          <p:cNvGraphicFramePr>
+            <a:graphicFrameLocks noGrp="1"/>
+          </p:cNvGraphicFramePr>
+          <p:nvPr>
+            <p:extLst>
+              <p:ext uri="{D42A27DB-BD31-4B8C-83A1-F6EECF244321}">
+                <p14:modId xmlns:p14="http://schemas.microsoft.com/office/powerpoint/2010/main" val="4069853923"/>
+              </p:ext>
+            </p:extLst>
+          </p:nvPr>
+        </p:nvGraphicFramePr>
+        <p:xfrm>
+          <a:off x="7418378" y="3340406"/>
+          <a:ext cx="2343600" cy="1828800"/>
+        </p:xfrm>
+        <a:graphic>
+          <a:graphicData uri="http://schemas.openxmlformats.org/drawingml/2006/table">
+            <a:tbl>
+              <a:tblPr/>
+              <a:tblGrid>
+                <a:gridCol w="1453032">
+                  <a:extLst>
+                    <a:ext uri="{9D8B030D-6E8A-4147-A177-3AD203B41FA5}">
+                      <a16:colId xmlns:a16="http://schemas.microsoft.com/office/drawing/2014/main" val="1995741582"/>
+                    </a:ext>
+                  </a:extLst>
+                </a:gridCol>
+                <a:gridCol w="890568">
+                  <a:extLst>
+                    <a:ext uri="{9D8B030D-6E8A-4147-A177-3AD203B41FA5}">
+                      <a16:colId xmlns:a16="http://schemas.microsoft.com/office/drawing/2014/main" val="168921243"/>
+                    </a:ext>
+                  </a:extLst>
+                </a:gridCol>
+              </a:tblGrid>
+              <a:tr h="0">
+                <a:tc>
+                  <a:txBody>
+                    <a:bodyPr/>
+                    <a:lstStyle/>
+                    <a:p>
+                      <a:pPr algn="l" fontAlgn="t"/>
+                      <a:r>
+                        <a:rPr lang="en-US" sz="1400" b="1" dirty="0">
+                          <a:effectLst/>
+                          <a:highlight>
+                            <a:srgbClr val="F7F8F7"/>
+                          </a:highlight>
+                        </a:rPr>
+                        <a:t>Donut</a:t>
+                      </a:r>
+                    </a:p>
+                  </a:txBody>
+                  <a:tcPr>
+                    <a:lnL w="12700" cap="flat" cmpd="sng" algn="ctr">
+                      <a:solidFill>
+                        <a:schemeClr val="accent2"/>
+                      </a:solidFill>
+                      <a:prstDash val="solid"/>
+                      <a:round/>
+                      <a:headEnd type="none" w="med" len="med"/>
+                      <a:tailEnd type="none" w="med" len="med"/>
+                    </a:lnL>
+                    <a:lnR w="7620" cap="flat" cmpd="sng" algn="ctr">
+                      <a:solidFill>
+                        <a:srgbClr val="DEDEDE"/>
+                      </a:solidFill>
+                      <a:prstDash val="solid"/>
+                      <a:round/>
+                      <a:headEnd type="none" w="med" len="med"/>
+                      <a:tailEnd type="none" w="med" len="med"/>
+                    </a:lnR>
+                    <a:lnT w="12700" cap="flat" cmpd="sng" algn="ctr">
+                      <a:solidFill>
+                        <a:schemeClr val="accent2"/>
+                      </a:solidFill>
+                      <a:prstDash val="solid"/>
+                      <a:round/>
+                      <a:headEnd type="none" w="med" len="med"/>
+                      <a:tailEnd type="none" w="med" len="med"/>
+                    </a:lnT>
+                    <a:lnB w="7620" cap="flat" cmpd="sng" algn="ctr">
+                      <a:solidFill>
+                        <a:srgbClr val="DEDEDE"/>
+                      </a:solidFill>
+                      <a:prstDash val="solid"/>
+                      <a:round/>
+                      <a:headEnd type="none" w="med" len="med"/>
+                      <a:tailEnd type="none" w="med" len="med"/>
+                    </a:lnB>
+                    <a:solidFill>
+                      <a:srgbClr val="F7F8F7"/>
+                    </a:solidFill>
+                  </a:tcPr>
+                </a:tc>
+                <a:tc>
+                  <a:txBody>
+                    <a:bodyPr/>
+                    <a:lstStyle/>
+                    <a:p>
+                      <a:pPr algn="r" fontAlgn="t"/>
+                      <a:r>
+                        <a:rPr lang="en-US" sz="1400" b="1" dirty="0">
+                          <a:effectLst/>
+                          <a:highlight>
+                            <a:srgbClr val="F7F8F7"/>
+                          </a:highlight>
+                        </a:rPr>
+                        <a:t>Quantity</a:t>
+                      </a:r>
+                    </a:p>
+                  </a:txBody>
+                  <a:tcPr>
+                    <a:lnL w="7620" cap="flat" cmpd="sng" algn="ctr">
+                      <a:solidFill>
+                        <a:srgbClr val="DEDEDE"/>
+                      </a:solidFill>
+                      <a:prstDash val="solid"/>
+                      <a:round/>
+                      <a:headEnd type="none" w="med" len="med"/>
+                      <a:tailEnd type="none" w="med" len="med"/>
+                    </a:lnL>
+                    <a:lnR w="12700" cap="flat" cmpd="sng" algn="ctr">
+                      <a:solidFill>
+                        <a:schemeClr val="accent2"/>
+                      </a:solidFill>
+                      <a:prstDash val="solid"/>
+                      <a:round/>
+                      <a:headEnd type="none" w="med" len="med"/>
+                      <a:tailEnd type="none" w="med" len="med"/>
+                    </a:lnR>
+                    <a:lnT w="12700" cap="flat" cmpd="sng" algn="ctr">
+                      <a:solidFill>
+                        <a:schemeClr val="accent2"/>
+                      </a:solidFill>
+                      <a:prstDash val="solid"/>
+                      <a:round/>
+                      <a:headEnd type="none" w="med" len="med"/>
+                      <a:tailEnd type="none" w="med" len="med"/>
+                    </a:lnT>
+                    <a:lnB w="7620" cap="flat" cmpd="sng" algn="ctr">
+                      <a:solidFill>
+                        <a:srgbClr val="DEDEDE"/>
+                      </a:solidFill>
+                      <a:prstDash val="solid"/>
+                      <a:round/>
+                      <a:headEnd type="none" w="med" len="med"/>
+                      <a:tailEnd type="none" w="med" len="med"/>
+                    </a:lnB>
+                    <a:solidFill>
+                      <a:srgbClr val="F7F8F7"/>
+                    </a:solidFill>
+                  </a:tcPr>
+                </a:tc>
+                <a:extLst>
+                  <a:ext uri="{0D108BD9-81ED-4DB2-BD59-A6C34878D82A}">
+                    <a16:rowId xmlns:a16="http://schemas.microsoft.com/office/drawing/2014/main" val="3563842501"/>
+                  </a:ext>
+                </a:extLst>
+              </a:tr>
+              <a:tr h="0">
+                <a:tc>
+                  <a:txBody>
+                    <a:bodyPr/>
+                    <a:lstStyle/>
+                    <a:p>
+                      <a:pPr algn="l" fontAlgn="t"/>
+                      <a:r>
+                        <a:rPr lang="en-US" sz="1400" dirty="0">
+                          <a:effectLst/>
+                        </a:rPr>
+                        <a:t>Old Fashioned</a:t>
+                      </a:r>
+                    </a:p>
+                  </a:txBody>
+                  <a:tcPr>
+                    <a:lnL w="12700" cap="flat" cmpd="sng" algn="ctr">
+                      <a:solidFill>
+                        <a:schemeClr val="accent2"/>
+                      </a:solidFill>
+                      <a:prstDash val="solid"/>
+                      <a:round/>
+                      <a:headEnd type="none" w="med" len="med"/>
+                      <a:tailEnd type="none" w="med" len="med"/>
+                    </a:lnL>
+                    <a:lnR w="7620" cap="flat" cmpd="sng" algn="ctr">
+                      <a:solidFill>
+                        <a:srgbClr val="DEDEDE"/>
+                      </a:solidFill>
+                      <a:prstDash val="solid"/>
+                      <a:round/>
+                      <a:headEnd type="none" w="med" len="med"/>
+                      <a:tailEnd type="none" w="med" len="med"/>
+                    </a:lnR>
+                    <a:lnT w="7620" cap="flat" cmpd="sng" algn="ctr">
+                      <a:solidFill>
+                        <a:srgbClr val="DEDEDE"/>
+                      </a:solidFill>
+                      <a:prstDash val="solid"/>
+                      <a:round/>
+                      <a:headEnd type="none" w="med" len="med"/>
+                      <a:tailEnd type="none" w="med" len="med"/>
+                    </a:lnT>
+                    <a:lnB w="7620" cap="flat" cmpd="sng" algn="ctr">
+                      <a:solidFill>
+                        <a:srgbClr val="DEDEDE"/>
+                      </a:solidFill>
+                      <a:prstDash val="solid"/>
+                      <a:round/>
+                      <a:headEnd type="none" w="med" len="med"/>
+                      <a:tailEnd type="none" w="med" len="med"/>
+                    </a:lnB>
+                    <a:solidFill>
+                      <a:srgbClr val="FFFFFF"/>
+                    </a:solidFill>
+                  </a:tcPr>
+                </a:tc>
+                <a:tc>
+                  <a:txBody>
+                    <a:bodyPr/>
+                    <a:lstStyle/>
+                    <a:p>
+                      <a:pPr algn="r" fontAlgn="t"/>
+                      <a:r>
+                        <a:rPr lang="en-US" sz="1400" dirty="0">
+                          <a:effectLst/>
+                        </a:rPr>
+                        <a:t>48</a:t>
+                      </a:r>
+                    </a:p>
+                  </a:txBody>
+                  <a:tcPr>
+                    <a:lnL w="7620" cap="flat" cmpd="sng" algn="ctr">
+                      <a:solidFill>
+                        <a:srgbClr val="DEDEDE"/>
+                      </a:solidFill>
+                      <a:prstDash val="solid"/>
+                      <a:round/>
+                      <a:headEnd type="none" w="med" len="med"/>
+                      <a:tailEnd type="none" w="med" len="med"/>
+                    </a:lnL>
+                    <a:lnR w="12700" cap="flat" cmpd="sng" algn="ctr">
+                      <a:solidFill>
+                        <a:schemeClr val="accent2"/>
+                      </a:solidFill>
+                      <a:prstDash val="solid"/>
+                      <a:round/>
+                      <a:headEnd type="none" w="med" len="med"/>
+                      <a:tailEnd type="none" w="med" len="med"/>
+                    </a:lnR>
+                    <a:lnT w="7620" cap="flat" cmpd="sng" algn="ctr">
+                      <a:solidFill>
+                        <a:srgbClr val="DEDEDE"/>
+                      </a:solidFill>
+                      <a:prstDash val="solid"/>
+                      <a:round/>
+                      <a:headEnd type="none" w="med" len="med"/>
+                      <a:tailEnd type="none" w="med" len="med"/>
+                    </a:lnT>
+                    <a:lnB w="7620" cap="flat" cmpd="sng" algn="ctr">
+                      <a:solidFill>
+                        <a:srgbClr val="DEDEDE"/>
+                      </a:solidFill>
+                      <a:prstDash val="solid"/>
+                      <a:round/>
+                      <a:headEnd type="none" w="med" len="med"/>
+                      <a:tailEnd type="none" w="med" len="med"/>
+                    </a:lnB>
+                    <a:solidFill>
+                      <a:srgbClr val="FFFFFF"/>
+                    </a:solidFill>
+                  </a:tcPr>
+                </a:tc>
+                <a:extLst>
+                  <a:ext uri="{0D108BD9-81ED-4DB2-BD59-A6C34878D82A}">
+                    <a16:rowId xmlns:a16="http://schemas.microsoft.com/office/drawing/2014/main" val="2718444116"/>
+                  </a:ext>
+                </a:extLst>
+              </a:tr>
+              <a:tr h="0">
+                <a:tc>
+                  <a:txBody>
+                    <a:bodyPr/>
+                    <a:lstStyle/>
+                    <a:p>
+                      <a:pPr algn="l" fontAlgn="t"/>
+                      <a:r>
+                        <a:rPr lang="en-US" sz="1400" dirty="0">
+                          <a:effectLst/>
+                        </a:rPr>
+                        <a:t>Apple Cider</a:t>
+                      </a:r>
+                    </a:p>
+                  </a:txBody>
+                  <a:tcPr>
+                    <a:lnL w="12700" cap="flat" cmpd="sng" algn="ctr">
+                      <a:solidFill>
+                        <a:schemeClr val="accent2"/>
+                      </a:solidFill>
+                      <a:prstDash val="solid"/>
+                      <a:round/>
+                      <a:headEnd type="none" w="med" len="med"/>
+                      <a:tailEnd type="none" w="med" len="med"/>
+                    </a:lnL>
+                    <a:lnR w="7620" cap="flat" cmpd="sng" algn="ctr">
+                      <a:solidFill>
+                        <a:srgbClr val="DEDEDE"/>
+                      </a:solidFill>
+                      <a:prstDash val="solid"/>
+                      <a:round/>
+                      <a:headEnd type="none" w="med" len="med"/>
+                      <a:tailEnd type="none" w="med" len="med"/>
+                    </a:lnR>
+                    <a:lnT w="7620" cap="flat" cmpd="sng" algn="ctr">
+                      <a:solidFill>
+                        <a:srgbClr val="DEDEDE"/>
+                      </a:solidFill>
+                      <a:prstDash val="solid"/>
+                      <a:round/>
+                      <a:headEnd type="none" w="med" len="med"/>
+                      <a:tailEnd type="none" w="med" len="med"/>
+                    </a:lnT>
+                    <a:lnB w="7620" cap="flat" cmpd="sng" algn="ctr">
+                      <a:solidFill>
+                        <a:srgbClr val="DEDEDE"/>
+                      </a:solidFill>
+                      <a:prstDash val="solid"/>
+                      <a:round/>
+                      <a:headEnd type="none" w="med" len="med"/>
+                      <a:tailEnd type="none" w="med" len="med"/>
+                    </a:lnB>
+                    <a:solidFill>
+                      <a:srgbClr val="FFFFFF"/>
+                    </a:solidFill>
+                  </a:tcPr>
+                </a:tc>
+                <a:tc>
+                  <a:txBody>
+                    <a:bodyPr/>
+                    <a:lstStyle/>
+                    <a:p>
+                      <a:pPr algn="r" fontAlgn="t"/>
+                      <a:r>
+                        <a:rPr lang="en-US" sz="1400" dirty="0">
+                          <a:effectLst/>
+                        </a:rPr>
+                        <a:t>12</a:t>
+                      </a:r>
+                    </a:p>
+                  </a:txBody>
+                  <a:tcPr>
+                    <a:lnL w="7620" cap="flat" cmpd="sng" algn="ctr">
+                      <a:solidFill>
+                        <a:srgbClr val="DEDEDE"/>
+                      </a:solidFill>
+                      <a:prstDash val="solid"/>
+                      <a:round/>
+                      <a:headEnd type="none" w="med" len="med"/>
+                      <a:tailEnd type="none" w="med" len="med"/>
+                    </a:lnL>
+                    <a:lnR w="12700" cap="flat" cmpd="sng" algn="ctr">
+                      <a:solidFill>
+                        <a:schemeClr val="accent2"/>
+                      </a:solidFill>
+                      <a:prstDash val="solid"/>
+                      <a:round/>
+                      <a:headEnd type="none" w="med" len="med"/>
+                      <a:tailEnd type="none" w="med" len="med"/>
+                    </a:lnR>
+                    <a:lnT w="7620" cap="flat" cmpd="sng" algn="ctr">
+                      <a:solidFill>
+                        <a:srgbClr val="DEDEDE"/>
+                      </a:solidFill>
+                      <a:prstDash val="solid"/>
+                      <a:round/>
+                      <a:headEnd type="none" w="med" len="med"/>
+                      <a:tailEnd type="none" w="med" len="med"/>
+                    </a:lnT>
+                    <a:lnB w="7620" cap="flat" cmpd="sng" algn="ctr">
+                      <a:solidFill>
+                        <a:srgbClr val="DEDEDE"/>
+                      </a:solidFill>
+                      <a:prstDash val="solid"/>
+                      <a:round/>
+                      <a:headEnd type="none" w="med" len="med"/>
+                      <a:tailEnd type="none" w="med" len="med"/>
+                    </a:lnB>
+                    <a:solidFill>
+                      <a:srgbClr val="FFFFFF"/>
+                    </a:solidFill>
+                  </a:tcPr>
+                </a:tc>
+                <a:extLst>
+                  <a:ext uri="{0D108BD9-81ED-4DB2-BD59-A6C34878D82A}">
+                    <a16:rowId xmlns:a16="http://schemas.microsoft.com/office/drawing/2014/main" val="2602769505"/>
+                  </a:ext>
+                </a:extLst>
+              </a:tr>
+              <a:tr h="0">
+                <a:tc>
+                  <a:txBody>
+                    <a:bodyPr/>
+                    <a:lstStyle/>
+                    <a:p>
+                      <a:pPr algn="l" fontAlgn="t"/>
+                      <a:r>
+                        <a:rPr lang="en-US" sz="1400" dirty="0">
+                          <a:effectLst/>
+                        </a:rPr>
+                        <a:t>Jelly</a:t>
+                      </a:r>
+                    </a:p>
+                  </a:txBody>
+                  <a:tcPr>
+                    <a:lnL w="12700" cap="flat" cmpd="sng" algn="ctr">
+                      <a:solidFill>
+                        <a:schemeClr val="accent2"/>
+                      </a:solidFill>
+                      <a:prstDash val="solid"/>
+                      <a:round/>
+                      <a:headEnd type="none" w="med" len="med"/>
+                      <a:tailEnd type="none" w="med" len="med"/>
+                    </a:lnL>
+                    <a:lnR w="7620" cap="flat" cmpd="sng" algn="ctr">
+                      <a:solidFill>
+                        <a:srgbClr val="DEDEDE"/>
+                      </a:solidFill>
+                      <a:prstDash val="solid"/>
+                      <a:round/>
+                      <a:headEnd type="none" w="med" len="med"/>
+                      <a:tailEnd type="none" w="med" len="med"/>
+                    </a:lnR>
+                    <a:lnT w="7620" cap="flat" cmpd="sng" algn="ctr">
+                      <a:solidFill>
+                        <a:srgbClr val="DEDEDE"/>
+                      </a:solidFill>
+                      <a:prstDash val="solid"/>
+                      <a:round/>
+                      <a:headEnd type="none" w="med" len="med"/>
+                      <a:tailEnd type="none" w="med" len="med"/>
+                    </a:lnT>
+                    <a:lnB w="7620" cap="flat" cmpd="sng" algn="ctr">
+                      <a:solidFill>
+                        <a:srgbClr val="DEDEDE"/>
+                      </a:solidFill>
+                      <a:prstDash val="solid"/>
+                      <a:round/>
+                      <a:headEnd type="none" w="med" len="med"/>
+                      <a:tailEnd type="none" w="med" len="med"/>
+                    </a:lnB>
+                    <a:solidFill>
+                      <a:srgbClr val="FFFFFF"/>
+                    </a:solidFill>
+                  </a:tcPr>
+                </a:tc>
+                <a:tc>
+                  <a:txBody>
+                    <a:bodyPr/>
+                    <a:lstStyle/>
+                    <a:p>
+                      <a:pPr algn="r" fontAlgn="t"/>
+                      <a:r>
+                        <a:rPr lang="en-US" sz="1400" dirty="0">
+                          <a:effectLst/>
+                        </a:rPr>
+                        <a:t>12</a:t>
+                      </a:r>
+                    </a:p>
+                  </a:txBody>
+                  <a:tcPr>
+                    <a:lnL w="7620" cap="flat" cmpd="sng" algn="ctr">
+                      <a:solidFill>
+                        <a:srgbClr val="DEDEDE"/>
+                      </a:solidFill>
+                      <a:prstDash val="solid"/>
+                      <a:round/>
+                      <a:headEnd type="none" w="med" len="med"/>
+                      <a:tailEnd type="none" w="med" len="med"/>
+                    </a:lnL>
+                    <a:lnR w="12700" cap="flat" cmpd="sng" algn="ctr">
+                      <a:solidFill>
+                        <a:schemeClr val="accent2"/>
+                      </a:solidFill>
+                      <a:prstDash val="solid"/>
+                      <a:round/>
+                      <a:headEnd type="none" w="med" len="med"/>
+                      <a:tailEnd type="none" w="med" len="med"/>
+                    </a:lnR>
+                    <a:lnT w="7620" cap="flat" cmpd="sng" algn="ctr">
+                      <a:solidFill>
+                        <a:srgbClr val="DEDEDE"/>
+                      </a:solidFill>
+                      <a:prstDash val="solid"/>
+                      <a:round/>
+                      <a:headEnd type="none" w="med" len="med"/>
+                      <a:tailEnd type="none" w="med" len="med"/>
+                    </a:lnT>
+                    <a:lnB w="7620" cap="flat" cmpd="sng" algn="ctr">
+                      <a:solidFill>
+                        <a:srgbClr val="DEDEDE"/>
+                      </a:solidFill>
+                      <a:prstDash val="solid"/>
+                      <a:round/>
+                      <a:headEnd type="none" w="med" len="med"/>
+                      <a:tailEnd type="none" w="med" len="med"/>
+                    </a:lnB>
+                    <a:solidFill>
+                      <a:srgbClr val="FFFFFF"/>
+                    </a:solidFill>
+                  </a:tcPr>
+                </a:tc>
+                <a:extLst>
+                  <a:ext uri="{0D108BD9-81ED-4DB2-BD59-A6C34878D82A}">
+                    <a16:rowId xmlns:a16="http://schemas.microsoft.com/office/drawing/2014/main" val="3047391649"/>
+                  </a:ext>
+                </a:extLst>
+              </a:tr>
+              <a:tr h="0">
+                <a:tc>
+                  <a:txBody>
+                    <a:bodyPr/>
+                    <a:lstStyle/>
+                    <a:p>
+                      <a:pPr marL="0" marR="0" lvl="0" indent="0" algn="l" defTabSz="914400" rtl="0" eaLnBrk="1" fontAlgn="t" latinLnBrk="0" hangingPunct="1">
+                        <a:lnSpc>
+                          <a:spcPct val="100000"/>
+                        </a:lnSpc>
+                        <a:spcBef>
+                          <a:spcPts val="0"/>
+                        </a:spcBef>
+                        <a:spcAft>
+                          <a:spcPts val="0"/>
+                        </a:spcAft>
+                        <a:buClrTx/>
+                        <a:buSzTx/>
+                        <a:buFontTx/>
+                        <a:buNone/>
+                        <a:tabLst/>
+                        <a:defRPr/>
+                      </a:pPr>
+                      <a:r>
+                        <a:rPr lang="en-US" sz="1400" dirty="0">
+                          <a:effectLst/>
+                        </a:rPr>
+                        <a:t>Blueberry</a:t>
+                      </a:r>
+                    </a:p>
+                  </a:txBody>
+                  <a:tcPr>
+                    <a:lnL w="12700" cap="flat" cmpd="sng" algn="ctr">
+                      <a:solidFill>
+                        <a:schemeClr val="accent2"/>
+                      </a:solidFill>
+                      <a:prstDash val="solid"/>
+                      <a:round/>
+                      <a:headEnd type="none" w="med" len="med"/>
+                      <a:tailEnd type="none" w="med" len="med"/>
+                    </a:lnL>
+                    <a:lnR w="7620" cap="flat" cmpd="sng" algn="ctr">
+                      <a:solidFill>
+                        <a:srgbClr val="DEDEDE"/>
+                      </a:solidFill>
+                      <a:prstDash val="solid"/>
+                      <a:round/>
+                      <a:headEnd type="none" w="med" len="med"/>
+                      <a:tailEnd type="none" w="med" len="med"/>
+                    </a:lnR>
+                    <a:lnT w="7620" cap="flat" cmpd="sng" algn="ctr">
+                      <a:solidFill>
+                        <a:srgbClr val="DEDEDE"/>
+                      </a:solidFill>
+                      <a:prstDash val="solid"/>
+                      <a:round/>
+                      <a:headEnd type="none" w="med" len="med"/>
+                      <a:tailEnd type="none" w="med" len="med"/>
+                    </a:lnT>
+                    <a:lnB w="7620" cap="flat" cmpd="sng" algn="ctr">
+                      <a:solidFill>
+                        <a:srgbClr val="DEDEDE"/>
+                      </a:solidFill>
+                      <a:prstDash val="solid"/>
+                      <a:round/>
+                      <a:headEnd type="none" w="med" len="med"/>
+                      <a:tailEnd type="none" w="med" len="med"/>
+                    </a:lnB>
+                    <a:solidFill>
+                      <a:srgbClr val="FFFFFF"/>
+                    </a:solidFill>
+                  </a:tcPr>
+                </a:tc>
+                <a:tc>
+                  <a:txBody>
+                    <a:bodyPr/>
+                    <a:lstStyle/>
+                    <a:p>
+                      <a:pPr algn="r" fontAlgn="t"/>
+                      <a:r>
+                        <a:rPr lang="en-US" sz="1400" dirty="0">
+                          <a:effectLst/>
+                        </a:rPr>
+                        <a:t>12</a:t>
+                      </a:r>
+                    </a:p>
+                  </a:txBody>
+                  <a:tcPr>
+                    <a:lnL w="7620" cap="flat" cmpd="sng" algn="ctr">
+                      <a:solidFill>
+                        <a:srgbClr val="DEDEDE"/>
+                      </a:solidFill>
+                      <a:prstDash val="solid"/>
+                      <a:round/>
+                      <a:headEnd type="none" w="med" len="med"/>
+                      <a:tailEnd type="none" w="med" len="med"/>
+                    </a:lnL>
+                    <a:lnR w="12700" cap="flat" cmpd="sng" algn="ctr">
+                      <a:solidFill>
+                        <a:schemeClr val="accent2"/>
+                      </a:solidFill>
+                      <a:prstDash val="solid"/>
+                      <a:round/>
+                      <a:headEnd type="none" w="med" len="med"/>
+                      <a:tailEnd type="none" w="med" len="med"/>
+                    </a:lnR>
+                    <a:lnT w="7620" cap="flat" cmpd="sng" algn="ctr">
+                      <a:solidFill>
+                        <a:srgbClr val="DEDEDE"/>
+                      </a:solidFill>
+                      <a:prstDash val="solid"/>
+                      <a:round/>
+                      <a:headEnd type="none" w="med" len="med"/>
+                      <a:tailEnd type="none" w="med" len="med"/>
+                    </a:lnT>
+                    <a:lnB w="7620" cap="flat" cmpd="sng" algn="ctr">
+                      <a:solidFill>
+                        <a:srgbClr val="DEDEDE"/>
+                      </a:solidFill>
+                      <a:prstDash val="solid"/>
+                      <a:round/>
+                      <a:headEnd type="none" w="med" len="med"/>
+                      <a:tailEnd type="none" w="med" len="med"/>
+                    </a:lnB>
+                    <a:solidFill>
+                      <a:srgbClr val="FFFFFF"/>
+                    </a:solidFill>
+                  </a:tcPr>
+                </a:tc>
+                <a:extLst>
+                  <a:ext uri="{0D108BD9-81ED-4DB2-BD59-A6C34878D82A}">
+                    <a16:rowId xmlns:a16="http://schemas.microsoft.com/office/drawing/2014/main" val="422963243"/>
+                  </a:ext>
+                </a:extLst>
+              </a:tr>
+              <a:tr h="0">
+                <a:tc>
+                  <a:txBody>
+                    <a:bodyPr/>
+                    <a:lstStyle/>
+                    <a:p>
+                      <a:pPr algn="l" fontAlgn="t"/>
+                      <a:r>
+                        <a:rPr lang="en-US" sz="1400" dirty="0">
+                          <a:effectLst/>
+                        </a:rPr>
+                        <a:t>Pumpkin Spice</a:t>
+                      </a:r>
+                    </a:p>
+                  </a:txBody>
+                  <a:tcPr>
+                    <a:lnL w="12700" cap="flat" cmpd="sng" algn="ctr">
+                      <a:solidFill>
+                        <a:schemeClr val="accent2"/>
+                      </a:solidFill>
+                      <a:prstDash val="solid"/>
+                      <a:round/>
+                      <a:headEnd type="none" w="med" len="med"/>
+                      <a:tailEnd type="none" w="med" len="med"/>
+                    </a:lnL>
+                    <a:lnR w="7620" cap="flat" cmpd="sng" algn="ctr">
+                      <a:solidFill>
+                        <a:srgbClr val="DEDEDE"/>
+                      </a:solidFill>
+                      <a:prstDash val="solid"/>
+                      <a:round/>
+                      <a:headEnd type="none" w="med" len="med"/>
+                      <a:tailEnd type="none" w="med" len="med"/>
+                    </a:lnR>
+                    <a:lnT w="7620" cap="flat" cmpd="sng" algn="ctr">
+                      <a:solidFill>
+                        <a:srgbClr val="DEDEDE"/>
+                      </a:solidFill>
+                      <a:prstDash val="solid"/>
+                      <a:round/>
+                      <a:headEnd type="none" w="med" len="med"/>
+                      <a:tailEnd type="none" w="med" len="med"/>
+                    </a:lnT>
+                    <a:lnB w="12700" cap="flat" cmpd="sng" algn="ctr">
+                      <a:solidFill>
+                        <a:schemeClr val="accent2"/>
+                      </a:solidFill>
+                      <a:prstDash val="solid"/>
+                      <a:round/>
+                      <a:headEnd type="none" w="med" len="med"/>
+                      <a:tailEnd type="none" w="med" len="med"/>
+                    </a:lnB>
+                    <a:solidFill>
+                      <a:srgbClr val="FFFFFF"/>
+                    </a:solidFill>
+                  </a:tcPr>
+                </a:tc>
+                <a:tc>
+                  <a:txBody>
+                    <a:bodyPr/>
+                    <a:lstStyle/>
+                    <a:p>
+                      <a:pPr algn="r" fontAlgn="t"/>
+                      <a:r>
+                        <a:rPr lang="en-US" sz="1400" dirty="0">
+                          <a:effectLst/>
+                        </a:rPr>
+                        <a:t>1</a:t>
+                      </a:r>
+                    </a:p>
+                  </a:txBody>
+                  <a:tcPr>
+                    <a:lnL w="7620" cap="flat" cmpd="sng" algn="ctr">
+                      <a:solidFill>
+                        <a:srgbClr val="DEDEDE"/>
+                      </a:solidFill>
+                      <a:prstDash val="solid"/>
+                      <a:round/>
+                      <a:headEnd type="none" w="med" len="med"/>
+                      <a:tailEnd type="none" w="med" len="med"/>
+                    </a:lnL>
+                    <a:lnR w="12700" cap="flat" cmpd="sng" algn="ctr">
+                      <a:solidFill>
+                        <a:schemeClr val="accent2"/>
+                      </a:solidFill>
+                      <a:prstDash val="solid"/>
+                      <a:round/>
+                      <a:headEnd type="none" w="med" len="med"/>
+                      <a:tailEnd type="none" w="med" len="med"/>
+                    </a:lnR>
+                    <a:lnT w="7620" cap="flat" cmpd="sng" algn="ctr">
+                      <a:solidFill>
+                        <a:srgbClr val="DEDEDE"/>
+                      </a:solidFill>
+                      <a:prstDash val="solid"/>
+                      <a:round/>
+                      <a:headEnd type="none" w="med" len="med"/>
+                      <a:tailEnd type="none" w="med" len="med"/>
+                    </a:lnT>
+                    <a:lnB w="12700" cap="flat" cmpd="sng" algn="ctr">
+                      <a:solidFill>
+                        <a:schemeClr val="accent2"/>
+                      </a:solidFill>
+                      <a:prstDash val="solid"/>
+                      <a:round/>
+                      <a:headEnd type="none" w="med" len="med"/>
+                      <a:tailEnd type="none" w="med" len="med"/>
+                    </a:lnB>
+                    <a:solidFill>
+                      <a:srgbClr val="FFFFFF"/>
+                    </a:solidFill>
+                  </a:tcPr>
+                </a:tc>
+                <a:extLst>
+                  <a:ext uri="{0D108BD9-81ED-4DB2-BD59-A6C34878D82A}">
+                    <a16:rowId xmlns:a16="http://schemas.microsoft.com/office/drawing/2014/main" val="1928921853"/>
+                  </a:ext>
+                </a:extLst>
+              </a:tr>
+            </a:tbl>
+          </a:graphicData>
+        </a:graphic>
+      </p:graphicFrame>
+    </p:spTree>
+    <p:extLst>
+      <p:ext uri="{BB962C8B-B14F-4D97-AF65-F5344CB8AC3E}">
         <p14:creationId xmlns:p14="http://schemas.microsoft.com/office/powerpoint/2010/main" val="249610728"/>
       </p:ext>
     </p:extLst>
@@ -28349,7 +28739,7 @@
 </p:sld>
 </file>
 
-<file path=ppt/slides/slide22.xml><?xml version="1.0" encoding="utf-8"?>
+<file path=ppt/slides/slide23.xml><?xml version="1.0" encoding="utf-8"?>
 <p:sld xmlns:a="http://schemas.openxmlformats.org/drawingml/2006/main" xmlns:r="http://schemas.openxmlformats.org/officeDocument/2006/relationships" xmlns:p="http://schemas.openxmlformats.org/presentationml/2006/main">
   <p:cSld>
     <p:spTree>
@@ -28424,7 +28814,7 @@
           <a:p>
             <a:fld id="{E6E087A0-8E33-4AD2-B40F-AC5841A95ADE}" type="slidenum">
               <a:rPr lang="en-US" smtClean="0"/>
-              <a:t>22</a:t>
+              <a:t>23</a:t>
             </a:fld>
             <a:endParaRPr lang="en-US"/>
           </a:p>
@@ -28752,7 +29142,7 @@
 </p:sld>
 </file>
 
-<file path=ppt/slides/slide23.xml><?xml version="1.0" encoding="utf-8"?>
+<file path=ppt/slides/slide24.xml><?xml version="1.0" encoding="utf-8"?>
 <p:sld xmlns:a="http://schemas.openxmlformats.org/drawingml/2006/main" xmlns:r="http://schemas.openxmlformats.org/officeDocument/2006/relationships" xmlns:p="http://schemas.openxmlformats.org/presentationml/2006/main">
   <p:cSld>
     <p:spTree>
@@ -28827,7 +29217,7 @@
           <a:p>
             <a:fld id="{E6E087A0-8E33-4AD2-B40F-AC5841A95ADE}" type="slidenum">
               <a:rPr lang="en-US" smtClean="0"/>
-              <a:t>23</a:t>
+              <a:t>24</a:t>
             </a:fld>
             <a:endParaRPr lang="en-US"/>
           </a:p>
@@ -29156,7 +29546,7 @@
 </p:sld>
 </file>
 
-<file path=ppt/slides/slide24.xml><?xml version="1.0" encoding="utf-8"?>
+<file path=ppt/slides/slide25.xml><?xml version="1.0" encoding="utf-8"?>
 <p:sld xmlns:a="http://schemas.openxmlformats.org/drawingml/2006/main" xmlns:r="http://schemas.openxmlformats.org/officeDocument/2006/relationships" xmlns:p="http://schemas.openxmlformats.org/presentationml/2006/main">
   <p:cSld>
     <p:spTree>
@@ -29231,7 +29621,7 @@
           <a:p>
             <a:fld id="{E6E087A0-8E33-4AD2-B40F-AC5841A95ADE}" type="slidenum">
               <a:rPr lang="en-US" smtClean="0"/>
-              <a:t>24</a:t>
+              <a:t>25</a:t>
             </a:fld>
             <a:endParaRPr lang="en-US"/>
           </a:p>
@@ -29559,7 +29949,7 @@
 </p:sld>
 </file>
 
-<file path=ppt/slides/slide25.xml><?xml version="1.0" encoding="utf-8"?>
+<file path=ppt/slides/slide26.xml><?xml version="1.0" encoding="utf-8"?>
 <p:sld xmlns:a="http://schemas.openxmlformats.org/drawingml/2006/main" xmlns:r="http://schemas.openxmlformats.org/officeDocument/2006/relationships" xmlns:p="http://schemas.openxmlformats.org/presentationml/2006/main">
   <p:cSld>
     <p:spTree>
@@ -29634,7 +30024,7 @@
           <a:p>
             <a:fld id="{E6E087A0-8E33-4AD2-B40F-AC5841A95ADE}" type="slidenum">
               <a:rPr lang="en-US" smtClean="0"/>
-              <a:t>25</a:t>
+              <a:t>26</a:t>
             </a:fld>
             <a:endParaRPr lang="en-US"/>
           </a:p>
@@ -29962,7 +30352,7 @@
 </p:sld>
 </file>
 
-<file path=ppt/slides/slide26.xml><?xml version="1.0" encoding="utf-8"?>
+<file path=ppt/slides/slide27.xml><?xml version="1.0" encoding="utf-8"?>
 <p:sld xmlns:a="http://schemas.openxmlformats.org/drawingml/2006/main" xmlns:r="http://schemas.openxmlformats.org/officeDocument/2006/relationships" xmlns:p="http://schemas.openxmlformats.org/presentationml/2006/main">
   <p:cSld>
     <p:spTree>
@@ -30055,7 +30445,7 @@
           <a:p>
             <a:fld id="{E6E087A0-8E33-4AD2-B40F-AC5841A95ADE}" type="slidenum">
               <a:rPr lang="en-US" smtClean="0"/>
-              <a:t>26</a:t>
+              <a:t>27</a:t>
             </a:fld>
             <a:endParaRPr lang="en-US"/>
           </a:p>
@@ -30074,7 +30464,7 @@
 </p:sld>
 </file>
 
-<file path=ppt/slides/slide27.xml><?xml version="1.0" encoding="utf-8"?>
+<file path=ppt/slides/slide28.xml><?xml version="1.0" encoding="utf-8"?>
 <p:sld xmlns:a="http://schemas.openxmlformats.org/drawingml/2006/main" xmlns:r="http://schemas.openxmlformats.org/officeDocument/2006/relationships" xmlns:p="http://schemas.openxmlformats.org/presentationml/2006/main" show="0">
   <p:cSld>
     <p:spTree>
@@ -30167,7 +30557,7 @@
           <a:p>
             <a:fld id="{E6E087A0-8E33-4AD2-B40F-AC5841A95ADE}" type="slidenum">
               <a:rPr lang="en-US" smtClean="0"/>
-              <a:t>27</a:t>
+              <a:t>28</a:t>
             </a:fld>
             <a:endParaRPr lang="en-US"/>
           </a:p>
@@ -30186,7 +30576,7 @@
 </p:sld>
 </file>
 
-<file path=ppt/slides/slide28.xml><?xml version="1.0" encoding="utf-8"?>
+<file path=ppt/slides/slide29.xml><?xml version="1.0" encoding="utf-8"?>
 <p:sld xmlns:a="http://schemas.openxmlformats.org/drawingml/2006/main" xmlns:r="http://schemas.openxmlformats.org/officeDocument/2006/relationships" xmlns:p="http://schemas.openxmlformats.org/presentationml/2006/main" show="0">
   <p:cSld>
     <p:spTree>
@@ -30275,7 +30665,7 @@
           <a:p>
             <a:fld id="{E6E087A0-8E33-4AD2-B40F-AC5841A95ADE}" type="slidenum">
               <a:rPr lang="en-US" smtClean="0"/>
-              <a:t>28</a:t>
+              <a:t>29</a:t>
             </a:fld>
             <a:endParaRPr lang="en-US"/>
           </a:p>
@@ -32621,104 +33011,6 @@
 </p:sld>
 </file>
 
-<file path=ppt/slides/slide29.xml><?xml version="1.0" encoding="utf-8"?>
-<p:sld xmlns:a="http://schemas.openxmlformats.org/drawingml/2006/main" xmlns:r="http://schemas.openxmlformats.org/officeDocument/2006/relationships" xmlns:p="http://schemas.openxmlformats.org/presentationml/2006/main" show="0">
-  <p:cSld>
-    <p:spTree>
-      <p:nvGrpSpPr>
-        <p:cNvPr id="1" name=""/>
-        <p:cNvGrpSpPr/>
-        <p:nvPr/>
-      </p:nvGrpSpPr>
-      <p:grpSpPr>
-        <a:xfrm>
-          <a:off x="0" y="0"/>
-          <a:ext cx="0" cy="0"/>
-          <a:chOff x="0" y="0"/>
-          <a:chExt cx="0" cy="0"/>
-        </a:xfrm>
-      </p:grpSpPr>
-      <p:sp>
-        <p:nvSpPr>
-          <p:cNvPr id="2" name="Slide Number Placeholder 1">
-            <a:extLst>
-              <a:ext uri="{FF2B5EF4-FFF2-40B4-BE49-F238E27FC236}">
-                <a16:creationId xmlns:a16="http://schemas.microsoft.com/office/drawing/2014/main" id="{7E8F1FBF-29C0-4A94-6172-FFBEE3577BC4}"/>
-              </a:ext>
-            </a:extLst>
-          </p:cNvPr>
-          <p:cNvSpPr>
-            <a:spLocks noGrp="1"/>
-          </p:cNvSpPr>
-          <p:nvPr>
-            <p:ph type="sldNum" sz="quarter" idx="12"/>
-          </p:nvPr>
-        </p:nvSpPr>
-        <p:spPr/>
-        <p:txBody>
-          <a:bodyPr/>
-          <a:lstStyle/>
-          <a:p>
-            <a:fld id="{E6E087A0-8E33-4AD2-B40F-AC5841A95ADE}" type="slidenum">
-              <a:rPr lang="en-US" smtClean="0"/>
-              <a:t>29</a:t>
-            </a:fld>
-            <a:endParaRPr lang="en-US"/>
-          </a:p>
-        </p:txBody>
-      </p:sp>
-      <p:sp>
-        <p:nvSpPr>
-          <p:cNvPr id="3" name="TextBox 2">
-            <a:extLst>
-              <a:ext uri="{FF2B5EF4-FFF2-40B4-BE49-F238E27FC236}">
-                <a16:creationId xmlns:a16="http://schemas.microsoft.com/office/drawing/2014/main" id="{097B846E-80CD-434D-C0D1-C36AA8178F0E}"/>
-              </a:ext>
-            </a:extLst>
-          </p:cNvPr>
-          <p:cNvSpPr txBox="1"/>
-          <p:nvPr/>
-        </p:nvSpPr>
-        <p:spPr>
-          <a:xfrm>
-            <a:off x="268282" y="3933982"/>
-            <a:ext cx="11655435" cy="1015663"/>
-          </a:xfrm>
-          <a:prstGeom prst="rect">
-            <a:avLst/>
-          </a:prstGeom>
-          <a:noFill/>
-        </p:spPr>
-        <p:txBody>
-          <a:bodyPr wrap="square" rtlCol="0">
-            <a:spAutoFit/>
-          </a:bodyPr>
-          <a:lstStyle/>
-          <a:p>
-            <a:r>
-              <a:rPr lang="en-US" sz="6000" b="1" dirty="0">
-                <a:latin typeface="Jura" panose="02000503000000000000" pitchFamily="2" charset="0"/>
-                <a:ea typeface="Jura" panose="02000503000000000000" pitchFamily="2" charset="0"/>
-                <a:cs typeface="Courier New" panose="02070309020205020404" pitchFamily="49" charset="0"/>
-              </a:rPr>
-              <a:t>WOULD YOU LIKE TO KNOW MORE?</a:t>
-            </a:r>
-          </a:p>
-        </p:txBody>
-      </p:sp>
-    </p:spTree>
-    <p:extLst>
-      <p:ext uri="{BB962C8B-B14F-4D97-AF65-F5344CB8AC3E}">
-        <p14:creationId xmlns:p14="http://schemas.microsoft.com/office/powerpoint/2010/main" val="3935147936"/>
-      </p:ext>
-    </p:extLst>
-  </p:cSld>
-  <p:clrMapOvr>
-    <a:masterClrMapping/>
-  </p:clrMapOvr>
-</p:sld>
-</file>
-
 <file path=ppt/slides/slide3.xml><?xml version="1.0" encoding="utf-8"?>
 <p:sld xmlns:a="http://schemas.openxmlformats.org/drawingml/2006/main" xmlns:r="http://schemas.openxmlformats.org/officeDocument/2006/relationships" xmlns:p="http://schemas.openxmlformats.org/presentationml/2006/main">
   <p:cSld>
@@ -33817,6 +34109,104 @@
     <p:extLst>
       <p:ext uri="{BB962C8B-B14F-4D97-AF65-F5344CB8AC3E}">
         <p14:creationId xmlns:p14="http://schemas.microsoft.com/office/powerpoint/2010/main" val="391404404"/>
+      </p:ext>
+    </p:extLst>
+  </p:cSld>
+  <p:clrMapOvr>
+    <a:masterClrMapping/>
+  </p:clrMapOvr>
+</p:sld>
+</file>
+
+<file path=ppt/slides/slide30.xml><?xml version="1.0" encoding="utf-8"?>
+<p:sld xmlns:a="http://schemas.openxmlformats.org/drawingml/2006/main" xmlns:r="http://schemas.openxmlformats.org/officeDocument/2006/relationships" xmlns:p="http://schemas.openxmlformats.org/presentationml/2006/main" show="0">
+  <p:cSld>
+    <p:spTree>
+      <p:nvGrpSpPr>
+        <p:cNvPr id="1" name=""/>
+        <p:cNvGrpSpPr/>
+        <p:nvPr/>
+      </p:nvGrpSpPr>
+      <p:grpSpPr>
+        <a:xfrm>
+          <a:off x="0" y="0"/>
+          <a:ext cx="0" cy="0"/>
+          <a:chOff x="0" y="0"/>
+          <a:chExt cx="0" cy="0"/>
+        </a:xfrm>
+      </p:grpSpPr>
+      <p:sp>
+        <p:nvSpPr>
+          <p:cNvPr id="2" name="Slide Number Placeholder 1">
+            <a:extLst>
+              <a:ext uri="{FF2B5EF4-FFF2-40B4-BE49-F238E27FC236}">
+                <a16:creationId xmlns:a16="http://schemas.microsoft.com/office/drawing/2014/main" id="{7E8F1FBF-29C0-4A94-6172-FFBEE3577BC4}"/>
+              </a:ext>
+            </a:extLst>
+          </p:cNvPr>
+          <p:cNvSpPr>
+            <a:spLocks noGrp="1"/>
+          </p:cNvSpPr>
+          <p:nvPr>
+            <p:ph type="sldNum" sz="quarter" idx="12"/>
+          </p:nvPr>
+        </p:nvSpPr>
+        <p:spPr/>
+        <p:txBody>
+          <a:bodyPr/>
+          <a:lstStyle/>
+          <a:p>
+            <a:fld id="{E6E087A0-8E33-4AD2-B40F-AC5841A95ADE}" type="slidenum">
+              <a:rPr lang="en-US" smtClean="0"/>
+              <a:t>30</a:t>
+            </a:fld>
+            <a:endParaRPr lang="en-US"/>
+          </a:p>
+        </p:txBody>
+      </p:sp>
+      <p:sp>
+        <p:nvSpPr>
+          <p:cNvPr id="3" name="TextBox 2">
+            <a:extLst>
+              <a:ext uri="{FF2B5EF4-FFF2-40B4-BE49-F238E27FC236}">
+                <a16:creationId xmlns:a16="http://schemas.microsoft.com/office/drawing/2014/main" id="{097B846E-80CD-434D-C0D1-C36AA8178F0E}"/>
+              </a:ext>
+            </a:extLst>
+          </p:cNvPr>
+          <p:cNvSpPr txBox="1"/>
+          <p:nvPr/>
+        </p:nvSpPr>
+        <p:spPr>
+          <a:xfrm>
+            <a:off x="268282" y="3933982"/>
+            <a:ext cx="11655435" cy="1015663"/>
+          </a:xfrm>
+          <a:prstGeom prst="rect">
+            <a:avLst/>
+          </a:prstGeom>
+          <a:noFill/>
+        </p:spPr>
+        <p:txBody>
+          <a:bodyPr wrap="square" rtlCol="0">
+            <a:spAutoFit/>
+          </a:bodyPr>
+          <a:lstStyle/>
+          <a:p>
+            <a:r>
+              <a:rPr lang="en-US" sz="6000" b="1" dirty="0">
+                <a:latin typeface="Jura" panose="02000503000000000000" pitchFamily="2" charset="0"/>
+                <a:ea typeface="Jura" panose="02000503000000000000" pitchFamily="2" charset="0"/>
+                <a:cs typeface="Courier New" panose="02070309020205020404" pitchFamily="49" charset="0"/>
+              </a:rPr>
+              <a:t>WOULD YOU LIKE TO KNOW MORE?</a:t>
+            </a:r>
+          </a:p>
+        </p:txBody>
+      </p:sp>
+    </p:spTree>
+    <p:extLst>
+      <p:ext uri="{BB962C8B-B14F-4D97-AF65-F5344CB8AC3E}">
+        <p14:creationId xmlns:p14="http://schemas.microsoft.com/office/powerpoint/2010/main" val="3935147936"/>
       </p:ext>
     </p:extLst>
   </p:cSld>
@@ -40537,13 +40927,8 @@
           <a:p>
             <a:r>
               <a:rPr lang="en-US" dirty="0"/>
-              <a:t>1BRC </a:t>
-            </a:r>
-            <a:r>
-              <a:rPr lang="en-US" dirty="0" err="1"/>
-              <a:t>REsults</a:t>
-            </a:r>
-            <a:endParaRPr lang="en-US" dirty="0"/>
+              <a:t>1BRC Results</a:t>
+            </a:r>
           </a:p>
         </p:txBody>
       </p:sp>
